--- a/設計書/00_提案/1_月報管理システム 提案資料.pptx
+++ b/設計書/00_提案/1_月報管理システム 提案資料.pptx
@@ -5,26 +5,27 @@
     <p:sldMasterId id="2147483672" r:id="rId1"/>
   </p:sldMasterIdLst>
   <p:notesMasterIdLst>
-    <p:notesMasterId r:id="rId16"/>
+    <p:notesMasterId r:id="rId17"/>
   </p:notesMasterIdLst>
   <p:handoutMasterIdLst>
-    <p:handoutMasterId r:id="rId17"/>
+    <p:handoutMasterId r:id="rId18"/>
   </p:handoutMasterIdLst>
   <p:sldIdLst>
     <p:sldId id="256" r:id="rId2"/>
     <p:sldId id="257" r:id="rId3"/>
-    <p:sldId id="259" r:id="rId4"/>
-    <p:sldId id="260" r:id="rId5"/>
-    <p:sldId id="276" r:id="rId6"/>
-    <p:sldId id="265" r:id="rId7"/>
-    <p:sldId id="261" r:id="rId8"/>
-    <p:sldId id="270" r:id="rId9"/>
-    <p:sldId id="273" r:id="rId10"/>
-    <p:sldId id="274" r:id="rId11"/>
-    <p:sldId id="266" r:id="rId12"/>
-    <p:sldId id="272" r:id="rId13"/>
-    <p:sldId id="275" r:id="rId14"/>
-    <p:sldId id="263" r:id="rId15"/>
+    <p:sldId id="277" r:id="rId4"/>
+    <p:sldId id="259" r:id="rId5"/>
+    <p:sldId id="260" r:id="rId6"/>
+    <p:sldId id="278" r:id="rId7"/>
+    <p:sldId id="265" r:id="rId8"/>
+    <p:sldId id="261" r:id="rId9"/>
+    <p:sldId id="270" r:id="rId10"/>
+    <p:sldId id="273" r:id="rId11"/>
+    <p:sldId id="274" r:id="rId12"/>
+    <p:sldId id="266" r:id="rId13"/>
+    <p:sldId id="272" r:id="rId14"/>
+    <p:sldId id="275" r:id="rId15"/>
+    <p:sldId id="263" r:id="rId16"/>
   </p:sldIdLst>
   <p:sldSz cx="9144000" cy="6858000" type="screen4x3"/>
   <p:notesSz cx="6858000" cy="9144000"/>
@@ -3017,11 +3018,7 @@
         <a:p>
           <a:r>
             <a:rPr kumimoji="1" lang="ja-JP" altLang="en-US" sz="1800" dirty="0" smtClean="0"/>
-            <a:t>利用者情報</a:t>
-          </a:r>
-          <a:r>
-            <a:rPr kumimoji="1" lang="ja-JP" altLang="en-US" sz="1800" dirty="0" smtClean="0"/>
-            <a:t>変更</a:t>
+            <a:t>利用者情報変更</a:t>
           </a:r>
           <a:endParaRPr kumimoji="1" lang="ja-JP" altLang="en-US" sz="1800" dirty="0"/>
         </a:p>
@@ -3551,11 +3548,7 @@
         <a:p>
           <a:r>
             <a:rPr kumimoji="1" lang="ja-JP" altLang="en-US" sz="1800" dirty="0" smtClean="0"/>
-            <a:t>利用者情報</a:t>
-          </a:r>
-          <a:r>
-            <a:rPr kumimoji="1" lang="ja-JP" altLang="en-US" sz="1800" dirty="0" smtClean="0"/>
-            <a:t>変更</a:t>
+            <a:t>利用者情報変更</a:t>
           </a:r>
           <a:endParaRPr kumimoji="1" lang="ja-JP" altLang="en-US" sz="1800" dirty="0"/>
         </a:p>
@@ -4361,11 +4354,7 @@
         <a:p>
           <a:r>
             <a:rPr kumimoji="1" lang="ja-JP" altLang="en-US" sz="1800" dirty="0" smtClean="0"/>
-            <a:t>利用者情報</a:t>
-          </a:r>
-          <a:r>
-            <a:rPr kumimoji="1" lang="ja-JP" altLang="en-US" sz="1800" dirty="0" smtClean="0"/>
-            <a:t>修正</a:t>
+            <a:t>利用者情報修正</a:t>
           </a:r>
           <a:endParaRPr kumimoji="1" lang="ja-JP" altLang="en-US" sz="1800" dirty="0"/>
         </a:p>
@@ -5874,11 +5863,7 @@
           </a:pPr>
           <a:r>
             <a:rPr kumimoji="1" lang="ja-JP" altLang="en-US" sz="1800" kern="1200" dirty="0" smtClean="0"/>
-            <a:t>利用者情報</a:t>
-          </a:r>
-          <a:r>
-            <a:rPr kumimoji="1" lang="ja-JP" altLang="en-US" sz="1800" kern="1200" dirty="0" smtClean="0"/>
-            <a:t>変更</a:t>
+            <a:t>利用者情報変更</a:t>
           </a:r>
           <a:endParaRPr kumimoji="1" lang="ja-JP" altLang="en-US" sz="1800" kern="1200" dirty="0"/>
         </a:p>
@@ -7192,11 +7177,7 @@
           </a:pPr>
           <a:r>
             <a:rPr kumimoji="1" lang="ja-JP" altLang="en-US" sz="1800" kern="1200" dirty="0" smtClean="0"/>
-            <a:t>利用者情報</a:t>
-          </a:r>
-          <a:r>
-            <a:rPr kumimoji="1" lang="ja-JP" altLang="en-US" sz="1800" kern="1200" dirty="0" smtClean="0"/>
-            <a:t>変更</a:t>
+            <a:t>利用者情報変更</a:t>
           </a:r>
           <a:endParaRPr kumimoji="1" lang="ja-JP" altLang="en-US" sz="1800" kern="1200" dirty="0"/>
         </a:p>
@@ -8504,11 +8485,7 @@
           </a:pPr>
           <a:r>
             <a:rPr kumimoji="1" lang="ja-JP" altLang="en-US" sz="1800" kern="1200" dirty="0" smtClean="0"/>
-            <a:t>利用者情報</a:t>
-          </a:r>
-          <a:r>
-            <a:rPr kumimoji="1" lang="ja-JP" altLang="en-US" sz="1800" kern="1200" dirty="0" smtClean="0"/>
-            <a:t>修正</a:t>
+            <a:t>利用者情報修正</a:t>
           </a:r>
           <a:endParaRPr kumimoji="1" lang="ja-JP" altLang="en-US" sz="1800" kern="1200" dirty="0"/>
         </a:p>
@@ -12676,7 +12653,7 @@
             <a:fld id="{BCDAA5EE-A947-4495-AD3A-0037BFB73522}" type="datetimeFigureOut">
               <a:rPr kumimoji="1" lang="ja-JP" altLang="en-US" smtClean="0"/>
               <a:pPr/>
-              <a:t>2016/8/31</a:t>
+              <a:t>2016/9/30</a:t>
             </a:fld>
             <a:endParaRPr kumimoji="1" lang="ja-JP" altLang="en-US"/>
           </a:p>
@@ -12843,7 +12820,7 @@
             <a:fld id="{B865EC08-ADE3-4A7C-8117-50520C10DDF4}" type="datetimeFigureOut">
               <a:rPr kumimoji="1" lang="ja-JP" altLang="en-US" smtClean="0"/>
               <a:pPr/>
-              <a:t>2016/8/31</a:t>
+              <a:t>2016/9/30</a:t>
             </a:fld>
             <a:endParaRPr kumimoji="1" lang="ja-JP" altLang="en-US"/>
           </a:p>
@@ -13769,7 +13746,7 @@
           <a:p>
             <a:fld id="{3A576C07-E38E-4C3D-BC35-8E17EB8E6E08}" type="datetime1">
               <a:rPr kumimoji="1" lang="ja-JP" altLang="en-US" smtClean="0"/>
-              <a:t>2016/8/31</a:t>
+              <a:t>2016/9/30</a:t>
             </a:fld>
             <a:endParaRPr kumimoji="1" lang="ja-JP" altLang="en-US"/>
           </a:p>
@@ -13998,7 +13975,7 @@
           <a:p>
             <a:fld id="{D0F623A9-937B-4786-8F6C-0B01A518FDEB}" type="datetime1">
               <a:rPr kumimoji="1" lang="ja-JP" altLang="en-US" smtClean="0"/>
-              <a:t>2016/8/31</a:t>
+              <a:t>2016/9/30</a:t>
             </a:fld>
             <a:endParaRPr kumimoji="1" lang="ja-JP" altLang="en-US"/>
           </a:p>
@@ -14216,7 +14193,7 @@
           <a:p>
             <a:fld id="{3C9E95D3-AFAE-4D54-BB7E-F3C2095620FD}" type="datetime1">
               <a:rPr kumimoji="1" lang="ja-JP" altLang="en-US" smtClean="0"/>
-              <a:t>2016/8/31</a:t>
+              <a:t>2016/9/30</a:t>
             </a:fld>
             <a:endParaRPr kumimoji="1" lang="ja-JP" altLang="en-US"/>
           </a:p>
@@ -14399,7 +14376,7 @@
           <a:p>
             <a:fld id="{A1955A63-441B-408C-895B-6B2624043540}" type="datetime1">
               <a:rPr kumimoji="1" lang="ja-JP" altLang="en-US" smtClean="0"/>
-              <a:t>2016/8/31</a:t>
+              <a:t>2016/9/30</a:t>
             </a:fld>
             <a:endParaRPr kumimoji="1" lang="ja-JP" altLang="en-US"/>
           </a:p>
@@ -14655,7 +14632,7 @@
           <a:p>
             <a:fld id="{BB7D982B-7800-4436-BF26-308BFD481496}" type="datetime1">
               <a:rPr kumimoji="1" lang="ja-JP" altLang="en-US" smtClean="0"/>
-              <a:t>2016/8/31</a:t>
+              <a:t>2016/9/30</a:t>
             </a:fld>
             <a:endParaRPr kumimoji="1" lang="ja-JP" altLang="en-US"/>
           </a:p>
@@ -15129,7 +15106,7 @@
           <a:p>
             <a:fld id="{29999401-03DD-4A20-94C7-318741F3EB83}" type="datetime1">
               <a:rPr kumimoji="1" lang="ja-JP" altLang="en-US" smtClean="0"/>
-              <a:t>2016/8/31</a:t>
+              <a:t>2016/9/30</a:t>
             </a:fld>
             <a:endParaRPr kumimoji="1" lang="ja-JP" altLang="en-US"/>
           </a:p>
@@ -15640,7 +15617,7 @@
           <a:p>
             <a:fld id="{F0EA75BA-4C7E-4CF2-823F-8E80C3C309A0}" type="datetime1">
               <a:rPr kumimoji="1" lang="ja-JP" altLang="en-US" smtClean="0"/>
-              <a:t>2016/8/31</a:t>
+              <a:t>2016/9/30</a:t>
             </a:fld>
             <a:endParaRPr kumimoji="1" lang="ja-JP" altLang="en-US"/>
           </a:p>
@@ -15742,7 +15719,7 @@
           <a:p>
             <a:fld id="{98CC5EB7-3AA8-4A7E-B941-5AA34CF65C67}" type="datetime1">
               <a:rPr kumimoji="1" lang="ja-JP" altLang="en-US" smtClean="0"/>
-              <a:t>2016/8/31</a:t>
+              <a:t>2016/9/30</a:t>
             </a:fld>
             <a:endParaRPr kumimoji="1" lang="ja-JP" altLang="en-US"/>
           </a:p>
@@ -15864,7 +15841,7 @@
           <a:p>
             <a:fld id="{1D46C637-6F31-4519-86BD-A8DE27E26308}" type="datetime1">
               <a:rPr kumimoji="1" lang="ja-JP" altLang="en-US" smtClean="0"/>
-              <a:t>2016/8/31</a:t>
+              <a:t>2016/9/30</a:t>
             </a:fld>
             <a:endParaRPr kumimoji="1" lang="ja-JP" altLang="en-US"/>
           </a:p>
@@ -16171,7 +16148,7 @@
           <a:p>
             <a:fld id="{1F18E707-7AD5-425B-9941-61ED8021112A}" type="datetime1">
               <a:rPr kumimoji="1" lang="ja-JP" altLang="en-US" smtClean="0"/>
-              <a:t>2016/8/31</a:t>
+              <a:t>2016/9/30</a:t>
             </a:fld>
             <a:endParaRPr kumimoji="1" lang="ja-JP" altLang="en-US"/>
           </a:p>
@@ -16377,7 +16354,7 @@
           <a:p>
             <a:fld id="{E4E615BB-84E1-4D8C-B2DC-7C8888235217}" type="datetime1">
               <a:rPr kumimoji="1" lang="ja-JP" altLang="en-US" smtClean="0"/>
-              <a:t>2016/8/31</a:t>
+              <a:t>2016/9/30</a:t>
             </a:fld>
             <a:endParaRPr kumimoji="1" lang="ja-JP" altLang="en-US"/>
           </a:p>
@@ -17519,7 +17496,7 @@
           <a:p>
             <a:fld id="{C73A04D8-C60D-483B-AB76-E6A23F203AF6}" type="datetime1">
               <a:rPr kumimoji="1" lang="ja-JP" altLang="en-US" smtClean="0"/>
-              <a:t>2016/8/31</a:t>
+              <a:t>2016/9/30</a:t>
             </a:fld>
             <a:endParaRPr kumimoji="1" lang="ja-JP" altLang="en-US"/>
           </a:p>
@@ -18026,6 +18003,114 @@
           <p:nvPr>
             <p:extLst>
               <p:ext uri="{D42A27DB-BD31-4B8C-83A1-F6EECF244321}">
+                <p14:modId xmlns:p14="http://schemas.microsoft.com/office/powerpoint/2010/main" val="1061927676"/>
+              </p:ext>
+            </p:extLst>
+          </p:nvPr>
+        </p:nvGraphicFramePr>
+        <p:xfrm>
+          <a:off x="539552" y="1442744"/>
+          <a:ext cx="7992888" cy="4608512"/>
+        </p:xfrm>
+        <a:graphic>
+          <a:graphicData uri="http://schemas.openxmlformats.org/drawingml/2006/diagram">
+            <dgm:relIds xmlns:dgm="http://schemas.openxmlformats.org/drawingml/2006/diagram" xmlns:r="http://schemas.openxmlformats.org/officeDocument/2006/relationships" r:dm="rId2" r:lo="rId3" r:qs="rId4" r:cs="rId5"/>
+          </a:graphicData>
+        </a:graphic>
+      </p:graphicFrame>
+      <p:sp>
+        <p:nvSpPr>
+          <p:cNvPr id="2" name="タイトル 1"/>
+          <p:cNvSpPr>
+            <a:spLocks noGrp="1"/>
+          </p:cNvSpPr>
+          <p:nvPr>
+            <p:ph type="title"/>
+          </p:nvPr>
+        </p:nvSpPr>
+        <p:spPr/>
+        <p:txBody>
+          <a:bodyPr>
+            <a:normAutofit/>
+          </a:bodyPr>
+          <a:lstStyle/>
+          <a:p>
+            <a:r>
+              <a:rPr lang="ja-JP" altLang="en-US" dirty="0" smtClean="0"/>
+              <a:t>６－２．画面構成（承認者）</a:t>
+            </a:r>
+            <a:endParaRPr kumimoji="1" lang="ja-JP" altLang="en-US" dirty="0"/>
+          </a:p>
+        </p:txBody>
+      </p:sp>
+      <p:sp>
+        <p:nvSpPr>
+          <p:cNvPr id="3" name="スライド番号プレースホルダー 2"/>
+          <p:cNvSpPr>
+            <a:spLocks noGrp="1"/>
+          </p:cNvSpPr>
+          <p:nvPr>
+            <p:ph type="sldNum" sz="quarter" idx="12"/>
+          </p:nvPr>
+        </p:nvSpPr>
+        <p:spPr/>
+        <p:txBody>
+          <a:bodyPr/>
+          <a:lstStyle/>
+          <a:p>
+            <a:fld id="{1B2C9F7E-80B6-4C3C-8A6C-643968CAB744}" type="slidenum">
+              <a:rPr kumimoji="1" lang="ja-JP" altLang="en-US" smtClean="0"/>
+              <a:pPr/>
+              <a:t>10</a:t>
+            </a:fld>
+            <a:endParaRPr kumimoji="1" lang="ja-JP" altLang="en-US"/>
+          </a:p>
+        </p:txBody>
+      </p:sp>
+    </p:spTree>
+    <p:extLst>
+      <p:ext uri="{BB962C8B-B14F-4D97-AF65-F5344CB8AC3E}">
+        <p14:creationId xmlns:p14="http://schemas.microsoft.com/office/powerpoint/2010/main" val="1065369448"/>
+      </p:ext>
+    </p:extLst>
+  </p:cSld>
+  <p:clrMapOvr>
+    <a:masterClrMapping/>
+  </p:clrMapOvr>
+  <p:timing>
+    <p:tnLst>
+      <p:par>
+        <p:cTn id="1" dur="indefinite" restart="never" nodeType="tmRoot"/>
+      </p:par>
+    </p:tnLst>
+  </p:timing>
+</p:sld>
+</file>
+
+<file path=ppt/slides/slide11.xml><?xml version="1.0" encoding="utf-8"?>
+<p:sld xmlns:a="http://schemas.openxmlformats.org/drawingml/2006/main" xmlns:r="http://schemas.openxmlformats.org/officeDocument/2006/relationships" xmlns:p="http://schemas.openxmlformats.org/presentationml/2006/main">
+  <p:cSld>
+    <p:spTree>
+      <p:nvGrpSpPr>
+        <p:cNvPr id="1" name=""/>
+        <p:cNvGrpSpPr/>
+        <p:nvPr/>
+      </p:nvGrpSpPr>
+      <p:grpSpPr>
+        <a:xfrm>
+          <a:off x="0" y="0"/>
+          <a:ext cx="0" cy="0"/>
+          <a:chOff x="0" y="0"/>
+          <a:chExt cx="0" cy="0"/>
+        </a:xfrm>
+      </p:grpSpPr>
+      <p:graphicFrame>
+        <p:nvGraphicFramePr>
+          <p:cNvPr id="20" name="図表 19"/>
+          <p:cNvGraphicFramePr/>
+          <p:nvPr>
+            <p:extLst>
+              <p:ext uri="{D42A27DB-BD31-4B8C-83A1-F6EECF244321}">
                 <p14:modId xmlns:p14="http://schemas.microsoft.com/office/powerpoint/2010/main" val="1967807179"/>
               </p:ext>
             </p:extLst>
@@ -18230,7 +18315,7 @@
             <a:fld id="{1B2C9F7E-80B6-4C3C-8A6C-643968CAB744}" type="slidenum">
               <a:rPr kumimoji="1" lang="ja-JP" altLang="en-US" smtClean="0"/>
               <a:pPr/>
-              <a:t>10</a:t>
+              <a:t>11</a:t>
             </a:fld>
             <a:endParaRPr kumimoji="1" lang="ja-JP" altLang="en-US"/>
           </a:p>
@@ -18256,7 +18341,7 @@
 </p:sld>
 </file>
 
-<file path=ppt/slides/slide11.xml><?xml version="1.0" encoding="utf-8"?>
+<file path=ppt/slides/slide12.xml><?xml version="1.0" encoding="utf-8"?>
 <p:sld xmlns:a="http://schemas.openxmlformats.org/drawingml/2006/main" xmlns:r="http://schemas.openxmlformats.org/officeDocument/2006/relationships" xmlns:p="http://schemas.openxmlformats.org/presentationml/2006/main">
   <p:cSld>
     <p:spTree>
@@ -18283,7 +18368,7 @@
             <p:ph idx="1"/>
             <p:extLst>
               <p:ext uri="{D42A27DB-BD31-4B8C-83A1-F6EECF244321}">
-                <p14:modId xmlns:p14="http://schemas.microsoft.com/office/powerpoint/2010/main" val="3397213303"/>
+                <p14:modId xmlns:p14="http://schemas.microsoft.com/office/powerpoint/2010/main" val="1338917784"/>
               </p:ext>
             </p:extLst>
           </p:nvPr>
@@ -18585,32 +18670,16 @@
                         <a:rPr lang="ja-JP" altLang="en-US" sz="1400" u="none" strike="noStrike" dirty="0" smtClean="0">
                           <a:effectLst/>
                         </a:rPr>
-                        <a:t>メニュー画面。</a:t>
+                        <a:t>メニュー画面</a:t>
                       </a:r>
-                      <a:endParaRPr lang="en-US" altLang="ja-JP" sz="1400" u="none" strike="noStrike" dirty="0" smtClean="0">
-                        <a:effectLst/>
-                      </a:endParaRPr>
-                    </a:p>
-                    <a:p>
-                      <a:pPr algn="l" fontAlgn="ctr"/>
                       <a:r>
                         <a:rPr lang="ja-JP" altLang="en-US" sz="1400" u="none" strike="noStrike" dirty="0" smtClean="0">
                           <a:effectLst/>
                         </a:rPr>
-                        <a:t>操作</a:t>
+                        <a:t>。</a:t>
                       </a:r>
-                      <a:r>
-                        <a:rPr lang="ja-JP" altLang="en-US" sz="1400" u="none" strike="noStrike" dirty="0">
-                          <a:effectLst/>
-                        </a:rPr>
-                        <a:t>マニュアルや月報のフォーマットも配備。</a:t>
-                      </a:r>
-                      <a:endParaRPr lang="ja-JP" altLang="en-US" sz="1400" b="0" i="0" u="none" strike="noStrike" dirty="0">
-                        <a:solidFill>
-                          <a:srgbClr val="000000"/>
-                        </a:solidFill>
+                      <a:endParaRPr lang="en-US" altLang="ja-JP" sz="1400" u="none" strike="noStrike" dirty="0" smtClean="0">
                         <a:effectLst/>
-                        <a:latin typeface="ＭＳ Ｐゴシック"/>
                       </a:endParaRPr>
                     </a:p>
                   </a:txBody>
@@ -18626,24 +18695,13 @@
                         <a:rPr lang="ja-JP" altLang="en-US" sz="1400" u="none" strike="noStrike" dirty="0">
                           <a:effectLst/>
                         </a:rPr>
-                        <a:t>・メニュー表示</a:t>
+                        <a:t>・メニュー</a:t>
                       </a:r>
-                      <a:br>
-                        <a:rPr lang="ja-JP" altLang="en-US" sz="1400" u="none" strike="noStrike" dirty="0">
-                          <a:effectLst/>
-                        </a:rPr>
-                      </a:br>
                       <a:r>
                         <a:rPr lang="ja-JP" altLang="en-US" sz="1400" u="none" strike="noStrike" dirty="0" smtClean="0">
                           <a:effectLst/>
                         </a:rPr>
-                        <a:t>・フォーマット</a:t>
-                      </a:r>
-                      <a:r>
-                        <a:rPr lang="en-US" altLang="ja-JP" sz="1400" u="none" strike="noStrike" dirty="0">
-                          <a:effectLst/>
-                        </a:rPr>
-                        <a:t>DL</a:t>
+                        <a:t>表示</a:t>
                       </a:r>
                       <a:endParaRPr lang="en-US" altLang="ja-JP" sz="1400" b="0" i="0" u="none" strike="noStrike" dirty="0">
                         <a:solidFill>
@@ -18723,7 +18781,19 @@
                         <a:rPr lang="ja-JP" altLang="en-US" sz="1400" u="none" strike="noStrike" dirty="0">
                           <a:effectLst/>
                         </a:rPr>
-                        <a:t>月報の申請、承認、否認等をメール通知する機能。</a:t>
+                        <a:t>月報の申請、承認、否認等</a:t>
+                      </a:r>
+                      <a:r>
+                        <a:rPr lang="ja-JP" altLang="en-US" sz="1400" u="none" strike="noStrike" dirty="0" smtClean="0">
+                          <a:effectLst/>
+                        </a:rPr>
+                        <a:t>をメール</a:t>
+                      </a:r>
+                      <a:r>
+                        <a:rPr lang="ja-JP" altLang="en-US" sz="1400" u="none" strike="noStrike" dirty="0">
+                          <a:effectLst/>
+                        </a:rPr>
+                        <a:t>通知する機能。</a:t>
                       </a:r>
                       <a:endParaRPr lang="ja-JP" altLang="en-US" sz="1400" b="0" i="0" u="none" strike="noStrike" dirty="0">
                         <a:solidFill>
@@ -18819,7 +18889,7 @@
             <a:fld id="{1B2C9F7E-80B6-4C3C-8A6C-643968CAB744}" type="slidenum">
               <a:rPr kumimoji="1" lang="ja-JP" altLang="en-US" smtClean="0"/>
               <a:pPr/>
-              <a:t>11</a:t>
+              <a:t>12</a:t>
             </a:fld>
             <a:endParaRPr kumimoji="1" lang="ja-JP" altLang="en-US"/>
           </a:p>
@@ -18845,7 +18915,7 @@
 </p:sld>
 </file>
 
-<file path=ppt/slides/slide12.xml><?xml version="1.0" encoding="utf-8"?>
+<file path=ppt/slides/slide13.xml><?xml version="1.0" encoding="utf-8"?>
 <p:sld xmlns:a="http://schemas.openxmlformats.org/drawingml/2006/main" xmlns:r="http://schemas.openxmlformats.org/officeDocument/2006/relationships" xmlns:p="http://schemas.openxmlformats.org/presentationml/2006/main">
   <p:cSld>
     <p:spTree>
@@ -19314,17 +19384,7 @@
                           <a:effectLst/>
                           <a:latin typeface="ＭＳ Ｐゴシック"/>
                         </a:rPr>
-                        <a:t>利用者情報</a:t>
-                      </a:r>
-                      <a:r>
-                        <a:rPr lang="ja-JP" altLang="en-US" sz="1400" b="0" i="0" u="none" strike="noStrike" dirty="0" smtClean="0">
-                          <a:solidFill>
-                            <a:srgbClr val="000000"/>
-                          </a:solidFill>
-                          <a:effectLst/>
-                          <a:latin typeface="ＭＳ Ｐゴシック"/>
-                        </a:rPr>
-                        <a:t>変更</a:t>
+                        <a:t>利用者情報変更</a:t>
                       </a:r>
                       <a:endParaRPr lang="ja-JP" altLang="en-US" sz="1400" b="0" i="0" u="none" strike="noStrike" dirty="0">
                         <a:solidFill>
@@ -19378,7 +19438,17 @@
                           <a:effectLst/>
                           <a:latin typeface="ＭＳ Ｐゴシック"/>
                         </a:rPr>
-                        <a:t>・ユーザ修正</a:t>
+                        <a:t>・</a:t>
+                      </a:r>
+                      <a:r>
+                        <a:rPr lang="ja-JP" altLang="en-US" sz="1400" b="0" i="0" u="none" strike="noStrike" dirty="0" smtClean="0">
+                          <a:solidFill>
+                            <a:srgbClr val="000000"/>
+                          </a:solidFill>
+                          <a:effectLst/>
+                          <a:latin typeface="ＭＳ Ｐゴシック"/>
+                        </a:rPr>
+                        <a:t>ユーザ修正</a:t>
                       </a:r>
                       <a:endParaRPr lang="ja-JP" altLang="en-US" sz="1400" b="0" i="0" u="none" strike="noStrike" dirty="0">
                         <a:solidFill>
@@ -19447,7 +19517,7 @@
             <a:fld id="{1B2C9F7E-80B6-4C3C-8A6C-643968CAB744}" type="slidenum">
               <a:rPr kumimoji="1" lang="ja-JP" altLang="en-US" smtClean="0"/>
               <a:pPr/>
-              <a:t>12</a:t>
+              <a:t>13</a:t>
             </a:fld>
             <a:endParaRPr kumimoji="1" lang="ja-JP" altLang="en-US"/>
           </a:p>
@@ -19473,7 +19543,7 @@
 </p:sld>
 </file>
 
-<file path=ppt/slides/slide13.xml><?xml version="1.0" encoding="utf-8"?>
+<file path=ppt/slides/slide14.xml><?xml version="1.0" encoding="utf-8"?>
 <p:sld xmlns:a="http://schemas.openxmlformats.org/drawingml/2006/main" xmlns:r="http://schemas.openxmlformats.org/officeDocument/2006/relationships" xmlns:p="http://schemas.openxmlformats.org/presentationml/2006/main">
   <p:cSld>
     <p:spTree>
@@ -19500,14 +19570,14 @@
             <p:ph idx="1"/>
             <p:extLst>
               <p:ext uri="{D42A27DB-BD31-4B8C-83A1-F6EECF244321}">
-                <p14:modId xmlns:p14="http://schemas.microsoft.com/office/powerpoint/2010/main" val="4039962289"/>
+                <p14:modId xmlns:p14="http://schemas.microsoft.com/office/powerpoint/2010/main" val="1297680721"/>
               </p:ext>
             </p:extLst>
           </p:nvPr>
         </p:nvGraphicFramePr>
         <p:xfrm>
           <a:off x="601215" y="1484785"/>
-          <a:ext cx="7931225" cy="5087460"/>
+          <a:ext cx="7931225" cy="5155774"/>
         </p:xfrm>
         <a:graphic>
           <a:graphicData uri="http://schemas.openxmlformats.org/drawingml/2006/table">
@@ -19699,30 +19769,16 @@
                         <a:rPr lang="ja-JP" altLang="en-US" sz="1400" u="none" strike="noStrike" dirty="0" smtClean="0">
                           <a:effectLst/>
                         </a:rPr>
-                        <a:t>月報を申請する画面。</a:t>
+                        <a:t>月報を申請する画面</a:t>
+                      </a:r>
+                      <a:r>
+                        <a:rPr lang="ja-JP" altLang="en-US" sz="1400" u="none" strike="noStrike" dirty="0" smtClean="0">
+                          <a:effectLst/>
+                        </a:rPr>
+                        <a:t>。</a:t>
                       </a:r>
                       <a:endParaRPr lang="en-US" altLang="ja-JP" sz="1400" u="none" strike="noStrike" dirty="0" smtClean="0">
                         <a:effectLst/>
-                      </a:endParaRPr>
-                    </a:p>
-                    <a:p>
-                      <a:pPr algn="l" fontAlgn="ctr"/>
-                      <a:r>
-                        <a:rPr lang="ja-JP" altLang="en-US" sz="1400" b="0" i="0" u="none" strike="noStrike" dirty="0" smtClean="0">
-                          <a:solidFill>
-                            <a:srgbClr val="000000"/>
-                          </a:solidFill>
-                          <a:effectLst/>
-                          <a:latin typeface="ＭＳ Ｐゴシック"/>
-                        </a:rPr>
-                        <a:t>月報をアップロードして申請を行う。</a:t>
-                      </a:r>
-                      <a:endParaRPr lang="ja-JP" altLang="en-US" sz="1400" b="0" i="0" u="none" strike="noStrike" dirty="0">
-                        <a:solidFill>
-                          <a:srgbClr val="000000"/>
-                        </a:solidFill>
-                        <a:effectLst/>
-                        <a:latin typeface="ＭＳ Ｐゴシック"/>
                       </a:endParaRPr>
                     </a:p>
                   </a:txBody>
@@ -20086,30 +20142,16 @@
                         <a:rPr lang="ja-JP" altLang="en-US" sz="1400" u="none" strike="noStrike" dirty="0" smtClean="0">
                           <a:effectLst/>
                         </a:rPr>
-                        <a:t>月報を承認・否認する画面。</a:t>
+                        <a:t>月報を承認・否認する画面</a:t>
+                      </a:r>
+                      <a:r>
+                        <a:rPr lang="ja-JP" altLang="en-US" sz="1400" u="none" strike="noStrike" dirty="0" smtClean="0">
+                          <a:effectLst/>
+                        </a:rPr>
+                        <a:t>。</a:t>
                       </a:r>
                       <a:endParaRPr lang="en-US" altLang="ja-JP" sz="1400" u="none" strike="noStrike" dirty="0" smtClean="0">
                         <a:effectLst/>
-                      </a:endParaRPr>
-                    </a:p>
-                    <a:p>
-                      <a:pPr algn="l" fontAlgn="ctr"/>
-                      <a:r>
-                        <a:rPr lang="ja-JP" altLang="en-US" sz="1400" b="0" i="0" u="none" strike="noStrike" dirty="0" smtClean="0">
-                          <a:solidFill>
-                            <a:srgbClr val="000000"/>
-                          </a:solidFill>
-                          <a:effectLst/>
-                          <a:latin typeface="ＭＳ Ｐゴシック"/>
-                        </a:rPr>
-                        <a:t>月報をアップロードして承認を行う。</a:t>
-                      </a:r>
-                      <a:endParaRPr lang="ja-JP" altLang="en-US" sz="1400" b="0" i="0" u="none" strike="noStrike" dirty="0">
-                        <a:solidFill>
-                          <a:srgbClr val="000000"/>
-                        </a:solidFill>
-                        <a:effectLst/>
-                        <a:latin typeface="ＭＳ Ｐゴシック"/>
                       </a:endParaRPr>
                     </a:p>
                   </a:txBody>
@@ -20226,7 +20268,90 @@
                           <a:effectLst/>
                           <a:latin typeface="ＭＳ Ｐゴシック"/>
                         </a:rPr>
-                        <a:t>月報を一括で承認・否認する画面。</a:t>
+                        <a:t>月報を一括で承認・否認する画面</a:t>
+                      </a:r>
+                      <a:r>
+                        <a:rPr lang="ja-JP" altLang="en-US" sz="1400" b="0" i="0" u="none" strike="noStrike" dirty="0" smtClean="0">
+                          <a:solidFill>
+                            <a:srgbClr val="000000"/>
+                          </a:solidFill>
+                          <a:effectLst/>
+                          <a:latin typeface="ＭＳ Ｐゴシック"/>
+                        </a:rPr>
+                        <a:t>。</a:t>
+                      </a:r>
+                      <a:endParaRPr lang="en-US" altLang="ja-JP" sz="1400" b="0" i="0" u="none" strike="noStrike" dirty="0" smtClean="0">
+                        <a:solidFill>
+                          <a:srgbClr val="000000"/>
+                        </a:solidFill>
+                        <a:effectLst/>
+                        <a:latin typeface="ＭＳ Ｐゴシック"/>
+                      </a:endParaRPr>
+                    </a:p>
+                  </a:txBody>
+                  <a:tcPr marL="8355" marR="8355" marT="8355" marB="0" anchor="ctr"/>
+                </a:tc>
+                <a:tc>
+                  <a:txBody>
+                    <a:bodyPr/>
+                    <a:lstStyle/>
+                    <a:p>
+                      <a:pPr marL="0" marR="0" indent="0" algn="l" defTabSz="914400" rtl="0" eaLnBrk="1" fontAlgn="ctr" latinLnBrk="0" hangingPunct="1">
+                        <a:lnSpc>
+                          <a:spcPct val="100000"/>
+                        </a:lnSpc>
+                        <a:spcBef>
+                          <a:spcPts val="0"/>
+                        </a:spcBef>
+                        <a:spcAft>
+                          <a:spcPts val="0"/>
+                        </a:spcAft>
+                        <a:buClrTx/>
+                        <a:buSzTx/>
+                        <a:buFontTx/>
+                        <a:buNone/>
+                        <a:tabLst/>
+                        <a:defRPr/>
+                      </a:pPr>
+                      <a:r>
+                        <a:rPr lang="ja-JP" altLang="en-US" sz="1400" b="0" i="0" u="none" strike="noStrike" dirty="0" smtClean="0">
+                          <a:solidFill>
+                            <a:srgbClr val="000000"/>
+                          </a:solidFill>
+                          <a:effectLst/>
+                          <a:latin typeface="ＭＳ Ｐゴシック"/>
+                        </a:rPr>
+                        <a:t>・月報一括</a:t>
+                      </a:r>
+                      <a:r>
+                        <a:rPr lang="ja-JP" altLang="en-US" sz="1400" b="0" i="0" u="none" strike="noStrike" dirty="0" smtClean="0">
+                          <a:solidFill>
+                            <a:srgbClr val="000000"/>
+                          </a:solidFill>
+                          <a:effectLst/>
+                          <a:latin typeface="ＭＳ Ｐゴシック"/>
+                        </a:rPr>
+                        <a:t>承認（一括</a:t>
+                      </a:r>
+                      <a:r>
+                        <a:rPr lang="en-US" altLang="ja-JP" sz="1400" b="0" i="0" u="none" strike="noStrike" dirty="0" smtClean="0">
+                          <a:solidFill>
+                            <a:srgbClr val="000000"/>
+                          </a:solidFill>
+                          <a:effectLst/>
+                          <a:latin typeface="ＭＳ Ｐゴシック"/>
+                        </a:rPr>
+                        <a:t>UP</a:t>
+                      </a:r>
+                      <a:r>
+                        <a:rPr lang="ja-JP" altLang="en-US" sz="1400" b="0" i="0" u="none" strike="noStrike" dirty="0" smtClean="0">
+                          <a:solidFill>
+                            <a:srgbClr val="000000"/>
+                          </a:solidFill>
+                          <a:effectLst/>
+                          <a:latin typeface="ＭＳ Ｐゴシック"/>
+                        </a:rPr>
+                        <a:t>）</a:t>
                       </a:r>
                       <a:endParaRPr lang="en-US" altLang="ja-JP" sz="1400" b="0" i="0" u="none" strike="noStrike" dirty="0" smtClean="0">
                         <a:solidFill>
@@ -20262,17 +20387,7 @@
                           <a:effectLst/>
                           <a:latin typeface="ＭＳ Ｐゴシック"/>
                         </a:rPr>
-                        <a:t>月報を一括</a:t>
-                      </a:r>
-                      <a:r>
-                        <a:rPr lang="en-US" altLang="ja-JP" sz="1400" b="0" i="0" u="none" strike="noStrike" dirty="0" smtClean="0">
-                          <a:solidFill>
-                            <a:srgbClr val="000000"/>
-                          </a:solidFill>
-                          <a:effectLst/>
-                          <a:latin typeface="ＭＳ Ｐゴシック"/>
-                        </a:rPr>
-                        <a:t>UP</a:t>
+                        <a:t>・</a:t>
                       </a:r>
                       <a:r>
                         <a:rPr lang="ja-JP" altLang="en-US" sz="1400" b="0" i="0" u="none" strike="noStrike" dirty="0" smtClean="0">
@@ -20282,125 +20397,7 @@
                           <a:effectLst/>
                           <a:latin typeface="ＭＳ Ｐゴシック"/>
                         </a:rPr>
-                        <a:t>して承認を行う。</a:t>
-                      </a:r>
-                    </a:p>
-                  </a:txBody>
-                  <a:tcPr marL="8355" marR="8355" marT="8355" marB="0" anchor="ctr"/>
-                </a:tc>
-                <a:tc>
-                  <a:txBody>
-                    <a:bodyPr/>
-                    <a:lstStyle/>
-                    <a:p>
-                      <a:pPr marL="0" marR="0" indent="0" algn="l" defTabSz="914400" rtl="0" eaLnBrk="1" fontAlgn="ctr" latinLnBrk="0" hangingPunct="1">
-                        <a:lnSpc>
-                          <a:spcPct val="100000"/>
-                        </a:lnSpc>
-                        <a:spcBef>
-                          <a:spcPts val="0"/>
-                        </a:spcBef>
-                        <a:spcAft>
-                          <a:spcPts val="0"/>
-                        </a:spcAft>
-                        <a:buClrTx/>
-                        <a:buSzTx/>
-                        <a:buFontTx/>
-                        <a:buNone/>
-                        <a:tabLst/>
-                        <a:defRPr/>
-                      </a:pPr>
-                      <a:r>
-                        <a:rPr lang="ja-JP" altLang="en-US" sz="1400" b="0" i="0" u="none" strike="noStrike" dirty="0" smtClean="0">
-                          <a:solidFill>
-                            <a:srgbClr val="000000"/>
-                          </a:solidFill>
-                          <a:effectLst/>
-                          <a:latin typeface="ＭＳ Ｐゴシック"/>
-                        </a:rPr>
-                        <a:t>・月報一括承認</a:t>
-                      </a:r>
-                      <a:endParaRPr lang="en-US" altLang="ja-JP" sz="1400" b="0" i="0" u="none" strike="noStrike" dirty="0" smtClean="0">
-                        <a:solidFill>
-                          <a:srgbClr val="000000"/>
-                        </a:solidFill>
-                        <a:effectLst/>
-                        <a:latin typeface="ＭＳ Ｐゴシック"/>
-                      </a:endParaRPr>
-                    </a:p>
-                    <a:p>
-                      <a:pPr marL="0" marR="0" indent="0" algn="l" defTabSz="914400" rtl="0" eaLnBrk="1" fontAlgn="ctr" latinLnBrk="0" hangingPunct="1">
-                        <a:lnSpc>
-                          <a:spcPct val="100000"/>
-                        </a:lnSpc>
-                        <a:spcBef>
-                          <a:spcPts val="0"/>
-                        </a:spcBef>
-                        <a:spcAft>
-                          <a:spcPts val="0"/>
-                        </a:spcAft>
-                        <a:buClrTx/>
-                        <a:buSzTx/>
-                        <a:buFontTx/>
-                        <a:buNone/>
-                        <a:tabLst/>
-                        <a:defRPr/>
-                      </a:pPr>
-                      <a:r>
-                        <a:rPr lang="ja-JP" altLang="en-US" sz="1400" b="0" i="0" u="none" strike="noStrike" dirty="0" smtClean="0">
-                          <a:solidFill>
-                            <a:srgbClr val="000000"/>
-                          </a:solidFill>
-                          <a:effectLst/>
-                          <a:latin typeface="ＭＳ Ｐゴシック"/>
-                        </a:rPr>
-                        <a:t>・月報一括否認</a:t>
-                      </a:r>
-                      <a:endParaRPr lang="en-US" altLang="ja-JP" sz="1400" b="0" i="0" u="none" strike="noStrike" dirty="0" smtClean="0">
-                        <a:solidFill>
-                          <a:srgbClr val="000000"/>
-                        </a:solidFill>
-                        <a:effectLst/>
-                        <a:latin typeface="ＭＳ Ｐゴシック"/>
-                      </a:endParaRPr>
-                    </a:p>
-                    <a:p>
-                      <a:pPr marL="0" marR="0" indent="0" algn="l" defTabSz="914400" rtl="0" eaLnBrk="1" fontAlgn="ctr" latinLnBrk="0" hangingPunct="1">
-                        <a:lnSpc>
-                          <a:spcPct val="100000"/>
-                        </a:lnSpc>
-                        <a:spcBef>
-                          <a:spcPts val="0"/>
-                        </a:spcBef>
-                        <a:spcAft>
-                          <a:spcPts val="0"/>
-                        </a:spcAft>
-                        <a:buClrTx/>
-                        <a:buSzTx/>
-                        <a:buFontTx/>
-                        <a:buNone/>
-                        <a:tabLst/>
-                        <a:defRPr/>
-                      </a:pPr>
-                      <a:r>
-                        <a:rPr lang="ja-JP" altLang="en-US" sz="1400" b="0" i="0" u="none" strike="noStrike" dirty="0" smtClean="0">
-                          <a:solidFill>
-                            <a:srgbClr val="000000"/>
-                          </a:solidFill>
-                          <a:effectLst/>
-                          <a:latin typeface="ＭＳ Ｐゴシック"/>
-                        </a:rPr>
-                        <a:t>・月報一括</a:t>
-                      </a:r>
-                      <a:r>
-                        <a:rPr lang="en-US" altLang="ja-JP" sz="1400" b="0" i="0" u="none" strike="noStrike" dirty="0" smtClean="0">
-                          <a:solidFill>
-                            <a:srgbClr val="000000"/>
-                          </a:solidFill>
-                          <a:effectLst/>
-                          <a:latin typeface="ＭＳ Ｐゴシック"/>
-                        </a:rPr>
-                        <a:t>UP</a:t>
+                        <a:t>月報一括否認</a:t>
                       </a:r>
                       <a:endParaRPr lang="en-US" altLang="ja-JP" sz="1400" b="0" i="0" u="none" strike="noStrike" dirty="0" smtClean="0">
                         <a:solidFill>
@@ -20860,8 +20857,95 @@
                           <a:effectLst/>
                           <a:latin typeface="ＭＳ Ｐゴシック"/>
                         </a:rPr>
-                        <a:t>全ての月報を一覧表示する画面。</a:t>
+                        <a:t>全ての月報を一覧表示する画面</a:t>
                       </a:r>
+                      <a:r>
+                        <a:rPr lang="ja-JP" altLang="en-US" sz="1400" b="0" i="0" u="none" strike="noStrike" dirty="0" smtClean="0">
+                          <a:solidFill>
+                            <a:srgbClr val="000000"/>
+                          </a:solidFill>
+                          <a:effectLst/>
+                          <a:latin typeface="ＭＳ Ｐゴシック"/>
+                        </a:rPr>
+                        <a:t>。</a:t>
+                      </a:r>
+                      <a:endParaRPr lang="en-US" altLang="ja-JP" sz="1400" b="0" i="0" u="none" strike="noStrike" dirty="0" smtClean="0">
+                        <a:solidFill>
+                          <a:srgbClr val="000000"/>
+                        </a:solidFill>
+                        <a:effectLst/>
+                        <a:latin typeface="ＭＳ Ｐゴシック"/>
+                      </a:endParaRPr>
+                    </a:p>
+                    <a:p>
+                      <a:pPr algn="l" fontAlgn="ctr"/>
+                      <a:r>
+                        <a:rPr lang="ja-JP" altLang="en-US" sz="1400" b="0" i="0" u="none" strike="noStrike" dirty="0" smtClean="0">
+                          <a:solidFill>
+                            <a:srgbClr val="000000"/>
+                          </a:solidFill>
+                          <a:effectLst/>
+                          <a:latin typeface="ＭＳ Ｐゴシック"/>
+                        </a:rPr>
+                        <a:t>月報の一括</a:t>
+                      </a:r>
+                      <a:r>
+                        <a:rPr lang="en-US" altLang="ja-JP" sz="1400" b="0" i="0" u="none" strike="noStrike" dirty="0" smtClean="0">
+                          <a:solidFill>
+                            <a:srgbClr val="000000"/>
+                          </a:solidFill>
+                          <a:effectLst/>
+                          <a:latin typeface="ＭＳ Ｐゴシック"/>
+                        </a:rPr>
+                        <a:t>DL</a:t>
+                      </a:r>
+                      <a:r>
+                        <a:rPr lang="ja-JP" altLang="en-US" sz="1400" b="0" i="0" u="none" strike="noStrike" dirty="0" err="1" smtClean="0">
+                          <a:solidFill>
+                            <a:srgbClr val="000000"/>
+                          </a:solidFill>
+                          <a:effectLst/>
+                          <a:latin typeface="ＭＳ Ｐゴシック"/>
+                        </a:rPr>
+                        <a:t>、</a:t>
+                      </a:r>
+                      <a:r>
+                        <a:rPr lang="ja-JP" altLang="en-US" sz="1400" b="0" i="0" u="none" strike="noStrike" dirty="0" smtClean="0">
+                          <a:solidFill>
+                            <a:srgbClr val="000000"/>
+                          </a:solidFill>
+                          <a:effectLst/>
+                          <a:latin typeface="ＭＳ Ｐゴシック"/>
+                        </a:rPr>
+                        <a:t>提出一覧表の</a:t>
+                      </a:r>
+                      <a:r>
+                        <a:rPr lang="en-US" altLang="ja-JP" sz="1400" b="0" i="0" u="none" strike="noStrike" dirty="0" smtClean="0">
+                          <a:solidFill>
+                            <a:srgbClr val="000000"/>
+                          </a:solidFill>
+                          <a:effectLst/>
+                          <a:latin typeface="ＭＳ Ｐゴシック"/>
+                        </a:rPr>
+                        <a:t>DL</a:t>
+                      </a:r>
+                      <a:r>
+                        <a:rPr lang="ja-JP" altLang="en-US" sz="1400" b="0" i="0" u="none" strike="noStrike" dirty="0" smtClean="0">
+                          <a:solidFill>
+                            <a:srgbClr val="000000"/>
+                          </a:solidFill>
+                          <a:effectLst/>
+                          <a:latin typeface="ＭＳ Ｐゴシック"/>
+                        </a:rPr>
+                        <a:t>も可能。</a:t>
+                      </a:r>
+                      <a:endParaRPr lang="ja-JP" altLang="en-US" sz="1400" b="0" i="0" u="none" strike="noStrike" dirty="0" smtClean="0">
+                        <a:solidFill>
+                          <a:srgbClr val="000000"/>
+                        </a:solidFill>
+                        <a:effectLst/>
+                        <a:latin typeface="ＭＳ Ｐゴシック"/>
+                      </a:endParaRPr>
                     </a:p>
                   </a:txBody>
                   <a:tcPr marL="8355" marR="8355" marT="8355" marB="0" anchor="ctr"/>
@@ -20944,6 +21028,45 @@
                         </a:rPr>
                         <a:t>DL</a:t>
                       </a:r>
+                    </a:p>
+                    <a:p>
+                      <a:pPr marL="0" marR="0" indent="0" algn="l" defTabSz="914400" rtl="0" eaLnBrk="1" fontAlgn="ctr" latinLnBrk="0" hangingPunct="1">
+                        <a:lnSpc>
+                          <a:spcPct val="100000"/>
+                        </a:lnSpc>
+                        <a:spcBef>
+                          <a:spcPts val="0"/>
+                        </a:spcBef>
+                        <a:spcAft>
+                          <a:spcPts val="0"/>
+                        </a:spcAft>
+                        <a:buClrTx/>
+                        <a:buSzTx/>
+                        <a:buFontTx/>
+                        <a:buNone/>
+                        <a:tabLst/>
+                        <a:defRPr/>
+                      </a:pPr>
+                      <a:r>
+                        <a:rPr lang="ja-JP" altLang="en-US" sz="1400" b="0" i="0" u="none" strike="noStrike" dirty="0" smtClean="0">
+                          <a:solidFill>
+                            <a:srgbClr val="000000"/>
+                          </a:solidFill>
+                          <a:effectLst/>
+                          <a:latin typeface="ＭＳ Ｐゴシック"/>
+                        </a:rPr>
+                        <a:t>・提出一覧表</a:t>
+                      </a:r>
+                      <a:r>
+                        <a:rPr lang="en-US" altLang="ja-JP" sz="1400" b="0" i="0" u="none" strike="noStrike" dirty="0" smtClean="0">
+                          <a:solidFill>
+                            <a:srgbClr val="000000"/>
+                          </a:solidFill>
+                          <a:effectLst/>
+                          <a:latin typeface="ＭＳ Ｐゴシック"/>
+                        </a:rPr>
+                        <a:t>DL</a:t>
+                      </a:r>
                       <a:endParaRPr lang="en-US" altLang="ja-JP" sz="1400" b="0" i="0" u="none" strike="noStrike" dirty="0" smtClean="0">
                         <a:solidFill>
                           <a:schemeClr val="tx1"/>
@@ -21015,7 +21138,7 @@
             <a:fld id="{1B2C9F7E-80B6-4C3C-8A6C-643968CAB744}" type="slidenum">
               <a:rPr kumimoji="1" lang="ja-JP" altLang="en-US" smtClean="0"/>
               <a:pPr/>
-              <a:t>13</a:t>
+              <a:t>14</a:t>
             </a:fld>
             <a:endParaRPr kumimoji="1" lang="ja-JP" altLang="en-US"/>
           </a:p>
@@ -21041,7 +21164,7 @@
 </p:sld>
 </file>
 
-<file path=ppt/slides/slide14.xml><?xml version="1.0" encoding="utf-8"?>
+<file path=ppt/slides/slide15.xml><?xml version="1.0" encoding="utf-8"?>
 <p:sld xmlns:a="http://schemas.openxmlformats.org/drawingml/2006/main" xmlns:r="http://schemas.openxmlformats.org/officeDocument/2006/relationships" xmlns:p="http://schemas.openxmlformats.org/presentationml/2006/main">
   <p:cSld>
     <p:spTree>
@@ -37681,9 +37804,58 @@
             <a:fld id="{1B2C9F7E-80B6-4C3C-8A6C-643968CAB744}" type="slidenum">
               <a:rPr kumimoji="1" lang="ja-JP" altLang="en-US" smtClean="0"/>
               <a:pPr/>
-              <a:t>14</a:t>
+              <a:t>15</a:t>
             </a:fld>
             <a:endParaRPr kumimoji="1" lang="ja-JP" altLang="en-US"/>
+          </a:p>
+        </p:txBody>
+      </p:sp>
+      <p:sp>
+        <p:nvSpPr>
+          <p:cNvPr id="4" name="正方形/長方形 3"/>
+          <p:cNvSpPr/>
+          <p:nvPr/>
+        </p:nvSpPr>
+        <p:spPr>
+          <a:xfrm>
+            <a:off x="2555776" y="2420888"/>
+            <a:ext cx="5976664" cy="3024336"/>
+          </a:xfrm>
+          <a:prstGeom prst="rect">
+            <a:avLst/>
+          </a:prstGeom>
+          <a:solidFill>
+            <a:schemeClr val="accent2">
+              <a:lumMod val="20000"/>
+              <a:lumOff val="80000"/>
+              <a:alpha val="60000"/>
+            </a:schemeClr>
+          </a:solidFill>
+        </p:spPr>
+        <p:style>
+          <a:lnRef idx="2">
+            <a:schemeClr val="accent2"/>
+          </a:lnRef>
+          <a:fillRef idx="1">
+            <a:schemeClr val="lt1"/>
+          </a:fillRef>
+          <a:effectRef idx="0">
+            <a:schemeClr val="accent2"/>
+          </a:effectRef>
+          <a:fontRef idx="minor">
+            <a:schemeClr val="dk1"/>
+          </a:fontRef>
+        </p:style>
+        <p:txBody>
+          <a:bodyPr rtlCol="0" anchor="ctr"/>
+          <a:lstStyle/>
+          <a:p>
+            <a:pPr algn="ctr"/>
+            <a:r>
+              <a:rPr kumimoji="1" lang="ja-JP" altLang="en-US" dirty="0" smtClean="0"/>
+              <a:t>見直し中</a:t>
+            </a:r>
+            <a:endParaRPr kumimoji="1" lang="ja-JP" altLang="en-US" dirty="0"/>
           </a:p>
         </p:txBody>
       </p:sp>
@@ -37909,6 +38081,2812 @@
 
 <file path=ppt/slides/slide3.xml><?xml version="1.0" encoding="utf-8"?>
 <p:sld xmlns:a="http://schemas.openxmlformats.org/drawingml/2006/main" xmlns:r="http://schemas.openxmlformats.org/officeDocument/2006/relationships" xmlns:p="http://schemas.openxmlformats.org/presentationml/2006/main">
+  <p:cSld>
+    <p:spTree>
+      <p:nvGrpSpPr>
+        <p:cNvPr id="1" name=""/>
+        <p:cNvGrpSpPr/>
+        <p:nvPr/>
+      </p:nvGrpSpPr>
+      <p:grpSpPr>
+        <a:xfrm>
+          <a:off x="0" y="0"/>
+          <a:ext cx="0" cy="0"/>
+          <a:chOff x="0" y="0"/>
+          <a:chExt cx="0" cy="0"/>
+        </a:xfrm>
+      </p:grpSpPr>
+      <p:sp>
+        <p:nvSpPr>
+          <p:cNvPr id="2" name="タイトル 1"/>
+          <p:cNvSpPr>
+            <a:spLocks noGrp="1"/>
+          </p:cNvSpPr>
+          <p:nvPr>
+            <p:ph type="title"/>
+          </p:nvPr>
+        </p:nvSpPr>
+        <p:spPr/>
+        <p:txBody>
+          <a:bodyPr/>
+          <a:lstStyle/>
+          <a:p>
+            <a:r>
+              <a:rPr kumimoji="1" lang="ja-JP" altLang="en-US" dirty="0" smtClean="0"/>
+              <a:t>１．現在の運用フロー</a:t>
+            </a:r>
+            <a:endParaRPr kumimoji="1" lang="ja-JP" altLang="en-US" dirty="0"/>
+          </a:p>
+        </p:txBody>
+      </p:sp>
+      <p:pic>
+        <p:nvPicPr>
+          <p:cNvPr id="1029" name="Picture 5" descr="C:\Users\panasonic.PC-PEWBA142657\Desktop\download.png"/>
+          <p:cNvPicPr>
+            <a:picLocks noChangeAspect="1" noChangeArrowheads="1"/>
+          </p:cNvPicPr>
+          <p:nvPr/>
+        </p:nvPicPr>
+        <p:blipFill>
+          <a:blip r:embed="rId2" cstate="print">
+            <a:extLst>
+              <a:ext uri="{28A0092B-C50C-407E-A947-70E740481C1C}">
+                <a14:useLocalDpi xmlns:a14="http://schemas.microsoft.com/office/drawing/2010/main" val="0"/>
+              </a:ext>
+            </a:extLst>
+          </a:blip>
+          <a:srcRect/>
+          <a:stretch>
+            <a:fillRect/>
+          </a:stretch>
+        </p:blipFill>
+        <p:spPr bwMode="auto">
+          <a:xfrm>
+            <a:off x="4591514" y="1720545"/>
+            <a:ext cx="1333500" cy="1333500"/>
+          </a:xfrm>
+          <a:prstGeom prst="rect">
+            <a:avLst/>
+          </a:prstGeom>
+          <a:noFill/>
+          <a:extLst>
+            <a:ext uri="{909E8E84-426E-40DD-AFC4-6F175D3DCCD1}">
+              <a14:hiddenFill xmlns:a14="http://schemas.microsoft.com/office/drawing/2010/main">
+                <a:solidFill>
+                  <a:srgbClr val="FFFFFF"/>
+                </a:solidFill>
+              </a14:hiddenFill>
+            </a:ext>
+          </a:extLst>
+        </p:spPr>
+      </p:pic>
+      <p:sp>
+        <p:nvSpPr>
+          <p:cNvPr id="3" name="テキスト ボックス 2"/>
+          <p:cNvSpPr txBox="1"/>
+          <p:nvPr/>
+        </p:nvSpPr>
+        <p:spPr>
+          <a:xfrm>
+            <a:off x="407021" y="1349846"/>
+            <a:ext cx="1002598" cy="307777"/>
+          </a:xfrm>
+          <a:prstGeom prst="rect">
+            <a:avLst/>
+          </a:prstGeom>
+        </p:spPr>
+        <p:style>
+          <a:lnRef idx="1">
+            <a:schemeClr val="accent3"/>
+          </a:lnRef>
+          <a:fillRef idx="2">
+            <a:schemeClr val="accent3"/>
+          </a:fillRef>
+          <a:effectRef idx="1">
+            <a:schemeClr val="accent3"/>
+          </a:effectRef>
+          <a:fontRef idx="minor">
+            <a:schemeClr val="dk1"/>
+          </a:fontRef>
+        </p:style>
+        <p:txBody>
+          <a:bodyPr wrap="square" rtlCol="0" anchor="ctr">
+            <a:spAutoFit/>
+          </a:bodyPr>
+          <a:lstStyle/>
+          <a:p>
+            <a:pPr algn="ctr"/>
+            <a:r>
+              <a:rPr lang="ja-JP" altLang="en-US" sz="1400" dirty="0"/>
+              <a:t>作業</a:t>
+            </a:r>
+            <a:r>
+              <a:rPr kumimoji="1" lang="ja-JP" altLang="en-US" sz="1400" dirty="0" smtClean="0"/>
+              <a:t>者</a:t>
+            </a:r>
+            <a:endParaRPr kumimoji="1" lang="ja-JP" altLang="en-US" sz="1400" dirty="0"/>
+          </a:p>
+        </p:txBody>
+      </p:sp>
+      <p:sp>
+        <p:nvSpPr>
+          <p:cNvPr id="8" name="テキスト ボックス 7"/>
+          <p:cNvSpPr txBox="1"/>
+          <p:nvPr/>
+        </p:nvSpPr>
+        <p:spPr>
+          <a:xfrm>
+            <a:off x="2504871" y="1349846"/>
+            <a:ext cx="1347049" cy="307777"/>
+          </a:xfrm>
+          <a:prstGeom prst="rect">
+            <a:avLst/>
+          </a:prstGeom>
+        </p:spPr>
+        <p:style>
+          <a:lnRef idx="1">
+            <a:schemeClr val="accent3"/>
+          </a:lnRef>
+          <a:fillRef idx="2">
+            <a:schemeClr val="accent3"/>
+          </a:fillRef>
+          <a:effectRef idx="1">
+            <a:schemeClr val="accent3"/>
+          </a:effectRef>
+          <a:fontRef idx="minor">
+            <a:schemeClr val="dk1"/>
+          </a:fontRef>
+        </p:style>
+        <p:txBody>
+          <a:bodyPr wrap="square" rtlCol="0" anchor="ctr">
+            <a:spAutoFit/>
+          </a:bodyPr>
+          <a:lstStyle/>
+          <a:p>
+            <a:pPr algn="ctr"/>
+            <a:r>
+              <a:rPr kumimoji="1" lang="ja-JP" altLang="en-US" sz="1400" dirty="0" smtClean="0"/>
+              <a:t>承認者１～３</a:t>
+            </a:r>
+            <a:endParaRPr kumimoji="1" lang="ja-JP" altLang="en-US" sz="1400" dirty="0"/>
+          </a:p>
+        </p:txBody>
+      </p:sp>
+      <p:sp>
+        <p:nvSpPr>
+          <p:cNvPr id="11" name="テキスト ボックス 10"/>
+          <p:cNvSpPr txBox="1"/>
+          <p:nvPr/>
+        </p:nvSpPr>
+        <p:spPr>
+          <a:xfrm>
+            <a:off x="4734787" y="1349846"/>
+            <a:ext cx="1186728" cy="307777"/>
+          </a:xfrm>
+          <a:prstGeom prst="rect">
+            <a:avLst/>
+          </a:prstGeom>
+        </p:spPr>
+        <p:style>
+          <a:lnRef idx="1">
+            <a:schemeClr val="accent3"/>
+          </a:lnRef>
+          <a:fillRef idx="2">
+            <a:schemeClr val="accent3"/>
+          </a:fillRef>
+          <a:effectRef idx="1">
+            <a:schemeClr val="accent3"/>
+          </a:effectRef>
+          <a:fontRef idx="minor">
+            <a:schemeClr val="dk1"/>
+          </a:fontRef>
+        </p:style>
+        <p:txBody>
+          <a:bodyPr wrap="square" rtlCol="0" anchor="ctr">
+            <a:spAutoFit/>
+          </a:bodyPr>
+          <a:lstStyle/>
+          <a:p>
+            <a:pPr algn="ctr"/>
+            <a:r>
+              <a:rPr kumimoji="1" lang="ja-JP" altLang="en-US" sz="1400" dirty="0" smtClean="0"/>
+              <a:t>最終承認者</a:t>
+            </a:r>
+            <a:endParaRPr kumimoji="1" lang="ja-JP" altLang="en-US" sz="1400" dirty="0"/>
+          </a:p>
+        </p:txBody>
+      </p:sp>
+      <p:sp>
+        <p:nvSpPr>
+          <p:cNvPr id="4" name="テキスト ボックス 3"/>
+          <p:cNvSpPr txBox="1"/>
+          <p:nvPr/>
+        </p:nvSpPr>
+        <p:spPr>
+          <a:xfrm>
+            <a:off x="395536" y="2854096"/>
+            <a:ext cx="1061574" cy="430887"/>
+          </a:xfrm>
+          <a:prstGeom prst="rect">
+            <a:avLst/>
+          </a:prstGeom>
+          <a:noFill/>
+        </p:spPr>
+        <p:txBody>
+          <a:bodyPr wrap="square" rtlCol="0">
+            <a:spAutoFit/>
+          </a:bodyPr>
+          <a:lstStyle/>
+          <a:p>
+            <a:r>
+              <a:rPr kumimoji="1" lang="ja-JP" altLang="en-US" sz="1100" dirty="0" smtClean="0"/>
+              <a:t>①</a:t>
+            </a:r>
+            <a:r>
+              <a:rPr lang="en-US" altLang="ja-JP" sz="1100" dirty="0" smtClean="0"/>
+              <a:t> </a:t>
+            </a:r>
+            <a:r>
+              <a:rPr lang="en-US" altLang="ja-JP" sz="1100" dirty="0" smtClean="0"/>
+              <a:t>Excel</a:t>
+            </a:r>
+            <a:r>
+              <a:rPr lang="ja-JP" altLang="en-US" sz="1100" dirty="0" smtClean="0"/>
+              <a:t>で</a:t>
+            </a:r>
+            <a:endParaRPr lang="en-US" altLang="ja-JP" sz="1100" dirty="0" smtClean="0"/>
+          </a:p>
+          <a:p>
+            <a:r>
+              <a:rPr kumimoji="1" lang="ja-JP" altLang="en-US" sz="1100" dirty="0" smtClean="0"/>
+              <a:t>月報を作成</a:t>
+            </a:r>
+            <a:endParaRPr kumimoji="1" lang="ja-JP" altLang="en-US" sz="1100" dirty="0"/>
+          </a:p>
+        </p:txBody>
+      </p:sp>
+      <p:sp>
+        <p:nvSpPr>
+          <p:cNvPr id="15" name="テキスト ボックス 14"/>
+          <p:cNvSpPr txBox="1"/>
+          <p:nvPr/>
+        </p:nvSpPr>
+        <p:spPr>
+          <a:xfrm>
+            <a:off x="2691607" y="2854096"/>
+            <a:ext cx="1592361" cy="430887"/>
+          </a:xfrm>
+          <a:prstGeom prst="rect">
+            <a:avLst/>
+          </a:prstGeom>
+          <a:noFill/>
+        </p:spPr>
+        <p:txBody>
+          <a:bodyPr wrap="square" rtlCol="0">
+            <a:spAutoFit/>
+          </a:bodyPr>
+          <a:lstStyle/>
+          <a:p>
+            <a:r>
+              <a:rPr lang="ja-JP" altLang="en-US" sz="1100" dirty="0" smtClean="0"/>
+              <a:t>③コメント追記</a:t>
+            </a:r>
+            <a:endParaRPr lang="en-US" altLang="ja-JP" sz="1100" dirty="0" smtClean="0"/>
+          </a:p>
+          <a:p>
+            <a:r>
+              <a:rPr lang="en-US" altLang="ja-JP" sz="1100" dirty="0" smtClean="0"/>
+              <a:t>(</a:t>
+            </a:r>
+            <a:r>
+              <a:rPr lang="ja-JP" altLang="en-US" sz="1100" dirty="0" smtClean="0"/>
+              <a:t>承認</a:t>
+            </a:r>
+            <a:r>
+              <a:rPr lang="en-US" altLang="ja-JP" sz="1100" dirty="0" smtClean="0"/>
+              <a:t>)</a:t>
+            </a:r>
+            <a:endParaRPr kumimoji="1" lang="ja-JP" altLang="en-US" sz="1100" dirty="0"/>
+          </a:p>
+        </p:txBody>
+      </p:sp>
+      <p:cxnSp>
+        <p:nvCxnSpPr>
+          <p:cNvPr id="17" name="直線矢印コネクタ 16"/>
+          <p:cNvCxnSpPr/>
+          <p:nvPr/>
+        </p:nvCxnSpPr>
+        <p:spPr>
+          <a:xfrm>
+            <a:off x="1605755" y="2405138"/>
+            <a:ext cx="870823" cy="1"/>
+          </a:xfrm>
+          <a:prstGeom prst="straightConnector1">
+            <a:avLst/>
+          </a:prstGeom>
+          <a:ln w="38100">
+            <a:tailEnd type="arrow"/>
+          </a:ln>
+        </p:spPr>
+        <p:style>
+          <a:lnRef idx="2">
+            <a:schemeClr val="accent1"/>
+          </a:lnRef>
+          <a:fillRef idx="0">
+            <a:schemeClr val="accent1"/>
+          </a:fillRef>
+          <a:effectRef idx="1">
+            <a:schemeClr val="accent1"/>
+          </a:effectRef>
+          <a:fontRef idx="minor">
+            <a:schemeClr val="tx1"/>
+          </a:fontRef>
+        </p:style>
+      </p:cxnSp>
+      <p:sp>
+        <p:nvSpPr>
+          <p:cNvPr id="21" name="テキスト ボックス 20"/>
+          <p:cNvSpPr txBox="1"/>
+          <p:nvPr/>
+        </p:nvSpPr>
+        <p:spPr>
+          <a:xfrm>
+            <a:off x="1531265" y="1905356"/>
+            <a:ext cx="1240535" cy="430887"/>
+          </a:xfrm>
+          <a:prstGeom prst="rect">
+            <a:avLst/>
+          </a:prstGeom>
+          <a:noFill/>
+        </p:spPr>
+        <p:txBody>
+          <a:bodyPr wrap="square" rtlCol="0">
+            <a:spAutoFit/>
+          </a:bodyPr>
+          <a:lstStyle/>
+          <a:p>
+            <a:r>
+              <a:rPr lang="ja-JP" altLang="en-US" sz="1100" dirty="0" smtClean="0"/>
+              <a:t>②各々</a:t>
+            </a:r>
+            <a:r>
+              <a:rPr lang="ja-JP" altLang="en-US" sz="1100" dirty="0" smtClean="0"/>
+              <a:t>が</a:t>
+            </a:r>
+            <a:endParaRPr lang="en-US" altLang="ja-JP" sz="1100" dirty="0" smtClean="0"/>
+          </a:p>
+          <a:p>
+            <a:r>
+              <a:rPr kumimoji="1" lang="ja-JP" altLang="en-US" sz="1100" dirty="0" smtClean="0"/>
+              <a:t>メール送信</a:t>
+            </a:r>
+            <a:endParaRPr kumimoji="1" lang="ja-JP" altLang="en-US" sz="1100" dirty="0"/>
+          </a:p>
+        </p:txBody>
+      </p:sp>
+      <p:sp>
+        <p:nvSpPr>
+          <p:cNvPr id="18" name="テキスト ボックス 17"/>
+          <p:cNvSpPr txBox="1"/>
+          <p:nvPr/>
+        </p:nvSpPr>
+        <p:spPr>
+          <a:xfrm>
+            <a:off x="4923855" y="2854096"/>
+            <a:ext cx="1592361" cy="430887"/>
+          </a:xfrm>
+          <a:prstGeom prst="rect">
+            <a:avLst/>
+          </a:prstGeom>
+          <a:noFill/>
+        </p:spPr>
+        <p:txBody>
+          <a:bodyPr wrap="square" rtlCol="0">
+            <a:spAutoFit/>
+          </a:bodyPr>
+          <a:lstStyle/>
+          <a:p>
+            <a:r>
+              <a:rPr lang="ja-JP" altLang="en-US" sz="1100" dirty="0" smtClean="0"/>
+              <a:t>⑤コメント追記</a:t>
+            </a:r>
+            <a:endParaRPr lang="en-US" altLang="ja-JP" sz="1100" dirty="0" smtClean="0"/>
+          </a:p>
+          <a:p>
+            <a:r>
+              <a:rPr lang="en-US" altLang="ja-JP" sz="1100" dirty="0" smtClean="0"/>
+              <a:t>(</a:t>
+            </a:r>
+            <a:r>
+              <a:rPr lang="ja-JP" altLang="en-US" sz="1100" dirty="0" smtClean="0"/>
+              <a:t>最終承認</a:t>
+            </a:r>
+            <a:r>
+              <a:rPr lang="en-US" altLang="ja-JP" sz="1100" dirty="0" smtClean="0"/>
+              <a:t>)</a:t>
+            </a:r>
+            <a:endParaRPr kumimoji="1" lang="ja-JP" altLang="en-US" sz="1100" dirty="0"/>
+          </a:p>
+        </p:txBody>
+      </p:sp>
+      <p:cxnSp>
+        <p:nvCxnSpPr>
+          <p:cNvPr id="19" name="直線矢印コネクタ 18"/>
+          <p:cNvCxnSpPr/>
+          <p:nvPr/>
+        </p:nvCxnSpPr>
+        <p:spPr>
+          <a:xfrm>
+            <a:off x="1605755" y="2636912"/>
+            <a:ext cx="870823" cy="1"/>
+          </a:xfrm>
+          <a:prstGeom prst="straightConnector1">
+            <a:avLst/>
+          </a:prstGeom>
+          <a:ln w="38100">
+            <a:prstDash val="sysDash"/>
+            <a:headEnd type="arrow"/>
+            <a:tailEnd type="none"/>
+          </a:ln>
+        </p:spPr>
+        <p:style>
+          <a:lnRef idx="2">
+            <a:schemeClr val="accent1"/>
+          </a:lnRef>
+          <a:fillRef idx="0">
+            <a:schemeClr val="accent1"/>
+          </a:fillRef>
+          <a:effectRef idx="1">
+            <a:schemeClr val="accent1"/>
+          </a:effectRef>
+          <a:fontRef idx="minor">
+            <a:schemeClr val="tx1"/>
+          </a:fontRef>
+        </p:style>
+      </p:cxnSp>
+      <p:sp>
+        <p:nvSpPr>
+          <p:cNvPr id="20" name="テキスト ボックス 19"/>
+          <p:cNvSpPr txBox="1"/>
+          <p:nvPr/>
+        </p:nvSpPr>
+        <p:spPr>
+          <a:xfrm>
+            <a:off x="1298841" y="2708921"/>
+            <a:ext cx="1240536" cy="261610"/>
+          </a:xfrm>
+          <a:prstGeom prst="rect">
+            <a:avLst/>
+          </a:prstGeom>
+          <a:noFill/>
+        </p:spPr>
+        <p:txBody>
+          <a:bodyPr wrap="square" rtlCol="0">
+            <a:spAutoFit/>
+          </a:bodyPr>
+          <a:lstStyle/>
+          <a:p>
+            <a:pPr algn="r"/>
+            <a:r>
+              <a:rPr kumimoji="1" lang="ja-JP" altLang="en-US" sz="1100" dirty="0" smtClean="0"/>
+              <a:t>差し戻し</a:t>
+            </a:r>
+            <a:endParaRPr kumimoji="1" lang="ja-JP" altLang="en-US" sz="1100" dirty="0"/>
+          </a:p>
+        </p:txBody>
+      </p:sp>
+      <p:sp>
+        <p:nvSpPr>
+          <p:cNvPr id="23" name="テキスト ボックス 22"/>
+          <p:cNvSpPr txBox="1"/>
+          <p:nvPr/>
+        </p:nvSpPr>
+        <p:spPr>
+          <a:xfrm>
+            <a:off x="3835521" y="1905356"/>
+            <a:ext cx="1240535" cy="430887"/>
+          </a:xfrm>
+          <a:prstGeom prst="rect">
+            <a:avLst/>
+          </a:prstGeom>
+          <a:noFill/>
+        </p:spPr>
+        <p:txBody>
+          <a:bodyPr wrap="square" rtlCol="0">
+            <a:spAutoFit/>
+          </a:bodyPr>
+          <a:lstStyle/>
+          <a:p>
+            <a:r>
+              <a:rPr kumimoji="1" lang="ja-JP" altLang="en-US" sz="1100" dirty="0" smtClean="0"/>
+              <a:t>④まとめて</a:t>
+            </a:r>
+            <a:endParaRPr kumimoji="1" lang="en-US" altLang="ja-JP" sz="1100" dirty="0" smtClean="0"/>
+          </a:p>
+          <a:p>
+            <a:r>
+              <a:rPr kumimoji="1" lang="ja-JP" altLang="en-US" sz="1100" dirty="0" smtClean="0"/>
+              <a:t>メール送信</a:t>
+            </a:r>
+            <a:endParaRPr kumimoji="1" lang="ja-JP" altLang="en-US" sz="1100" dirty="0"/>
+          </a:p>
+        </p:txBody>
+      </p:sp>
+      <p:sp>
+        <p:nvSpPr>
+          <p:cNvPr id="28" name="テキスト ボックス 27"/>
+          <p:cNvSpPr txBox="1"/>
+          <p:nvPr/>
+        </p:nvSpPr>
+        <p:spPr>
+          <a:xfrm>
+            <a:off x="6860337" y="1349846"/>
+            <a:ext cx="1186728" cy="307777"/>
+          </a:xfrm>
+          <a:prstGeom prst="rect">
+            <a:avLst/>
+          </a:prstGeom>
+        </p:spPr>
+        <p:style>
+          <a:lnRef idx="1">
+            <a:schemeClr val="accent3"/>
+          </a:lnRef>
+          <a:fillRef idx="2">
+            <a:schemeClr val="accent3"/>
+          </a:fillRef>
+          <a:effectRef idx="1">
+            <a:schemeClr val="accent3"/>
+          </a:effectRef>
+          <a:fontRef idx="minor">
+            <a:schemeClr val="dk1"/>
+          </a:fontRef>
+        </p:style>
+        <p:txBody>
+          <a:bodyPr wrap="square" rtlCol="0" anchor="ctr">
+            <a:spAutoFit/>
+          </a:bodyPr>
+          <a:lstStyle/>
+          <a:p>
+            <a:pPr algn="ctr"/>
+            <a:r>
+              <a:rPr kumimoji="1" lang="ja-JP" altLang="en-US" sz="1400" dirty="0" smtClean="0"/>
+              <a:t>大阪総務</a:t>
+            </a:r>
+            <a:endParaRPr kumimoji="1" lang="ja-JP" altLang="en-US" sz="1400" dirty="0"/>
+          </a:p>
+        </p:txBody>
+      </p:sp>
+      <p:pic>
+        <p:nvPicPr>
+          <p:cNvPr id="29" name="Picture 2" descr="C:\Users\panasonic.PC-PEWBA142657\Desktop\download.png"/>
+          <p:cNvPicPr>
+            <a:picLocks noChangeAspect="1" noChangeArrowheads="1"/>
+          </p:cNvPicPr>
+          <p:nvPr/>
+        </p:nvPicPr>
+        <p:blipFill>
+          <a:blip r:embed="rId3" cstate="print">
+            <a:extLst>
+              <a:ext uri="{28A0092B-C50C-407E-A947-70E740481C1C}">
+                <a14:useLocalDpi xmlns:a14="http://schemas.microsoft.com/office/drawing/2010/main" val="0"/>
+              </a:ext>
+            </a:extLst>
+          </a:blip>
+          <a:srcRect/>
+          <a:stretch>
+            <a:fillRect/>
+          </a:stretch>
+        </p:blipFill>
+        <p:spPr bwMode="auto">
+          <a:xfrm>
+            <a:off x="6763027" y="1844824"/>
+            <a:ext cx="1193349" cy="1193349"/>
+          </a:xfrm>
+          <a:prstGeom prst="rect">
+            <a:avLst/>
+          </a:prstGeom>
+          <a:noFill/>
+          <a:extLst>
+            <a:ext uri="{909E8E84-426E-40DD-AFC4-6F175D3DCCD1}">
+              <a14:hiddenFill xmlns:a14="http://schemas.microsoft.com/office/drawing/2010/main">
+                <a:solidFill>
+                  <a:srgbClr val="FFFFFF"/>
+                </a:solidFill>
+              </a14:hiddenFill>
+            </a:ext>
+          </a:extLst>
+        </p:spPr>
+      </p:pic>
+      <p:sp>
+        <p:nvSpPr>
+          <p:cNvPr id="41" name="テキスト ボックス 40"/>
+          <p:cNvSpPr txBox="1"/>
+          <p:nvPr/>
+        </p:nvSpPr>
+        <p:spPr>
+          <a:xfrm>
+            <a:off x="5203144" y="4530814"/>
+            <a:ext cx="1186728" cy="307777"/>
+          </a:xfrm>
+          <a:prstGeom prst="rect">
+            <a:avLst/>
+          </a:prstGeom>
+        </p:spPr>
+        <p:style>
+          <a:lnRef idx="1">
+            <a:schemeClr val="accent3"/>
+          </a:lnRef>
+          <a:fillRef idx="2">
+            <a:schemeClr val="accent3"/>
+          </a:fillRef>
+          <a:effectRef idx="1">
+            <a:schemeClr val="accent3"/>
+          </a:effectRef>
+          <a:fontRef idx="minor">
+            <a:schemeClr val="dk1"/>
+          </a:fontRef>
+        </p:style>
+        <p:txBody>
+          <a:bodyPr wrap="square" rtlCol="0" anchor="ctr">
+            <a:spAutoFit/>
+          </a:bodyPr>
+          <a:lstStyle/>
+          <a:p>
+            <a:pPr algn="ctr"/>
+            <a:r>
+              <a:rPr lang="ja-JP" altLang="en-US" sz="1400" dirty="0"/>
+              <a:t>社長</a:t>
+            </a:r>
+            <a:endParaRPr kumimoji="1" lang="ja-JP" altLang="en-US" sz="1400" dirty="0"/>
+          </a:p>
+        </p:txBody>
+      </p:sp>
+      <p:pic>
+        <p:nvPicPr>
+          <p:cNvPr id="34" name="Picture 3" descr="C:\Users\panasonic.PC-PEWBA142657\AppData\Local\Microsoft\Windows\Temporary Internet Files\Content.IE5\7KHZB72Y\Logo_Microsoft_Excel_2013[1].png"/>
+          <p:cNvPicPr>
+            <a:picLocks noChangeAspect="1" noChangeArrowheads="1"/>
+          </p:cNvPicPr>
+          <p:nvPr/>
+        </p:nvPicPr>
+        <p:blipFill>
+          <a:blip r:embed="rId4" cstate="print">
+            <a:extLst>
+              <a:ext uri="{28A0092B-C50C-407E-A947-70E740481C1C}">
+                <a14:useLocalDpi xmlns:a14="http://schemas.microsoft.com/office/drawing/2010/main" val="0"/>
+              </a:ext>
+            </a:extLst>
+          </a:blip>
+          <a:srcRect/>
+          <a:stretch>
+            <a:fillRect/>
+          </a:stretch>
+        </p:blipFill>
+        <p:spPr bwMode="auto">
+          <a:xfrm>
+            <a:off x="1788709" y="1700808"/>
+            <a:ext cx="246612" cy="246612"/>
+          </a:xfrm>
+          <a:prstGeom prst="rect">
+            <a:avLst/>
+          </a:prstGeom>
+          <a:noFill/>
+          <a:extLst>
+            <a:ext uri="{909E8E84-426E-40DD-AFC4-6F175D3DCCD1}">
+              <a14:hiddenFill xmlns:a14="http://schemas.microsoft.com/office/drawing/2010/main">
+                <a:solidFill>
+                  <a:srgbClr val="FFFFFF"/>
+                </a:solidFill>
+              </a14:hiddenFill>
+            </a:ext>
+          </a:extLst>
+        </p:spPr>
+      </p:pic>
+      <p:pic>
+        <p:nvPicPr>
+          <p:cNvPr id="35" name="Picture 3" descr="C:\Users\panasonic.PC-PEWBA142657\AppData\Local\Microsoft\Windows\Temporary Internet Files\Content.IE5\7KHZB72Y\Logo_Microsoft_Excel_2013[1].png"/>
+          <p:cNvPicPr>
+            <a:picLocks noChangeAspect="1" noChangeArrowheads="1"/>
+          </p:cNvPicPr>
+          <p:nvPr/>
+        </p:nvPicPr>
+        <p:blipFill>
+          <a:blip r:embed="rId4" cstate="print">
+            <a:extLst>
+              <a:ext uri="{28A0092B-C50C-407E-A947-70E740481C1C}">
+                <a14:useLocalDpi xmlns:a14="http://schemas.microsoft.com/office/drawing/2010/main" val="0"/>
+              </a:ext>
+            </a:extLst>
+          </a:blip>
+          <a:srcRect/>
+          <a:stretch>
+            <a:fillRect/>
+          </a:stretch>
+        </p:blipFill>
+        <p:spPr bwMode="auto">
+          <a:xfrm>
+            <a:off x="3029244" y="3288429"/>
+            <a:ext cx="246612" cy="246612"/>
+          </a:xfrm>
+          <a:prstGeom prst="rect">
+            <a:avLst/>
+          </a:prstGeom>
+          <a:noFill/>
+          <a:extLst>
+            <a:ext uri="{909E8E84-426E-40DD-AFC4-6F175D3DCCD1}">
+              <a14:hiddenFill xmlns:a14="http://schemas.microsoft.com/office/drawing/2010/main">
+                <a:solidFill>
+                  <a:srgbClr val="FFFFFF"/>
+                </a:solidFill>
+              </a14:hiddenFill>
+            </a:ext>
+          </a:extLst>
+        </p:spPr>
+      </p:pic>
+      <p:sp>
+        <p:nvSpPr>
+          <p:cNvPr id="5" name="スライド番号プレースホルダー 4"/>
+          <p:cNvSpPr>
+            <a:spLocks noGrp="1"/>
+          </p:cNvSpPr>
+          <p:nvPr>
+            <p:ph type="sldNum" sz="quarter" idx="12"/>
+          </p:nvPr>
+        </p:nvSpPr>
+        <p:spPr>
+          <a:xfrm>
+            <a:off x="8647272" y="6360986"/>
+            <a:ext cx="365760" cy="365125"/>
+          </a:xfrm>
+        </p:spPr>
+        <p:txBody>
+          <a:bodyPr/>
+          <a:lstStyle/>
+          <a:p>
+            <a:fld id="{1B2C9F7E-80B6-4C3C-8A6C-643968CAB744}" type="slidenum">
+              <a:rPr kumimoji="1" lang="ja-JP" altLang="en-US" smtClean="0"/>
+              <a:pPr/>
+              <a:t>3</a:t>
+            </a:fld>
+            <a:endParaRPr kumimoji="1" lang="ja-JP" altLang="en-US"/>
+          </a:p>
+        </p:txBody>
+      </p:sp>
+      <p:grpSp>
+        <p:nvGrpSpPr>
+          <p:cNvPr id="6" name="グループ化 5"/>
+          <p:cNvGrpSpPr/>
+          <p:nvPr/>
+        </p:nvGrpSpPr>
+        <p:grpSpPr>
+          <a:xfrm>
+            <a:off x="35496" y="1595726"/>
+            <a:ext cx="1556525" cy="1556525"/>
+            <a:chOff x="35496" y="1595726"/>
+            <a:chExt cx="1900461" cy="1900461"/>
+          </a:xfrm>
+        </p:grpSpPr>
+        <p:pic>
+          <p:nvPicPr>
+            <p:cNvPr id="1026" name="Picture 2" descr="C:\Users\panasonic.PC-PEWBA142657\Desktop\download.png"/>
+            <p:cNvPicPr>
+              <a:picLocks noChangeAspect="1" noChangeArrowheads="1"/>
+            </p:cNvPicPr>
+            <p:nvPr/>
+          </p:nvPicPr>
+          <p:blipFill>
+            <a:blip r:embed="rId5" cstate="print">
+              <a:extLst>
+                <a:ext uri="{28A0092B-C50C-407E-A947-70E740481C1C}">
+                  <a14:useLocalDpi xmlns:a14="http://schemas.microsoft.com/office/drawing/2010/main" val="0"/>
+                </a:ext>
+              </a:extLst>
+            </a:blip>
+            <a:srcRect/>
+            <a:stretch>
+              <a:fillRect/>
+            </a:stretch>
+          </p:blipFill>
+          <p:spPr bwMode="auto">
+            <a:xfrm>
+              <a:off x="35496" y="1595726"/>
+              <a:ext cx="1595661" cy="1595661"/>
+            </a:xfrm>
+            <a:prstGeom prst="rect">
+              <a:avLst/>
+            </a:prstGeom>
+            <a:noFill/>
+            <a:extLst>
+              <a:ext uri="{909E8E84-426E-40DD-AFC4-6F175D3DCCD1}">
+                <a14:hiddenFill xmlns:a14="http://schemas.microsoft.com/office/drawing/2010/main">
+                  <a:solidFill>
+                    <a:srgbClr val="FFFFFF"/>
+                  </a:solidFill>
+                </a14:hiddenFill>
+              </a:ext>
+            </a:extLst>
+          </p:spPr>
+        </p:pic>
+        <p:pic>
+          <p:nvPicPr>
+            <p:cNvPr id="39" name="Picture 2" descr="C:\Users\panasonic.PC-PEWBA142657\Desktop\download.png"/>
+            <p:cNvPicPr>
+              <a:picLocks noChangeAspect="1" noChangeArrowheads="1"/>
+            </p:cNvPicPr>
+            <p:nvPr/>
+          </p:nvPicPr>
+          <p:blipFill>
+            <a:blip r:embed="rId5" cstate="print">
+              <a:extLst>
+                <a:ext uri="{28A0092B-C50C-407E-A947-70E740481C1C}">
+                  <a14:useLocalDpi xmlns:a14="http://schemas.microsoft.com/office/drawing/2010/main" val="0"/>
+                </a:ext>
+              </a:extLst>
+            </a:blip>
+            <a:srcRect/>
+            <a:stretch>
+              <a:fillRect/>
+            </a:stretch>
+          </p:blipFill>
+          <p:spPr bwMode="auto">
+            <a:xfrm>
+              <a:off x="187896" y="1748126"/>
+              <a:ext cx="1595661" cy="1595661"/>
+            </a:xfrm>
+            <a:prstGeom prst="rect">
+              <a:avLst/>
+            </a:prstGeom>
+            <a:noFill/>
+            <a:extLst>
+              <a:ext uri="{909E8E84-426E-40DD-AFC4-6F175D3DCCD1}">
+                <a14:hiddenFill xmlns:a14="http://schemas.microsoft.com/office/drawing/2010/main">
+                  <a:solidFill>
+                    <a:srgbClr val="FFFFFF"/>
+                  </a:solidFill>
+                </a14:hiddenFill>
+              </a:ext>
+            </a:extLst>
+          </p:spPr>
+        </p:pic>
+        <p:pic>
+          <p:nvPicPr>
+            <p:cNvPr id="40" name="Picture 2" descr="C:\Users\panasonic.PC-PEWBA142657\Desktop\download.png"/>
+            <p:cNvPicPr>
+              <a:picLocks noChangeAspect="1" noChangeArrowheads="1"/>
+            </p:cNvPicPr>
+            <p:nvPr/>
+          </p:nvPicPr>
+          <p:blipFill>
+            <a:blip r:embed="rId5" cstate="print">
+              <a:extLst>
+                <a:ext uri="{28A0092B-C50C-407E-A947-70E740481C1C}">
+                  <a14:useLocalDpi xmlns:a14="http://schemas.microsoft.com/office/drawing/2010/main" val="0"/>
+                </a:ext>
+              </a:extLst>
+            </a:blip>
+            <a:srcRect/>
+            <a:stretch>
+              <a:fillRect/>
+            </a:stretch>
+          </p:blipFill>
+          <p:spPr bwMode="auto">
+            <a:xfrm>
+              <a:off x="340296" y="1900526"/>
+              <a:ext cx="1595661" cy="1595661"/>
+            </a:xfrm>
+            <a:prstGeom prst="rect">
+              <a:avLst/>
+            </a:prstGeom>
+            <a:noFill/>
+            <a:extLst>
+              <a:ext uri="{909E8E84-426E-40DD-AFC4-6F175D3DCCD1}">
+                <a14:hiddenFill xmlns:a14="http://schemas.microsoft.com/office/drawing/2010/main">
+                  <a:solidFill>
+                    <a:srgbClr val="FFFFFF"/>
+                  </a:solidFill>
+                </a14:hiddenFill>
+              </a:ext>
+            </a:extLst>
+          </p:spPr>
+        </p:pic>
+      </p:grpSp>
+      <p:grpSp>
+        <p:nvGrpSpPr>
+          <p:cNvPr id="7" name="グループ化 6"/>
+          <p:cNvGrpSpPr/>
+          <p:nvPr/>
+        </p:nvGrpSpPr>
+        <p:grpSpPr>
+          <a:xfrm>
+            <a:off x="2339752" y="1671926"/>
+            <a:ext cx="1431705" cy="1431705"/>
+            <a:chOff x="3275856" y="1595726"/>
+            <a:chExt cx="1748061" cy="1748061"/>
+          </a:xfrm>
+        </p:grpSpPr>
+        <p:pic>
+          <p:nvPicPr>
+            <p:cNvPr id="1028" name="Picture 4" descr="C:\Users\panasonic.PC-PEWBA142657\Desktop\download.png"/>
+            <p:cNvPicPr>
+              <a:picLocks noChangeAspect="1" noChangeArrowheads="1"/>
+            </p:cNvPicPr>
+            <p:nvPr/>
+          </p:nvPicPr>
+          <p:blipFill>
+            <a:blip r:embed="rId6" cstate="print">
+              <a:extLst>
+                <a:ext uri="{28A0092B-C50C-407E-A947-70E740481C1C}">
+                  <a14:useLocalDpi xmlns:a14="http://schemas.microsoft.com/office/drawing/2010/main" val="0"/>
+                </a:ext>
+              </a:extLst>
+            </a:blip>
+            <a:srcRect/>
+            <a:stretch>
+              <a:fillRect/>
+            </a:stretch>
+          </p:blipFill>
+          <p:spPr bwMode="auto">
+            <a:xfrm>
+              <a:off x="3275856" y="1595726"/>
+              <a:ext cx="1595661" cy="1595661"/>
+            </a:xfrm>
+            <a:prstGeom prst="rect">
+              <a:avLst/>
+            </a:prstGeom>
+            <a:noFill/>
+            <a:extLst>
+              <a:ext uri="{909E8E84-426E-40DD-AFC4-6F175D3DCCD1}">
+                <a14:hiddenFill xmlns:a14="http://schemas.microsoft.com/office/drawing/2010/main">
+                  <a:solidFill>
+                    <a:srgbClr val="FFFFFF"/>
+                  </a:solidFill>
+                </a14:hiddenFill>
+              </a:ext>
+            </a:extLst>
+          </p:spPr>
+        </p:pic>
+        <p:pic>
+          <p:nvPicPr>
+            <p:cNvPr id="42" name="Picture 4" descr="C:\Users\panasonic.PC-PEWBA142657\Desktop\download.png"/>
+            <p:cNvPicPr>
+              <a:picLocks noChangeAspect="1" noChangeArrowheads="1"/>
+            </p:cNvPicPr>
+            <p:nvPr/>
+          </p:nvPicPr>
+          <p:blipFill>
+            <a:blip r:embed="rId6" cstate="print">
+              <a:extLst>
+                <a:ext uri="{28A0092B-C50C-407E-A947-70E740481C1C}">
+                  <a14:useLocalDpi xmlns:a14="http://schemas.microsoft.com/office/drawing/2010/main" val="0"/>
+                </a:ext>
+              </a:extLst>
+            </a:blip>
+            <a:srcRect/>
+            <a:stretch>
+              <a:fillRect/>
+            </a:stretch>
+          </p:blipFill>
+          <p:spPr bwMode="auto">
+            <a:xfrm>
+              <a:off x="3428256" y="1748126"/>
+              <a:ext cx="1595661" cy="1595661"/>
+            </a:xfrm>
+            <a:prstGeom prst="rect">
+              <a:avLst/>
+            </a:prstGeom>
+            <a:noFill/>
+            <a:extLst>
+              <a:ext uri="{909E8E84-426E-40DD-AFC4-6F175D3DCCD1}">
+                <a14:hiddenFill xmlns:a14="http://schemas.microsoft.com/office/drawing/2010/main">
+                  <a:solidFill>
+                    <a:srgbClr val="FFFFFF"/>
+                  </a:solidFill>
+                </a14:hiddenFill>
+              </a:ext>
+            </a:extLst>
+          </p:spPr>
+        </p:pic>
+      </p:grpSp>
+      <p:sp>
+        <p:nvSpPr>
+          <p:cNvPr id="45" name="テキスト ボックス 44"/>
+          <p:cNvSpPr txBox="1"/>
+          <p:nvPr/>
+        </p:nvSpPr>
+        <p:spPr>
+          <a:xfrm>
+            <a:off x="6905709" y="3331592"/>
+            <a:ext cx="1815352" cy="261610"/>
+          </a:xfrm>
+          <a:prstGeom prst="rect">
+            <a:avLst/>
+          </a:prstGeom>
+          <a:noFill/>
+        </p:spPr>
+        <p:txBody>
+          <a:bodyPr wrap="square" rtlCol="0">
+            <a:spAutoFit/>
+          </a:bodyPr>
+          <a:lstStyle/>
+          <a:p>
+            <a:r>
+              <a:rPr lang="ja-JP" altLang="en-US" sz="1100" dirty="0" smtClean="0"/>
+              <a:t>⑨</a:t>
+            </a:r>
+            <a:r>
+              <a:rPr kumimoji="1" lang="ja-JP" altLang="en-US" sz="1100" dirty="0" smtClean="0"/>
+              <a:t>月報、提出一覧印刷</a:t>
+            </a:r>
+            <a:endParaRPr kumimoji="1" lang="en-US" altLang="ja-JP" sz="1100" dirty="0" smtClean="0"/>
+          </a:p>
+        </p:txBody>
+      </p:sp>
+      <p:pic>
+        <p:nvPicPr>
+          <p:cNvPr id="46" name="Picture 3" descr="C:\Users\panasonic.PC-PEWBA142657\AppData\Local\Microsoft\Windows\Temporary Internet Files\Content.IE5\7KHZB72Y\Logo_Microsoft_Excel_2013[1].png"/>
+          <p:cNvPicPr>
+            <a:picLocks noChangeAspect="1" noChangeArrowheads="1"/>
+          </p:cNvPicPr>
+          <p:nvPr/>
+        </p:nvPicPr>
+        <p:blipFill>
+          <a:blip r:embed="rId4" cstate="print">
+            <a:grayscl/>
+            <a:extLst>
+              <a:ext uri="{28A0092B-C50C-407E-A947-70E740481C1C}">
+                <a14:useLocalDpi xmlns:a14="http://schemas.microsoft.com/office/drawing/2010/main" val="0"/>
+              </a:ext>
+            </a:extLst>
+          </a:blip>
+          <a:srcRect/>
+          <a:stretch>
+            <a:fillRect/>
+          </a:stretch>
+        </p:blipFill>
+        <p:spPr bwMode="auto">
+          <a:xfrm>
+            <a:off x="8463752" y="3110380"/>
+            <a:ext cx="246612" cy="246612"/>
+          </a:xfrm>
+          <a:prstGeom prst="rect">
+            <a:avLst/>
+          </a:prstGeom>
+          <a:noFill/>
+          <a:extLst>
+            <a:ext uri="{909E8E84-426E-40DD-AFC4-6F175D3DCCD1}">
+              <a14:hiddenFill xmlns:a14="http://schemas.microsoft.com/office/drawing/2010/main">
+                <a:solidFill>
+                  <a:srgbClr val="FFFFFF"/>
+                </a:solidFill>
+              </a14:hiddenFill>
+            </a:ext>
+          </a:extLst>
+        </p:spPr>
+      </p:pic>
+      <p:sp>
+        <p:nvSpPr>
+          <p:cNvPr id="47" name="テキスト ボックス 46"/>
+          <p:cNvSpPr txBox="1"/>
+          <p:nvPr/>
+        </p:nvSpPr>
+        <p:spPr>
+          <a:xfrm>
+            <a:off x="6905538" y="2852936"/>
+            <a:ext cx="1466967" cy="261610"/>
+          </a:xfrm>
+          <a:prstGeom prst="rect">
+            <a:avLst/>
+          </a:prstGeom>
+          <a:noFill/>
+        </p:spPr>
+        <p:txBody>
+          <a:bodyPr wrap="square" rtlCol="0">
+            <a:spAutoFit/>
+          </a:bodyPr>
+          <a:lstStyle/>
+          <a:p>
+            <a:r>
+              <a:rPr lang="ja-JP" altLang="en-US" sz="1100" dirty="0"/>
+              <a:t>⑦</a:t>
+            </a:r>
+            <a:r>
+              <a:rPr lang="ja-JP" altLang="en-US" sz="1100" dirty="0" smtClean="0"/>
+              <a:t>月報集約</a:t>
+            </a:r>
+            <a:endParaRPr lang="en-US" altLang="ja-JP" sz="1100" dirty="0" smtClean="0"/>
+          </a:p>
+        </p:txBody>
+      </p:sp>
+      <p:sp>
+        <p:nvSpPr>
+          <p:cNvPr id="48" name="テキスト ボックス 47"/>
+          <p:cNvSpPr txBox="1"/>
+          <p:nvPr/>
+        </p:nvSpPr>
+        <p:spPr>
+          <a:xfrm>
+            <a:off x="6860337" y="4530814"/>
+            <a:ext cx="1186728" cy="307777"/>
+          </a:xfrm>
+          <a:prstGeom prst="rect">
+            <a:avLst/>
+          </a:prstGeom>
+        </p:spPr>
+        <p:style>
+          <a:lnRef idx="1">
+            <a:schemeClr val="accent3"/>
+          </a:lnRef>
+          <a:fillRef idx="2">
+            <a:schemeClr val="accent3"/>
+          </a:fillRef>
+          <a:effectRef idx="1">
+            <a:schemeClr val="accent3"/>
+          </a:effectRef>
+          <a:fontRef idx="minor">
+            <a:schemeClr val="dk1"/>
+          </a:fontRef>
+        </p:style>
+        <p:txBody>
+          <a:bodyPr wrap="square" rtlCol="0" anchor="ctr">
+            <a:spAutoFit/>
+          </a:bodyPr>
+          <a:lstStyle/>
+          <a:p>
+            <a:pPr algn="ctr"/>
+            <a:r>
+              <a:rPr lang="ja-JP" altLang="en-US" sz="1400" dirty="0"/>
+              <a:t>本社</a:t>
+            </a:r>
+            <a:r>
+              <a:rPr kumimoji="1" lang="ja-JP" altLang="en-US" sz="1400" dirty="0" smtClean="0"/>
+              <a:t>総務</a:t>
+            </a:r>
+            <a:endParaRPr kumimoji="1" lang="ja-JP" altLang="en-US" sz="1400" dirty="0"/>
+          </a:p>
+        </p:txBody>
+      </p:sp>
+      <p:cxnSp>
+        <p:nvCxnSpPr>
+          <p:cNvPr id="50" name="直線矢印コネクタ 49"/>
+          <p:cNvCxnSpPr/>
+          <p:nvPr/>
+        </p:nvCxnSpPr>
+        <p:spPr>
+          <a:xfrm flipH="1">
+            <a:off x="7308304" y="3706822"/>
+            <a:ext cx="1" cy="684000"/>
+          </a:xfrm>
+          <a:prstGeom prst="straightConnector1">
+            <a:avLst/>
+          </a:prstGeom>
+          <a:ln w="38100">
+            <a:tailEnd type="arrow"/>
+          </a:ln>
+        </p:spPr>
+        <p:style>
+          <a:lnRef idx="2">
+            <a:schemeClr val="accent1"/>
+          </a:lnRef>
+          <a:fillRef idx="0">
+            <a:schemeClr val="accent1"/>
+          </a:fillRef>
+          <a:effectRef idx="1">
+            <a:schemeClr val="accent1"/>
+          </a:effectRef>
+          <a:fontRef idx="minor">
+            <a:schemeClr val="tx1"/>
+          </a:fontRef>
+        </p:style>
+      </p:cxnSp>
+      <p:sp>
+        <p:nvSpPr>
+          <p:cNvPr id="52" name="テキスト ボックス 51"/>
+          <p:cNvSpPr txBox="1"/>
+          <p:nvPr/>
+        </p:nvSpPr>
+        <p:spPr>
+          <a:xfrm>
+            <a:off x="6732240" y="5825800"/>
+            <a:ext cx="777539" cy="261610"/>
+          </a:xfrm>
+          <a:prstGeom prst="rect">
+            <a:avLst/>
+          </a:prstGeom>
+          <a:noFill/>
+        </p:spPr>
+        <p:txBody>
+          <a:bodyPr wrap="square" rtlCol="0">
+            <a:spAutoFit/>
+          </a:bodyPr>
+          <a:lstStyle/>
+          <a:p>
+            <a:r>
+              <a:rPr lang="ja-JP" altLang="en-US" sz="1100" dirty="0" smtClean="0"/>
+              <a:t>月報閲覧</a:t>
+            </a:r>
+            <a:endParaRPr kumimoji="1" lang="en-US" altLang="ja-JP" sz="1100" dirty="0" smtClean="0"/>
+          </a:p>
+        </p:txBody>
+      </p:sp>
+      <p:sp>
+        <p:nvSpPr>
+          <p:cNvPr id="55" name="テキスト ボックス 54"/>
+          <p:cNvSpPr txBox="1"/>
+          <p:nvPr/>
+        </p:nvSpPr>
+        <p:spPr>
+          <a:xfrm>
+            <a:off x="7452320" y="5805264"/>
+            <a:ext cx="1101332" cy="430887"/>
+          </a:xfrm>
+          <a:prstGeom prst="rect">
+            <a:avLst/>
+          </a:prstGeom>
+          <a:noFill/>
+        </p:spPr>
+        <p:txBody>
+          <a:bodyPr wrap="square" rtlCol="0">
+            <a:spAutoFit/>
+          </a:bodyPr>
+          <a:lstStyle/>
+          <a:p>
+            <a:r>
+              <a:rPr lang="ja-JP" altLang="en-US" sz="1100" dirty="0" smtClean="0"/>
+              <a:t>提出一覧表</a:t>
+            </a:r>
+            <a:r>
+              <a:rPr kumimoji="1" lang="ja-JP" altLang="en-US" sz="1100" dirty="0" smtClean="0"/>
+              <a:t>に</a:t>
+            </a:r>
+            <a:r>
+              <a:rPr kumimoji="1" lang="ja-JP" altLang="en-US" sz="1100" dirty="0" smtClean="0"/>
+              <a:t>総務担当印</a:t>
+            </a:r>
+            <a:endParaRPr kumimoji="1" lang="en-US" altLang="ja-JP" sz="1100" dirty="0" smtClean="0"/>
+          </a:p>
+        </p:txBody>
+      </p:sp>
+      <p:sp>
+        <p:nvSpPr>
+          <p:cNvPr id="58" name="テキスト ボックス 57"/>
+          <p:cNvSpPr txBox="1"/>
+          <p:nvPr/>
+        </p:nvSpPr>
+        <p:spPr>
+          <a:xfrm>
+            <a:off x="5454214" y="5856736"/>
+            <a:ext cx="1062002" cy="261610"/>
+          </a:xfrm>
+          <a:prstGeom prst="rect">
+            <a:avLst/>
+          </a:prstGeom>
+          <a:noFill/>
+        </p:spPr>
+        <p:txBody>
+          <a:bodyPr wrap="square" rtlCol="0">
+            <a:spAutoFit/>
+          </a:bodyPr>
+          <a:lstStyle/>
+          <a:p>
+            <a:r>
+              <a:rPr lang="ja-JP" altLang="en-US" sz="1100" dirty="0" smtClean="0"/>
+              <a:t>コメント追記</a:t>
+            </a:r>
+            <a:endParaRPr kumimoji="1" lang="ja-JP" altLang="en-US" sz="1100" dirty="0"/>
+          </a:p>
+        </p:txBody>
+      </p:sp>
+      <p:sp>
+        <p:nvSpPr>
+          <p:cNvPr id="59" name="テキスト ボックス 58"/>
+          <p:cNvSpPr txBox="1"/>
+          <p:nvPr/>
+        </p:nvSpPr>
+        <p:spPr>
+          <a:xfrm>
+            <a:off x="3555098" y="4530814"/>
+            <a:ext cx="1186728" cy="307777"/>
+          </a:xfrm>
+          <a:prstGeom prst="rect">
+            <a:avLst/>
+          </a:prstGeom>
+        </p:spPr>
+        <p:style>
+          <a:lnRef idx="1">
+            <a:schemeClr val="accent3"/>
+          </a:lnRef>
+          <a:fillRef idx="2">
+            <a:schemeClr val="accent3"/>
+          </a:fillRef>
+          <a:effectRef idx="1">
+            <a:schemeClr val="accent3"/>
+          </a:effectRef>
+          <a:fontRef idx="minor">
+            <a:schemeClr val="dk1"/>
+          </a:fontRef>
+        </p:style>
+        <p:txBody>
+          <a:bodyPr wrap="square" rtlCol="0" anchor="ctr">
+            <a:spAutoFit/>
+          </a:bodyPr>
+          <a:lstStyle/>
+          <a:p>
+            <a:pPr algn="ctr"/>
+            <a:r>
+              <a:rPr lang="ja-JP" altLang="en-US" sz="1400" dirty="0"/>
+              <a:t>本社</a:t>
+            </a:r>
+            <a:r>
+              <a:rPr kumimoji="1" lang="ja-JP" altLang="en-US" sz="1400" dirty="0" smtClean="0"/>
+              <a:t>総務</a:t>
+            </a:r>
+            <a:endParaRPr kumimoji="1" lang="ja-JP" altLang="en-US" sz="1400" dirty="0"/>
+          </a:p>
+        </p:txBody>
+      </p:sp>
+      <p:sp>
+        <p:nvSpPr>
+          <p:cNvPr id="67" name="テキスト ボックス 66"/>
+          <p:cNvSpPr txBox="1"/>
+          <p:nvPr/>
+        </p:nvSpPr>
+        <p:spPr>
+          <a:xfrm>
+            <a:off x="7380312" y="3790201"/>
+            <a:ext cx="1673843" cy="430887"/>
+          </a:xfrm>
+          <a:prstGeom prst="rect">
+            <a:avLst/>
+          </a:prstGeom>
+          <a:noFill/>
+        </p:spPr>
+        <p:txBody>
+          <a:bodyPr wrap="square" rtlCol="0">
+            <a:spAutoFit/>
+          </a:bodyPr>
+          <a:lstStyle/>
+          <a:p>
+            <a:r>
+              <a:rPr lang="ja-JP" altLang="en-US" sz="1100" dirty="0" smtClean="0"/>
+              <a:t>社内便で郵送</a:t>
+            </a:r>
+            <a:endParaRPr lang="en-US" altLang="ja-JP" sz="1100" dirty="0" smtClean="0"/>
+          </a:p>
+          <a:p>
+            <a:r>
+              <a:rPr lang="ja-JP" altLang="en-US" sz="1100" dirty="0" smtClean="0"/>
+              <a:t>（月報、提出一覧表）</a:t>
+            </a:r>
+            <a:endParaRPr lang="en-US" altLang="ja-JP" sz="1100" dirty="0" smtClean="0"/>
+          </a:p>
+        </p:txBody>
+      </p:sp>
+      <p:sp>
+        <p:nvSpPr>
+          <p:cNvPr id="71" name="テキスト ボックス 70"/>
+          <p:cNvSpPr txBox="1"/>
+          <p:nvPr/>
+        </p:nvSpPr>
+        <p:spPr>
+          <a:xfrm>
+            <a:off x="1611100" y="4530814"/>
+            <a:ext cx="1186728" cy="307777"/>
+          </a:xfrm>
+          <a:prstGeom prst="rect">
+            <a:avLst/>
+          </a:prstGeom>
+        </p:spPr>
+        <p:style>
+          <a:lnRef idx="1">
+            <a:schemeClr val="accent3"/>
+          </a:lnRef>
+          <a:fillRef idx="2">
+            <a:schemeClr val="accent3"/>
+          </a:fillRef>
+          <a:effectRef idx="1">
+            <a:schemeClr val="accent3"/>
+          </a:effectRef>
+          <a:fontRef idx="minor">
+            <a:schemeClr val="dk1"/>
+          </a:fontRef>
+        </p:style>
+        <p:txBody>
+          <a:bodyPr wrap="square" rtlCol="0" anchor="ctr">
+            <a:spAutoFit/>
+          </a:bodyPr>
+          <a:lstStyle/>
+          <a:p>
+            <a:pPr algn="ctr"/>
+            <a:r>
+              <a:rPr kumimoji="1" lang="ja-JP" altLang="en-US" sz="1400" dirty="0" smtClean="0"/>
+              <a:t>大阪総務</a:t>
+            </a:r>
+            <a:endParaRPr kumimoji="1" lang="ja-JP" altLang="en-US" sz="1400" dirty="0"/>
+          </a:p>
+        </p:txBody>
+      </p:sp>
+      <p:pic>
+        <p:nvPicPr>
+          <p:cNvPr id="72" name="Picture 2" descr="C:\Users\panasonic.PC-PEWBA142657\Desktop\download.png"/>
+          <p:cNvPicPr>
+            <a:picLocks noChangeAspect="1" noChangeArrowheads="1"/>
+          </p:cNvPicPr>
+          <p:nvPr/>
+        </p:nvPicPr>
+        <p:blipFill>
+          <a:blip r:embed="rId3" cstate="print">
+            <a:extLst>
+              <a:ext uri="{28A0092B-C50C-407E-A947-70E740481C1C}">
+                <a14:useLocalDpi xmlns:a14="http://schemas.microsoft.com/office/drawing/2010/main" val="0"/>
+              </a:ext>
+            </a:extLst>
+          </a:blip>
+          <a:srcRect/>
+          <a:stretch>
+            <a:fillRect/>
+          </a:stretch>
+        </p:blipFill>
+        <p:spPr bwMode="auto">
+          <a:xfrm>
+            <a:off x="1475656" y="4848922"/>
+            <a:ext cx="1193349" cy="1193349"/>
+          </a:xfrm>
+          <a:prstGeom prst="rect">
+            <a:avLst/>
+          </a:prstGeom>
+          <a:noFill/>
+          <a:extLst>
+            <a:ext uri="{909E8E84-426E-40DD-AFC4-6F175D3DCCD1}">
+              <a14:hiddenFill xmlns:a14="http://schemas.microsoft.com/office/drawing/2010/main">
+                <a:solidFill>
+                  <a:srgbClr val="FFFFFF"/>
+                </a:solidFill>
+              </a14:hiddenFill>
+            </a:ext>
+          </a:extLst>
+        </p:spPr>
+      </p:pic>
+      <p:sp>
+        <p:nvSpPr>
+          <p:cNvPr id="77" name="テキスト ボックス 76"/>
+          <p:cNvSpPr txBox="1"/>
+          <p:nvPr/>
+        </p:nvSpPr>
+        <p:spPr>
+          <a:xfrm>
+            <a:off x="148180" y="4235069"/>
+            <a:ext cx="1687516" cy="261610"/>
+          </a:xfrm>
+          <a:prstGeom prst="rect">
+            <a:avLst/>
+          </a:prstGeom>
+          <a:noFill/>
+        </p:spPr>
+        <p:txBody>
+          <a:bodyPr wrap="square" rtlCol="0">
+            <a:spAutoFit/>
+          </a:bodyPr>
+          <a:lstStyle/>
+          <a:p>
+            <a:r>
+              <a:rPr kumimoji="1" lang="ja-JP" altLang="en-US" sz="1100" dirty="0" smtClean="0"/>
+              <a:t>月報を個人</a:t>
+            </a:r>
+            <a:r>
+              <a:rPr kumimoji="1" lang="ja-JP" altLang="en-US" sz="1100" dirty="0" smtClean="0"/>
+              <a:t>棚に格納</a:t>
+            </a:r>
+            <a:endParaRPr kumimoji="1" lang="ja-JP" altLang="en-US" sz="1100" dirty="0"/>
+          </a:p>
+        </p:txBody>
+      </p:sp>
+      <p:cxnSp>
+        <p:nvCxnSpPr>
+          <p:cNvPr id="75" name="直線矢印コネクタ 74"/>
+          <p:cNvCxnSpPr/>
+          <p:nvPr/>
+        </p:nvCxnSpPr>
+        <p:spPr>
+          <a:xfrm>
+            <a:off x="3917201" y="2405138"/>
+            <a:ext cx="870823" cy="1"/>
+          </a:xfrm>
+          <a:prstGeom prst="straightConnector1">
+            <a:avLst/>
+          </a:prstGeom>
+          <a:ln w="38100">
+            <a:tailEnd type="arrow"/>
+          </a:ln>
+        </p:spPr>
+        <p:style>
+          <a:lnRef idx="2">
+            <a:schemeClr val="accent1"/>
+          </a:lnRef>
+          <a:fillRef idx="0">
+            <a:schemeClr val="accent1"/>
+          </a:fillRef>
+          <a:effectRef idx="1">
+            <a:schemeClr val="accent1"/>
+          </a:effectRef>
+          <a:fontRef idx="minor">
+            <a:schemeClr val="tx1"/>
+          </a:fontRef>
+        </p:style>
+      </p:cxnSp>
+      <p:pic>
+        <p:nvPicPr>
+          <p:cNvPr id="78" name="Picture 3" descr="C:\Users\panasonic.PC-PEWBA142657\AppData\Local\Microsoft\Windows\Temporary Internet Files\Content.IE5\7KHZB72Y\Logo_Microsoft_Excel_2013[1].png"/>
+          <p:cNvPicPr>
+            <a:picLocks noChangeAspect="1" noChangeArrowheads="1"/>
+          </p:cNvPicPr>
+          <p:nvPr/>
+        </p:nvPicPr>
+        <p:blipFill>
+          <a:blip r:embed="rId4" cstate="print">
+            <a:extLst>
+              <a:ext uri="{28A0092B-C50C-407E-A947-70E740481C1C}">
+                <a14:useLocalDpi xmlns:a14="http://schemas.microsoft.com/office/drawing/2010/main" val="0"/>
+              </a:ext>
+            </a:extLst>
+          </a:blip>
+          <a:srcRect/>
+          <a:stretch>
+            <a:fillRect/>
+          </a:stretch>
+        </p:blipFill>
+        <p:spPr bwMode="auto">
+          <a:xfrm>
+            <a:off x="4139952" y="1700808"/>
+            <a:ext cx="246612" cy="246612"/>
+          </a:xfrm>
+          <a:prstGeom prst="rect">
+            <a:avLst/>
+          </a:prstGeom>
+          <a:noFill/>
+          <a:extLst>
+            <a:ext uri="{909E8E84-426E-40DD-AFC4-6F175D3DCCD1}">
+              <a14:hiddenFill xmlns:a14="http://schemas.microsoft.com/office/drawing/2010/main">
+                <a:solidFill>
+                  <a:srgbClr val="FFFFFF"/>
+                </a:solidFill>
+              </a14:hiddenFill>
+            </a:ext>
+          </a:extLst>
+        </p:spPr>
+      </p:pic>
+      <p:pic>
+        <p:nvPicPr>
+          <p:cNvPr id="79" name="Picture 3" descr="C:\Users\panasonic.PC-PEWBA142657\AppData\Local\Microsoft\Windows\Temporary Internet Files\Content.IE5\7KHZB72Y\Logo_Microsoft_Excel_2013[1].png"/>
+          <p:cNvPicPr>
+            <a:picLocks noChangeAspect="1" noChangeArrowheads="1"/>
+          </p:cNvPicPr>
+          <p:nvPr/>
+        </p:nvPicPr>
+        <p:blipFill>
+          <a:blip r:embed="rId4" cstate="print">
+            <a:extLst>
+              <a:ext uri="{28A0092B-C50C-407E-A947-70E740481C1C}">
+                <a14:useLocalDpi xmlns:a14="http://schemas.microsoft.com/office/drawing/2010/main" val="0"/>
+              </a:ext>
+            </a:extLst>
+          </a:blip>
+          <a:srcRect/>
+          <a:stretch>
+            <a:fillRect/>
+          </a:stretch>
+        </p:blipFill>
+        <p:spPr bwMode="auto">
+          <a:xfrm>
+            <a:off x="5206630" y="3288429"/>
+            <a:ext cx="246612" cy="246612"/>
+          </a:xfrm>
+          <a:prstGeom prst="rect">
+            <a:avLst/>
+          </a:prstGeom>
+          <a:noFill/>
+          <a:extLst>
+            <a:ext uri="{909E8E84-426E-40DD-AFC4-6F175D3DCCD1}">
+              <a14:hiddenFill xmlns:a14="http://schemas.microsoft.com/office/drawing/2010/main">
+                <a:solidFill>
+                  <a:srgbClr val="FFFFFF"/>
+                </a:solidFill>
+              </a14:hiddenFill>
+            </a:ext>
+          </a:extLst>
+        </p:spPr>
+      </p:pic>
+      <p:cxnSp>
+        <p:nvCxnSpPr>
+          <p:cNvPr id="80" name="直線矢印コネクタ 79"/>
+          <p:cNvCxnSpPr/>
+          <p:nvPr/>
+        </p:nvCxnSpPr>
+        <p:spPr>
+          <a:xfrm>
+            <a:off x="6008670" y="2405138"/>
+            <a:ext cx="870823" cy="1"/>
+          </a:xfrm>
+          <a:prstGeom prst="straightConnector1">
+            <a:avLst/>
+          </a:prstGeom>
+          <a:ln w="38100">
+            <a:tailEnd type="arrow"/>
+          </a:ln>
+        </p:spPr>
+        <p:style>
+          <a:lnRef idx="2">
+            <a:schemeClr val="accent1"/>
+          </a:lnRef>
+          <a:fillRef idx="0">
+            <a:schemeClr val="accent1"/>
+          </a:fillRef>
+          <a:effectRef idx="1">
+            <a:schemeClr val="accent1"/>
+          </a:effectRef>
+          <a:fontRef idx="minor">
+            <a:schemeClr val="tx1"/>
+          </a:fontRef>
+        </p:style>
+      </p:cxnSp>
+      <p:sp>
+        <p:nvSpPr>
+          <p:cNvPr id="81" name="テキスト ボックス 80"/>
+          <p:cNvSpPr txBox="1"/>
+          <p:nvPr/>
+        </p:nvSpPr>
+        <p:spPr>
+          <a:xfrm>
+            <a:off x="5995761" y="1905356"/>
+            <a:ext cx="1240535" cy="430887"/>
+          </a:xfrm>
+          <a:prstGeom prst="rect">
+            <a:avLst/>
+          </a:prstGeom>
+          <a:noFill/>
+        </p:spPr>
+        <p:txBody>
+          <a:bodyPr wrap="square" rtlCol="0">
+            <a:spAutoFit/>
+          </a:bodyPr>
+          <a:lstStyle/>
+          <a:p>
+            <a:r>
+              <a:rPr kumimoji="1" lang="ja-JP" altLang="en-US" sz="1100" dirty="0" smtClean="0"/>
+              <a:t>⑥まとめて</a:t>
+            </a:r>
+            <a:endParaRPr kumimoji="1" lang="en-US" altLang="ja-JP" sz="1100" dirty="0" smtClean="0"/>
+          </a:p>
+          <a:p>
+            <a:r>
+              <a:rPr kumimoji="1" lang="ja-JP" altLang="en-US" sz="1100" dirty="0" smtClean="0"/>
+              <a:t>メール送信</a:t>
+            </a:r>
+            <a:endParaRPr kumimoji="1" lang="ja-JP" altLang="en-US" sz="1100" dirty="0"/>
+          </a:p>
+        </p:txBody>
+      </p:sp>
+      <p:pic>
+        <p:nvPicPr>
+          <p:cNvPr id="82" name="Picture 3" descr="C:\Users\panasonic.PC-PEWBA142657\AppData\Local\Microsoft\Windows\Temporary Internet Files\Content.IE5\7KHZB72Y\Logo_Microsoft_Excel_2013[1].png"/>
+          <p:cNvPicPr>
+            <a:picLocks noChangeAspect="1" noChangeArrowheads="1"/>
+          </p:cNvPicPr>
+          <p:nvPr/>
+        </p:nvPicPr>
+        <p:blipFill>
+          <a:blip r:embed="rId4" cstate="print">
+            <a:extLst>
+              <a:ext uri="{28A0092B-C50C-407E-A947-70E740481C1C}">
+                <a14:useLocalDpi xmlns:a14="http://schemas.microsoft.com/office/drawing/2010/main" val="0"/>
+              </a:ext>
+            </a:extLst>
+          </a:blip>
+          <a:srcRect/>
+          <a:stretch>
+            <a:fillRect/>
+          </a:stretch>
+        </p:blipFill>
+        <p:spPr bwMode="auto">
+          <a:xfrm>
+            <a:off x="6228184" y="1700808"/>
+            <a:ext cx="246612" cy="246612"/>
+          </a:xfrm>
+          <a:prstGeom prst="rect">
+            <a:avLst/>
+          </a:prstGeom>
+          <a:noFill/>
+          <a:extLst>
+            <a:ext uri="{909E8E84-426E-40DD-AFC4-6F175D3DCCD1}">
+              <a14:hiddenFill xmlns:a14="http://schemas.microsoft.com/office/drawing/2010/main">
+                <a:solidFill>
+                  <a:srgbClr val="FFFFFF"/>
+                </a:solidFill>
+              </a14:hiddenFill>
+            </a:ext>
+          </a:extLst>
+        </p:spPr>
+      </p:pic>
+      <p:pic>
+        <p:nvPicPr>
+          <p:cNvPr id="83" name="Picture 3" descr="C:\Users\panasonic.PC-PEWBA142657\AppData\Local\Microsoft\Windows\Temporary Internet Files\Content.IE5\0TBE10HT\gi01a201401282200[1].png"/>
+          <p:cNvPicPr>
+            <a:picLocks noChangeAspect="1" noChangeArrowheads="1"/>
+          </p:cNvPicPr>
+          <p:nvPr/>
+        </p:nvPicPr>
+        <p:blipFill>
+          <a:blip r:embed="rId7" cstate="print">
+            <a:extLst>
+              <a:ext uri="{BEBA8EAE-BF5A-486C-A8C5-ECC9F3942E4B}">
+                <a14:imgProps xmlns:a14="http://schemas.microsoft.com/office/drawing/2010/main">
+                  <a14:imgLayer r:embed="rId8">
+                    <a14:imgEffect>
+                      <a14:brightnessContrast contrast="-40000"/>
+                    </a14:imgEffect>
+                  </a14:imgLayer>
+                </a14:imgProps>
+              </a:ext>
+              <a:ext uri="{28A0092B-C50C-407E-A947-70E740481C1C}">
+                <a14:useLocalDpi xmlns:a14="http://schemas.microsoft.com/office/drawing/2010/main" val="0"/>
+              </a:ext>
+            </a:extLst>
+          </a:blip>
+          <a:srcRect/>
+          <a:stretch>
+            <a:fillRect/>
+          </a:stretch>
+        </p:blipFill>
+        <p:spPr bwMode="auto">
+          <a:xfrm>
+            <a:off x="8716088" y="3392421"/>
+            <a:ext cx="248400" cy="214503"/>
+          </a:xfrm>
+          <a:prstGeom prst="rect">
+            <a:avLst/>
+          </a:prstGeom>
+          <a:noFill/>
+          <a:extLst>
+            <a:ext uri="{909E8E84-426E-40DD-AFC4-6F175D3DCCD1}">
+              <a14:hiddenFill xmlns:a14="http://schemas.microsoft.com/office/drawing/2010/main">
+                <a:solidFill>
+                  <a:srgbClr val="FFFFFF"/>
+                </a:solidFill>
+              </a14:hiddenFill>
+            </a:ext>
+          </a:extLst>
+        </p:spPr>
+      </p:pic>
+      <p:pic>
+        <p:nvPicPr>
+          <p:cNvPr id="84" name="Picture 3" descr="C:\Users\panasonic.PC-PEWBA142657\AppData\Local\Microsoft\Windows\Temporary Internet Files\Content.IE5\7KHZB72Y\Logo_Microsoft_Excel_2013[1].png"/>
+          <p:cNvPicPr>
+            <a:picLocks noChangeAspect="1" noChangeArrowheads="1"/>
+          </p:cNvPicPr>
+          <p:nvPr/>
+        </p:nvPicPr>
+        <p:blipFill>
+          <a:blip r:embed="rId4" cstate="print">
+            <a:extLst>
+              <a:ext uri="{28A0092B-C50C-407E-A947-70E740481C1C}">
+                <a14:useLocalDpi xmlns:a14="http://schemas.microsoft.com/office/drawing/2010/main" val="0"/>
+              </a:ext>
+            </a:extLst>
+          </a:blip>
+          <a:srcRect/>
+          <a:stretch>
+            <a:fillRect/>
+          </a:stretch>
+        </p:blipFill>
+        <p:spPr bwMode="auto">
+          <a:xfrm>
+            <a:off x="785014" y="3263891"/>
+            <a:ext cx="246612" cy="246612"/>
+          </a:xfrm>
+          <a:prstGeom prst="rect">
+            <a:avLst/>
+          </a:prstGeom>
+          <a:noFill/>
+          <a:extLst>
+            <a:ext uri="{909E8E84-426E-40DD-AFC4-6F175D3DCCD1}">
+              <a14:hiddenFill xmlns:a14="http://schemas.microsoft.com/office/drawing/2010/main">
+                <a:solidFill>
+                  <a:srgbClr val="FFFFFF"/>
+                </a:solidFill>
+              </a14:hiddenFill>
+            </a:ext>
+          </a:extLst>
+        </p:spPr>
+      </p:pic>
+      <p:pic>
+        <p:nvPicPr>
+          <p:cNvPr id="2050" name="Picture 2" descr="C:\Users\panasonic.PC-PEWBA142657\Desktop\ダウンロード (1).png"/>
+          <p:cNvPicPr>
+            <a:picLocks noChangeAspect="1" noChangeArrowheads="1"/>
+          </p:cNvPicPr>
+          <p:nvPr/>
+        </p:nvPicPr>
+        <p:blipFill>
+          <a:blip r:embed="rId9" cstate="print">
+            <a:extLst>
+              <a:ext uri="{28A0092B-C50C-407E-A947-70E740481C1C}">
+                <a14:useLocalDpi xmlns:a14="http://schemas.microsoft.com/office/drawing/2010/main" val="0"/>
+              </a:ext>
+            </a:extLst>
+          </a:blip>
+          <a:srcRect/>
+          <a:stretch>
+            <a:fillRect/>
+          </a:stretch>
+        </p:blipFill>
+        <p:spPr bwMode="auto">
+          <a:xfrm>
+            <a:off x="5148808" y="4797896"/>
+            <a:ext cx="1295400" cy="1295400"/>
+          </a:xfrm>
+          <a:prstGeom prst="rect">
+            <a:avLst/>
+          </a:prstGeom>
+          <a:noFill/>
+          <a:extLst>
+            <a:ext uri="{909E8E84-426E-40DD-AFC4-6F175D3DCCD1}">
+              <a14:hiddenFill xmlns:a14="http://schemas.microsoft.com/office/drawing/2010/main">
+                <a:solidFill>
+                  <a:srgbClr val="FFFFFF"/>
+                </a:solidFill>
+              </a14:hiddenFill>
+            </a:ext>
+          </a:extLst>
+        </p:spPr>
+      </p:pic>
+      <p:pic>
+        <p:nvPicPr>
+          <p:cNvPr id="1027" name="Picture 3" descr="C:\Users\panasonic.PC-PEWBA142657\Desktop\ダウンロード.png"/>
+          <p:cNvPicPr>
+            <a:picLocks noChangeAspect="1" noChangeArrowheads="1"/>
+          </p:cNvPicPr>
+          <p:nvPr/>
+        </p:nvPicPr>
+        <p:blipFill>
+          <a:blip r:embed="rId10" cstate="print">
+            <a:extLst>
+              <a:ext uri="{28A0092B-C50C-407E-A947-70E740481C1C}">
+                <a14:useLocalDpi xmlns:a14="http://schemas.microsoft.com/office/drawing/2010/main" val="0"/>
+              </a:ext>
+            </a:extLst>
+          </a:blip>
+          <a:srcRect/>
+          <a:stretch>
+            <a:fillRect/>
+          </a:stretch>
+        </p:blipFill>
+        <p:spPr bwMode="auto">
+          <a:xfrm>
+            <a:off x="6660232" y="4797896"/>
+            <a:ext cx="1295400" cy="1295400"/>
+          </a:xfrm>
+          <a:prstGeom prst="rect">
+            <a:avLst/>
+          </a:prstGeom>
+          <a:noFill/>
+          <a:extLst>
+            <a:ext uri="{909E8E84-426E-40DD-AFC4-6F175D3DCCD1}">
+              <a14:hiddenFill xmlns:a14="http://schemas.microsoft.com/office/drawing/2010/main">
+                <a:solidFill>
+                  <a:srgbClr val="FFFFFF"/>
+                </a:solidFill>
+              </a14:hiddenFill>
+            </a:ext>
+          </a:extLst>
+        </p:spPr>
+      </p:pic>
+      <p:pic>
+        <p:nvPicPr>
+          <p:cNvPr id="88" name="Picture 3" descr="C:\Users\panasonic.PC-PEWBA142657\Desktop\ダウンロード.png"/>
+          <p:cNvPicPr>
+            <a:picLocks noChangeAspect="1" noChangeArrowheads="1"/>
+          </p:cNvPicPr>
+          <p:nvPr/>
+        </p:nvPicPr>
+        <p:blipFill>
+          <a:blip r:embed="rId10" cstate="print">
+            <a:extLst>
+              <a:ext uri="{28A0092B-C50C-407E-A947-70E740481C1C}">
+                <a14:useLocalDpi xmlns:a14="http://schemas.microsoft.com/office/drawing/2010/main" val="0"/>
+              </a:ext>
+            </a:extLst>
+          </a:blip>
+          <a:srcRect/>
+          <a:stretch>
+            <a:fillRect/>
+          </a:stretch>
+        </p:blipFill>
+        <p:spPr bwMode="auto">
+          <a:xfrm>
+            <a:off x="3419874" y="4797896"/>
+            <a:ext cx="1295400" cy="1295400"/>
+          </a:xfrm>
+          <a:prstGeom prst="rect">
+            <a:avLst/>
+          </a:prstGeom>
+          <a:noFill/>
+          <a:extLst>
+            <a:ext uri="{909E8E84-426E-40DD-AFC4-6F175D3DCCD1}">
+              <a14:hiddenFill xmlns:a14="http://schemas.microsoft.com/office/drawing/2010/main">
+                <a:solidFill>
+                  <a:srgbClr val="FFFFFF"/>
+                </a:solidFill>
+              </a14:hiddenFill>
+            </a:ext>
+          </a:extLst>
+        </p:spPr>
+      </p:pic>
+      <p:pic>
+        <p:nvPicPr>
+          <p:cNvPr id="90" name="Picture 3" descr="C:\Users\panasonic.PC-PEWBA142657\AppData\Local\Microsoft\Windows\Temporary Internet Files\Content.IE5\7KHZB72Y\Logo_Microsoft_Excel_2013[1].png"/>
+          <p:cNvPicPr>
+            <a:picLocks noChangeAspect="1" noChangeArrowheads="1"/>
+          </p:cNvPicPr>
+          <p:nvPr/>
+        </p:nvPicPr>
+        <p:blipFill>
+          <a:blip r:embed="rId4" cstate="print">
+            <a:extLst>
+              <a:ext uri="{28A0092B-C50C-407E-A947-70E740481C1C}">
+                <a14:useLocalDpi xmlns:a14="http://schemas.microsoft.com/office/drawing/2010/main" val="0"/>
+              </a:ext>
+            </a:extLst>
+          </a:blip>
+          <a:srcRect/>
+          <a:stretch>
+            <a:fillRect/>
+          </a:stretch>
+        </p:blipFill>
+        <p:spPr bwMode="auto">
+          <a:xfrm>
+            <a:off x="8463752" y="2852936"/>
+            <a:ext cx="246612" cy="246612"/>
+          </a:xfrm>
+          <a:prstGeom prst="rect">
+            <a:avLst/>
+          </a:prstGeom>
+          <a:noFill/>
+          <a:extLst>
+            <a:ext uri="{909E8E84-426E-40DD-AFC4-6F175D3DCCD1}">
+              <a14:hiddenFill xmlns:a14="http://schemas.microsoft.com/office/drawing/2010/main">
+                <a:solidFill>
+                  <a:srgbClr val="FFFFFF"/>
+                </a:solidFill>
+              </a14:hiddenFill>
+            </a:ext>
+          </a:extLst>
+        </p:spPr>
+      </p:pic>
+      <p:sp>
+        <p:nvSpPr>
+          <p:cNvPr id="91" name="テキスト ボックス 90"/>
+          <p:cNvSpPr txBox="1"/>
+          <p:nvPr/>
+        </p:nvSpPr>
+        <p:spPr>
+          <a:xfrm>
+            <a:off x="6905538" y="3095382"/>
+            <a:ext cx="1466967" cy="261610"/>
+          </a:xfrm>
+          <a:prstGeom prst="rect">
+            <a:avLst/>
+          </a:prstGeom>
+          <a:noFill/>
+        </p:spPr>
+        <p:txBody>
+          <a:bodyPr wrap="square" rtlCol="0">
+            <a:spAutoFit/>
+          </a:bodyPr>
+          <a:lstStyle/>
+          <a:p>
+            <a:r>
+              <a:rPr lang="ja-JP" altLang="en-US" sz="1100" dirty="0"/>
+              <a:t>⑧</a:t>
+            </a:r>
+            <a:r>
+              <a:rPr lang="ja-JP" altLang="en-US" sz="1100" dirty="0" smtClean="0"/>
+              <a:t>提出</a:t>
+            </a:r>
+            <a:r>
+              <a:rPr lang="ja-JP" altLang="en-US" sz="1100" dirty="0" smtClean="0"/>
+              <a:t>一覧表作成</a:t>
+            </a:r>
+            <a:endParaRPr lang="en-US" altLang="ja-JP" sz="1100" dirty="0" smtClean="0"/>
+          </a:p>
+        </p:txBody>
+      </p:sp>
+      <p:cxnSp>
+        <p:nvCxnSpPr>
+          <p:cNvPr id="2057" name="曲線コネクタ 2056"/>
+          <p:cNvCxnSpPr>
+            <a:stCxn id="72" idx="1"/>
+            <a:endCxn id="40" idx="1"/>
+          </p:cNvCxnSpPr>
+          <p:nvPr/>
+        </p:nvCxnSpPr>
+        <p:spPr>
+          <a:xfrm rot="10800000">
+            <a:off x="285136" y="2498809"/>
+            <a:ext cx="1190521" cy="2946789"/>
+          </a:xfrm>
+          <a:prstGeom prst="curvedConnector3">
+            <a:avLst>
+              <a:gd name="adj1" fmla="val 119202"/>
+            </a:avLst>
+          </a:prstGeom>
+          <a:ln>
+            <a:tailEnd type="triangle"/>
+          </a:ln>
+        </p:spPr>
+        <p:style>
+          <a:lnRef idx="2">
+            <a:schemeClr val="accent1"/>
+          </a:lnRef>
+          <a:fillRef idx="0">
+            <a:schemeClr val="accent1"/>
+          </a:fillRef>
+          <a:effectRef idx="1">
+            <a:schemeClr val="accent1"/>
+          </a:effectRef>
+          <a:fontRef idx="minor">
+            <a:schemeClr val="tx1"/>
+          </a:fontRef>
+        </p:style>
+      </p:cxnSp>
+      <p:pic>
+        <p:nvPicPr>
+          <p:cNvPr id="102" name="Picture 3" descr="C:\Users\panasonic.PC-PEWBA142657\AppData\Local\Microsoft\Windows\Temporary Internet Files\Content.IE5\0TBE10HT\gi01a201401282200[1].png"/>
+          <p:cNvPicPr>
+            <a:picLocks noChangeAspect="1" noChangeArrowheads="1"/>
+          </p:cNvPicPr>
+          <p:nvPr/>
+        </p:nvPicPr>
+        <p:blipFill>
+          <a:blip r:embed="rId7" cstate="print">
+            <a:duotone>
+              <a:prstClr val="black"/>
+              <a:schemeClr val="accent3">
+                <a:tint val="45000"/>
+                <a:satMod val="400000"/>
+              </a:schemeClr>
+            </a:duotone>
+            <a:extLst>
+              <a:ext uri="{BEBA8EAE-BF5A-486C-A8C5-ECC9F3942E4B}">
+                <a14:imgProps xmlns:a14="http://schemas.microsoft.com/office/drawing/2010/main">
+                  <a14:imgLayer r:embed="rId8">
+                    <a14:imgEffect>
+                      <a14:brightnessContrast contrast="-40000"/>
+                    </a14:imgEffect>
+                  </a14:imgLayer>
+                </a14:imgProps>
+              </a:ext>
+              <a:ext uri="{28A0092B-C50C-407E-A947-70E740481C1C}">
+                <a14:useLocalDpi xmlns:a14="http://schemas.microsoft.com/office/drawing/2010/main" val="0"/>
+              </a:ext>
+            </a:extLst>
+          </a:blip>
+          <a:srcRect/>
+          <a:stretch>
+            <a:fillRect/>
+          </a:stretch>
+        </p:blipFill>
+        <p:spPr bwMode="auto">
+          <a:xfrm>
+            <a:off x="669750" y="4510641"/>
+            <a:ext cx="248400" cy="214503"/>
+          </a:xfrm>
+          <a:prstGeom prst="rect">
+            <a:avLst/>
+          </a:prstGeom>
+          <a:noFill/>
+          <a:extLst>
+            <a:ext uri="{909E8E84-426E-40DD-AFC4-6F175D3DCCD1}">
+              <a14:hiddenFill xmlns:a14="http://schemas.microsoft.com/office/drawing/2010/main">
+                <a:solidFill>
+                  <a:srgbClr val="FFFFFF"/>
+                </a:solidFill>
+              </a14:hiddenFill>
+            </a:ext>
+          </a:extLst>
+        </p:spPr>
+      </p:pic>
+      <p:pic>
+        <p:nvPicPr>
+          <p:cNvPr id="108" name="Picture 3" descr="C:\Users\panasonic.PC-PEWBA142657\AppData\Local\Microsoft\Windows\Temporary Internet Files\Content.IE5\0TBE10HT\gi01a201401282200[1].png"/>
+          <p:cNvPicPr>
+            <a:picLocks noChangeAspect="1" noChangeArrowheads="1"/>
+          </p:cNvPicPr>
+          <p:nvPr/>
+        </p:nvPicPr>
+        <p:blipFill>
+          <a:blip r:embed="rId7" cstate="print">
+            <a:extLst>
+              <a:ext uri="{BEBA8EAE-BF5A-486C-A8C5-ECC9F3942E4B}">
+                <a14:imgProps xmlns:a14="http://schemas.microsoft.com/office/drawing/2010/main">
+                  <a14:imgLayer r:embed="rId8">
+                    <a14:imgEffect>
+                      <a14:brightnessContrast contrast="-40000"/>
+                    </a14:imgEffect>
+                  </a14:imgLayer>
+                </a14:imgProps>
+              </a:ext>
+              <a:ext uri="{28A0092B-C50C-407E-A947-70E740481C1C}">
+                <a14:useLocalDpi xmlns:a14="http://schemas.microsoft.com/office/drawing/2010/main" val="0"/>
+              </a:ext>
+            </a:extLst>
+          </a:blip>
+          <a:srcRect/>
+          <a:stretch>
+            <a:fillRect/>
+          </a:stretch>
+        </p:blipFill>
+        <p:spPr bwMode="auto">
+          <a:xfrm>
+            <a:off x="7812360" y="6238833"/>
+            <a:ext cx="248400" cy="214503"/>
+          </a:xfrm>
+          <a:prstGeom prst="rect">
+            <a:avLst/>
+          </a:prstGeom>
+          <a:noFill/>
+          <a:extLst>
+            <a:ext uri="{909E8E84-426E-40DD-AFC4-6F175D3DCCD1}">
+              <a14:hiddenFill xmlns:a14="http://schemas.microsoft.com/office/drawing/2010/main">
+                <a:solidFill>
+                  <a:srgbClr val="FFFFFF"/>
+                </a:solidFill>
+              </a14:hiddenFill>
+            </a:ext>
+          </a:extLst>
+        </p:spPr>
+      </p:pic>
+      <p:pic>
+        <p:nvPicPr>
+          <p:cNvPr id="109" name="Picture 3" descr="C:\Users\panasonic.PC-PEWBA142657\AppData\Local\Microsoft\Windows\Temporary Internet Files\Content.IE5\0TBE10HT\gi01a201401282200[1].png"/>
+          <p:cNvPicPr>
+            <a:picLocks noChangeAspect="1" noChangeArrowheads="1"/>
+          </p:cNvPicPr>
+          <p:nvPr/>
+        </p:nvPicPr>
+        <p:blipFill>
+          <a:blip r:embed="rId7" cstate="print">
+            <a:duotone>
+              <a:prstClr val="black"/>
+              <a:schemeClr val="accent3">
+                <a:tint val="45000"/>
+                <a:satMod val="400000"/>
+              </a:schemeClr>
+            </a:duotone>
+            <a:extLst>
+              <a:ext uri="{BEBA8EAE-BF5A-486C-A8C5-ECC9F3942E4B}">
+                <a14:imgProps xmlns:a14="http://schemas.microsoft.com/office/drawing/2010/main">
+                  <a14:imgLayer r:embed="rId8">
+                    <a14:imgEffect>
+                      <a14:brightnessContrast contrast="-40000"/>
+                    </a14:imgEffect>
+                  </a14:imgLayer>
+                </a14:imgProps>
+              </a:ext>
+              <a:ext uri="{28A0092B-C50C-407E-A947-70E740481C1C}">
+                <a14:useLocalDpi xmlns:a14="http://schemas.microsoft.com/office/drawing/2010/main" val="0"/>
+              </a:ext>
+            </a:extLst>
+          </a:blip>
+          <a:srcRect/>
+          <a:stretch>
+            <a:fillRect/>
+          </a:stretch>
+        </p:blipFill>
+        <p:spPr bwMode="auto">
+          <a:xfrm>
+            <a:off x="8460432" y="3392421"/>
+            <a:ext cx="248400" cy="214503"/>
+          </a:xfrm>
+          <a:prstGeom prst="rect">
+            <a:avLst/>
+          </a:prstGeom>
+          <a:noFill/>
+          <a:extLst>
+            <a:ext uri="{909E8E84-426E-40DD-AFC4-6F175D3DCCD1}">
+              <a14:hiddenFill xmlns:a14="http://schemas.microsoft.com/office/drawing/2010/main">
+                <a:solidFill>
+                  <a:srgbClr val="FFFFFF"/>
+                </a:solidFill>
+              </a14:hiddenFill>
+            </a:ext>
+          </a:extLst>
+        </p:spPr>
+      </p:pic>
+      <p:pic>
+        <p:nvPicPr>
+          <p:cNvPr id="110" name="Picture 3" descr="C:\Users\panasonic.PC-PEWBA142657\AppData\Local\Microsoft\Windows\Temporary Internet Files\Content.IE5\0TBE10HT\gi01a201401282200[1].png"/>
+          <p:cNvPicPr>
+            <a:picLocks noChangeAspect="1" noChangeArrowheads="1"/>
+          </p:cNvPicPr>
+          <p:nvPr/>
+        </p:nvPicPr>
+        <p:blipFill>
+          <a:blip r:embed="rId7" cstate="print">
+            <a:extLst>
+              <a:ext uri="{BEBA8EAE-BF5A-486C-A8C5-ECC9F3942E4B}">
+                <a14:imgProps xmlns:a14="http://schemas.microsoft.com/office/drawing/2010/main">
+                  <a14:imgLayer r:embed="rId8">
+                    <a14:imgEffect>
+                      <a14:brightnessContrast contrast="-40000"/>
+                    </a14:imgEffect>
+                  </a14:imgLayer>
+                </a14:imgProps>
+              </a:ext>
+              <a:ext uri="{28A0092B-C50C-407E-A947-70E740481C1C}">
+                <a14:useLocalDpi xmlns:a14="http://schemas.microsoft.com/office/drawing/2010/main" val="0"/>
+              </a:ext>
+            </a:extLst>
+          </a:blip>
+          <a:srcRect/>
+          <a:stretch>
+            <a:fillRect/>
+          </a:stretch>
+        </p:blipFill>
+        <p:spPr bwMode="auto">
+          <a:xfrm>
+            <a:off x="8068016" y="4222609"/>
+            <a:ext cx="248400" cy="214503"/>
+          </a:xfrm>
+          <a:prstGeom prst="rect">
+            <a:avLst/>
+          </a:prstGeom>
+          <a:noFill/>
+          <a:extLst>
+            <a:ext uri="{909E8E84-426E-40DD-AFC4-6F175D3DCCD1}">
+              <a14:hiddenFill xmlns:a14="http://schemas.microsoft.com/office/drawing/2010/main">
+                <a:solidFill>
+                  <a:srgbClr val="FFFFFF"/>
+                </a:solidFill>
+              </a14:hiddenFill>
+            </a:ext>
+          </a:extLst>
+        </p:spPr>
+      </p:pic>
+      <p:pic>
+        <p:nvPicPr>
+          <p:cNvPr id="111" name="Picture 3" descr="C:\Users\panasonic.PC-PEWBA142657\AppData\Local\Microsoft\Windows\Temporary Internet Files\Content.IE5\0TBE10HT\gi01a201401282200[1].png"/>
+          <p:cNvPicPr>
+            <a:picLocks noChangeAspect="1" noChangeArrowheads="1"/>
+          </p:cNvPicPr>
+          <p:nvPr/>
+        </p:nvPicPr>
+        <p:blipFill>
+          <a:blip r:embed="rId7" cstate="print">
+            <a:duotone>
+              <a:prstClr val="black"/>
+              <a:schemeClr val="accent3">
+                <a:tint val="45000"/>
+                <a:satMod val="400000"/>
+              </a:schemeClr>
+            </a:duotone>
+            <a:extLst>
+              <a:ext uri="{BEBA8EAE-BF5A-486C-A8C5-ECC9F3942E4B}">
+                <a14:imgProps xmlns:a14="http://schemas.microsoft.com/office/drawing/2010/main">
+                  <a14:imgLayer r:embed="rId8">
+                    <a14:imgEffect>
+                      <a14:brightnessContrast contrast="-40000"/>
+                    </a14:imgEffect>
+                  </a14:imgLayer>
+                </a14:imgProps>
+              </a:ext>
+              <a:ext uri="{28A0092B-C50C-407E-A947-70E740481C1C}">
+                <a14:useLocalDpi xmlns:a14="http://schemas.microsoft.com/office/drawing/2010/main" val="0"/>
+              </a:ext>
+            </a:extLst>
+          </a:blip>
+          <a:srcRect/>
+          <a:stretch>
+            <a:fillRect/>
+          </a:stretch>
+        </p:blipFill>
+        <p:spPr bwMode="auto">
+          <a:xfrm>
+            <a:off x="7812360" y="4222609"/>
+            <a:ext cx="248400" cy="214503"/>
+          </a:xfrm>
+          <a:prstGeom prst="rect">
+            <a:avLst/>
+          </a:prstGeom>
+          <a:noFill/>
+          <a:extLst>
+            <a:ext uri="{909E8E84-426E-40DD-AFC4-6F175D3DCCD1}">
+              <a14:hiddenFill xmlns:a14="http://schemas.microsoft.com/office/drawing/2010/main">
+                <a:solidFill>
+                  <a:srgbClr val="FFFFFF"/>
+                </a:solidFill>
+              </a14:hiddenFill>
+            </a:ext>
+          </a:extLst>
+        </p:spPr>
+      </p:pic>
+      <p:pic>
+        <p:nvPicPr>
+          <p:cNvPr id="112" name="Picture 3" descr="C:\Users\panasonic.PC-PEWBA142657\AppData\Local\Microsoft\Windows\Temporary Internet Files\Content.IE5\0TBE10HT\gi01a201401282200[1].png"/>
+          <p:cNvPicPr>
+            <a:picLocks noChangeAspect="1" noChangeArrowheads="1"/>
+          </p:cNvPicPr>
+          <p:nvPr/>
+        </p:nvPicPr>
+        <p:blipFill>
+          <a:blip r:embed="rId7" cstate="print">
+            <a:duotone>
+              <a:prstClr val="black"/>
+              <a:schemeClr val="accent3">
+                <a:tint val="45000"/>
+                <a:satMod val="400000"/>
+              </a:schemeClr>
+            </a:duotone>
+            <a:extLst>
+              <a:ext uri="{BEBA8EAE-BF5A-486C-A8C5-ECC9F3942E4B}">
+                <a14:imgProps xmlns:a14="http://schemas.microsoft.com/office/drawing/2010/main">
+                  <a14:imgLayer r:embed="rId8">
+                    <a14:imgEffect>
+                      <a14:brightnessContrast contrast="-40000"/>
+                    </a14:imgEffect>
+                  </a14:imgLayer>
+                </a14:imgProps>
+              </a:ext>
+              <a:ext uri="{28A0092B-C50C-407E-A947-70E740481C1C}">
+                <a14:useLocalDpi xmlns:a14="http://schemas.microsoft.com/office/drawing/2010/main" val="0"/>
+              </a:ext>
+            </a:extLst>
+          </a:blip>
+          <a:srcRect/>
+          <a:stretch>
+            <a:fillRect/>
+          </a:stretch>
+        </p:blipFill>
+        <p:spPr bwMode="auto">
+          <a:xfrm>
+            <a:off x="7018652" y="6238833"/>
+            <a:ext cx="248400" cy="214503"/>
+          </a:xfrm>
+          <a:prstGeom prst="rect">
+            <a:avLst/>
+          </a:prstGeom>
+          <a:noFill/>
+          <a:extLst>
+            <a:ext uri="{909E8E84-426E-40DD-AFC4-6F175D3DCCD1}">
+              <a14:hiddenFill xmlns:a14="http://schemas.microsoft.com/office/drawing/2010/main">
+                <a:solidFill>
+                  <a:srgbClr val="FFFFFF"/>
+                </a:solidFill>
+              </a14:hiddenFill>
+            </a:ext>
+          </a:extLst>
+        </p:spPr>
+      </p:pic>
+      <p:cxnSp>
+        <p:nvCxnSpPr>
+          <p:cNvPr id="117" name="直線矢印コネクタ 116"/>
+          <p:cNvCxnSpPr/>
+          <p:nvPr/>
+        </p:nvCxnSpPr>
+        <p:spPr>
+          <a:xfrm flipH="1">
+            <a:off x="6516217" y="5418520"/>
+            <a:ext cx="72007" cy="0"/>
+          </a:xfrm>
+          <a:prstGeom prst="straightConnector1">
+            <a:avLst/>
+          </a:prstGeom>
+          <a:ln w="38100">
+            <a:tailEnd type="arrow"/>
+          </a:ln>
+        </p:spPr>
+        <p:style>
+          <a:lnRef idx="2">
+            <a:schemeClr val="accent1"/>
+          </a:lnRef>
+          <a:fillRef idx="0">
+            <a:schemeClr val="accent1"/>
+          </a:fillRef>
+          <a:effectRef idx="1">
+            <a:schemeClr val="accent1"/>
+          </a:effectRef>
+          <a:fontRef idx="minor">
+            <a:schemeClr val="tx1"/>
+          </a:fontRef>
+        </p:style>
+      </p:cxnSp>
+      <p:pic>
+        <p:nvPicPr>
+          <p:cNvPr id="120" name="Picture 3" descr="C:\Users\panasonic.PC-PEWBA142657\AppData\Local\Microsoft\Windows\Temporary Internet Files\Content.IE5\0TBE10HT\gi01a201401282200[1].png"/>
+          <p:cNvPicPr>
+            <a:picLocks noChangeAspect="1" noChangeArrowheads="1"/>
+          </p:cNvPicPr>
+          <p:nvPr/>
+        </p:nvPicPr>
+        <p:blipFill>
+          <a:blip r:embed="rId7" cstate="print">
+            <a:duotone>
+              <a:prstClr val="black"/>
+              <a:schemeClr val="accent3">
+                <a:tint val="45000"/>
+                <a:satMod val="400000"/>
+              </a:schemeClr>
+            </a:duotone>
+            <a:extLst>
+              <a:ext uri="{BEBA8EAE-BF5A-486C-A8C5-ECC9F3942E4B}">
+                <a14:imgProps xmlns:a14="http://schemas.microsoft.com/office/drawing/2010/main">
+                  <a14:imgLayer r:embed="rId8">
+                    <a14:imgEffect>
+                      <a14:brightnessContrast contrast="-40000"/>
+                    </a14:imgEffect>
+                  </a14:imgLayer>
+                </a14:imgProps>
+              </a:ext>
+              <a:ext uri="{28A0092B-C50C-407E-A947-70E740481C1C}">
+                <a14:useLocalDpi xmlns:a14="http://schemas.microsoft.com/office/drawing/2010/main" val="0"/>
+              </a:ext>
+            </a:extLst>
+          </a:blip>
+          <a:srcRect/>
+          <a:stretch>
+            <a:fillRect/>
+          </a:stretch>
+        </p:blipFill>
+        <p:spPr bwMode="auto">
+          <a:xfrm>
+            <a:off x="5736815" y="6238833"/>
+            <a:ext cx="248400" cy="214503"/>
+          </a:xfrm>
+          <a:prstGeom prst="rect">
+            <a:avLst/>
+          </a:prstGeom>
+          <a:noFill/>
+          <a:extLst>
+            <a:ext uri="{909E8E84-426E-40DD-AFC4-6F175D3DCCD1}">
+              <a14:hiddenFill xmlns:a14="http://schemas.microsoft.com/office/drawing/2010/main">
+                <a:solidFill>
+                  <a:srgbClr val="FFFFFF"/>
+                </a:solidFill>
+              </a14:hiddenFill>
+            </a:ext>
+          </a:extLst>
+        </p:spPr>
+      </p:pic>
+      <p:cxnSp>
+        <p:nvCxnSpPr>
+          <p:cNvPr id="121" name="直線矢印コネクタ 120"/>
+          <p:cNvCxnSpPr/>
+          <p:nvPr/>
+        </p:nvCxnSpPr>
+        <p:spPr>
+          <a:xfrm flipH="1">
+            <a:off x="4932040" y="5418520"/>
+            <a:ext cx="72007" cy="0"/>
+          </a:xfrm>
+          <a:prstGeom prst="straightConnector1">
+            <a:avLst/>
+          </a:prstGeom>
+          <a:ln w="38100">
+            <a:tailEnd type="arrow"/>
+          </a:ln>
+        </p:spPr>
+        <p:style>
+          <a:lnRef idx="2">
+            <a:schemeClr val="accent1"/>
+          </a:lnRef>
+          <a:fillRef idx="0">
+            <a:schemeClr val="accent1"/>
+          </a:fillRef>
+          <a:effectRef idx="1">
+            <a:schemeClr val="accent1"/>
+          </a:effectRef>
+          <a:fontRef idx="minor">
+            <a:schemeClr val="tx1"/>
+          </a:fontRef>
+        </p:style>
+      </p:cxnSp>
+      <p:pic>
+        <p:nvPicPr>
+          <p:cNvPr id="126" name="Picture 3" descr="C:\Users\panasonic.PC-PEWBA142657\AppData\Local\Microsoft\Windows\Temporary Internet Files\Content.IE5\0TBE10HT\gi01a201401282200[1].png"/>
+          <p:cNvPicPr>
+            <a:picLocks noChangeAspect="1" noChangeArrowheads="1"/>
+          </p:cNvPicPr>
+          <p:nvPr/>
+        </p:nvPicPr>
+        <p:blipFill>
+          <a:blip r:embed="rId7" cstate="print">
+            <a:extLst>
+              <a:ext uri="{BEBA8EAE-BF5A-486C-A8C5-ECC9F3942E4B}">
+                <a14:imgProps xmlns:a14="http://schemas.microsoft.com/office/drawing/2010/main">
+                  <a14:imgLayer r:embed="rId8">
+                    <a14:imgEffect>
+                      <a14:brightnessContrast contrast="-40000"/>
+                    </a14:imgEffect>
+                  </a14:imgLayer>
+                </a14:imgProps>
+              </a:ext>
+              <a:ext uri="{28A0092B-C50C-407E-A947-70E740481C1C}">
+                <a14:useLocalDpi xmlns:a14="http://schemas.microsoft.com/office/drawing/2010/main" val="0"/>
+              </a:ext>
+            </a:extLst>
+          </a:blip>
+          <a:srcRect/>
+          <a:stretch>
+            <a:fillRect/>
+          </a:stretch>
+        </p:blipFill>
+        <p:spPr bwMode="auto">
+          <a:xfrm>
+            <a:off x="2235368" y="5877272"/>
+            <a:ext cx="248400" cy="214503"/>
+          </a:xfrm>
+          <a:prstGeom prst="rect">
+            <a:avLst/>
+          </a:prstGeom>
+          <a:noFill/>
+          <a:extLst>
+            <a:ext uri="{909E8E84-426E-40DD-AFC4-6F175D3DCCD1}">
+              <a14:hiddenFill xmlns:a14="http://schemas.microsoft.com/office/drawing/2010/main">
+                <a:solidFill>
+                  <a:srgbClr val="FFFFFF"/>
+                </a:solidFill>
+              </a14:hiddenFill>
+            </a:ext>
+          </a:extLst>
+        </p:spPr>
+      </p:pic>
+      <p:pic>
+        <p:nvPicPr>
+          <p:cNvPr id="127" name="Picture 3" descr="C:\Users\panasonic.PC-PEWBA142657\AppData\Local\Microsoft\Windows\Temporary Internet Files\Content.IE5\0TBE10HT\gi01a201401282200[1].png"/>
+          <p:cNvPicPr>
+            <a:picLocks noChangeAspect="1" noChangeArrowheads="1"/>
+          </p:cNvPicPr>
+          <p:nvPr/>
+        </p:nvPicPr>
+        <p:blipFill>
+          <a:blip r:embed="rId7" cstate="print">
+            <a:duotone>
+              <a:prstClr val="black"/>
+              <a:schemeClr val="accent3">
+                <a:tint val="45000"/>
+                <a:satMod val="400000"/>
+              </a:schemeClr>
+            </a:duotone>
+            <a:extLst>
+              <a:ext uri="{BEBA8EAE-BF5A-486C-A8C5-ECC9F3942E4B}">
+                <a14:imgProps xmlns:a14="http://schemas.microsoft.com/office/drawing/2010/main">
+                  <a14:imgLayer r:embed="rId8">
+                    <a14:imgEffect>
+                      <a14:brightnessContrast contrast="-40000"/>
+                    </a14:imgEffect>
+                  </a14:imgLayer>
+                </a14:imgProps>
+              </a:ext>
+              <a:ext uri="{28A0092B-C50C-407E-A947-70E740481C1C}">
+                <a14:useLocalDpi xmlns:a14="http://schemas.microsoft.com/office/drawing/2010/main" val="0"/>
+              </a:ext>
+            </a:extLst>
+          </a:blip>
+          <a:srcRect/>
+          <a:stretch>
+            <a:fillRect/>
+          </a:stretch>
+        </p:blipFill>
+        <p:spPr bwMode="auto">
+          <a:xfrm>
+            <a:off x="1899189" y="5877272"/>
+            <a:ext cx="248400" cy="214503"/>
+          </a:xfrm>
+          <a:prstGeom prst="rect">
+            <a:avLst/>
+          </a:prstGeom>
+          <a:noFill/>
+          <a:extLst>
+            <a:ext uri="{909E8E84-426E-40DD-AFC4-6F175D3DCCD1}">
+              <a14:hiddenFill xmlns:a14="http://schemas.microsoft.com/office/drawing/2010/main">
+                <a:solidFill>
+                  <a:srgbClr val="FFFFFF"/>
+                </a:solidFill>
+              </a14:hiddenFill>
+            </a:ext>
+          </a:extLst>
+        </p:spPr>
+      </p:pic>
+      <p:pic>
+        <p:nvPicPr>
+          <p:cNvPr id="128" name="Picture 3" descr="C:\Users\panasonic.PC-PEWBA142657\AppData\Local\Microsoft\Windows\Temporary Internet Files\Content.IE5\0TBE10HT\gi01a201401282200[1].png"/>
+          <p:cNvPicPr>
+            <a:picLocks noChangeAspect="1" noChangeArrowheads="1"/>
+          </p:cNvPicPr>
+          <p:nvPr/>
+        </p:nvPicPr>
+        <p:blipFill>
+          <a:blip r:embed="rId7" cstate="print">
+            <a:duotone>
+              <a:prstClr val="black"/>
+              <a:schemeClr val="accent3">
+                <a:tint val="45000"/>
+                <a:satMod val="400000"/>
+              </a:schemeClr>
+            </a:duotone>
+            <a:extLst>
+              <a:ext uri="{BEBA8EAE-BF5A-486C-A8C5-ECC9F3942E4B}">
+                <a14:imgProps xmlns:a14="http://schemas.microsoft.com/office/drawing/2010/main">
+                  <a14:imgLayer r:embed="rId8">
+                    <a14:imgEffect>
+                      <a14:brightnessContrast contrast="-40000"/>
+                    </a14:imgEffect>
+                  </a14:imgLayer>
+                </a14:imgProps>
+              </a:ext>
+              <a:ext uri="{28A0092B-C50C-407E-A947-70E740481C1C}">
+                <a14:useLocalDpi xmlns:a14="http://schemas.microsoft.com/office/drawing/2010/main" val="0"/>
+              </a:ext>
+            </a:extLst>
+          </a:blip>
+          <a:srcRect/>
+          <a:stretch>
+            <a:fillRect/>
+          </a:stretch>
+        </p:blipFill>
+        <p:spPr bwMode="auto">
+          <a:xfrm>
+            <a:off x="3923929" y="5877272"/>
+            <a:ext cx="248400" cy="214503"/>
+          </a:xfrm>
+          <a:prstGeom prst="rect">
+            <a:avLst/>
+          </a:prstGeom>
+          <a:noFill/>
+          <a:extLst>
+            <a:ext uri="{909E8E84-426E-40DD-AFC4-6F175D3DCCD1}">
+              <a14:hiddenFill xmlns:a14="http://schemas.microsoft.com/office/drawing/2010/main">
+                <a:solidFill>
+                  <a:srgbClr val="FFFFFF"/>
+                </a:solidFill>
+              </a14:hiddenFill>
+            </a:ext>
+          </a:extLst>
+        </p:spPr>
+      </p:pic>
+      <p:pic>
+        <p:nvPicPr>
+          <p:cNvPr id="129" name="Picture 3" descr="C:\Users\panasonic.PC-PEWBA142657\AppData\Local\Microsoft\Windows\Temporary Internet Files\Content.IE5\0TBE10HT\gi01a201401282200[1].png"/>
+          <p:cNvPicPr>
+            <a:picLocks noChangeAspect="1" noChangeArrowheads="1"/>
+          </p:cNvPicPr>
+          <p:nvPr/>
+        </p:nvPicPr>
+        <p:blipFill>
+          <a:blip r:embed="rId7" cstate="print">
+            <a:extLst>
+              <a:ext uri="{BEBA8EAE-BF5A-486C-A8C5-ECC9F3942E4B}">
+                <a14:imgProps xmlns:a14="http://schemas.microsoft.com/office/drawing/2010/main">
+                  <a14:imgLayer r:embed="rId8">
+                    <a14:imgEffect>
+                      <a14:brightnessContrast contrast="-40000"/>
+                    </a14:imgEffect>
+                  </a14:imgLayer>
+                </a14:imgProps>
+              </a:ext>
+              <a:ext uri="{28A0092B-C50C-407E-A947-70E740481C1C}">
+                <a14:useLocalDpi xmlns:a14="http://schemas.microsoft.com/office/drawing/2010/main" val="0"/>
+              </a:ext>
+            </a:extLst>
+          </a:blip>
+          <a:srcRect/>
+          <a:stretch>
+            <a:fillRect/>
+          </a:stretch>
+        </p:blipFill>
+        <p:spPr bwMode="auto">
+          <a:xfrm>
+            <a:off x="4218516" y="5877272"/>
+            <a:ext cx="248400" cy="214503"/>
+          </a:xfrm>
+          <a:prstGeom prst="rect">
+            <a:avLst/>
+          </a:prstGeom>
+          <a:noFill/>
+          <a:extLst>
+            <a:ext uri="{909E8E84-426E-40DD-AFC4-6F175D3DCCD1}">
+              <a14:hiddenFill xmlns:a14="http://schemas.microsoft.com/office/drawing/2010/main">
+                <a:solidFill>
+                  <a:srgbClr val="FFFFFF"/>
+                </a:solidFill>
+              </a14:hiddenFill>
+            </a:ext>
+          </a:extLst>
+        </p:spPr>
+      </p:pic>
+      <p:cxnSp>
+        <p:nvCxnSpPr>
+          <p:cNvPr id="130" name="直線矢印コネクタ 129"/>
+          <p:cNvCxnSpPr/>
+          <p:nvPr/>
+        </p:nvCxnSpPr>
+        <p:spPr>
+          <a:xfrm flipH="1" flipV="1">
+            <a:off x="2771800" y="5418334"/>
+            <a:ext cx="792088" cy="372"/>
+          </a:xfrm>
+          <a:prstGeom prst="straightConnector1">
+            <a:avLst/>
+          </a:prstGeom>
+          <a:ln w="38100">
+            <a:tailEnd type="arrow"/>
+          </a:ln>
+        </p:spPr>
+        <p:style>
+          <a:lnRef idx="2">
+            <a:schemeClr val="accent1"/>
+          </a:lnRef>
+          <a:fillRef idx="0">
+            <a:schemeClr val="accent1"/>
+          </a:fillRef>
+          <a:effectRef idx="1">
+            <a:schemeClr val="accent1"/>
+          </a:effectRef>
+          <a:fontRef idx="minor">
+            <a:schemeClr val="tx1"/>
+          </a:fontRef>
+        </p:style>
+      </p:cxnSp>
+      <p:sp>
+        <p:nvSpPr>
+          <p:cNvPr id="133" name="テキスト ボックス 132"/>
+          <p:cNvSpPr txBox="1"/>
+          <p:nvPr/>
+        </p:nvSpPr>
+        <p:spPr>
+          <a:xfrm>
+            <a:off x="2686814" y="5085184"/>
+            <a:ext cx="1165106" cy="261610"/>
+          </a:xfrm>
+          <a:prstGeom prst="rect">
+            <a:avLst/>
+          </a:prstGeom>
+          <a:noFill/>
+        </p:spPr>
+        <p:txBody>
+          <a:bodyPr wrap="square" rtlCol="0">
+            <a:spAutoFit/>
+          </a:bodyPr>
+          <a:lstStyle/>
+          <a:p>
+            <a:r>
+              <a:rPr lang="ja-JP" altLang="en-US" sz="1100" dirty="0" smtClean="0"/>
+              <a:t>社内便で郵送</a:t>
+            </a:r>
+            <a:endParaRPr lang="en-US" altLang="ja-JP" sz="1100" dirty="0" smtClean="0"/>
+          </a:p>
+        </p:txBody>
+      </p:sp>
+    </p:spTree>
+    <p:extLst>
+      <p:ext uri="{BB962C8B-B14F-4D97-AF65-F5344CB8AC3E}">
+        <p14:creationId xmlns:p14="http://schemas.microsoft.com/office/powerpoint/2010/main" val="539022717"/>
+      </p:ext>
+    </p:extLst>
+  </p:cSld>
+  <p:clrMapOvr>
+    <a:masterClrMapping/>
+  </p:clrMapOvr>
+  <p:timing>
+    <p:tnLst>
+      <p:par>
+        <p:cTn id="1" dur="indefinite" restart="never" nodeType="tmRoot"/>
+      </p:par>
+    </p:tnLst>
+  </p:timing>
+</p:sld>
+</file>
+
+<file path=ppt/slides/slide4.xml><?xml version="1.0" encoding="utf-8"?>
+<p:sld xmlns:a="http://schemas.openxmlformats.org/drawingml/2006/main" xmlns:r="http://schemas.openxmlformats.org/officeDocument/2006/relationships" xmlns:p="http://schemas.openxmlformats.org/presentationml/2006/main" show="0">
   <p:cSld>
     <p:spTree>
       <p:nvGrpSpPr>
@@ -39136,7 +42114,7 @@
             <a:fld id="{1B2C9F7E-80B6-4C3C-8A6C-643968CAB744}" type="slidenum">
               <a:rPr kumimoji="1" lang="ja-JP" altLang="en-US" smtClean="0"/>
               <a:pPr/>
-              <a:t>3</a:t>
+              <a:t>4</a:t>
             </a:fld>
             <a:endParaRPr kumimoji="1" lang="ja-JP" altLang="en-US"/>
           </a:p>
@@ -39387,6 +42365,14 @@
   <p:clrMapOvr>
     <a:masterClrMapping/>
   </p:clrMapOvr>
+  <mc:AlternateContent xmlns:mc="http://schemas.openxmlformats.org/markup-compatibility/2006">
+    <mc:Choice xmlns:p14="http://schemas.microsoft.com/office/powerpoint/2010/main" Requires="p14">
+      <p:transition spd="slow" p14:dur="2000"/>
+    </mc:Choice>
+    <mc:Fallback>
+      <p:transition spd="slow"/>
+    </mc:Fallback>
+  </mc:AlternateContent>
   <p:timing>
     <p:tnLst>
       <p:par>
@@ -39397,7 +42383,7 @@
 </p:sld>
 </file>
 
-<file path=ppt/slides/slide4.xml><?xml version="1.0" encoding="utf-8"?>
+<file path=ppt/slides/slide5.xml><?xml version="1.0" encoding="utf-8"?>
 <p:sld xmlns:a="http://schemas.openxmlformats.org/drawingml/2006/main" xmlns:r="http://schemas.openxmlformats.org/officeDocument/2006/relationships" xmlns:p="http://schemas.openxmlformats.org/presentationml/2006/main">
   <p:cSld>
     <p:spTree>
@@ -39514,7 +42500,44 @@
             </a:r>
             <a:r>
               <a:rPr lang="ja-JP" altLang="en-US" dirty="0" smtClean="0"/>
-              <a:t>承認状況を把握しにくい</a:t>
+              <a:t>承認状況を把握</a:t>
+            </a:r>
+            <a:r>
+              <a:rPr lang="ja-JP" altLang="en-US" dirty="0" smtClean="0"/>
+              <a:t>しにくい</a:t>
+            </a:r>
+            <a:endParaRPr lang="en-US" altLang="ja-JP" dirty="0" smtClean="0"/>
+          </a:p>
+          <a:p>
+            <a:pPr marL="612648" indent="-457200">
+              <a:buFont typeface="+mj-lt"/>
+              <a:buAutoNum type="arabicPeriod"/>
+            </a:pPr>
+            <a:endParaRPr lang="en-US" altLang="ja-JP" dirty="0"/>
+          </a:p>
+          <a:p>
+            <a:pPr marL="612648" indent="-457200">
+              <a:buFont typeface="+mj-lt"/>
+              <a:buAutoNum type="arabicPeriod"/>
+            </a:pPr>
+            <a:r>
+              <a:rPr lang="ja-JP" altLang="en-US" dirty="0" smtClean="0"/>
+              <a:t>管理者（大阪総務）視点</a:t>
+            </a:r>
+            <a:endParaRPr lang="en-US" altLang="ja-JP" dirty="0" smtClean="0"/>
+          </a:p>
+          <a:p>
+            <a:pPr marL="868680" lvl="1" indent="-457200">
+              <a:buFont typeface="+mj-lt"/>
+              <a:buAutoNum type="arabicPeriod"/>
+            </a:pPr>
+            <a:r>
+              <a:rPr lang="ja-JP" altLang="en-US" dirty="0"/>
+              <a:t>手作業</a:t>
+            </a:r>
+            <a:r>
+              <a:rPr lang="ja-JP" altLang="en-US" dirty="0" smtClean="0"/>
+              <a:t>で提出物一覧を作成する必要がある。</a:t>
             </a:r>
             <a:endParaRPr lang="en-US" altLang="ja-JP" dirty="0" smtClean="0"/>
           </a:p>
@@ -39567,7 +42590,7 @@
             <a:fld id="{1B2C9F7E-80B6-4C3C-8A6C-643968CAB744}" type="slidenum">
               <a:rPr kumimoji="1" lang="ja-JP" altLang="en-US" smtClean="0"/>
               <a:pPr/>
-              <a:t>4</a:t>
+              <a:t>5</a:t>
             </a:fld>
             <a:endParaRPr kumimoji="1" lang="ja-JP" altLang="en-US"/>
           </a:p>
@@ -39593,7 +42616,7 @@
 </p:sld>
 </file>
 
-<file path=ppt/slides/slide5.xml><?xml version="1.0" encoding="utf-8"?>
+<file path=ppt/slides/slide6.xml><?xml version="1.0" encoding="utf-8"?>
 <p:sld xmlns:a="http://schemas.openxmlformats.org/drawingml/2006/main" xmlns:r="http://schemas.openxmlformats.org/officeDocument/2006/relationships" xmlns:p="http://schemas.openxmlformats.org/presentationml/2006/main">
   <p:cSld>
     <p:spTree>
@@ -39626,8 +42649,12 @@
           <a:lstStyle/>
           <a:p>
             <a:r>
+              <a:rPr lang="ja-JP" altLang="en-US" dirty="0"/>
+              <a:t>３</a:t>
+            </a:r>
+            <a:r>
               <a:rPr kumimoji="1" lang="ja-JP" altLang="en-US" dirty="0" smtClean="0"/>
-              <a:t>３．システム化範囲</a:t>
+              <a:t>．システム化範囲</a:t>
             </a:r>
             <a:endParaRPr kumimoji="1" lang="ja-JP" altLang="en-US" dirty="0"/>
           </a:p>
@@ -39656,8 +42683,8 @@
         </p:blipFill>
         <p:spPr bwMode="auto">
           <a:xfrm>
-            <a:off x="6444208" y="1748126"/>
-            <a:ext cx="1595661" cy="1595661"/>
+            <a:off x="4591514" y="1720545"/>
+            <a:ext cx="1333500" cy="1333500"/>
           </a:xfrm>
           <a:prstGeom prst="rect">
             <a:avLst/>
@@ -39682,8 +42709,8 @@
         </p:nvSpPr>
         <p:spPr>
           <a:xfrm>
-            <a:off x="407021" y="1340768"/>
-            <a:ext cx="1224136" cy="369332"/>
+            <a:off x="407021" y="1349846"/>
+            <a:ext cx="1002598" cy="307777"/>
           </a:xfrm>
           <a:prstGeom prst="rect">
             <a:avLst/>
@@ -39704,21 +42731,21 @@
           </a:fontRef>
         </p:style>
         <p:txBody>
-          <a:bodyPr wrap="square" rtlCol="0">
+          <a:bodyPr wrap="square" rtlCol="0" anchor="ctr">
             <a:spAutoFit/>
           </a:bodyPr>
           <a:lstStyle/>
           <a:p>
             <a:pPr algn="ctr"/>
             <a:r>
-              <a:rPr lang="ja-JP" altLang="en-US" dirty="0"/>
+              <a:rPr lang="ja-JP" altLang="en-US" sz="1400" dirty="0"/>
               <a:t>作業</a:t>
             </a:r>
             <a:r>
-              <a:rPr kumimoji="1" lang="ja-JP" altLang="en-US" dirty="0" smtClean="0"/>
+              <a:rPr kumimoji="1" lang="ja-JP" altLang="en-US" sz="1400" dirty="0" smtClean="0"/>
               <a:t>者</a:t>
             </a:r>
-            <a:endParaRPr kumimoji="1" lang="ja-JP" altLang="en-US" dirty="0"/>
+            <a:endParaRPr kumimoji="1" lang="ja-JP" altLang="en-US" sz="1400" dirty="0"/>
           </a:p>
         </p:txBody>
       </p:sp>
@@ -39730,8 +42757,8 @@
         </p:nvSpPr>
         <p:spPr>
           <a:xfrm>
-            <a:off x="3347863" y="1354668"/>
-            <a:ext cx="1644699" cy="369332"/>
+            <a:off x="2504871" y="1349846"/>
+            <a:ext cx="1347049" cy="307777"/>
           </a:xfrm>
           <a:prstGeom prst="rect">
             <a:avLst/>
@@ -39752,17 +42779,17 @@
           </a:fontRef>
         </p:style>
         <p:txBody>
-          <a:bodyPr wrap="square" rtlCol="0">
+          <a:bodyPr wrap="square" rtlCol="0" anchor="ctr">
             <a:spAutoFit/>
           </a:bodyPr>
           <a:lstStyle/>
           <a:p>
             <a:pPr algn="ctr"/>
             <a:r>
-              <a:rPr kumimoji="1" lang="ja-JP" altLang="en-US" dirty="0" smtClean="0"/>
+              <a:rPr kumimoji="1" lang="ja-JP" altLang="en-US" sz="1400" dirty="0" smtClean="0"/>
               <a:t>承認者１～３</a:t>
             </a:r>
-            <a:endParaRPr kumimoji="1" lang="ja-JP" altLang="en-US" dirty="0"/>
+            <a:endParaRPr kumimoji="1" lang="ja-JP" altLang="en-US" sz="1400" dirty="0"/>
           </a:p>
         </p:txBody>
       </p:sp>
@@ -39774,8 +42801,8 @@
         </p:nvSpPr>
         <p:spPr>
           <a:xfrm>
-            <a:off x="6660232" y="1354668"/>
-            <a:ext cx="1448953" cy="369332"/>
+            <a:off x="4734787" y="1349846"/>
+            <a:ext cx="1186728" cy="307777"/>
           </a:xfrm>
           <a:prstGeom prst="rect">
             <a:avLst/>
@@ -39796,17 +42823,17 @@
           </a:fontRef>
         </p:style>
         <p:txBody>
-          <a:bodyPr wrap="square" rtlCol="0">
+          <a:bodyPr wrap="square" rtlCol="0" anchor="ctr">
             <a:spAutoFit/>
           </a:bodyPr>
           <a:lstStyle/>
           <a:p>
             <a:pPr algn="ctr"/>
             <a:r>
-              <a:rPr kumimoji="1" lang="ja-JP" altLang="en-US" dirty="0" smtClean="0"/>
+              <a:rPr kumimoji="1" lang="ja-JP" altLang="en-US" sz="1400" dirty="0" smtClean="0"/>
               <a:t>最終承認者</a:t>
             </a:r>
-            <a:endParaRPr kumimoji="1" lang="ja-JP" altLang="en-US" dirty="0"/>
+            <a:endParaRPr kumimoji="1" lang="ja-JP" altLang="en-US" sz="1400" dirty="0"/>
           </a:p>
         </p:txBody>
       </p:sp>
@@ -39818,8 +42845,8 @@
         </p:nvSpPr>
         <p:spPr>
           <a:xfrm>
-            <a:off x="395536" y="3196551"/>
-            <a:ext cx="1296144" cy="523220"/>
+            <a:off x="395536" y="2854096"/>
+            <a:ext cx="1061574" cy="430887"/>
           </a:xfrm>
           <a:prstGeom prst="rect">
             <a:avLst/>
@@ -39833,29 +42860,29 @@
           <a:lstStyle/>
           <a:p>
             <a:r>
-              <a:rPr kumimoji="1" lang="ja-JP" altLang="en-US" sz="1400" dirty="0" smtClean="0"/>
+              <a:rPr kumimoji="1" lang="ja-JP" altLang="en-US" sz="1100" dirty="0" smtClean="0"/>
               <a:t>①</a:t>
             </a:r>
             <a:r>
-              <a:rPr lang="en-US" altLang="ja-JP" sz="1400" dirty="0"/>
+              <a:rPr lang="en-US" altLang="ja-JP" sz="1100" dirty="0" smtClean="0"/>
               <a:t> </a:t>
             </a:r>
             <a:r>
-              <a:rPr lang="en-US" altLang="ja-JP" sz="1400" dirty="0" smtClean="0"/>
+              <a:rPr lang="en-US" altLang="ja-JP" sz="1100" dirty="0" smtClean="0"/>
               <a:t>Excel</a:t>
             </a:r>
             <a:r>
-              <a:rPr lang="ja-JP" altLang="en-US" sz="1400" dirty="0" smtClean="0"/>
+              <a:rPr lang="ja-JP" altLang="en-US" sz="1100" dirty="0" smtClean="0"/>
               <a:t>で</a:t>
             </a:r>
-            <a:endParaRPr lang="en-US" altLang="ja-JP" sz="1400" dirty="0" smtClean="0"/>
+            <a:endParaRPr lang="en-US" altLang="ja-JP" sz="1100" dirty="0" smtClean="0"/>
           </a:p>
           <a:p>
             <a:r>
-              <a:rPr kumimoji="1" lang="ja-JP" altLang="en-US" sz="1400" dirty="0" smtClean="0"/>
+              <a:rPr kumimoji="1" lang="ja-JP" altLang="en-US" sz="1100" dirty="0" smtClean="0"/>
               <a:t>月報を作成</a:t>
             </a:r>
-            <a:endParaRPr kumimoji="1" lang="ja-JP" altLang="en-US" sz="1400" dirty="0"/>
+            <a:endParaRPr kumimoji="1" lang="ja-JP" altLang="en-US" sz="1100" dirty="0"/>
           </a:p>
         </p:txBody>
       </p:sp>
@@ -39867,8 +42894,8 @@
         </p:nvSpPr>
         <p:spPr>
           <a:xfrm>
-            <a:off x="3503364" y="3196551"/>
-            <a:ext cx="1944217" cy="523220"/>
+            <a:off x="2691607" y="2854096"/>
+            <a:ext cx="1592361" cy="430887"/>
           </a:xfrm>
           <a:prstGeom prst="rect">
             <a:avLst/>
@@ -39882,25 +42909,25 @@
           <a:lstStyle/>
           <a:p>
             <a:r>
-              <a:rPr lang="ja-JP" altLang="en-US" sz="1400" dirty="0" smtClean="0"/>
+              <a:rPr lang="ja-JP" altLang="en-US" sz="1100" dirty="0" smtClean="0"/>
               <a:t>③コメント追記</a:t>
             </a:r>
-            <a:endParaRPr lang="en-US" altLang="ja-JP" sz="1400" dirty="0" smtClean="0"/>
+            <a:endParaRPr lang="en-US" altLang="ja-JP" sz="1100" dirty="0" smtClean="0"/>
           </a:p>
           <a:p>
             <a:r>
-              <a:rPr lang="en-US" altLang="ja-JP" sz="1400" dirty="0" smtClean="0"/>
+              <a:rPr lang="en-US" altLang="ja-JP" sz="1100" dirty="0" smtClean="0"/>
               <a:t>(</a:t>
             </a:r>
             <a:r>
-              <a:rPr lang="ja-JP" altLang="en-US" sz="1400" dirty="0" smtClean="0"/>
+              <a:rPr lang="ja-JP" altLang="en-US" sz="1100" dirty="0" smtClean="0"/>
               <a:t>承認</a:t>
             </a:r>
             <a:r>
-              <a:rPr lang="en-US" altLang="ja-JP" sz="1400" dirty="0" smtClean="0"/>
+              <a:rPr lang="en-US" altLang="ja-JP" sz="1100" dirty="0" smtClean="0"/>
               <a:t>)</a:t>
             </a:r>
-            <a:endParaRPr kumimoji="1" lang="ja-JP" altLang="en-US" sz="1400" dirty="0"/>
+            <a:endParaRPr kumimoji="1" lang="ja-JP" altLang="en-US" sz="1100" dirty="0"/>
           </a:p>
         </p:txBody>
       </p:sp>
@@ -39912,8 +42939,8 @@
         </p:nvCxnSpPr>
         <p:spPr>
           <a:xfrm>
-            <a:off x="1899320" y="2420888"/>
-            <a:ext cx="1152000" cy="0"/>
+            <a:off x="1605755" y="2405138"/>
+            <a:ext cx="870823" cy="1"/>
           </a:xfrm>
           <a:prstGeom prst="straightConnector1">
             <a:avLst/>
@@ -39945,8 +42972,8 @@
         </p:nvSpPr>
         <p:spPr>
           <a:xfrm>
-            <a:off x="1824830" y="1844824"/>
-            <a:ext cx="1514650" cy="523220"/>
+            <a:off x="1531265" y="1905356"/>
+            <a:ext cx="1240535" cy="430887"/>
           </a:xfrm>
           <a:prstGeom prst="rect">
             <a:avLst/>
@@ -39960,17 +42987,21 @@
           <a:lstStyle/>
           <a:p>
             <a:r>
-              <a:rPr lang="ja-JP" altLang="en-US" sz="1400" dirty="0" smtClean="0"/>
-              <a:t>②各々が</a:t>
+              <a:rPr lang="ja-JP" altLang="en-US" sz="1100" dirty="0" smtClean="0"/>
+              <a:t>②各々</a:t>
             </a:r>
-            <a:endParaRPr lang="en-US" altLang="ja-JP" sz="1400" dirty="0" smtClean="0"/>
+            <a:r>
+              <a:rPr lang="ja-JP" altLang="en-US" sz="1100" dirty="0" smtClean="0"/>
+              <a:t>が</a:t>
+            </a:r>
+            <a:endParaRPr lang="en-US" altLang="ja-JP" sz="1100" dirty="0" smtClean="0"/>
           </a:p>
           <a:p>
             <a:r>
-              <a:rPr kumimoji="1" lang="ja-JP" altLang="en-US" sz="1400" dirty="0" smtClean="0"/>
+              <a:rPr kumimoji="1" lang="ja-JP" altLang="en-US" sz="1100" dirty="0" smtClean="0"/>
               <a:t>メール送信</a:t>
             </a:r>
-            <a:endParaRPr kumimoji="1" lang="ja-JP" altLang="en-US" sz="1400" dirty="0"/>
+            <a:endParaRPr kumimoji="1" lang="ja-JP" altLang="en-US" sz="1100" dirty="0"/>
           </a:p>
         </p:txBody>
       </p:sp>
@@ -39982,8 +43013,8 @@
         </p:nvSpPr>
         <p:spPr>
           <a:xfrm>
-            <a:off x="6732239" y="3196551"/>
-            <a:ext cx="1944217" cy="523220"/>
+            <a:off x="4923855" y="2854096"/>
+            <a:ext cx="1592361" cy="430887"/>
           </a:xfrm>
           <a:prstGeom prst="rect">
             <a:avLst/>
@@ -39997,25 +43028,25 @@
           <a:lstStyle/>
           <a:p>
             <a:r>
-              <a:rPr lang="ja-JP" altLang="en-US" sz="1400" dirty="0" smtClean="0"/>
+              <a:rPr lang="ja-JP" altLang="en-US" sz="1100" dirty="0" smtClean="0"/>
               <a:t>⑤コメント追記</a:t>
             </a:r>
-            <a:endParaRPr lang="en-US" altLang="ja-JP" sz="1400" dirty="0" smtClean="0"/>
+            <a:endParaRPr lang="en-US" altLang="ja-JP" sz="1100" dirty="0" smtClean="0"/>
           </a:p>
           <a:p>
             <a:r>
-              <a:rPr lang="en-US" altLang="ja-JP" sz="1400" dirty="0" smtClean="0"/>
+              <a:rPr lang="en-US" altLang="ja-JP" sz="1100" dirty="0" smtClean="0"/>
               <a:t>(</a:t>
             </a:r>
             <a:r>
-              <a:rPr lang="ja-JP" altLang="en-US" sz="1400" dirty="0" smtClean="0"/>
+              <a:rPr lang="ja-JP" altLang="en-US" sz="1100" dirty="0" smtClean="0"/>
               <a:t>最終承認</a:t>
             </a:r>
             <a:r>
-              <a:rPr lang="en-US" altLang="ja-JP" sz="1400" dirty="0" smtClean="0"/>
+              <a:rPr lang="en-US" altLang="ja-JP" sz="1100" dirty="0" smtClean="0"/>
               <a:t>)</a:t>
             </a:r>
-            <a:endParaRPr kumimoji="1" lang="ja-JP" altLang="en-US" sz="1400" dirty="0"/>
+            <a:endParaRPr kumimoji="1" lang="ja-JP" altLang="en-US" sz="1100" dirty="0"/>
           </a:p>
         </p:txBody>
       </p:sp>
@@ -40027,8 +43058,8 @@
         </p:nvCxnSpPr>
         <p:spPr>
           <a:xfrm>
-            <a:off x="1899320" y="2708920"/>
-            <a:ext cx="1152000" cy="0"/>
+            <a:off x="1605755" y="2636912"/>
+            <a:ext cx="870823" cy="1"/>
           </a:xfrm>
           <a:prstGeom prst="straightConnector1">
             <a:avLst/>
@@ -40062,8 +43093,39 @@
         </p:nvSpPr>
         <p:spPr>
           <a:xfrm>
-            <a:off x="1977230" y="2833191"/>
-            <a:ext cx="1514650" cy="307777"/>
+            <a:off x="1298841" y="2708921"/>
+            <a:ext cx="1240536" cy="261610"/>
+          </a:xfrm>
+          <a:prstGeom prst="rect">
+            <a:avLst/>
+          </a:prstGeom>
+          <a:noFill/>
+        </p:spPr>
+        <p:txBody>
+          <a:bodyPr wrap="square" rtlCol="0">
+            <a:spAutoFit/>
+          </a:bodyPr>
+          <a:lstStyle/>
+          <a:p>
+            <a:pPr algn="r"/>
+            <a:r>
+              <a:rPr kumimoji="1" lang="ja-JP" altLang="en-US" sz="1100" dirty="0" smtClean="0"/>
+              <a:t>差し戻し</a:t>
+            </a:r>
+            <a:endParaRPr kumimoji="1" lang="ja-JP" altLang="en-US" sz="1100" dirty="0"/>
+          </a:p>
+        </p:txBody>
+      </p:sp>
+      <p:sp>
+        <p:nvSpPr>
+          <p:cNvPr id="23" name="テキスト ボックス 22"/>
+          <p:cNvSpPr txBox="1"/>
+          <p:nvPr/>
+        </p:nvSpPr>
+        <p:spPr>
+          <a:xfrm>
+            <a:off x="3835521" y="1905356"/>
+            <a:ext cx="1240535" cy="430887"/>
           </a:xfrm>
           <a:prstGeom prst="rect">
             <a:avLst/>
@@ -40077,145 +43139,17 @@
           <a:lstStyle/>
           <a:p>
             <a:r>
-              <a:rPr kumimoji="1" lang="ja-JP" altLang="en-US" sz="1400" dirty="0" smtClean="0"/>
-              <a:t>差し戻し</a:t>
-            </a:r>
-            <a:endParaRPr kumimoji="1" lang="ja-JP" altLang="en-US" sz="1400" dirty="0"/>
-          </a:p>
-        </p:txBody>
-      </p:sp>
-      <p:cxnSp>
-        <p:nvCxnSpPr>
-          <p:cNvPr id="22" name="直線矢印コネクタ 21"/>
-          <p:cNvCxnSpPr/>
-          <p:nvPr/>
-        </p:nvCxnSpPr>
-        <p:spPr>
-          <a:xfrm>
-            <a:off x="5292080" y="2420888"/>
-            <a:ext cx="1152000" cy="0"/>
-          </a:xfrm>
-          <a:prstGeom prst="straightConnector1">
-            <a:avLst/>
-          </a:prstGeom>
-          <a:ln w="38100">
-            <a:tailEnd type="arrow"/>
-          </a:ln>
-        </p:spPr>
-        <p:style>
-          <a:lnRef idx="2">
-            <a:schemeClr val="accent1"/>
-          </a:lnRef>
-          <a:fillRef idx="0">
-            <a:schemeClr val="accent1"/>
-          </a:fillRef>
-          <a:effectRef idx="1">
-            <a:schemeClr val="accent1"/>
-          </a:effectRef>
-          <a:fontRef idx="minor">
-            <a:schemeClr val="tx1"/>
-          </a:fontRef>
-        </p:style>
-      </p:cxnSp>
-      <p:sp>
-        <p:nvSpPr>
-          <p:cNvPr id="23" name="テキスト ボックス 22"/>
-          <p:cNvSpPr txBox="1"/>
-          <p:nvPr/>
-        </p:nvSpPr>
-        <p:spPr>
-          <a:xfrm>
-            <a:off x="5217590" y="1844824"/>
-            <a:ext cx="1514650" cy="523220"/>
-          </a:xfrm>
-          <a:prstGeom prst="rect">
-            <a:avLst/>
-          </a:prstGeom>
-          <a:noFill/>
-        </p:spPr>
-        <p:txBody>
-          <a:bodyPr wrap="square" rtlCol="0">
-            <a:spAutoFit/>
-          </a:bodyPr>
-          <a:lstStyle/>
-          <a:p>
-            <a:r>
-              <a:rPr kumimoji="1" lang="ja-JP" altLang="en-US" sz="1400" dirty="0" smtClean="0"/>
+              <a:rPr kumimoji="1" lang="ja-JP" altLang="en-US" sz="1100" dirty="0" smtClean="0"/>
               <a:t>④まとめて</a:t>
             </a:r>
-            <a:endParaRPr kumimoji="1" lang="en-US" altLang="ja-JP" sz="1400" dirty="0" smtClean="0"/>
+            <a:endParaRPr kumimoji="1" lang="en-US" altLang="ja-JP" sz="1100" dirty="0" smtClean="0"/>
           </a:p>
           <a:p>
             <a:r>
-              <a:rPr kumimoji="1" lang="ja-JP" altLang="en-US" sz="1400" dirty="0" smtClean="0"/>
+              <a:rPr kumimoji="1" lang="ja-JP" altLang="en-US" sz="1100" dirty="0" smtClean="0"/>
               <a:t>メール送信</a:t>
             </a:r>
-            <a:endParaRPr kumimoji="1" lang="ja-JP" altLang="en-US" sz="1400" dirty="0"/>
-          </a:p>
-        </p:txBody>
-      </p:sp>
-      <p:cxnSp>
-        <p:nvCxnSpPr>
-          <p:cNvPr id="24" name="直線矢印コネクタ 23"/>
-          <p:cNvCxnSpPr/>
-          <p:nvPr/>
-        </p:nvCxnSpPr>
-        <p:spPr>
-          <a:xfrm>
-            <a:off x="5292080" y="2708920"/>
-            <a:ext cx="1152000" cy="0"/>
-          </a:xfrm>
-          <a:prstGeom prst="straightConnector1">
-            <a:avLst/>
-          </a:prstGeom>
-          <a:ln w="38100">
-            <a:prstDash val="sysDash"/>
-            <a:headEnd type="arrow"/>
-            <a:tailEnd type="none"/>
-          </a:ln>
-        </p:spPr>
-        <p:style>
-          <a:lnRef idx="2">
-            <a:schemeClr val="accent1"/>
-          </a:lnRef>
-          <a:fillRef idx="0">
-            <a:schemeClr val="accent1"/>
-          </a:fillRef>
-          <a:effectRef idx="1">
-            <a:schemeClr val="accent1"/>
-          </a:effectRef>
-          <a:fontRef idx="minor">
-            <a:schemeClr val="tx1"/>
-          </a:fontRef>
-        </p:style>
-      </p:cxnSp>
-      <p:sp>
-        <p:nvSpPr>
-          <p:cNvPr id="25" name="テキスト ボックス 24"/>
-          <p:cNvSpPr txBox="1"/>
-          <p:nvPr/>
-        </p:nvSpPr>
-        <p:spPr>
-          <a:xfrm>
-            <a:off x="5217590" y="2833191"/>
-            <a:ext cx="1514650" cy="307777"/>
-          </a:xfrm>
-          <a:prstGeom prst="rect">
-            <a:avLst/>
-          </a:prstGeom>
-          <a:noFill/>
-        </p:spPr>
-        <p:txBody>
-          <a:bodyPr wrap="square" rtlCol="0">
-            <a:spAutoFit/>
-          </a:bodyPr>
-          <a:lstStyle/>
-          <a:p>
-            <a:r>
-              <a:rPr kumimoji="1" lang="ja-JP" altLang="en-US" sz="1400" dirty="0" smtClean="0"/>
-              <a:t>差し戻し</a:t>
-            </a:r>
-            <a:endParaRPr kumimoji="1" lang="ja-JP" altLang="en-US" sz="1400" dirty="0"/>
+            <a:endParaRPr kumimoji="1" lang="ja-JP" altLang="en-US" sz="1100" dirty="0"/>
           </a:p>
         </p:txBody>
       </p:sp>
@@ -40227,8 +43161,8 @@
         </p:nvSpPr>
         <p:spPr>
           <a:xfrm>
-            <a:off x="4315040" y="4699427"/>
-            <a:ext cx="1448953" cy="369332"/>
+            <a:off x="6860337" y="1349846"/>
+            <a:ext cx="1186728" cy="307777"/>
           </a:xfrm>
           <a:prstGeom prst="rect">
             <a:avLst/>
@@ -40249,17 +43183,17 @@
           </a:fontRef>
         </p:style>
         <p:txBody>
-          <a:bodyPr wrap="square" rtlCol="0">
+          <a:bodyPr wrap="square" rtlCol="0" anchor="ctr">
             <a:spAutoFit/>
           </a:bodyPr>
           <a:lstStyle/>
           <a:p>
             <a:pPr algn="ctr"/>
             <a:r>
-              <a:rPr kumimoji="1" lang="ja-JP" altLang="en-US" dirty="0" smtClean="0"/>
-              <a:t>総務</a:t>
+              <a:rPr kumimoji="1" lang="ja-JP" altLang="en-US" sz="1400" dirty="0" smtClean="0"/>
+              <a:t>大阪総務</a:t>
             </a:r>
-            <a:endParaRPr kumimoji="1" lang="ja-JP" altLang="en-US" dirty="0"/>
+            <a:endParaRPr kumimoji="1" lang="ja-JP" altLang="en-US" sz="1400" dirty="0"/>
           </a:p>
         </p:txBody>
       </p:sp>
@@ -40286,8 +43220,8 @@
         </p:blipFill>
         <p:spPr bwMode="auto">
           <a:xfrm>
-            <a:off x="3995936" y="4951069"/>
-            <a:ext cx="1718291" cy="1718291"/>
+            <a:off x="6763027" y="1844824"/>
+            <a:ext cx="1193349" cy="1193349"/>
           </a:xfrm>
           <a:prstGeom prst="rect">
             <a:avLst/>
@@ -40304,179 +43238,6 @@
           </a:extLst>
         </p:spPr>
       </p:pic>
-      <p:cxnSp>
-        <p:nvCxnSpPr>
-          <p:cNvPr id="30" name="直線矢印コネクタ 29"/>
-          <p:cNvCxnSpPr/>
-          <p:nvPr/>
-        </p:nvCxnSpPr>
-        <p:spPr>
-          <a:xfrm flipH="1">
-            <a:off x="5796264" y="3791779"/>
-            <a:ext cx="1656056" cy="681171"/>
-          </a:xfrm>
-          <a:prstGeom prst="straightConnector1">
-            <a:avLst/>
-          </a:prstGeom>
-          <a:ln w="38100">
-            <a:tailEnd type="arrow"/>
-          </a:ln>
-        </p:spPr>
-        <p:style>
-          <a:lnRef idx="2">
-            <a:schemeClr val="accent1"/>
-          </a:lnRef>
-          <a:fillRef idx="0">
-            <a:schemeClr val="accent1"/>
-          </a:fillRef>
-          <a:effectRef idx="1">
-            <a:schemeClr val="accent1"/>
-          </a:effectRef>
-          <a:fontRef idx="minor">
-            <a:schemeClr val="tx1"/>
-          </a:fontRef>
-        </p:style>
-      </p:cxnSp>
-      <p:sp>
-        <p:nvSpPr>
-          <p:cNvPr id="31" name="テキスト ボックス 30"/>
-          <p:cNvSpPr txBox="1"/>
-          <p:nvPr/>
-        </p:nvSpPr>
-        <p:spPr>
-          <a:xfrm>
-            <a:off x="5508104" y="3700607"/>
-            <a:ext cx="1514650" cy="523220"/>
-          </a:xfrm>
-          <a:prstGeom prst="rect">
-            <a:avLst/>
-          </a:prstGeom>
-          <a:noFill/>
-        </p:spPr>
-        <p:txBody>
-          <a:bodyPr wrap="square" rtlCol="0">
-            <a:spAutoFit/>
-          </a:bodyPr>
-          <a:lstStyle/>
-          <a:p>
-            <a:r>
-              <a:rPr kumimoji="1" lang="ja-JP" altLang="en-US" sz="1400" dirty="0" smtClean="0"/>
-              <a:t>⑥まとめて</a:t>
-            </a:r>
-            <a:endParaRPr kumimoji="1" lang="en-US" altLang="ja-JP" sz="1400" dirty="0" smtClean="0"/>
-          </a:p>
-          <a:p>
-            <a:r>
-              <a:rPr kumimoji="1" lang="ja-JP" altLang="en-US" sz="1400" dirty="0" smtClean="0"/>
-              <a:t>メール送信</a:t>
-            </a:r>
-            <a:endParaRPr kumimoji="1" lang="ja-JP" altLang="en-US" sz="1400" dirty="0"/>
-          </a:p>
-        </p:txBody>
-      </p:sp>
-      <p:cxnSp>
-        <p:nvCxnSpPr>
-          <p:cNvPr id="32" name="直線矢印コネクタ 31"/>
-          <p:cNvCxnSpPr/>
-          <p:nvPr/>
-        </p:nvCxnSpPr>
-        <p:spPr>
-          <a:xfrm flipH="1" flipV="1">
-            <a:off x="1547665" y="3791782"/>
-            <a:ext cx="2810793" cy="1743394"/>
-          </a:xfrm>
-          <a:prstGeom prst="straightConnector1">
-            <a:avLst/>
-          </a:prstGeom>
-          <a:ln w="38100">
-            <a:tailEnd type="arrow"/>
-          </a:ln>
-        </p:spPr>
-        <p:style>
-          <a:lnRef idx="2">
-            <a:schemeClr val="accent1"/>
-          </a:lnRef>
-          <a:fillRef idx="0">
-            <a:schemeClr val="accent1"/>
-          </a:fillRef>
-          <a:effectRef idx="1">
-            <a:schemeClr val="accent1"/>
-          </a:effectRef>
-          <a:fontRef idx="minor">
-            <a:schemeClr val="tx1"/>
-          </a:fontRef>
-        </p:style>
-      </p:cxnSp>
-      <p:sp>
-        <p:nvSpPr>
-          <p:cNvPr id="33" name="テキスト ボックス 32"/>
-          <p:cNvSpPr txBox="1"/>
-          <p:nvPr/>
-        </p:nvSpPr>
-        <p:spPr>
-          <a:xfrm>
-            <a:off x="1619672" y="4699427"/>
-            <a:ext cx="1514650" cy="523220"/>
-          </a:xfrm>
-          <a:prstGeom prst="rect">
-            <a:avLst/>
-          </a:prstGeom>
-          <a:noFill/>
-        </p:spPr>
-        <p:txBody>
-          <a:bodyPr wrap="square" rtlCol="0">
-            <a:spAutoFit/>
-          </a:bodyPr>
-          <a:lstStyle/>
-          <a:p>
-            <a:r>
-              <a:rPr kumimoji="1" lang="ja-JP" altLang="en-US" sz="1400" dirty="0" smtClean="0"/>
-              <a:t>⑧印刷して</a:t>
-            </a:r>
-            <a:endParaRPr kumimoji="1" lang="en-US" altLang="ja-JP" sz="1400" dirty="0" smtClean="0"/>
-          </a:p>
-          <a:p>
-            <a:r>
-              <a:rPr kumimoji="1" lang="ja-JP" altLang="en-US" sz="1400" dirty="0" smtClean="0"/>
-              <a:t>個人棚に格納</a:t>
-            </a:r>
-            <a:endParaRPr kumimoji="1" lang="ja-JP" altLang="en-US" sz="1400" dirty="0"/>
-          </a:p>
-        </p:txBody>
-      </p:sp>
-      <p:cxnSp>
-        <p:nvCxnSpPr>
-          <p:cNvPr id="38" name="直線矢印コネクタ 37"/>
-          <p:cNvCxnSpPr/>
-          <p:nvPr/>
-        </p:nvCxnSpPr>
-        <p:spPr>
-          <a:xfrm>
-            <a:off x="5724696" y="5860846"/>
-            <a:ext cx="1151560" cy="1"/>
-          </a:xfrm>
-          <a:prstGeom prst="straightConnector1">
-            <a:avLst/>
-          </a:prstGeom>
-          <a:ln w="38100">
-            <a:tailEnd type="arrow"/>
-          </a:ln>
-        </p:spPr>
-        <p:style>
-          <a:lnRef idx="2">
-            <a:schemeClr val="accent1"/>
-          </a:lnRef>
-          <a:fillRef idx="0">
-            <a:schemeClr val="accent1"/>
-          </a:fillRef>
-          <a:effectRef idx="1">
-            <a:schemeClr val="accent1"/>
-          </a:effectRef>
-          <a:fontRef idx="minor">
-            <a:schemeClr val="tx1"/>
-          </a:fontRef>
-        </p:style>
-      </p:cxnSp>
       <p:sp>
         <p:nvSpPr>
           <p:cNvPr id="41" name="テキスト ボックス 40"/>
@@ -40485,8 +43246,8 @@
         </p:nvSpPr>
         <p:spPr>
           <a:xfrm>
-            <a:off x="6804248" y="4699427"/>
-            <a:ext cx="1448953" cy="369332"/>
+            <a:off x="5203144" y="4530814"/>
+            <a:ext cx="1186728" cy="307777"/>
           </a:xfrm>
           <a:prstGeom prst="rect">
             <a:avLst/>
@@ -40507,23 +43268,23 @@
           </a:fontRef>
         </p:style>
         <p:txBody>
-          <a:bodyPr wrap="square" rtlCol="0">
+          <a:bodyPr wrap="square" rtlCol="0" anchor="ctr">
             <a:spAutoFit/>
           </a:bodyPr>
           <a:lstStyle/>
           <a:p>
             <a:pPr algn="ctr"/>
             <a:r>
-              <a:rPr kumimoji="1" lang="ja-JP" altLang="en-US" dirty="0" smtClean="0"/>
-              <a:t>本社</a:t>
+              <a:rPr lang="ja-JP" altLang="en-US" sz="1400" dirty="0"/>
+              <a:t>社長</a:t>
             </a:r>
-            <a:endParaRPr kumimoji="1" lang="ja-JP" altLang="en-US" dirty="0"/>
+            <a:endParaRPr kumimoji="1" lang="ja-JP" altLang="en-US" sz="1400" dirty="0"/>
           </a:p>
         </p:txBody>
       </p:sp>
       <p:pic>
         <p:nvPicPr>
-          <p:cNvPr id="44" name="Picture 2" descr="C:\Program Files\Microsoft Office 2010\MEDIA\CAGCAT10\j0205462.wmf"/>
+          <p:cNvPr id="34" name="Picture 3" descr="C:\Users\panasonic.PC-PEWBA142657\AppData\Local\Microsoft\Windows\Temporary Internet Files\Content.IE5\7KHZB72Y\Logo_Microsoft_Excel_2013[1].png"/>
           <p:cNvPicPr>
             <a:picLocks noChangeAspect="1" noChangeArrowheads="1"/>
           </p:cNvPicPr>
@@ -40544,86 +43305,8 @@
         </p:blipFill>
         <p:spPr bwMode="auto">
           <a:xfrm>
-            <a:off x="7022140" y="5186592"/>
-            <a:ext cx="1139597" cy="1133631"/>
-          </a:xfrm>
-          <a:prstGeom prst="rect">
-            <a:avLst/>
-          </a:prstGeom>
-          <a:noFill/>
-          <a:extLst>
-            <a:ext uri="{909E8E84-426E-40DD-AFC4-6F175D3DCCD1}">
-              <a14:hiddenFill xmlns:a14="http://schemas.microsoft.com/office/drawing/2010/main">
-                <a:solidFill>
-                  <a:srgbClr val="FFFFFF"/>
-                </a:solidFill>
-              </a14:hiddenFill>
-            </a:ext>
-          </a:extLst>
-        </p:spPr>
-      </p:pic>
-      <p:sp>
-        <p:nvSpPr>
-          <p:cNvPr id="54" name="テキスト ボックス 53"/>
-          <p:cNvSpPr txBox="1"/>
-          <p:nvPr/>
-        </p:nvSpPr>
-        <p:spPr>
-          <a:xfrm>
-            <a:off x="5724696" y="5328135"/>
-            <a:ext cx="1514650" cy="523220"/>
-          </a:xfrm>
-          <a:prstGeom prst="rect">
-            <a:avLst/>
-          </a:prstGeom>
-          <a:noFill/>
-        </p:spPr>
-        <p:txBody>
-          <a:bodyPr wrap="square" rtlCol="0">
-            <a:spAutoFit/>
-          </a:bodyPr>
-          <a:lstStyle/>
-          <a:p>
-            <a:r>
-              <a:rPr lang="ja-JP" altLang="en-US" sz="1400" dirty="0" smtClean="0"/>
-              <a:t>⑦まとめて</a:t>
-            </a:r>
-            <a:endParaRPr lang="en-US" altLang="ja-JP" sz="1400" dirty="0" smtClean="0"/>
-          </a:p>
-          <a:p>
-            <a:r>
-              <a:rPr kumimoji="1" lang="ja-JP" altLang="en-US" sz="1400" dirty="0" smtClean="0"/>
-              <a:t>メール送信</a:t>
-            </a:r>
-            <a:endParaRPr kumimoji="1" lang="ja-JP" altLang="en-US" sz="1400" dirty="0"/>
-          </a:p>
-        </p:txBody>
-      </p:sp>
-      <p:pic>
-        <p:nvPicPr>
-          <p:cNvPr id="34" name="Picture 3" descr="C:\Users\panasonic.PC-PEWBA142657\AppData\Local\Microsoft\Windows\Temporary Internet Files\Content.IE5\7KHZB72Y\Logo_Microsoft_Excel_2013[1].png"/>
-          <p:cNvPicPr>
-            <a:picLocks noChangeAspect="1" noChangeArrowheads="1"/>
-          </p:cNvPicPr>
-          <p:nvPr/>
-        </p:nvPicPr>
-        <p:blipFill>
-          <a:blip r:embed="rId5" cstate="print">
-            <a:extLst>
-              <a:ext uri="{28A0092B-C50C-407E-A947-70E740481C1C}">
-                <a14:useLocalDpi xmlns:a14="http://schemas.microsoft.com/office/drawing/2010/main" val="0"/>
-              </a:ext>
-            </a:extLst>
-          </a:blip>
-          <a:srcRect/>
-          <a:stretch>
-            <a:fillRect/>
-          </a:stretch>
-        </p:blipFill>
-        <p:spPr bwMode="auto">
-          <a:xfrm>
-            <a:off x="2254671" y="1590905"/>
-            <a:ext cx="301105" cy="301105"/>
+            <a:off x="1788709" y="1700808"/>
+            <a:ext cx="246612" cy="246612"/>
           </a:xfrm>
           <a:prstGeom prst="rect">
             <a:avLst/>
@@ -40649,7 +43332,7 @@
           <p:nvPr/>
         </p:nvPicPr>
         <p:blipFill>
-          <a:blip r:embed="rId5" cstate="print">
+          <a:blip r:embed="rId4" cstate="print">
             <a:extLst>
               <a:ext uri="{28A0092B-C50C-407E-A947-70E740481C1C}">
                 <a14:useLocalDpi xmlns:a14="http://schemas.microsoft.com/office/drawing/2010/main" val="0"/>
@@ -40663,131 +43346,8 @@
         </p:blipFill>
         <p:spPr bwMode="auto">
           <a:xfrm>
-            <a:off x="5663432" y="1590905"/>
-            <a:ext cx="301105" cy="301105"/>
-          </a:xfrm>
-          <a:prstGeom prst="rect">
-            <a:avLst/>
-          </a:prstGeom>
-          <a:noFill/>
-          <a:extLst>
-            <a:ext uri="{909E8E84-426E-40DD-AFC4-6F175D3DCCD1}">
-              <a14:hiddenFill xmlns:a14="http://schemas.microsoft.com/office/drawing/2010/main">
-                <a:solidFill>
-                  <a:srgbClr val="FFFFFF"/>
-                </a:solidFill>
-              </a14:hiddenFill>
-            </a:ext>
-          </a:extLst>
-        </p:spPr>
-      </p:pic>
-      <p:pic>
-        <p:nvPicPr>
-          <p:cNvPr id="36" name="Picture 3" descr="C:\Users\panasonic.PC-PEWBA142657\AppData\Local\Microsoft\Windows\Temporary Internet Files\Content.IE5\7KHZB72Y\Logo_Microsoft_Excel_2013[1].png"/>
-          <p:cNvPicPr>
-            <a:picLocks noChangeAspect="1" noChangeArrowheads="1"/>
-          </p:cNvPicPr>
-          <p:nvPr/>
-        </p:nvPicPr>
-        <p:blipFill>
-          <a:blip r:embed="rId5" cstate="print">
-            <a:extLst>
-              <a:ext uri="{28A0092B-C50C-407E-A947-70E740481C1C}">
-                <a14:useLocalDpi xmlns:a14="http://schemas.microsoft.com/office/drawing/2010/main" val="0"/>
-              </a:ext>
-            </a:extLst>
-          </a:blip>
-          <a:srcRect/>
-          <a:stretch>
-            <a:fillRect/>
-          </a:stretch>
-        </p:blipFill>
-        <p:spPr bwMode="auto">
-          <a:xfrm>
-            <a:off x="5964324" y="3458161"/>
-            <a:ext cx="301105" cy="301105"/>
-          </a:xfrm>
-          <a:prstGeom prst="rect">
-            <a:avLst/>
-          </a:prstGeom>
-          <a:noFill/>
-          <a:extLst>
-            <a:ext uri="{909E8E84-426E-40DD-AFC4-6F175D3DCCD1}">
-              <a14:hiddenFill xmlns:a14="http://schemas.microsoft.com/office/drawing/2010/main">
-                <a:solidFill>
-                  <a:srgbClr val="FFFFFF"/>
-                </a:solidFill>
-              </a14:hiddenFill>
-            </a:ext>
-          </a:extLst>
-        </p:spPr>
-      </p:pic>
-      <p:pic>
-        <p:nvPicPr>
-          <p:cNvPr id="37" name="Picture 3" descr="C:\Users\panasonic.PC-PEWBA142657\AppData\Local\Microsoft\Windows\Temporary Internet Files\Content.IE5\7KHZB72Y\Logo_Microsoft_Excel_2013[1].png"/>
-          <p:cNvPicPr>
-            <a:picLocks noChangeAspect="1" noChangeArrowheads="1"/>
-          </p:cNvPicPr>
-          <p:nvPr/>
-        </p:nvPicPr>
-        <p:blipFill>
-          <a:blip r:embed="rId5" cstate="print">
-            <a:extLst>
-              <a:ext uri="{28A0092B-C50C-407E-A947-70E740481C1C}">
-                <a14:useLocalDpi xmlns:a14="http://schemas.microsoft.com/office/drawing/2010/main" val="0"/>
-              </a:ext>
-            </a:extLst>
-          </a:blip>
-          <a:srcRect/>
-          <a:stretch>
-            <a:fillRect/>
-          </a:stretch>
-        </p:blipFill>
-        <p:spPr bwMode="auto">
-          <a:xfrm>
-            <a:off x="6116724" y="5068759"/>
-            <a:ext cx="301105" cy="301105"/>
-          </a:xfrm>
-          <a:prstGeom prst="rect">
-            <a:avLst/>
-          </a:prstGeom>
-          <a:noFill/>
-          <a:extLst>
-            <a:ext uri="{909E8E84-426E-40DD-AFC4-6F175D3DCCD1}">
-              <a14:hiddenFill xmlns:a14="http://schemas.microsoft.com/office/drawing/2010/main">
-                <a:solidFill>
-                  <a:srgbClr val="FFFFFF"/>
-                </a:solidFill>
-              </a14:hiddenFill>
-            </a:ext>
-          </a:extLst>
-        </p:spPr>
-      </p:pic>
-      <p:pic>
-        <p:nvPicPr>
-          <p:cNvPr id="2051" name="Picture 3" descr="C:\Users\panasonic.PC-PEWBA142657\AppData\Local\Microsoft\Windows\Temporary Internet Files\Content.IE5\0TBE10HT\gi01a201401282200[1].png"/>
-          <p:cNvPicPr>
-            <a:picLocks noChangeAspect="1" noChangeArrowheads="1"/>
-          </p:cNvPicPr>
-          <p:nvPr/>
-        </p:nvPicPr>
-        <p:blipFill>
-          <a:blip r:embed="rId6" cstate="print">
-            <a:extLst>
-              <a:ext uri="{28A0092B-C50C-407E-A947-70E740481C1C}">
-                <a14:useLocalDpi xmlns:a14="http://schemas.microsoft.com/office/drawing/2010/main" val="0"/>
-              </a:ext>
-            </a:extLst>
-          </a:blip>
-          <a:srcRect/>
-          <a:stretch>
-            <a:fillRect/>
-          </a:stretch>
-        </p:blipFill>
-        <p:spPr bwMode="auto">
-          <a:xfrm>
-            <a:off x="1977230" y="4350966"/>
-            <a:ext cx="415017" cy="358384"/>
+            <a:off x="3029244" y="3288429"/>
+            <a:ext cx="246612" cy="246612"/>
           </a:xfrm>
           <a:prstGeom prst="rect">
             <a:avLst/>
@@ -40814,7 +43374,12 @@
             <p:ph type="sldNum" sz="quarter" idx="12"/>
           </p:nvPr>
         </p:nvSpPr>
-        <p:spPr/>
+        <p:spPr>
+          <a:xfrm>
+            <a:off x="8647272" y="6360986"/>
+            <a:ext cx="365760" cy="365125"/>
+          </a:xfrm>
+        </p:spPr>
         <p:txBody>
           <a:bodyPr/>
           <a:lstStyle/>
@@ -40822,7 +43387,7 @@
             <a:fld id="{1B2C9F7E-80B6-4C3C-8A6C-643968CAB744}" type="slidenum">
               <a:rPr kumimoji="1" lang="ja-JP" altLang="en-US" smtClean="0"/>
               <a:pPr/>
-              <a:t>5</a:t>
+              <a:t>6</a:t>
             </a:fld>
             <a:endParaRPr kumimoji="1" lang="ja-JP" altLang="en-US"/>
           </a:p>
@@ -40837,7 +43402,7 @@
         <p:grpSpPr>
           <a:xfrm>
             <a:off x="35496" y="1595726"/>
-            <a:ext cx="1900461" cy="1900461"/>
+            <a:ext cx="1556525" cy="1556525"/>
             <a:chOff x="35496" y="1595726"/>
             <a:chExt cx="1900461" cy="1900461"/>
           </a:xfrm>
@@ -40851,7 +43416,7 @@
             <p:nvPr/>
           </p:nvPicPr>
           <p:blipFill>
-            <a:blip r:embed="rId7" cstate="print">
+            <a:blip r:embed="rId5" cstate="print">
               <a:extLst>
                 <a:ext uri="{28A0092B-C50C-407E-A947-70E740481C1C}">
                   <a14:useLocalDpi xmlns:a14="http://schemas.microsoft.com/office/drawing/2010/main" val="0"/>
@@ -40892,7 +43457,7 @@
             <p:nvPr/>
           </p:nvPicPr>
           <p:blipFill>
-            <a:blip r:embed="rId7" cstate="print">
+            <a:blip r:embed="rId5" cstate="print">
               <a:extLst>
                 <a:ext uri="{28A0092B-C50C-407E-A947-70E740481C1C}">
                   <a14:useLocalDpi xmlns:a14="http://schemas.microsoft.com/office/drawing/2010/main" val="0"/>
@@ -40933,7 +43498,7 @@
             <p:nvPr/>
           </p:nvPicPr>
           <p:blipFill>
-            <a:blip r:embed="rId7" cstate="print">
+            <a:blip r:embed="rId5" cstate="print">
               <a:extLst>
                 <a:ext uri="{28A0092B-C50C-407E-A947-70E740481C1C}">
                   <a14:useLocalDpi xmlns:a14="http://schemas.microsoft.com/office/drawing/2010/main" val="0"/>
@@ -40974,8 +43539,8 @@
         </p:nvGrpSpPr>
         <p:grpSpPr>
           <a:xfrm>
-            <a:off x="3275856" y="1671926"/>
-            <a:ext cx="1748061" cy="1748061"/>
+            <a:off x="2339752" y="1671926"/>
+            <a:ext cx="1431705" cy="1431705"/>
             <a:chOff x="3275856" y="1595726"/>
             <a:chExt cx="1748061" cy="1748061"/>
           </a:xfrm>
@@ -40989,7 +43554,7 @@
             <p:nvPr/>
           </p:nvPicPr>
           <p:blipFill>
-            <a:blip r:embed="rId8" cstate="print">
+            <a:blip r:embed="rId6" cstate="print">
               <a:extLst>
                 <a:ext uri="{28A0092B-C50C-407E-A947-70E740481C1C}">
                   <a14:useLocalDpi xmlns:a14="http://schemas.microsoft.com/office/drawing/2010/main" val="0"/>
@@ -41030,7 +43595,7 @@
             <p:nvPr/>
           </p:nvPicPr>
           <p:blipFill>
-            <a:blip r:embed="rId8" cstate="print">
+            <a:blip r:embed="rId6" cstate="print">
               <a:extLst>
                 <a:ext uri="{28A0092B-C50C-407E-A947-70E740481C1C}">
                   <a14:useLocalDpi xmlns:a14="http://schemas.microsoft.com/office/drawing/2010/main" val="0"/>
@@ -41065,36 +43630,1954 @@
       </p:grpSp>
       <p:sp>
         <p:nvSpPr>
-          <p:cNvPr id="27" name="フリーフォーム 26"/>
+          <p:cNvPr id="45" name="テキスト ボックス 44"/>
+          <p:cNvSpPr txBox="1"/>
+          <p:nvPr/>
+        </p:nvSpPr>
+        <p:spPr>
+          <a:xfrm>
+            <a:off x="6905709" y="3331592"/>
+            <a:ext cx="1815352" cy="261610"/>
+          </a:xfrm>
+          <a:prstGeom prst="rect">
+            <a:avLst/>
+          </a:prstGeom>
+          <a:noFill/>
+        </p:spPr>
+        <p:txBody>
+          <a:bodyPr wrap="square" rtlCol="0">
+            <a:spAutoFit/>
+          </a:bodyPr>
+          <a:lstStyle/>
+          <a:p>
+            <a:r>
+              <a:rPr lang="ja-JP" altLang="en-US" sz="1100" dirty="0" smtClean="0"/>
+              <a:t>⑨</a:t>
+            </a:r>
+            <a:r>
+              <a:rPr kumimoji="1" lang="ja-JP" altLang="en-US" sz="1100" dirty="0" smtClean="0"/>
+              <a:t>月報、提出一覧印刷</a:t>
+            </a:r>
+            <a:endParaRPr kumimoji="1" lang="en-US" altLang="ja-JP" sz="1100" dirty="0" smtClean="0"/>
+          </a:p>
+        </p:txBody>
+      </p:sp>
+      <p:pic>
+        <p:nvPicPr>
+          <p:cNvPr id="46" name="Picture 3" descr="C:\Users\panasonic.PC-PEWBA142657\AppData\Local\Microsoft\Windows\Temporary Internet Files\Content.IE5\7KHZB72Y\Logo_Microsoft_Excel_2013[1].png"/>
+          <p:cNvPicPr>
+            <a:picLocks noChangeAspect="1" noChangeArrowheads="1"/>
+          </p:cNvPicPr>
+          <p:nvPr/>
+        </p:nvPicPr>
+        <p:blipFill>
+          <a:blip r:embed="rId4" cstate="print">
+            <a:grayscl/>
+            <a:extLst>
+              <a:ext uri="{28A0092B-C50C-407E-A947-70E740481C1C}">
+                <a14:useLocalDpi xmlns:a14="http://schemas.microsoft.com/office/drawing/2010/main" val="0"/>
+              </a:ext>
+            </a:extLst>
+          </a:blip>
+          <a:srcRect/>
+          <a:stretch>
+            <a:fillRect/>
+          </a:stretch>
+        </p:blipFill>
+        <p:spPr bwMode="auto">
+          <a:xfrm>
+            <a:off x="8463752" y="3110380"/>
+            <a:ext cx="246612" cy="246612"/>
+          </a:xfrm>
+          <a:prstGeom prst="rect">
+            <a:avLst/>
+          </a:prstGeom>
+          <a:noFill/>
+          <a:extLst>
+            <a:ext uri="{909E8E84-426E-40DD-AFC4-6F175D3DCCD1}">
+              <a14:hiddenFill xmlns:a14="http://schemas.microsoft.com/office/drawing/2010/main">
+                <a:solidFill>
+                  <a:srgbClr val="FFFFFF"/>
+                </a:solidFill>
+              </a14:hiddenFill>
+            </a:ext>
+          </a:extLst>
+        </p:spPr>
+      </p:pic>
+      <p:sp>
+        <p:nvSpPr>
+          <p:cNvPr id="47" name="テキスト ボックス 46"/>
+          <p:cNvSpPr txBox="1"/>
+          <p:nvPr/>
+        </p:nvSpPr>
+        <p:spPr>
+          <a:xfrm>
+            <a:off x="6905538" y="2852936"/>
+            <a:ext cx="1466967" cy="261610"/>
+          </a:xfrm>
+          <a:prstGeom prst="rect">
+            <a:avLst/>
+          </a:prstGeom>
+          <a:noFill/>
+        </p:spPr>
+        <p:txBody>
+          <a:bodyPr wrap="square" rtlCol="0">
+            <a:spAutoFit/>
+          </a:bodyPr>
+          <a:lstStyle/>
+          <a:p>
+            <a:r>
+              <a:rPr lang="ja-JP" altLang="en-US" sz="1100" dirty="0"/>
+              <a:t>⑦</a:t>
+            </a:r>
+            <a:r>
+              <a:rPr lang="ja-JP" altLang="en-US" sz="1100" dirty="0" smtClean="0"/>
+              <a:t>月報集約</a:t>
+            </a:r>
+            <a:endParaRPr lang="en-US" altLang="ja-JP" sz="1100" dirty="0" smtClean="0"/>
+          </a:p>
+        </p:txBody>
+      </p:sp>
+      <p:sp>
+        <p:nvSpPr>
+          <p:cNvPr id="48" name="テキスト ボックス 47"/>
+          <p:cNvSpPr txBox="1"/>
+          <p:nvPr/>
+        </p:nvSpPr>
+        <p:spPr>
+          <a:xfrm>
+            <a:off x="6860337" y="4530814"/>
+            <a:ext cx="1186728" cy="307777"/>
+          </a:xfrm>
+          <a:prstGeom prst="rect">
+            <a:avLst/>
+          </a:prstGeom>
+        </p:spPr>
+        <p:style>
+          <a:lnRef idx="1">
+            <a:schemeClr val="accent3"/>
+          </a:lnRef>
+          <a:fillRef idx="2">
+            <a:schemeClr val="accent3"/>
+          </a:fillRef>
+          <a:effectRef idx="1">
+            <a:schemeClr val="accent3"/>
+          </a:effectRef>
+          <a:fontRef idx="minor">
+            <a:schemeClr val="dk1"/>
+          </a:fontRef>
+        </p:style>
+        <p:txBody>
+          <a:bodyPr wrap="square" rtlCol="0" anchor="ctr">
+            <a:spAutoFit/>
+          </a:bodyPr>
+          <a:lstStyle/>
+          <a:p>
+            <a:pPr algn="ctr"/>
+            <a:r>
+              <a:rPr lang="ja-JP" altLang="en-US" sz="1400" dirty="0"/>
+              <a:t>本社</a:t>
+            </a:r>
+            <a:r>
+              <a:rPr kumimoji="1" lang="ja-JP" altLang="en-US" sz="1400" dirty="0" smtClean="0"/>
+              <a:t>総務</a:t>
+            </a:r>
+            <a:endParaRPr kumimoji="1" lang="ja-JP" altLang="en-US" sz="1400" dirty="0"/>
+          </a:p>
+        </p:txBody>
+      </p:sp>
+      <p:cxnSp>
+        <p:nvCxnSpPr>
+          <p:cNvPr id="50" name="直線矢印コネクタ 49"/>
+          <p:cNvCxnSpPr/>
+          <p:nvPr/>
+        </p:nvCxnSpPr>
+        <p:spPr>
+          <a:xfrm flipH="1">
+            <a:off x="7308304" y="3706822"/>
+            <a:ext cx="1" cy="684000"/>
+          </a:xfrm>
+          <a:prstGeom prst="straightConnector1">
+            <a:avLst/>
+          </a:prstGeom>
+          <a:ln w="38100">
+            <a:tailEnd type="arrow"/>
+          </a:ln>
+        </p:spPr>
+        <p:style>
+          <a:lnRef idx="2">
+            <a:schemeClr val="accent1"/>
+          </a:lnRef>
+          <a:fillRef idx="0">
+            <a:schemeClr val="accent1"/>
+          </a:fillRef>
+          <a:effectRef idx="1">
+            <a:schemeClr val="accent1"/>
+          </a:effectRef>
+          <a:fontRef idx="minor">
+            <a:schemeClr val="tx1"/>
+          </a:fontRef>
+        </p:style>
+      </p:cxnSp>
+      <p:sp>
+        <p:nvSpPr>
+          <p:cNvPr id="52" name="テキスト ボックス 51"/>
+          <p:cNvSpPr txBox="1"/>
+          <p:nvPr/>
+        </p:nvSpPr>
+        <p:spPr>
+          <a:xfrm>
+            <a:off x="6732240" y="5825800"/>
+            <a:ext cx="777539" cy="261610"/>
+          </a:xfrm>
+          <a:prstGeom prst="rect">
+            <a:avLst/>
+          </a:prstGeom>
+          <a:noFill/>
+        </p:spPr>
+        <p:txBody>
+          <a:bodyPr wrap="square" rtlCol="0">
+            <a:spAutoFit/>
+          </a:bodyPr>
+          <a:lstStyle/>
+          <a:p>
+            <a:r>
+              <a:rPr lang="ja-JP" altLang="en-US" sz="1100" dirty="0" smtClean="0"/>
+              <a:t>月報閲覧</a:t>
+            </a:r>
+            <a:endParaRPr kumimoji="1" lang="en-US" altLang="ja-JP" sz="1100" dirty="0" smtClean="0"/>
+          </a:p>
+        </p:txBody>
+      </p:sp>
+      <p:sp>
+        <p:nvSpPr>
+          <p:cNvPr id="55" name="テキスト ボックス 54"/>
+          <p:cNvSpPr txBox="1"/>
+          <p:nvPr/>
+        </p:nvSpPr>
+        <p:spPr>
+          <a:xfrm>
+            <a:off x="7452320" y="5805264"/>
+            <a:ext cx="1101332" cy="430887"/>
+          </a:xfrm>
+          <a:prstGeom prst="rect">
+            <a:avLst/>
+          </a:prstGeom>
+          <a:noFill/>
+        </p:spPr>
+        <p:txBody>
+          <a:bodyPr wrap="square" rtlCol="0">
+            <a:spAutoFit/>
+          </a:bodyPr>
+          <a:lstStyle/>
+          <a:p>
+            <a:r>
+              <a:rPr lang="ja-JP" altLang="en-US" sz="1100" dirty="0" smtClean="0"/>
+              <a:t>提出一覧表</a:t>
+            </a:r>
+            <a:r>
+              <a:rPr kumimoji="1" lang="ja-JP" altLang="en-US" sz="1100" dirty="0" smtClean="0"/>
+              <a:t>に</a:t>
+            </a:r>
+            <a:r>
+              <a:rPr kumimoji="1" lang="ja-JP" altLang="en-US" sz="1100" dirty="0" smtClean="0"/>
+              <a:t>総務担当印</a:t>
+            </a:r>
+            <a:endParaRPr kumimoji="1" lang="en-US" altLang="ja-JP" sz="1100" dirty="0" smtClean="0"/>
+          </a:p>
+        </p:txBody>
+      </p:sp>
+      <p:sp>
+        <p:nvSpPr>
+          <p:cNvPr id="58" name="テキスト ボックス 57"/>
+          <p:cNvSpPr txBox="1"/>
+          <p:nvPr/>
+        </p:nvSpPr>
+        <p:spPr>
+          <a:xfrm>
+            <a:off x="5454214" y="5856736"/>
+            <a:ext cx="1062002" cy="261610"/>
+          </a:xfrm>
+          <a:prstGeom prst="rect">
+            <a:avLst/>
+          </a:prstGeom>
+          <a:noFill/>
+        </p:spPr>
+        <p:txBody>
+          <a:bodyPr wrap="square" rtlCol="0">
+            <a:spAutoFit/>
+          </a:bodyPr>
+          <a:lstStyle/>
+          <a:p>
+            <a:r>
+              <a:rPr lang="ja-JP" altLang="en-US" sz="1100" dirty="0" smtClean="0"/>
+              <a:t>コメント追記</a:t>
+            </a:r>
+            <a:endParaRPr kumimoji="1" lang="ja-JP" altLang="en-US" sz="1100" dirty="0"/>
+          </a:p>
+        </p:txBody>
+      </p:sp>
+      <p:sp>
+        <p:nvSpPr>
+          <p:cNvPr id="59" name="テキスト ボックス 58"/>
+          <p:cNvSpPr txBox="1"/>
+          <p:nvPr/>
+        </p:nvSpPr>
+        <p:spPr>
+          <a:xfrm>
+            <a:off x="3555098" y="4530814"/>
+            <a:ext cx="1186728" cy="307777"/>
+          </a:xfrm>
+          <a:prstGeom prst="rect">
+            <a:avLst/>
+          </a:prstGeom>
+        </p:spPr>
+        <p:style>
+          <a:lnRef idx="1">
+            <a:schemeClr val="accent3"/>
+          </a:lnRef>
+          <a:fillRef idx="2">
+            <a:schemeClr val="accent3"/>
+          </a:fillRef>
+          <a:effectRef idx="1">
+            <a:schemeClr val="accent3"/>
+          </a:effectRef>
+          <a:fontRef idx="minor">
+            <a:schemeClr val="dk1"/>
+          </a:fontRef>
+        </p:style>
+        <p:txBody>
+          <a:bodyPr wrap="square" rtlCol="0" anchor="ctr">
+            <a:spAutoFit/>
+          </a:bodyPr>
+          <a:lstStyle/>
+          <a:p>
+            <a:pPr algn="ctr"/>
+            <a:r>
+              <a:rPr lang="ja-JP" altLang="en-US" sz="1400" dirty="0"/>
+              <a:t>本社</a:t>
+            </a:r>
+            <a:r>
+              <a:rPr kumimoji="1" lang="ja-JP" altLang="en-US" sz="1400" dirty="0" smtClean="0"/>
+              <a:t>総務</a:t>
+            </a:r>
+            <a:endParaRPr kumimoji="1" lang="ja-JP" altLang="en-US" sz="1400" dirty="0"/>
+          </a:p>
+        </p:txBody>
+      </p:sp>
+      <p:sp>
+        <p:nvSpPr>
+          <p:cNvPr id="67" name="テキスト ボックス 66"/>
+          <p:cNvSpPr txBox="1"/>
+          <p:nvPr/>
+        </p:nvSpPr>
+        <p:spPr>
+          <a:xfrm>
+            <a:off x="7380312" y="3790201"/>
+            <a:ext cx="1673843" cy="430887"/>
+          </a:xfrm>
+          <a:prstGeom prst="rect">
+            <a:avLst/>
+          </a:prstGeom>
+          <a:noFill/>
+        </p:spPr>
+        <p:txBody>
+          <a:bodyPr wrap="square" rtlCol="0">
+            <a:spAutoFit/>
+          </a:bodyPr>
+          <a:lstStyle/>
+          <a:p>
+            <a:r>
+              <a:rPr lang="ja-JP" altLang="en-US" sz="1100" dirty="0" smtClean="0"/>
+              <a:t>社内便で郵送</a:t>
+            </a:r>
+            <a:endParaRPr lang="en-US" altLang="ja-JP" sz="1100" dirty="0" smtClean="0"/>
+          </a:p>
+          <a:p>
+            <a:r>
+              <a:rPr lang="ja-JP" altLang="en-US" sz="1100" dirty="0" smtClean="0"/>
+              <a:t>（月報、提出一覧表）</a:t>
+            </a:r>
+            <a:endParaRPr lang="en-US" altLang="ja-JP" sz="1100" dirty="0" smtClean="0"/>
+          </a:p>
+        </p:txBody>
+      </p:sp>
+      <p:sp>
+        <p:nvSpPr>
+          <p:cNvPr id="71" name="テキスト ボックス 70"/>
+          <p:cNvSpPr txBox="1"/>
+          <p:nvPr/>
+        </p:nvSpPr>
+        <p:spPr>
+          <a:xfrm>
+            <a:off x="1611100" y="4530814"/>
+            <a:ext cx="1186728" cy="307777"/>
+          </a:xfrm>
+          <a:prstGeom prst="rect">
+            <a:avLst/>
+          </a:prstGeom>
+        </p:spPr>
+        <p:style>
+          <a:lnRef idx="1">
+            <a:schemeClr val="accent3"/>
+          </a:lnRef>
+          <a:fillRef idx="2">
+            <a:schemeClr val="accent3"/>
+          </a:fillRef>
+          <a:effectRef idx="1">
+            <a:schemeClr val="accent3"/>
+          </a:effectRef>
+          <a:fontRef idx="minor">
+            <a:schemeClr val="dk1"/>
+          </a:fontRef>
+        </p:style>
+        <p:txBody>
+          <a:bodyPr wrap="square" rtlCol="0" anchor="ctr">
+            <a:spAutoFit/>
+          </a:bodyPr>
+          <a:lstStyle/>
+          <a:p>
+            <a:pPr algn="ctr"/>
+            <a:r>
+              <a:rPr kumimoji="1" lang="ja-JP" altLang="en-US" sz="1400" dirty="0" smtClean="0"/>
+              <a:t>大阪総務</a:t>
+            </a:r>
+            <a:endParaRPr kumimoji="1" lang="ja-JP" altLang="en-US" sz="1400" dirty="0"/>
+          </a:p>
+        </p:txBody>
+      </p:sp>
+      <p:pic>
+        <p:nvPicPr>
+          <p:cNvPr id="72" name="Picture 2" descr="C:\Users\panasonic.PC-PEWBA142657\Desktop\download.png"/>
+          <p:cNvPicPr>
+            <a:picLocks noChangeAspect="1" noChangeArrowheads="1"/>
+          </p:cNvPicPr>
+          <p:nvPr/>
+        </p:nvPicPr>
+        <p:blipFill>
+          <a:blip r:embed="rId3" cstate="print">
+            <a:extLst>
+              <a:ext uri="{28A0092B-C50C-407E-A947-70E740481C1C}">
+                <a14:useLocalDpi xmlns:a14="http://schemas.microsoft.com/office/drawing/2010/main" val="0"/>
+              </a:ext>
+            </a:extLst>
+          </a:blip>
+          <a:srcRect/>
+          <a:stretch>
+            <a:fillRect/>
+          </a:stretch>
+        </p:blipFill>
+        <p:spPr bwMode="auto">
+          <a:xfrm>
+            <a:off x="1475656" y="4848922"/>
+            <a:ext cx="1193349" cy="1193349"/>
+          </a:xfrm>
+          <a:prstGeom prst="rect">
+            <a:avLst/>
+          </a:prstGeom>
+          <a:noFill/>
+          <a:extLst>
+            <a:ext uri="{909E8E84-426E-40DD-AFC4-6F175D3DCCD1}">
+              <a14:hiddenFill xmlns:a14="http://schemas.microsoft.com/office/drawing/2010/main">
+                <a:solidFill>
+                  <a:srgbClr val="FFFFFF"/>
+                </a:solidFill>
+              </a14:hiddenFill>
+            </a:ext>
+          </a:extLst>
+        </p:spPr>
+      </p:pic>
+      <p:sp>
+        <p:nvSpPr>
+          <p:cNvPr id="77" name="テキスト ボックス 76"/>
+          <p:cNvSpPr txBox="1"/>
+          <p:nvPr/>
+        </p:nvSpPr>
+        <p:spPr>
+          <a:xfrm>
+            <a:off x="76172" y="3933056"/>
+            <a:ext cx="1687516" cy="261610"/>
+          </a:xfrm>
+          <a:prstGeom prst="rect">
+            <a:avLst/>
+          </a:prstGeom>
+          <a:noFill/>
+        </p:spPr>
+        <p:txBody>
+          <a:bodyPr wrap="square" rtlCol="0">
+            <a:spAutoFit/>
+          </a:bodyPr>
+          <a:lstStyle/>
+          <a:p>
+            <a:r>
+              <a:rPr kumimoji="1" lang="ja-JP" altLang="en-US" sz="1100" dirty="0" smtClean="0"/>
+              <a:t>月報を個人</a:t>
+            </a:r>
+            <a:r>
+              <a:rPr kumimoji="1" lang="ja-JP" altLang="en-US" sz="1100" dirty="0" smtClean="0"/>
+              <a:t>棚に格納</a:t>
+            </a:r>
+            <a:endParaRPr kumimoji="1" lang="ja-JP" altLang="en-US" sz="1100" dirty="0"/>
+          </a:p>
+        </p:txBody>
+      </p:sp>
+      <p:cxnSp>
+        <p:nvCxnSpPr>
+          <p:cNvPr id="75" name="直線矢印コネクタ 74"/>
+          <p:cNvCxnSpPr/>
+          <p:nvPr/>
+        </p:nvCxnSpPr>
+        <p:spPr>
+          <a:xfrm>
+            <a:off x="3917201" y="2405138"/>
+            <a:ext cx="870823" cy="1"/>
+          </a:xfrm>
+          <a:prstGeom prst="straightConnector1">
+            <a:avLst/>
+          </a:prstGeom>
+          <a:ln w="38100">
+            <a:tailEnd type="arrow"/>
+          </a:ln>
+        </p:spPr>
+        <p:style>
+          <a:lnRef idx="2">
+            <a:schemeClr val="accent1"/>
+          </a:lnRef>
+          <a:fillRef idx="0">
+            <a:schemeClr val="accent1"/>
+          </a:fillRef>
+          <a:effectRef idx="1">
+            <a:schemeClr val="accent1"/>
+          </a:effectRef>
+          <a:fontRef idx="minor">
+            <a:schemeClr val="tx1"/>
+          </a:fontRef>
+        </p:style>
+      </p:cxnSp>
+      <p:pic>
+        <p:nvPicPr>
+          <p:cNvPr id="78" name="Picture 3" descr="C:\Users\panasonic.PC-PEWBA142657\AppData\Local\Microsoft\Windows\Temporary Internet Files\Content.IE5\7KHZB72Y\Logo_Microsoft_Excel_2013[1].png"/>
+          <p:cNvPicPr>
+            <a:picLocks noChangeAspect="1" noChangeArrowheads="1"/>
+          </p:cNvPicPr>
+          <p:nvPr/>
+        </p:nvPicPr>
+        <p:blipFill>
+          <a:blip r:embed="rId4" cstate="print">
+            <a:extLst>
+              <a:ext uri="{28A0092B-C50C-407E-A947-70E740481C1C}">
+                <a14:useLocalDpi xmlns:a14="http://schemas.microsoft.com/office/drawing/2010/main" val="0"/>
+              </a:ext>
+            </a:extLst>
+          </a:blip>
+          <a:srcRect/>
+          <a:stretch>
+            <a:fillRect/>
+          </a:stretch>
+        </p:blipFill>
+        <p:spPr bwMode="auto">
+          <a:xfrm>
+            <a:off x="4139952" y="1700808"/>
+            <a:ext cx="246612" cy="246612"/>
+          </a:xfrm>
+          <a:prstGeom prst="rect">
+            <a:avLst/>
+          </a:prstGeom>
+          <a:noFill/>
+          <a:extLst>
+            <a:ext uri="{909E8E84-426E-40DD-AFC4-6F175D3DCCD1}">
+              <a14:hiddenFill xmlns:a14="http://schemas.microsoft.com/office/drawing/2010/main">
+                <a:solidFill>
+                  <a:srgbClr val="FFFFFF"/>
+                </a:solidFill>
+              </a14:hiddenFill>
+            </a:ext>
+          </a:extLst>
+        </p:spPr>
+      </p:pic>
+      <p:pic>
+        <p:nvPicPr>
+          <p:cNvPr id="79" name="Picture 3" descr="C:\Users\panasonic.PC-PEWBA142657\AppData\Local\Microsoft\Windows\Temporary Internet Files\Content.IE5\7KHZB72Y\Logo_Microsoft_Excel_2013[1].png"/>
+          <p:cNvPicPr>
+            <a:picLocks noChangeAspect="1" noChangeArrowheads="1"/>
+          </p:cNvPicPr>
+          <p:nvPr/>
+        </p:nvPicPr>
+        <p:blipFill>
+          <a:blip r:embed="rId4" cstate="print">
+            <a:extLst>
+              <a:ext uri="{28A0092B-C50C-407E-A947-70E740481C1C}">
+                <a14:useLocalDpi xmlns:a14="http://schemas.microsoft.com/office/drawing/2010/main" val="0"/>
+              </a:ext>
+            </a:extLst>
+          </a:blip>
+          <a:srcRect/>
+          <a:stretch>
+            <a:fillRect/>
+          </a:stretch>
+        </p:blipFill>
+        <p:spPr bwMode="auto">
+          <a:xfrm>
+            <a:off x="5206630" y="3288429"/>
+            <a:ext cx="246612" cy="246612"/>
+          </a:xfrm>
+          <a:prstGeom prst="rect">
+            <a:avLst/>
+          </a:prstGeom>
+          <a:noFill/>
+          <a:extLst>
+            <a:ext uri="{909E8E84-426E-40DD-AFC4-6F175D3DCCD1}">
+              <a14:hiddenFill xmlns:a14="http://schemas.microsoft.com/office/drawing/2010/main">
+                <a:solidFill>
+                  <a:srgbClr val="FFFFFF"/>
+                </a:solidFill>
+              </a14:hiddenFill>
+            </a:ext>
+          </a:extLst>
+        </p:spPr>
+      </p:pic>
+      <p:cxnSp>
+        <p:nvCxnSpPr>
+          <p:cNvPr id="80" name="直線矢印コネクタ 79"/>
+          <p:cNvCxnSpPr/>
+          <p:nvPr/>
+        </p:nvCxnSpPr>
+        <p:spPr>
+          <a:xfrm>
+            <a:off x="6008670" y="2405138"/>
+            <a:ext cx="870823" cy="1"/>
+          </a:xfrm>
+          <a:prstGeom prst="straightConnector1">
+            <a:avLst/>
+          </a:prstGeom>
+          <a:ln w="38100">
+            <a:tailEnd type="arrow"/>
+          </a:ln>
+        </p:spPr>
+        <p:style>
+          <a:lnRef idx="2">
+            <a:schemeClr val="accent1"/>
+          </a:lnRef>
+          <a:fillRef idx="0">
+            <a:schemeClr val="accent1"/>
+          </a:fillRef>
+          <a:effectRef idx="1">
+            <a:schemeClr val="accent1"/>
+          </a:effectRef>
+          <a:fontRef idx="minor">
+            <a:schemeClr val="tx1"/>
+          </a:fontRef>
+        </p:style>
+      </p:cxnSp>
+      <p:sp>
+        <p:nvSpPr>
+          <p:cNvPr id="81" name="テキスト ボックス 80"/>
+          <p:cNvSpPr txBox="1"/>
+          <p:nvPr/>
+        </p:nvSpPr>
+        <p:spPr>
+          <a:xfrm>
+            <a:off x="5995761" y="1905356"/>
+            <a:ext cx="1240535" cy="430887"/>
+          </a:xfrm>
+          <a:prstGeom prst="rect">
+            <a:avLst/>
+          </a:prstGeom>
+          <a:noFill/>
+        </p:spPr>
+        <p:txBody>
+          <a:bodyPr wrap="square" rtlCol="0">
+            <a:spAutoFit/>
+          </a:bodyPr>
+          <a:lstStyle/>
+          <a:p>
+            <a:r>
+              <a:rPr kumimoji="1" lang="ja-JP" altLang="en-US" sz="1100" dirty="0" smtClean="0"/>
+              <a:t>⑥まとめて</a:t>
+            </a:r>
+            <a:endParaRPr kumimoji="1" lang="en-US" altLang="ja-JP" sz="1100" dirty="0" smtClean="0"/>
+          </a:p>
+          <a:p>
+            <a:r>
+              <a:rPr kumimoji="1" lang="ja-JP" altLang="en-US" sz="1100" dirty="0" smtClean="0"/>
+              <a:t>メール送信</a:t>
+            </a:r>
+            <a:endParaRPr kumimoji="1" lang="ja-JP" altLang="en-US" sz="1100" dirty="0"/>
+          </a:p>
+        </p:txBody>
+      </p:sp>
+      <p:pic>
+        <p:nvPicPr>
+          <p:cNvPr id="82" name="Picture 3" descr="C:\Users\panasonic.PC-PEWBA142657\AppData\Local\Microsoft\Windows\Temporary Internet Files\Content.IE5\7KHZB72Y\Logo_Microsoft_Excel_2013[1].png"/>
+          <p:cNvPicPr>
+            <a:picLocks noChangeAspect="1" noChangeArrowheads="1"/>
+          </p:cNvPicPr>
+          <p:nvPr/>
+        </p:nvPicPr>
+        <p:blipFill>
+          <a:blip r:embed="rId4" cstate="print">
+            <a:extLst>
+              <a:ext uri="{28A0092B-C50C-407E-A947-70E740481C1C}">
+                <a14:useLocalDpi xmlns:a14="http://schemas.microsoft.com/office/drawing/2010/main" val="0"/>
+              </a:ext>
+            </a:extLst>
+          </a:blip>
+          <a:srcRect/>
+          <a:stretch>
+            <a:fillRect/>
+          </a:stretch>
+        </p:blipFill>
+        <p:spPr bwMode="auto">
+          <a:xfrm>
+            <a:off x="6228184" y="1700808"/>
+            <a:ext cx="246612" cy="246612"/>
+          </a:xfrm>
+          <a:prstGeom prst="rect">
+            <a:avLst/>
+          </a:prstGeom>
+          <a:noFill/>
+          <a:extLst>
+            <a:ext uri="{909E8E84-426E-40DD-AFC4-6F175D3DCCD1}">
+              <a14:hiddenFill xmlns:a14="http://schemas.microsoft.com/office/drawing/2010/main">
+                <a:solidFill>
+                  <a:srgbClr val="FFFFFF"/>
+                </a:solidFill>
+              </a14:hiddenFill>
+            </a:ext>
+          </a:extLst>
+        </p:spPr>
+      </p:pic>
+      <p:pic>
+        <p:nvPicPr>
+          <p:cNvPr id="83" name="Picture 3" descr="C:\Users\panasonic.PC-PEWBA142657\AppData\Local\Microsoft\Windows\Temporary Internet Files\Content.IE5\0TBE10HT\gi01a201401282200[1].png"/>
+          <p:cNvPicPr>
+            <a:picLocks noChangeAspect="1" noChangeArrowheads="1"/>
+          </p:cNvPicPr>
+          <p:nvPr/>
+        </p:nvPicPr>
+        <p:blipFill>
+          <a:blip r:embed="rId7" cstate="print">
+            <a:extLst>
+              <a:ext uri="{BEBA8EAE-BF5A-486C-A8C5-ECC9F3942E4B}">
+                <a14:imgProps xmlns:a14="http://schemas.microsoft.com/office/drawing/2010/main">
+                  <a14:imgLayer r:embed="rId8">
+                    <a14:imgEffect>
+                      <a14:brightnessContrast contrast="-40000"/>
+                    </a14:imgEffect>
+                  </a14:imgLayer>
+                </a14:imgProps>
+              </a:ext>
+              <a:ext uri="{28A0092B-C50C-407E-A947-70E740481C1C}">
+                <a14:useLocalDpi xmlns:a14="http://schemas.microsoft.com/office/drawing/2010/main" val="0"/>
+              </a:ext>
+            </a:extLst>
+          </a:blip>
+          <a:srcRect/>
+          <a:stretch>
+            <a:fillRect/>
+          </a:stretch>
+        </p:blipFill>
+        <p:spPr bwMode="auto">
+          <a:xfrm>
+            <a:off x="8716088" y="3392421"/>
+            <a:ext cx="248400" cy="214503"/>
+          </a:xfrm>
+          <a:prstGeom prst="rect">
+            <a:avLst/>
+          </a:prstGeom>
+          <a:noFill/>
+          <a:extLst>
+            <a:ext uri="{909E8E84-426E-40DD-AFC4-6F175D3DCCD1}">
+              <a14:hiddenFill xmlns:a14="http://schemas.microsoft.com/office/drawing/2010/main">
+                <a:solidFill>
+                  <a:srgbClr val="FFFFFF"/>
+                </a:solidFill>
+              </a14:hiddenFill>
+            </a:ext>
+          </a:extLst>
+        </p:spPr>
+      </p:pic>
+      <p:pic>
+        <p:nvPicPr>
+          <p:cNvPr id="84" name="Picture 3" descr="C:\Users\panasonic.PC-PEWBA142657\AppData\Local\Microsoft\Windows\Temporary Internet Files\Content.IE5\7KHZB72Y\Logo_Microsoft_Excel_2013[1].png"/>
+          <p:cNvPicPr>
+            <a:picLocks noChangeAspect="1" noChangeArrowheads="1"/>
+          </p:cNvPicPr>
+          <p:nvPr/>
+        </p:nvPicPr>
+        <p:blipFill>
+          <a:blip r:embed="rId4" cstate="print">
+            <a:extLst>
+              <a:ext uri="{28A0092B-C50C-407E-A947-70E740481C1C}">
+                <a14:useLocalDpi xmlns:a14="http://schemas.microsoft.com/office/drawing/2010/main" val="0"/>
+              </a:ext>
+            </a:extLst>
+          </a:blip>
+          <a:srcRect/>
+          <a:stretch>
+            <a:fillRect/>
+          </a:stretch>
+        </p:blipFill>
+        <p:spPr bwMode="auto">
+          <a:xfrm>
+            <a:off x="785014" y="3263891"/>
+            <a:ext cx="246612" cy="246612"/>
+          </a:xfrm>
+          <a:prstGeom prst="rect">
+            <a:avLst/>
+          </a:prstGeom>
+          <a:noFill/>
+          <a:extLst>
+            <a:ext uri="{909E8E84-426E-40DD-AFC4-6F175D3DCCD1}">
+              <a14:hiddenFill xmlns:a14="http://schemas.microsoft.com/office/drawing/2010/main">
+                <a:solidFill>
+                  <a:srgbClr val="FFFFFF"/>
+                </a:solidFill>
+              </a14:hiddenFill>
+            </a:ext>
+          </a:extLst>
+        </p:spPr>
+      </p:pic>
+      <p:pic>
+        <p:nvPicPr>
+          <p:cNvPr id="2050" name="Picture 2" descr="C:\Users\panasonic.PC-PEWBA142657\Desktop\ダウンロード (1).png"/>
+          <p:cNvPicPr>
+            <a:picLocks noChangeAspect="1" noChangeArrowheads="1"/>
+          </p:cNvPicPr>
+          <p:nvPr/>
+        </p:nvPicPr>
+        <p:blipFill>
+          <a:blip r:embed="rId9" cstate="print">
+            <a:extLst>
+              <a:ext uri="{28A0092B-C50C-407E-A947-70E740481C1C}">
+                <a14:useLocalDpi xmlns:a14="http://schemas.microsoft.com/office/drawing/2010/main" val="0"/>
+              </a:ext>
+            </a:extLst>
+          </a:blip>
+          <a:srcRect/>
+          <a:stretch>
+            <a:fillRect/>
+          </a:stretch>
+        </p:blipFill>
+        <p:spPr bwMode="auto">
+          <a:xfrm>
+            <a:off x="5148808" y="4797896"/>
+            <a:ext cx="1295400" cy="1295400"/>
+          </a:xfrm>
+          <a:prstGeom prst="rect">
+            <a:avLst/>
+          </a:prstGeom>
+          <a:noFill/>
+          <a:extLst>
+            <a:ext uri="{909E8E84-426E-40DD-AFC4-6F175D3DCCD1}">
+              <a14:hiddenFill xmlns:a14="http://schemas.microsoft.com/office/drawing/2010/main">
+                <a:solidFill>
+                  <a:srgbClr val="FFFFFF"/>
+                </a:solidFill>
+              </a14:hiddenFill>
+            </a:ext>
+          </a:extLst>
+        </p:spPr>
+      </p:pic>
+      <p:pic>
+        <p:nvPicPr>
+          <p:cNvPr id="1027" name="Picture 3" descr="C:\Users\panasonic.PC-PEWBA142657\Desktop\ダウンロード.png"/>
+          <p:cNvPicPr>
+            <a:picLocks noChangeAspect="1" noChangeArrowheads="1"/>
+          </p:cNvPicPr>
+          <p:nvPr/>
+        </p:nvPicPr>
+        <p:blipFill>
+          <a:blip r:embed="rId10" cstate="print">
+            <a:extLst>
+              <a:ext uri="{28A0092B-C50C-407E-A947-70E740481C1C}">
+                <a14:useLocalDpi xmlns:a14="http://schemas.microsoft.com/office/drawing/2010/main" val="0"/>
+              </a:ext>
+            </a:extLst>
+          </a:blip>
+          <a:srcRect/>
+          <a:stretch>
+            <a:fillRect/>
+          </a:stretch>
+        </p:blipFill>
+        <p:spPr bwMode="auto">
+          <a:xfrm>
+            <a:off x="6660232" y="4797896"/>
+            <a:ext cx="1295400" cy="1295400"/>
+          </a:xfrm>
+          <a:prstGeom prst="rect">
+            <a:avLst/>
+          </a:prstGeom>
+          <a:noFill/>
+          <a:extLst>
+            <a:ext uri="{909E8E84-426E-40DD-AFC4-6F175D3DCCD1}">
+              <a14:hiddenFill xmlns:a14="http://schemas.microsoft.com/office/drawing/2010/main">
+                <a:solidFill>
+                  <a:srgbClr val="FFFFFF"/>
+                </a:solidFill>
+              </a14:hiddenFill>
+            </a:ext>
+          </a:extLst>
+        </p:spPr>
+      </p:pic>
+      <p:pic>
+        <p:nvPicPr>
+          <p:cNvPr id="88" name="Picture 3" descr="C:\Users\panasonic.PC-PEWBA142657\Desktop\ダウンロード.png"/>
+          <p:cNvPicPr>
+            <a:picLocks noChangeAspect="1" noChangeArrowheads="1"/>
+          </p:cNvPicPr>
+          <p:nvPr/>
+        </p:nvPicPr>
+        <p:blipFill>
+          <a:blip r:embed="rId10" cstate="print">
+            <a:extLst>
+              <a:ext uri="{28A0092B-C50C-407E-A947-70E740481C1C}">
+                <a14:useLocalDpi xmlns:a14="http://schemas.microsoft.com/office/drawing/2010/main" val="0"/>
+              </a:ext>
+            </a:extLst>
+          </a:blip>
+          <a:srcRect/>
+          <a:stretch>
+            <a:fillRect/>
+          </a:stretch>
+        </p:blipFill>
+        <p:spPr bwMode="auto">
+          <a:xfrm>
+            <a:off x="3419874" y="4797896"/>
+            <a:ext cx="1295400" cy="1295400"/>
+          </a:xfrm>
+          <a:prstGeom prst="rect">
+            <a:avLst/>
+          </a:prstGeom>
+          <a:noFill/>
+          <a:extLst>
+            <a:ext uri="{909E8E84-426E-40DD-AFC4-6F175D3DCCD1}">
+              <a14:hiddenFill xmlns:a14="http://schemas.microsoft.com/office/drawing/2010/main">
+                <a:solidFill>
+                  <a:srgbClr val="FFFFFF"/>
+                </a:solidFill>
+              </a14:hiddenFill>
+            </a:ext>
+          </a:extLst>
+        </p:spPr>
+      </p:pic>
+      <p:pic>
+        <p:nvPicPr>
+          <p:cNvPr id="90" name="Picture 3" descr="C:\Users\panasonic.PC-PEWBA142657\AppData\Local\Microsoft\Windows\Temporary Internet Files\Content.IE5\7KHZB72Y\Logo_Microsoft_Excel_2013[1].png"/>
+          <p:cNvPicPr>
+            <a:picLocks noChangeAspect="1" noChangeArrowheads="1"/>
+          </p:cNvPicPr>
+          <p:nvPr/>
+        </p:nvPicPr>
+        <p:blipFill>
+          <a:blip r:embed="rId4" cstate="print">
+            <a:extLst>
+              <a:ext uri="{28A0092B-C50C-407E-A947-70E740481C1C}">
+                <a14:useLocalDpi xmlns:a14="http://schemas.microsoft.com/office/drawing/2010/main" val="0"/>
+              </a:ext>
+            </a:extLst>
+          </a:blip>
+          <a:srcRect/>
+          <a:stretch>
+            <a:fillRect/>
+          </a:stretch>
+        </p:blipFill>
+        <p:spPr bwMode="auto">
+          <a:xfrm>
+            <a:off x="8463752" y="2852936"/>
+            <a:ext cx="246612" cy="246612"/>
+          </a:xfrm>
+          <a:prstGeom prst="rect">
+            <a:avLst/>
+          </a:prstGeom>
+          <a:noFill/>
+          <a:extLst>
+            <a:ext uri="{909E8E84-426E-40DD-AFC4-6F175D3DCCD1}">
+              <a14:hiddenFill xmlns:a14="http://schemas.microsoft.com/office/drawing/2010/main">
+                <a:solidFill>
+                  <a:srgbClr val="FFFFFF"/>
+                </a:solidFill>
+              </a14:hiddenFill>
+            </a:ext>
+          </a:extLst>
+        </p:spPr>
+      </p:pic>
+      <p:sp>
+        <p:nvSpPr>
+          <p:cNvPr id="91" name="テキスト ボックス 90"/>
+          <p:cNvSpPr txBox="1"/>
+          <p:nvPr/>
+        </p:nvSpPr>
+        <p:spPr>
+          <a:xfrm>
+            <a:off x="6905538" y="3095382"/>
+            <a:ext cx="1466967" cy="261610"/>
+          </a:xfrm>
+          <a:prstGeom prst="rect">
+            <a:avLst/>
+          </a:prstGeom>
+          <a:noFill/>
+        </p:spPr>
+        <p:txBody>
+          <a:bodyPr wrap="square" rtlCol="0">
+            <a:spAutoFit/>
+          </a:bodyPr>
+          <a:lstStyle/>
+          <a:p>
+            <a:r>
+              <a:rPr lang="ja-JP" altLang="en-US" sz="1100" dirty="0"/>
+              <a:t>⑧</a:t>
+            </a:r>
+            <a:r>
+              <a:rPr lang="ja-JP" altLang="en-US" sz="1100" dirty="0" smtClean="0"/>
+              <a:t>提出</a:t>
+            </a:r>
+            <a:r>
+              <a:rPr lang="ja-JP" altLang="en-US" sz="1100" dirty="0" smtClean="0"/>
+              <a:t>一覧表作成</a:t>
+            </a:r>
+            <a:endParaRPr lang="en-US" altLang="ja-JP" sz="1100" dirty="0" smtClean="0"/>
+          </a:p>
+        </p:txBody>
+      </p:sp>
+      <p:cxnSp>
+        <p:nvCxnSpPr>
+          <p:cNvPr id="2057" name="曲線コネクタ 2056"/>
+          <p:cNvCxnSpPr>
+            <a:stCxn id="72" idx="1"/>
+            <a:endCxn id="40" idx="1"/>
+          </p:cNvCxnSpPr>
+          <p:nvPr/>
+        </p:nvCxnSpPr>
+        <p:spPr>
+          <a:xfrm rot="10800000">
+            <a:off x="285136" y="2498809"/>
+            <a:ext cx="1190521" cy="2946789"/>
+          </a:xfrm>
+          <a:prstGeom prst="curvedConnector3">
+            <a:avLst>
+              <a:gd name="adj1" fmla="val 119202"/>
+            </a:avLst>
+          </a:prstGeom>
+          <a:ln>
+            <a:tailEnd type="triangle"/>
+          </a:ln>
+        </p:spPr>
+        <p:style>
+          <a:lnRef idx="2">
+            <a:schemeClr val="accent1"/>
+          </a:lnRef>
+          <a:fillRef idx="0">
+            <a:schemeClr val="accent1"/>
+          </a:fillRef>
+          <a:effectRef idx="1">
+            <a:schemeClr val="accent1"/>
+          </a:effectRef>
+          <a:fontRef idx="minor">
+            <a:schemeClr val="tx1"/>
+          </a:fontRef>
+        </p:style>
+      </p:cxnSp>
+      <p:pic>
+        <p:nvPicPr>
+          <p:cNvPr id="102" name="Picture 3" descr="C:\Users\panasonic.PC-PEWBA142657\AppData\Local\Microsoft\Windows\Temporary Internet Files\Content.IE5\0TBE10HT\gi01a201401282200[1].png"/>
+          <p:cNvPicPr>
+            <a:picLocks noChangeAspect="1" noChangeArrowheads="1"/>
+          </p:cNvPicPr>
+          <p:nvPr/>
+        </p:nvPicPr>
+        <p:blipFill>
+          <a:blip r:embed="rId7" cstate="print">
+            <a:duotone>
+              <a:prstClr val="black"/>
+              <a:schemeClr val="accent3">
+                <a:tint val="45000"/>
+                <a:satMod val="400000"/>
+              </a:schemeClr>
+            </a:duotone>
+            <a:extLst>
+              <a:ext uri="{BEBA8EAE-BF5A-486C-A8C5-ECC9F3942E4B}">
+                <a14:imgProps xmlns:a14="http://schemas.microsoft.com/office/drawing/2010/main">
+                  <a14:imgLayer r:embed="rId8">
+                    <a14:imgEffect>
+                      <a14:brightnessContrast contrast="-40000"/>
+                    </a14:imgEffect>
+                  </a14:imgLayer>
+                </a14:imgProps>
+              </a:ext>
+              <a:ext uri="{28A0092B-C50C-407E-A947-70E740481C1C}">
+                <a14:useLocalDpi xmlns:a14="http://schemas.microsoft.com/office/drawing/2010/main" val="0"/>
+              </a:ext>
+            </a:extLst>
+          </a:blip>
+          <a:srcRect/>
+          <a:stretch>
+            <a:fillRect/>
+          </a:stretch>
+        </p:blipFill>
+        <p:spPr bwMode="auto">
+          <a:xfrm>
+            <a:off x="597742" y="4208628"/>
+            <a:ext cx="248400" cy="214503"/>
+          </a:xfrm>
+          <a:prstGeom prst="rect">
+            <a:avLst/>
+          </a:prstGeom>
+          <a:noFill/>
+          <a:extLst>
+            <a:ext uri="{909E8E84-426E-40DD-AFC4-6F175D3DCCD1}">
+              <a14:hiddenFill xmlns:a14="http://schemas.microsoft.com/office/drawing/2010/main">
+                <a:solidFill>
+                  <a:srgbClr val="FFFFFF"/>
+                </a:solidFill>
+              </a14:hiddenFill>
+            </a:ext>
+          </a:extLst>
+        </p:spPr>
+      </p:pic>
+      <p:pic>
+        <p:nvPicPr>
+          <p:cNvPr id="108" name="Picture 3" descr="C:\Users\panasonic.PC-PEWBA142657\AppData\Local\Microsoft\Windows\Temporary Internet Files\Content.IE5\0TBE10HT\gi01a201401282200[1].png"/>
+          <p:cNvPicPr>
+            <a:picLocks noChangeAspect="1" noChangeArrowheads="1"/>
+          </p:cNvPicPr>
+          <p:nvPr/>
+        </p:nvPicPr>
+        <p:blipFill>
+          <a:blip r:embed="rId7" cstate="print">
+            <a:extLst>
+              <a:ext uri="{BEBA8EAE-BF5A-486C-A8C5-ECC9F3942E4B}">
+                <a14:imgProps xmlns:a14="http://schemas.microsoft.com/office/drawing/2010/main">
+                  <a14:imgLayer r:embed="rId8">
+                    <a14:imgEffect>
+                      <a14:brightnessContrast contrast="-40000"/>
+                    </a14:imgEffect>
+                  </a14:imgLayer>
+                </a14:imgProps>
+              </a:ext>
+              <a:ext uri="{28A0092B-C50C-407E-A947-70E740481C1C}">
+                <a14:useLocalDpi xmlns:a14="http://schemas.microsoft.com/office/drawing/2010/main" val="0"/>
+              </a:ext>
+            </a:extLst>
+          </a:blip>
+          <a:srcRect/>
+          <a:stretch>
+            <a:fillRect/>
+          </a:stretch>
+        </p:blipFill>
+        <p:spPr bwMode="auto">
+          <a:xfrm>
+            <a:off x="7812360" y="6238833"/>
+            <a:ext cx="248400" cy="214503"/>
+          </a:xfrm>
+          <a:prstGeom prst="rect">
+            <a:avLst/>
+          </a:prstGeom>
+          <a:noFill/>
+          <a:extLst>
+            <a:ext uri="{909E8E84-426E-40DD-AFC4-6F175D3DCCD1}">
+              <a14:hiddenFill xmlns:a14="http://schemas.microsoft.com/office/drawing/2010/main">
+                <a:solidFill>
+                  <a:srgbClr val="FFFFFF"/>
+                </a:solidFill>
+              </a14:hiddenFill>
+            </a:ext>
+          </a:extLst>
+        </p:spPr>
+      </p:pic>
+      <p:pic>
+        <p:nvPicPr>
+          <p:cNvPr id="109" name="Picture 3" descr="C:\Users\panasonic.PC-PEWBA142657\AppData\Local\Microsoft\Windows\Temporary Internet Files\Content.IE5\0TBE10HT\gi01a201401282200[1].png"/>
+          <p:cNvPicPr>
+            <a:picLocks noChangeAspect="1" noChangeArrowheads="1"/>
+          </p:cNvPicPr>
+          <p:nvPr/>
+        </p:nvPicPr>
+        <p:blipFill>
+          <a:blip r:embed="rId7" cstate="print">
+            <a:duotone>
+              <a:prstClr val="black"/>
+              <a:schemeClr val="accent3">
+                <a:tint val="45000"/>
+                <a:satMod val="400000"/>
+              </a:schemeClr>
+            </a:duotone>
+            <a:extLst>
+              <a:ext uri="{BEBA8EAE-BF5A-486C-A8C5-ECC9F3942E4B}">
+                <a14:imgProps xmlns:a14="http://schemas.microsoft.com/office/drawing/2010/main">
+                  <a14:imgLayer r:embed="rId8">
+                    <a14:imgEffect>
+                      <a14:brightnessContrast contrast="-40000"/>
+                    </a14:imgEffect>
+                  </a14:imgLayer>
+                </a14:imgProps>
+              </a:ext>
+              <a:ext uri="{28A0092B-C50C-407E-A947-70E740481C1C}">
+                <a14:useLocalDpi xmlns:a14="http://schemas.microsoft.com/office/drawing/2010/main" val="0"/>
+              </a:ext>
+            </a:extLst>
+          </a:blip>
+          <a:srcRect/>
+          <a:stretch>
+            <a:fillRect/>
+          </a:stretch>
+        </p:blipFill>
+        <p:spPr bwMode="auto">
+          <a:xfrm>
+            <a:off x="8460432" y="3392421"/>
+            <a:ext cx="248400" cy="214503"/>
+          </a:xfrm>
+          <a:prstGeom prst="rect">
+            <a:avLst/>
+          </a:prstGeom>
+          <a:noFill/>
+          <a:extLst>
+            <a:ext uri="{909E8E84-426E-40DD-AFC4-6F175D3DCCD1}">
+              <a14:hiddenFill xmlns:a14="http://schemas.microsoft.com/office/drawing/2010/main">
+                <a:solidFill>
+                  <a:srgbClr val="FFFFFF"/>
+                </a:solidFill>
+              </a14:hiddenFill>
+            </a:ext>
+          </a:extLst>
+        </p:spPr>
+      </p:pic>
+      <p:pic>
+        <p:nvPicPr>
+          <p:cNvPr id="110" name="Picture 3" descr="C:\Users\panasonic.PC-PEWBA142657\AppData\Local\Microsoft\Windows\Temporary Internet Files\Content.IE5\0TBE10HT\gi01a201401282200[1].png"/>
+          <p:cNvPicPr>
+            <a:picLocks noChangeAspect="1" noChangeArrowheads="1"/>
+          </p:cNvPicPr>
+          <p:nvPr/>
+        </p:nvPicPr>
+        <p:blipFill>
+          <a:blip r:embed="rId7" cstate="print">
+            <a:extLst>
+              <a:ext uri="{BEBA8EAE-BF5A-486C-A8C5-ECC9F3942E4B}">
+                <a14:imgProps xmlns:a14="http://schemas.microsoft.com/office/drawing/2010/main">
+                  <a14:imgLayer r:embed="rId8">
+                    <a14:imgEffect>
+                      <a14:brightnessContrast contrast="-40000"/>
+                    </a14:imgEffect>
+                  </a14:imgLayer>
+                </a14:imgProps>
+              </a:ext>
+              <a:ext uri="{28A0092B-C50C-407E-A947-70E740481C1C}">
+                <a14:useLocalDpi xmlns:a14="http://schemas.microsoft.com/office/drawing/2010/main" val="0"/>
+              </a:ext>
+            </a:extLst>
+          </a:blip>
+          <a:srcRect/>
+          <a:stretch>
+            <a:fillRect/>
+          </a:stretch>
+        </p:blipFill>
+        <p:spPr bwMode="auto">
+          <a:xfrm>
+            <a:off x="8068016" y="4222609"/>
+            <a:ext cx="248400" cy="214503"/>
+          </a:xfrm>
+          <a:prstGeom prst="rect">
+            <a:avLst/>
+          </a:prstGeom>
+          <a:noFill/>
+          <a:extLst>
+            <a:ext uri="{909E8E84-426E-40DD-AFC4-6F175D3DCCD1}">
+              <a14:hiddenFill xmlns:a14="http://schemas.microsoft.com/office/drawing/2010/main">
+                <a:solidFill>
+                  <a:srgbClr val="FFFFFF"/>
+                </a:solidFill>
+              </a14:hiddenFill>
+            </a:ext>
+          </a:extLst>
+        </p:spPr>
+      </p:pic>
+      <p:pic>
+        <p:nvPicPr>
+          <p:cNvPr id="111" name="Picture 3" descr="C:\Users\panasonic.PC-PEWBA142657\AppData\Local\Microsoft\Windows\Temporary Internet Files\Content.IE5\0TBE10HT\gi01a201401282200[1].png"/>
+          <p:cNvPicPr>
+            <a:picLocks noChangeAspect="1" noChangeArrowheads="1"/>
+          </p:cNvPicPr>
+          <p:nvPr/>
+        </p:nvPicPr>
+        <p:blipFill>
+          <a:blip r:embed="rId7" cstate="print">
+            <a:duotone>
+              <a:prstClr val="black"/>
+              <a:schemeClr val="accent3">
+                <a:tint val="45000"/>
+                <a:satMod val="400000"/>
+              </a:schemeClr>
+            </a:duotone>
+            <a:extLst>
+              <a:ext uri="{BEBA8EAE-BF5A-486C-A8C5-ECC9F3942E4B}">
+                <a14:imgProps xmlns:a14="http://schemas.microsoft.com/office/drawing/2010/main">
+                  <a14:imgLayer r:embed="rId8">
+                    <a14:imgEffect>
+                      <a14:brightnessContrast contrast="-40000"/>
+                    </a14:imgEffect>
+                  </a14:imgLayer>
+                </a14:imgProps>
+              </a:ext>
+              <a:ext uri="{28A0092B-C50C-407E-A947-70E740481C1C}">
+                <a14:useLocalDpi xmlns:a14="http://schemas.microsoft.com/office/drawing/2010/main" val="0"/>
+              </a:ext>
+            </a:extLst>
+          </a:blip>
+          <a:srcRect/>
+          <a:stretch>
+            <a:fillRect/>
+          </a:stretch>
+        </p:blipFill>
+        <p:spPr bwMode="auto">
+          <a:xfrm>
+            <a:off x="7812360" y="4222609"/>
+            <a:ext cx="248400" cy="214503"/>
+          </a:xfrm>
+          <a:prstGeom prst="rect">
+            <a:avLst/>
+          </a:prstGeom>
+          <a:noFill/>
+          <a:extLst>
+            <a:ext uri="{909E8E84-426E-40DD-AFC4-6F175D3DCCD1}">
+              <a14:hiddenFill xmlns:a14="http://schemas.microsoft.com/office/drawing/2010/main">
+                <a:solidFill>
+                  <a:srgbClr val="FFFFFF"/>
+                </a:solidFill>
+              </a14:hiddenFill>
+            </a:ext>
+          </a:extLst>
+        </p:spPr>
+      </p:pic>
+      <p:pic>
+        <p:nvPicPr>
+          <p:cNvPr id="112" name="Picture 3" descr="C:\Users\panasonic.PC-PEWBA142657\AppData\Local\Microsoft\Windows\Temporary Internet Files\Content.IE5\0TBE10HT\gi01a201401282200[1].png"/>
+          <p:cNvPicPr>
+            <a:picLocks noChangeAspect="1" noChangeArrowheads="1"/>
+          </p:cNvPicPr>
+          <p:nvPr/>
+        </p:nvPicPr>
+        <p:blipFill>
+          <a:blip r:embed="rId7" cstate="print">
+            <a:duotone>
+              <a:prstClr val="black"/>
+              <a:schemeClr val="accent3">
+                <a:tint val="45000"/>
+                <a:satMod val="400000"/>
+              </a:schemeClr>
+            </a:duotone>
+            <a:extLst>
+              <a:ext uri="{BEBA8EAE-BF5A-486C-A8C5-ECC9F3942E4B}">
+                <a14:imgProps xmlns:a14="http://schemas.microsoft.com/office/drawing/2010/main">
+                  <a14:imgLayer r:embed="rId8">
+                    <a14:imgEffect>
+                      <a14:brightnessContrast contrast="-40000"/>
+                    </a14:imgEffect>
+                  </a14:imgLayer>
+                </a14:imgProps>
+              </a:ext>
+              <a:ext uri="{28A0092B-C50C-407E-A947-70E740481C1C}">
+                <a14:useLocalDpi xmlns:a14="http://schemas.microsoft.com/office/drawing/2010/main" val="0"/>
+              </a:ext>
+            </a:extLst>
+          </a:blip>
+          <a:srcRect/>
+          <a:stretch>
+            <a:fillRect/>
+          </a:stretch>
+        </p:blipFill>
+        <p:spPr bwMode="auto">
+          <a:xfrm>
+            <a:off x="7018652" y="6238833"/>
+            <a:ext cx="248400" cy="214503"/>
+          </a:xfrm>
+          <a:prstGeom prst="rect">
+            <a:avLst/>
+          </a:prstGeom>
+          <a:noFill/>
+          <a:extLst>
+            <a:ext uri="{909E8E84-426E-40DD-AFC4-6F175D3DCCD1}">
+              <a14:hiddenFill xmlns:a14="http://schemas.microsoft.com/office/drawing/2010/main">
+                <a:solidFill>
+                  <a:srgbClr val="FFFFFF"/>
+                </a:solidFill>
+              </a14:hiddenFill>
+            </a:ext>
+          </a:extLst>
+        </p:spPr>
+      </p:pic>
+      <p:cxnSp>
+        <p:nvCxnSpPr>
+          <p:cNvPr id="117" name="直線矢印コネクタ 116"/>
+          <p:cNvCxnSpPr/>
+          <p:nvPr/>
+        </p:nvCxnSpPr>
+        <p:spPr>
+          <a:xfrm flipH="1">
+            <a:off x="6516217" y="5418520"/>
+            <a:ext cx="72007" cy="0"/>
+          </a:xfrm>
+          <a:prstGeom prst="straightConnector1">
+            <a:avLst/>
+          </a:prstGeom>
+          <a:ln w="38100">
+            <a:tailEnd type="arrow"/>
+          </a:ln>
+        </p:spPr>
+        <p:style>
+          <a:lnRef idx="2">
+            <a:schemeClr val="accent1"/>
+          </a:lnRef>
+          <a:fillRef idx="0">
+            <a:schemeClr val="accent1"/>
+          </a:fillRef>
+          <a:effectRef idx="1">
+            <a:schemeClr val="accent1"/>
+          </a:effectRef>
+          <a:fontRef idx="minor">
+            <a:schemeClr val="tx1"/>
+          </a:fontRef>
+        </p:style>
+      </p:cxnSp>
+      <p:pic>
+        <p:nvPicPr>
+          <p:cNvPr id="120" name="Picture 3" descr="C:\Users\panasonic.PC-PEWBA142657\AppData\Local\Microsoft\Windows\Temporary Internet Files\Content.IE5\0TBE10HT\gi01a201401282200[1].png"/>
+          <p:cNvPicPr>
+            <a:picLocks noChangeAspect="1" noChangeArrowheads="1"/>
+          </p:cNvPicPr>
+          <p:nvPr/>
+        </p:nvPicPr>
+        <p:blipFill>
+          <a:blip r:embed="rId7" cstate="print">
+            <a:duotone>
+              <a:prstClr val="black"/>
+              <a:schemeClr val="accent3">
+                <a:tint val="45000"/>
+                <a:satMod val="400000"/>
+              </a:schemeClr>
+            </a:duotone>
+            <a:extLst>
+              <a:ext uri="{BEBA8EAE-BF5A-486C-A8C5-ECC9F3942E4B}">
+                <a14:imgProps xmlns:a14="http://schemas.microsoft.com/office/drawing/2010/main">
+                  <a14:imgLayer r:embed="rId8">
+                    <a14:imgEffect>
+                      <a14:brightnessContrast contrast="-40000"/>
+                    </a14:imgEffect>
+                  </a14:imgLayer>
+                </a14:imgProps>
+              </a:ext>
+              <a:ext uri="{28A0092B-C50C-407E-A947-70E740481C1C}">
+                <a14:useLocalDpi xmlns:a14="http://schemas.microsoft.com/office/drawing/2010/main" val="0"/>
+              </a:ext>
+            </a:extLst>
+          </a:blip>
+          <a:srcRect/>
+          <a:stretch>
+            <a:fillRect/>
+          </a:stretch>
+        </p:blipFill>
+        <p:spPr bwMode="auto">
+          <a:xfrm>
+            <a:off x="5736815" y="6238833"/>
+            <a:ext cx="248400" cy="214503"/>
+          </a:xfrm>
+          <a:prstGeom prst="rect">
+            <a:avLst/>
+          </a:prstGeom>
+          <a:noFill/>
+          <a:extLst>
+            <a:ext uri="{909E8E84-426E-40DD-AFC4-6F175D3DCCD1}">
+              <a14:hiddenFill xmlns:a14="http://schemas.microsoft.com/office/drawing/2010/main">
+                <a:solidFill>
+                  <a:srgbClr val="FFFFFF"/>
+                </a:solidFill>
+              </a14:hiddenFill>
+            </a:ext>
+          </a:extLst>
+        </p:spPr>
+      </p:pic>
+      <p:cxnSp>
+        <p:nvCxnSpPr>
+          <p:cNvPr id="121" name="直線矢印コネクタ 120"/>
+          <p:cNvCxnSpPr/>
+          <p:nvPr/>
+        </p:nvCxnSpPr>
+        <p:spPr>
+          <a:xfrm flipH="1">
+            <a:off x="4932040" y="5418520"/>
+            <a:ext cx="72007" cy="0"/>
+          </a:xfrm>
+          <a:prstGeom prst="straightConnector1">
+            <a:avLst/>
+          </a:prstGeom>
+          <a:ln w="38100">
+            <a:tailEnd type="arrow"/>
+          </a:ln>
+        </p:spPr>
+        <p:style>
+          <a:lnRef idx="2">
+            <a:schemeClr val="accent1"/>
+          </a:lnRef>
+          <a:fillRef idx="0">
+            <a:schemeClr val="accent1"/>
+          </a:fillRef>
+          <a:effectRef idx="1">
+            <a:schemeClr val="accent1"/>
+          </a:effectRef>
+          <a:fontRef idx="minor">
+            <a:schemeClr val="tx1"/>
+          </a:fontRef>
+        </p:style>
+      </p:cxnSp>
+      <p:pic>
+        <p:nvPicPr>
+          <p:cNvPr id="126" name="Picture 3" descr="C:\Users\panasonic.PC-PEWBA142657\AppData\Local\Microsoft\Windows\Temporary Internet Files\Content.IE5\0TBE10HT\gi01a201401282200[1].png"/>
+          <p:cNvPicPr>
+            <a:picLocks noChangeAspect="1" noChangeArrowheads="1"/>
+          </p:cNvPicPr>
+          <p:nvPr/>
+        </p:nvPicPr>
+        <p:blipFill>
+          <a:blip r:embed="rId7" cstate="print">
+            <a:extLst>
+              <a:ext uri="{BEBA8EAE-BF5A-486C-A8C5-ECC9F3942E4B}">
+                <a14:imgProps xmlns:a14="http://schemas.microsoft.com/office/drawing/2010/main">
+                  <a14:imgLayer r:embed="rId8">
+                    <a14:imgEffect>
+                      <a14:brightnessContrast contrast="-40000"/>
+                    </a14:imgEffect>
+                  </a14:imgLayer>
+                </a14:imgProps>
+              </a:ext>
+              <a:ext uri="{28A0092B-C50C-407E-A947-70E740481C1C}">
+                <a14:useLocalDpi xmlns:a14="http://schemas.microsoft.com/office/drawing/2010/main" val="0"/>
+              </a:ext>
+            </a:extLst>
+          </a:blip>
+          <a:srcRect/>
+          <a:stretch>
+            <a:fillRect/>
+          </a:stretch>
+        </p:blipFill>
+        <p:spPr bwMode="auto">
+          <a:xfrm>
+            <a:off x="2235368" y="5877272"/>
+            <a:ext cx="248400" cy="214503"/>
+          </a:xfrm>
+          <a:prstGeom prst="rect">
+            <a:avLst/>
+          </a:prstGeom>
+          <a:noFill/>
+          <a:extLst>
+            <a:ext uri="{909E8E84-426E-40DD-AFC4-6F175D3DCCD1}">
+              <a14:hiddenFill xmlns:a14="http://schemas.microsoft.com/office/drawing/2010/main">
+                <a:solidFill>
+                  <a:srgbClr val="FFFFFF"/>
+                </a:solidFill>
+              </a14:hiddenFill>
+            </a:ext>
+          </a:extLst>
+        </p:spPr>
+      </p:pic>
+      <p:pic>
+        <p:nvPicPr>
+          <p:cNvPr id="127" name="Picture 3" descr="C:\Users\panasonic.PC-PEWBA142657\AppData\Local\Microsoft\Windows\Temporary Internet Files\Content.IE5\0TBE10HT\gi01a201401282200[1].png"/>
+          <p:cNvPicPr>
+            <a:picLocks noChangeAspect="1" noChangeArrowheads="1"/>
+          </p:cNvPicPr>
+          <p:nvPr/>
+        </p:nvPicPr>
+        <p:blipFill>
+          <a:blip r:embed="rId7" cstate="print">
+            <a:duotone>
+              <a:prstClr val="black"/>
+              <a:schemeClr val="accent3">
+                <a:tint val="45000"/>
+                <a:satMod val="400000"/>
+              </a:schemeClr>
+            </a:duotone>
+            <a:extLst>
+              <a:ext uri="{BEBA8EAE-BF5A-486C-A8C5-ECC9F3942E4B}">
+                <a14:imgProps xmlns:a14="http://schemas.microsoft.com/office/drawing/2010/main">
+                  <a14:imgLayer r:embed="rId8">
+                    <a14:imgEffect>
+                      <a14:brightnessContrast contrast="-40000"/>
+                    </a14:imgEffect>
+                  </a14:imgLayer>
+                </a14:imgProps>
+              </a:ext>
+              <a:ext uri="{28A0092B-C50C-407E-A947-70E740481C1C}">
+                <a14:useLocalDpi xmlns:a14="http://schemas.microsoft.com/office/drawing/2010/main" val="0"/>
+              </a:ext>
+            </a:extLst>
+          </a:blip>
+          <a:srcRect/>
+          <a:stretch>
+            <a:fillRect/>
+          </a:stretch>
+        </p:blipFill>
+        <p:spPr bwMode="auto">
+          <a:xfrm>
+            <a:off x="1899189" y="5877272"/>
+            <a:ext cx="248400" cy="214503"/>
+          </a:xfrm>
+          <a:prstGeom prst="rect">
+            <a:avLst/>
+          </a:prstGeom>
+          <a:noFill/>
+          <a:extLst>
+            <a:ext uri="{909E8E84-426E-40DD-AFC4-6F175D3DCCD1}">
+              <a14:hiddenFill xmlns:a14="http://schemas.microsoft.com/office/drawing/2010/main">
+                <a:solidFill>
+                  <a:srgbClr val="FFFFFF"/>
+                </a:solidFill>
+              </a14:hiddenFill>
+            </a:ext>
+          </a:extLst>
+        </p:spPr>
+      </p:pic>
+      <p:pic>
+        <p:nvPicPr>
+          <p:cNvPr id="128" name="Picture 3" descr="C:\Users\panasonic.PC-PEWBA142657\AppData\Local\Microsoft\Windows\Temporary Internet Files\Content.IE5\0TBE10HT\gi01a201401282200[1].png"/>
+          <p:cNvPicPr>
+            <a:picLocks noChangeAspect="1" noChangeArrowheads="1"/>
+          </p:cNvPicPr>
+          <p:nvPr/>
+        </p:nvPicPr>
+        <p:blipFill>
+          <a:blip r:embed="rId7" cstate="print">
+            <a:duotone>
+              <a:prstClr val="black"/>
+              <a:schemeClr val="accent3">
+                <a:tint val="45000"/>
+                <a:satMod val="400000"/>
+              </a:schemeClr>
+            </a:duotone>
+            <a:extLst>
+              <a:ext uri="{BEBA8EAE-BF5A-486C-A8C5-ECC9F3942E4B}">
+                <a14:imgProps xmlns:a14="http://schemas.microsoft.com/office/drawing/2010/main">
+                  <a14:imgLayer r:embed="rId8">
+                    <a14:imgEffect>
+                      <a14:brightnessContrast contrast="-40000"/>
+                    </a14:imgEffect>
+                  </a14:imgLayer>
+                </a14:imgProps>
+              </a:ext>
+              <a:ext uri="{28A0092B-C50C-407E-A947-70E740481C1C}">
+                <a14:useLocalDpi xmlns:a14="http://schemas.microsoft.com/office/drawing/2010/main" val="0"/>
+              </a:ext>
+            </a:extLst>
+          </a:blip>
+          <a:srcRect/>
+          <a:stretch>
+            <a:fillRect/>
+          </a:stretch>
+        </p:blipFill>
+        <p:spPr bwMode="auto">
+          <a:xfrm>
+            <a:off x="3923929" y="5877272"/>
+            <a:ext cx="248400" cy="214503"/>
+          </a:xfrm>
+          <a:prstGeom prst="rect">
+            <a:avLst/>
+          </a:prstGeom>
+          <a:noFill/>
+          <a:extLst>
+            <a:ext uri="{909E8E84-426E-40DD-AFC4-6F175D3DCCD1}">
+              <a14:hiddenFill xmlns:a14="http://schemas.microsoft.com/office/drawing/2010/main">
+                <a:solidFill>
+                  <a:srgbClr val="FFFFFF"/>
+                </a:solidFill>
+              </a14:hiddenFill>
+            </a:ext>
+          </a:extLst>
+        </p:spPr>
+      </p:pic>
+      <p:pic>
+        <p:nvPicPr>
+          <p:cNvPr id="129" name="Picture 3" descr="C:\Users\panasonic.PC-PEWBA142657\AppData\Local\Microsoft\Windows\Temporary Internet Files\Content.IE5\0TBE10HT\gi01a201401282200[1].png"/>
+          <p:cNvPicPr>
+            <a:picLocks noChangeAspect="1" noChangeArrowheads="1"/>
+          </p:cNvPicPr>
+          <p:nvPr/>
+        </p:nvPicPr>
+        <p:blipFill>
+          <a:blip r:embed="rId7" cstate="print">
+            <a:extLst>
+              <a:ext uri="{BEBA8EAE-BF5A-486C-A8C5-ECC9F3942E4B}">
+                <a14:imgProps xmlns:a14="http://schemas.microsoft.com/office/drawing/2010/main">
+                  <a14:imgLayer r:embed="rId8">
+                    <a14:imgEffect>
+                      <a14:brightnessContrast contrast="-40000"/>
+                    </a14:imgEffect>
+                  </a14:imgLayer>
+                </a14:imgProps>
+              </a:ext>
+              <a:ext uri="{28A0092B-C50C-407E-A947-70E740481C1C}">
+                <a14:useLocalDpi xmlns:a14="http://schemas.microsoft.com/office/drawing/2010/main" val="0"/>
+              </a:ext>
+            </a:extLst>
+          </a:blip>
+          <a:srcRect/>
+          <a:stretch>
+            <a:fillRect/>
+          </a:stretch>
+        </p:blipFill>
+        <p:spPr bwMode="auto">
+          <a:xfrm>
+            <a:off x="4218516" y="5877272"/>
+            <a:ext cx="248400" cy="214503"/>
+          </a:xfrm>
+          <a:prstGeom prst="rect">
+            <a:avLst/>
+          </a:prstGeom>
+          <a:noFill/>
+          <a:extLst>
+            <a:ext uri="{909E8E84-426E-40DD-AFC4-6F175D3DCCD1}">
+              <a14:hiddenFill xmlns:a14="http://schemas.microsoft.com/office/drawing/2010/main">
+                <a:solidFill>
+                  <a:srgbClr val="FFFFFF"/>
+                </a:solidFill>
+              </a14:hiddenFill>
+            </a:ext>
+          </a:extLst>
+        </p:spPr>
+      </p:pic>
+      <p:cxnSp>
+        <p:nvCxnSpPr>
+          <p:cNvPr id="130" name="直線矢印コネクタ 129"/>
+          <p:cNvCxnSpPr/>
+          <p:nvPr/>
+        </p:nvCxnSpPr>
+        <p:spPr>
+          <a:xfrm flipH="1" flipV="1">
+            <a:off x="2771800" y="5418334"/>
+            <a:ext cx="792088" cy="372"/>
+          </a:xfrm>
+          <a:prstGeom prst="straightConnector1">
+            <a:avLst/>
+          </a:prstGeom>
+          <a:ln w="38100">
+            <a:tailEnd type="arrow"/>
+          </a:ln>
+        </p:spPr>
+        <p:style>
+          <a:lnRef idx="2">
+            <a:schemeClr val="accent1"/>
+          </a:lnRef>
+          <a:fillRef idx="0">
+            <a:schemeClr val="accent1"/>
+          </a:fillRef>
+          <a:effectRef idx="1">
+            <a:schemeClr val="accent1"/>
+          </a:effectRef>
+          <a:fontRef idx="minor">
+            <a:schemeClr val="tx1"/>
+          </a:fontRef>
+        </p:style>
+      </p:cxnSp>
+      <p:sp>
+        <p:nvSpPr>
+          <p:cNvPr id="133" name="テキスト ボックス 132"/>
+          <p:cNvSpPr txBox="1"/>
+          <p:nvPr/>
+        </p:nvSpPr>
+        <p:spPr>
+          <a:xfrm>
+            <a:off x="2686814" y="5085184"/>
+            <a:ext cx="1165106" cy="261610"/>
+          </a:xfrm>
+          <a:prstGeom prst="rect">
+            <a:avLst/>
+          </a:prstGeom>
+          <a:noFill/>
+        </p:spPr>
+        <p:txBody>
+          <a:bodyPr wrap="square" rtlCol="0">
+            <a:spAutoFit/>
+          </a:bodyPr>
+          <a:lstStyle/>
+          <a:p>
+            <a:r>
+              <a:rPr lang="ja-JP" altLang="en-US" sz="1100" dirty="0" smtClean="0"/>
+              <a:t>社内便で郵送</a:t>
+            </a:r>
+            <a:endParaRPr lang="en-US" altLang="ja-JP" sz="1100" dirty="0" smtClean="0"/>
+          </a:p>
+        </p:txBody>
+      </p:sp>
+      <p:sp>
+        <p:nvSpPr>
+          <p:cNvPr id="16" name="フリーフォーム 15"/>
           <p:cNvSpPr/>
           <p:nvPr/>
         </p:nvSpPr>
         <p:spPr>
           <a:xfrm>
-            <a:off x="35496" y="1030597"/>
-            <a:ext cx="8383154" cy="5494747"/>
+            <a:off x="50104" y="1089764"/>
+            <a:ext cx="8806534" cy="2643014"/>
           </a:xfrm>
           <a:custGeom>
             <a:avLst/>
             <a:gdLst>
-              <a:gd name="connsiteX0" fmla="*/ 618777 w 8455162"/>
-              <a:gd name="connsiteY0" fmla="*/ 339130 h 5541945"/>
-              <a:gd name="connsiteX1" fmla="*/ 8028570 w 8455162"/>
-              <a:gd name="connsiteY1" fmla="*/ 381171 h 5541945"/>
-              <a:gd name="connsiteX2" fmla="*/ 7387439 w 8455162"/>
-              <a:gd name="connsiteY2" fmla="*/ 3597337 h 5541945"/>
-              <a:gd name="connsiteX3" fmla="*/ 5979053 w 8455162"/>
-              <a:gd name="connsiteY3" fmla="*/ 3860095 h 5541945"/>
-              <a:gd name="connsiteX4" fmla="*/ 5611191 w 8455162"/>
-              <a:gd name="connsiteY4" fmla="*/ 5215930 h 5541945"/>
-              <a:gd name="connsiteX5" fmla="*/ 4476074 w 8455162"/>
-              <a:gd name="connsiteY5" fmla="*/ 5384095 h 5541945"/>
-              <a:gd name="connsiteX6" fmla="*/ 4223825 w 8455162"/>
-              <a:gd name="connsiteY6" fmla="*/ 3261006 h 5541945"/>
-              <a:gd name="connsiteX7" fmla="*/ 828984 w 8455162"/>
-              <a:gd name="connsiteY7" fmla="*/ 2882633 h 5541945"/>
-              <a:gd name="connsiteX8" fmla="*/ 618777 w 8455162"/>
-              <a:gd name="connsiteY8" fmla="*/ 339130 h 5541945"/>
+              <a:gd name="connsiteX0" fmla="*/ 263047 w 8806534"/>
+              <a:gd name="connsiteY0" fmla="*/ 162839 h 2643014"/>
+              <a:gd name="connsiteX1" fmla="*/ 713984 w 8806534"/>
+              <a:gd name="connsiteY1" fmla="*/ 162839 h 2643014"/>
+              <a:gd name="connsiteX2" fmla="*/ 814192 w 8806534"/>
+              <a:gd name="connsiteY2" fmla="*/ 200417 h 2643014"/>
+              <a:gd name="connsiteX3" fmla="*/ 1215025 w 8806534"/>
+              <a:gd name="connsiteY3" fmla="*/ 237995 h 2643014"/>
+              <a:gd name="connsiteX4" fmla="*/ 1377863 w 8806534"/>
+              <a:gd name="connsiteY4" fmla="*/ 263047 h 2643014"/>
+              <a:gd name="connsiteX5" fmla="*/ 1553228 w 8806534"/>
+              <a:gd name="connsiteY5" fmla="*/ 288099 h 2643014"/>
+              <a:gd name="connsiteX6" fmla="*/ 1753644 w 8806534"/>
+              <a:gd name="connsiteY6" fmla="*/ 300625 h 2643014"/>
+              <a:gd name="connsiteX7" fmla="*/ 2066795 w 8806534"/>
+              <a:gd name="connsiteY7" fmla="*/ 250521 h 2643014"/>
+              <a:gd name="connsiteX8" fmla="*/ 2167003 w 8806534"/>
+              <a:gd name="connsiteY8" fmla="*/ 212943 h 2643014"/>
+              <a:gd name="connsiteX9" fmla="*/ 2267211 w 8806534"/>
+              <a:gd name="connsiteY9" fmla="*/ 175365 h 2643014"/>
+              <a:gd name="connsiteX10" fmla="*/ 2517732 w 8806534"/>
+              <a:gd name="connsiteY10" fmla="*/ 150313 h 2643014"/>
+              <a:gd name="connsiteX11" fmla="*/ 2743200 w 8806534"/>
+              <a:gd name="connsiteY11" fmla="*/ 112735 h 2643014"/>
+              <a:gd name="connsiteX12" fmla="*/ 2956143 w 8806534"/>
+              <a:gd name="connsiteY12" fmla="*/ 87683 h 2643014"/>
+              <a:gd name="connsiteX13" fmla="*/ 3006247 w 8806534"/>
+              <a:gd name="connsiteY13" fmla="*/ 75157 h 2643014"/>
+              <a:gd name="connsiteX14" fmla="*/ 3707704 w 8806534"/>
+              <a:gd name="connsiteY14" fmla="*/ 25052 h 2643014"/>
+              <a:gd name="connsiteX15" fmla="*/ 4258849 w 8806534"/>
+              <a:gd name="connsiteY15" fmla="*/ 50104 h 2643014"/>
+              <a:gd name="connsiteX16" fmla="*/ 4622104 w 8806534"/>
+              <a:gd name="connsiteY16" fmla="*/ 87683 h 2643014"/>
+              <a:gd name="connsiteX17" fmla="*/ 4722312 w 8806534"/>
+              <a:gd name="connsiteY17" fmla="*/ 112735 h 2643014"/>
+              <a:gd name="connsiteX18" fmla="*/ 5035463 w 8806534"/>
+              <a:gd name="connsiteY18" fmla="*/ 225469 h 2643014"/>
+              <a:gd name="connsiteX19" fmla="*/ 5336088 w 8806534"/>
+              <a:gd name="connsiteY19" fmla="*/ 250521 h 2643014"/>
+              <a:gd name="connsiteX20" fmla="*/ 5686817 w 8806534"/>
+              <a:gd name="connsiteY20" fmla="*/ 200417 h 2643014"/>
+              <a:gd name="connsiteX21" fmla="*/ 6012493 w 8806534"/>
+              <a:gd name="connsiteY21" fmla="*/ 87683 h 2643014"/>
+              <a:gd name="connsiteX22" fmla="*/ 6263014 w 8806534"/>
+              <a:gd name="connsiteY22" fmla="*/ 12526 h 2643014"/>
+              <a:gd name="connsiteX23" fmla="*/ 6475956 w 8806534"/>
+              <a:gd name="connsiteY23" fmla="*/ 0 h 2643014"/>
+              <a:gd name="connsiteX24" fmla="*/ 7240044 w 8806534"/>
+              <a:gd name="connsiteY24" fmla="*/ 62631 h 2643014"/>
+              <a:gd name="connsiteX25" fmla="*/ 8091814 w 8806534"/>
+              <a:gd name="connsiteY25" fmla="*/ 50104 h 2643014"/>
+              <a:gd name="connsiteX26" fmla="*/ 8254652 w 8806534"/>
+              <a:gd name="connsiteY26" fmla="*/ 112735 h 2643014"/>
+              <a:gd name="connsiteX27" fmla="*/ 8379912 w 8806534"/>
+              <a:gd name="connsiteY27" fmla="*/ 450937 h 2643014"/>
+              <a:gd name="connsiteX28" fmla="*/ 8392438 w 8806534"/>
+              <a:gd name="connsiteY28" fmla="*/ 676406 h 2643014"/>
+              <a:gd name="connsiteX29" fmla="*/ 8430017 w 8806534"/>
+              <a:gd name="connsiteY29" fmla="*/ 776614 h 2643014"/>
+              <a:gd name="connsiteX30" fmla="*/ 8505173 w 8806534"/>
+              <a:gd name="connsiteY30" fmla="*/ 1064713 h 2643014"/>
+              <a:gd name="connsiteX31" fmla="*/ 8668011 w 8806534"/>
+              <a:gd name="connsiteY31" fmla="*/ 1528176 h 2643014"/>
+              <a:gd name="connsiteX32" fmla="*/ 8718115 w 8806534"/>
+              <a:gd name="connsiteY32" fmla="*/ 1691014 h 2643014"/>
+              <a:gd name="connsiteX33" fmla="*/ 8743167 w 8806534"/>
+              <a:gd name="connsiteY33" fmla="*/ 1741118 h 2643014"/>
+              <a:gd name="connsiteX34" fmla="*/ 8805797 w 8806534"/>
+              <a:gd name="connsiteY34" fmla="*/ 2004165 h 2643014"/>
+              <a:gd name="connsiteX35" fmla="*/ 8793271 w 8806534"/>
+              <a:gd name="connsiteY35" fmla="*/ 2129425 h 2643014"/>
+              <a:gd name="connsiteX36" fmla="*/ 8605381 w 8806534"/>
+              <a:gd name="connsiteY36" fmla="*/ 2242159 h 2643014"/>
+              <a:gd name="connsiteX37" fmla="*/ 8442543 w 8806534"/>
+              <a:gd name="connsiteY37" fmla="*/ 2254685 h 2643014"/>
+              <a:gd name="connsiteX38" fmla="*/ 8129392 w 8806534"/>
+              <a:gd name="connsiteY38" fmla="*/ 2292263 h 2643014"/>
+              <a:gd name="connsiteX39" fmla="*/ 7653403 w 8806534"/>
+              <a:gd name="connsiteY39" fmla="*/ 2317315 h 2643014"/>
+              <a:gd name="connsiteX40" fmla="*/ 7340252 w 8806534"/>
+              <a:gd name="connsiteY40" fmla="*/ 2304789 h 2643014"/>
+              <a:gd name="connsiteX41" fmla="*/ 7189940 w 8806534"/>
+              <a:gd name="connsiteY41" fmla="*/ 2254685 h 2643014"/>
+              <a:gd name="connsiteX42" fmla="*/ 7039628 w 8806534"/>
+              <a:gd name="connsiteY42" fmla="*/ 2229633 h 2643014"/>
+              <a:gd name="connsiteX43" fmla="*/ 6613743 w 8806534"/>
+              <a:gd name="connsiteY43" fmla="*/ 2279737 h 2643014"/>
+              <a:gd name="connsiteX44" fmla="*/ 6488482 w 8806534"/>
+              <a:gd name="connsiteY44" fmla="*/ 2317315 h 2643014"/>
+              <a:gd name="connsiteX45" fmla="*/ 6325644 w 8806534"/>
+              <a:gd name="connsiteY45" fmla="*/ 2354894 h 2643014"/>
+              <a:gd name="connsiteX46" fmla="*/ 5949863 w 8806534"/>
+              <a:gd name="connsiteY46" fmla="*/ 2354894 h 2643014"/>
+              <a:gd name="connsiteX47" fmla="*/ 5386192 w 8806534"/>
+              <a:gd name="connsiteY47" fmla="*/ 2567836 h 2643014"/>
+              <a:gd name="connsiteX48" fmla="*/ 5123145 w 8806534"/>
+              <a:gd name="connsiteY48" fmla="*/ 2580362 h 2643014"/>
+              <a:gd name="connsiteX49" fmla="*/ 3832964 w 8806534"/>
+              <a:gd name="connsiteY49" fmla="*/ 2617940 h 2643014"/>
+              <a:gd name="connsiteX50" fmla="*/ 3670126 w 8806534"/>
+              <a:gd name="connsiteY50" fmla="*/ 2630466 h 2643014"/>
+              <a:gd name="connsiteX51" fmla="*/ 3594970 w 8806534"/>
+              <a:gd name="connsiteY51" fmla="*/ 2642992 h 2643014"/>
+              <a:gd name="connsiteX52" fmla="*/ 3106455 w 8806534"/>
+              <a:gd name="connsiteY52" fmla="*/ 2617940 h 2643014"/>
+              <a:gd name="connsiteX53" fmla="*/ 2693096 w 8806534"/>
+              <a:gd name="connsiteY53" fmla="*/ 2492680 h 2643014"/>
+              <a:gd name="connsiteX54" fmla="*/ 2404997 w 8806534"/>
+              <a:gd name="connsiteY54" fmla="*/ 2455102 h 2643014"/>
+              <a:gd name="connsiteX55" fmla="*/ 2054269 w 8806534"/>
+              <a:gd name="connsiteY55" fmla="*/ 2392472 h 2643014"/>
+              <a:gd name="connsiteX56" fmla="*/ 1753644 w 8806534"/>
+              <a:gd name="connsiteY56" fmla="*/ 2379946 h 2643014"/>
+              <a:gd name="connsiteX57" fmla="*/ 1402915 w 8806534"/>
+              <a:gd name="connsiteY57" fmla="*/ 2455102 h 2643014"/>
+              <a:gd name="connsiteX58" fmla="*/ 1340285 w 8806534"/>
+              <a:gd name="connsiteY58" fmla="*/ 2467628 h 2643014"/>
+              <a:gd name="connsiteX59" fmla="*/ 1014608 w 8806534"/>
+              <a:gd name="connsiteY59" fmla="*/ 2580362 h 2643014"/>
+              <a:gd name="connsiteX60" fmla="*/ 751562 w 8806534"/>
+              <a:gd name="connsiteY60" fmla="*/ 2605414 h 2643014"/>
+              <a:gd name="connsiteX61" fmla="*/ 513567 w 8806534"/>
+              <a:gd name="connsiteY61" fmla="*/ 2580362 h 2643014"/>
+              <a:gd name="connsiteX62" fmla="*/ 413359 w 8806534"/>
+              <a:gd name="connsiteY62" fmla="*/ 2417524 h 2643014"/>
+              <a:gd name="connsiteX63" fmla="*/ 375781 w 8806534"/>
+              <a:gd name="connsiteY63" fmla="*/ 2329841 h 2643014"/>
+              <a:gd name="connsiteX64" fmla="*/ 313151 w 8806534"/>
+              <a:gd name="connsiteY64" fmla="*/ 2192055 h 2643014"/>
+              <a:gd name="connsiteX65" fmla="*/ 288099 w 8806534"/>
+              <a:gd name="connsiteY65" fmla="*/ 2104373 h 2643014"/>
+              <a:gd name="connsiteX66" fmla="*/ 275573 w 8806534"/>
+              <a:gd name="connsiteY66" fmla="*/ 2066795 h 2643014"/>
+              <a:gd name="connsiteX67" fmla="*/ 288099 w 8806534"/>
+              <a:gd name="connsiteY67" fmla="*/ 1741118 h 2643014"/>
+              <a:gd name="connsiteX68" fmla="*/ 313151 w 8806534"/>
+              <a:gd name="connsiteY68" fmla="*/ 1628384 h 2643014"/>
+              <a:gd name="connsiteX69" fmla="*/ 275573 w 8806534"/>
+              <a:gd name="connsiteY69" fmla="*/ 1202499 h 2643014"/>
+              <a:gd name="connsiteX70" fmla="*/ 225469 w 8806534"/>
+              <a:gd name="connsiteY70" fmla="*/ 1089765 h 2643014"/>
+              <a:gd name="connsiteX71" fmla="*/ 125260 w 8806534"/>
+              <a:gd name="connsiteY71" fmla="*/ 814192 h 2643014"/>
+              <a:gd name="connsiteX72" fmla="*/ 87682 w 8806534"/>
+              <a:gd name="connsiteY72" fmla="*/ 726510 h 2643014"/>
+              <a:gd name="connsiteX73" fmla="*/ 37578 w 8806534"/>
+              <a:gd name="connsiteY73" fmla="*/ 626302 h 2643014"/>
+              <a:gd name="connsiteX74" fmla="*/ 0 w 8806534"/>
+              <a:gd name="connsiteY74" fmla="*/ 463463 h 2643014"/>
+              <a:gd name="connsiteX75" fmla="*/ 75156 w 8806534"/>
+              <a:gd name="connsiteY75" fmla="*/ 313151 h 2643014"/>
+              <a:gd name="connsiteX76" fmla="*/ 112734 w 8806534"/>
+              <a:gd name="connsiteY76" fmla="*/ 288099 h 2643014"/>
+              <a:gd name="connsiteX77" fmla="*/ 250521 w 8806534"/>
+              <a:gd name="connsiteY77" fmla="*/ 225469 h 2643014"/>
+              <a:gd name="connsiteX78" fmla="*/ 325677 w 8806534"/>
+              <a:gd name="connsiteY78" fmla="*/ 175365 h 2643014"/>
             </a:gdLst>
             <a:ahLst/>
             <a:cxnLst>
@@ -41125,71 +45608,621 @@
               <a:cxn ang="0">
                 <a:pos x="connsiteX8" y="connsiteY8"/>
               </a:cxn>
+              <a:cxn ang="0">
+                <a:pos x="connsiteX9" y="connsiteY9"/>
+              </a:cxn>
+              <a:cxn ang="0">
+                <a:pos x="connsiteX10" y="connsiteY10"/>
+              </a:cxn>
+              <a:cxn ang="0">
+                <a:pos x="connsiteX11" y="connsiteY11"/>
+              </a:cxn>
+              <a:cxn ang="0">
+                <a:pos x="connsiteX12" y="connsiteY12"/>
+              </a:cxn>
+              <a:cxn ang="0">
+                <a:pos x="connsiteX13" y="connsiteY13"/>
+              </a:cxn>
+              <a:cxn ang="0">
+                <a:pos x="connsiteX14" y="connsiteY14"/>
+              </a:cxn>
+              <a:cxn ang="0">
+                <a:pos x="connsiteX15" y="connsiteY15"/>
+              </a:cxn>
+              <a:cxn ang="0">
+                <a:pos x="connsiteX16" y="connsiteY16"/>
+              </a:cxn>
+              <a:cxn ang="0">
+                <a:pos x="connsiteX17" y="connsiteY17"/>
+              </a:cxn>
+              <a:cxn ang="0">
+                <a:pos x="connsiteX18" y="connsiteY18"/>
+              </a:cxn>
+              <a:cxn ang="0">
+                <a:pos x="connsiteX19" y="connsiteY19"/>
+              </a:cxn>
+              <a:cxn ang="0">
+                <a:pos x="connsiteX20" y="connsiteY20"/>
+              </a:cxn>
+              <a:cxn ang="0">
+                <a:pos x="connsiteX21" y="connsiteY21"/>
+              </a:cxn>
+              <a:cxn ang="0">
+                <a:pos x="connsiteX22" y="connsiteY22"/>
+              </a:cxn>
+              <a:cxn ang="0">
+                <a:pos x="connsiteX23" y="connsiteY23"/>
+              </a:cxn>
+              <a:cxn ang="0">
+                <a:pos x="connsiteX24" y="connsiteY24"/>
+              </a:cxn>
+              <a:cxn ang="0">
+                <a:pos x="connsiteX25" y="connsiteY25"/>
+              </a:cxn>
+              <a:cxn ang="0">
+                <a:pos x="connsiteX26" y="connsiteY26"/>
+              </a:cxn>
+              <a:cxn ang="0">
+                <a:pos x="connsiteX27" y="connsiteY27"/>
+              </a:cxn>
+              <a:cxn ang="0">
+                <a:pos x="connsiteX28" y="connsiteY28"/>
+              </a:cxn>
+              <a:cxn ang="0">
+                <a:pos x="connsiteX29" y="connsiteY29"/>
+              </a:cxn>
+              <a:cxn ang="0">
+                <a:pos x="connsiteX30" y="connsiteY30"/>
+              </a:cxn>
+              <a:cxn ang="0">
+                <a:pos x="connsiteX31" y="connsiteY31"/>
+              </a:cxn>
+              <a:cxn ang="0">
+                <a:pos x="connsiteX32" y="connsiteY32"/>
+              </a:cxn>
+              <a:cxn ang="0">
+                <a:pos x="connsiteX33" y="connsiteY33"/>
+              </a:cxn>
+              <a:cxn ang="0">
+                <a:pos x="connsiteX34" y="connsiteY34"/>
+              </a:cxn>
+              <a:cxn ang="0">
+                <a:pos x="connsiteX35" y="connsiteY35"/>
+              </a:cxn>
+              <a:cxn ang="0">
+                <a:pos x="connsiteX36" y="connsiteY36"/>
+              </a:cxn>
+              <a:cxn ang="0">
+                <a:pos x="connsiteX37" y="connsiteY37"/>
+              </a:cxn>
+              <a:cxn ang="0">
+                <a:pos x="connsiteX38" y="connsiteY38"/>
+              </a:cxn>
+              <a:cxn ang="0">
+                <a:pos x="connsiteX39" y="connsiteY39"/>
+              </a:cxn>
+              <a:cxn ang="0">
+                <a:pos x="connsiteX40" y="connsiteY40"/>
+              </a:cxn>
+              <a:cxn ang="0">
+                <a:pos x="connsiteX41" y="connsiteY41"/>
+              </a:cxn>
+              <a:cxn ang="0">
+                <a:pos x="connsiteX42" y="connsiteY42"/>
+              </a:cxn>
+              <a:cxn ang="0">
+                <a:pos x="connsiteX43" y="connsiteY43"/>
+              </a:cxn>
+              <a:cxn ang="0">
+                <a:pos x="connsiteX44" y="connsiteY44"/>
+              </a:cxn>
+              <a:cxn ang="0">
+                <a:pos x="connsiteX45" y="connsiteY45"/>
+              </a:cxn>
+              <a:cxn ang="0">
+                <a:pos x="connsiteX46" y="connsiteY46"/>
+              </a:cxn>
+              <a:cxn ang="0">
+                <a:pos x="connsiteX47" y="connsiteY47"/>
+              </a:cxn>
+              <a:cxn ang="0">
+                <a:pos x="connsiteX48" y="connsiteY48"/>
+              </a:cxn>
+              <a:cxn ang="0">
+                <a:pos x="connsiteX49" y="connsiteY49"/>
+              </a:cxn>
+              <a:cxn ang="0">
+                <a:pos x="connsiteX50" y="connsiteY50"/>
+              </a:cxn>
+              <a:cxn ang="0">
+                <a:pos x="connsiteX51" y="connsiteY51"/>
+              </a:cxn>
+              <a:cxn ang="0">
+                <a:pos x="connsiteX52" y="connsiteY52"/>
+              </a:cxn>
+              <a:cxn ang="0">
+                <a:pos x="connsiteX53" y="connsiteY53"/>
+              </a:cxn>
+              <a:cxn ang="0">
+                <a:pos x="connsiteX54" y="connsiteY54"/>
+              </a:cxn>
+              <a:cxn ang="0">
+                <a:pos x="connsiteX55" y="connsiteY55"/>
+              </a:cxn>
+              <a:cxn ang="0">
+                <a:pos x="connsiteX56" y="connsiteY56"/>
+              </a:cxn>
+              <a:cxn ang="0">
+                <a:pos x="connsiteX57" y="connsiteY57"/>
+              </a:cxn>
+              <a:cxn ang="0">
+                <a:pos x="connsiteX58" y="connsiteY58"/>
+              </a:cxn>
+              <a:cxn ang="0">
+                <a:pos x="connsiteX59" y="connsiteY59"/>
+              </a:cxn>
+              <a:cxn ang="0">
+                <a:pos x="connsiteX60" y="connsiteY60"/>
+              </a:cxn>
+              <a:cxn ang="0">
+                <a:pos x="connsiteX61" y="connsiteY61"/>
+              </a:cxn>
+              <a:cxn ang="0">
+                <a:pos x="connsiteX62" y="connsiteY62"/>
+              </a:cxn>
+              <a:cxn ang="0">
+                <a:pos x="connsiteX63" y="connsiteY63"/>
+              </a:cxn>
+              <a:cxn ang="0">
+                <a:pos x="connsiteX64" y="connsiteY64"/>
+              </a:cxn>
+              <a:cxn ang="0">
+                <a:pos x="connsiteX65" y="connsiteY65"/>
+              </a:cxn>
+              <a:cxn ang="0">
+                <a:pos x="connsiteX66" y="connsiteY66"/>
+              </a:cxn>
+              <a:cxn ang="0">
+                <a:pos x="connsiteX67" y="connsiteY67"/>
+              </a:cxn>
+              <a:cxn ang="0">
+                <a:pos x="connsiteX68" y="connsiteY68"/>
+              </a:cxn>
+              <a:cxn ang="0">
+                <a:pos x="connsiteX69" y="connsiteY69"/>
+              </a:cxn>
+              <a:cxn ang="0">
+                <a:pos x="connsiteX70" y="connsiteY70"/>
+              </a:cxn>
+              <a:cxn ang="0">
+                <a:pos x="connsiteX71" y="connsiteY71"/>
+              </a:cxn>
+              <a:cxn ang="0">
+                <a:pos x="connsiteX72" y="connsiteY72"/>
+              </a:cxn>
+              <a:cxn ang="0">
+                <a:pos x="connsiteX73" y="connsiteY73"/>
+              </a:cxn>
+              <a:cxn ang="0">
+                <a:pos x="connsiteX74" y="connsiteY74"/>
+              </a:cxn>
+              <a:cxn ang="0">
+                <a:pos x="connsiteX75" y="connsiteY75"/>
+              </a:cxn>
+              <a:cxn ang="0">
+                <a:pos x="connsiteX76" y="connsiteY76"/>
+              </a:cxn>
+              <a:cxn ang="0">
+                <a:pos x="connsiteX77" y="connsiteY77"/>
+              </a:cxn>
+              <a:cxn ang="0">
+                <a:pos x="connsiteX78" y="connsiteY78"/>
+              </a:cxn>
             </a:cxnLst>
             <a:rect l="l" t="t" r="r" b="b"/>
             <a:pathLst>
-              <a:path w="8455162" h="5541945">
+              <a:path w="8806534" h="2643014">
                 <a:moveTo>
-                  <a:pt x="618777" y="339130"/>
+                  <a:pt x="263047" y="162839"/>
                 </a:moveTo>
                 <a:cubicBezTo>
-                  <a:pt x="1818708" y="-77780"/>
-                  <a:pt x="6900460" y="-161863"/>
-                  <a:pt x="8028570" y="381171"/>
+                  <a:pt x="422562" y="153977"/>
+                  <a:pt x="554469" y="138298"/>
+                  <a:pt x="713984" y="162839"/>
                 </a:cubicBezTo>
                 <a:cubicBezTo>
-                  <a:pt x="9156680" y="924205"/>
-                  <a:pt x="7729025" y="3017516"/>
-                  <a:pt x="7387439" y="3597337"/>
+                  <a:pt x="749243" y="168263"/>
+                  <a:pt x="778913" y="195125"/>
+                  <a:pt x="814192" y="200417"/>
                 </a:cubicBezTo>
                 <a:cubicBezTo>
-                  <a:pt x="7045853" y="4177158"/>
-                  <a:pt x="6275094" y="3590330"/>
-                  <a:pt x="5979053" y="3860095"/>
+                  <a:pt x="946904" y="220324"/>
+                  <a:pt x="1082389" y="217589"/>
+                  <a:pt x="1215025" y="237995"/>
+                </a:cubicBezTo>
+                <a:lnTo>
+                  <a:pt x="1377863" y="263047"/>
+                </a:lnTo>
+                <a:cubicBezTo>
+                  <a:pt x="1456387" y="289222"/>
+                  <a:pt x="1412092" y="277645"/>
+                  <a:pt x="1553228" y="288099"/>
                 </a:cubicBezTo>
                 <a:cubicBezTo>
-                  <a:pt x="5683012" y="4129860"/>
-                  <a:pt x="5861688" y="4961930"/>
-                  <a:pt x="5611191" y="5215930"/>
+                  <a:pt x="1619981" y="293044"/>
+                  <a:pt x="1686839" y="296450"/>
+                  <a:pt x="1753644" y="300625"/>
                 </a:cubicBezTo>
                 <a:cubicBezTo>
-                  <a:pt x="5360694" y="5469930"/>
-                  <a:pt x="4707302" y="5709916"/>
-                  <a:pt x="4476074" y="5384095"/>
+                  <a:pt x="1807691" y="292904"/>
+                  <a:pt x="2003357" y="267215"/>
+                  <a:pt x="2066795" y="250521"/>
                 </a:cubicBezTo>
                 <a:cubicBezTo>
-                  <a:pt x="4244846" y="5058274"/>
-                  <a:pt x="4831673" y="3677916"/>
-                  <a:pt x="4223825" y="3261006"/>
+                  <a:pt x="2101294" y="241442"/>
+                  <a:pt x="2134073" y="226664"/>
+                  <a:pt x="2167003" y="212943"/>
                 </a:cubicBezTo>
                 <a:cubicBezTo>
-                  <a:pt x="3615977" y="2844096"/>
-                  <a:pt x="1428074" y="3367861"/>
-                  <a:pt x="828984" y="2882633"/>
+                  <a:pt x="2219508" y="191066"/>
+                  <a:pt x="2210975" y="182395"/>
+                  <a:pt x="2267211" y="175365"/>
                 </a:cubicBezTo>
                 <a:cubicBezTo>
-                  <a:pt x="229894" y="2397405"/>
-                  <a:pt x="-581154" y="756040"/>
-                  <a:pt x="618777" y="339130"/>
+                  <a:pt x="2350486" y="164956"/>
+                  <a:pt x="2434225" y="158664"/>
+                  <a:pt x="2517732" y="150313"/>
                 </a:cubicBezTo>
-                <a:close/>
+                <a:cubicBezTo>
+                  <a:pt x="2612279" y="131404"/>
+                  <a:pt x="2615899" y="129708"/>
+                  <a:pt x="2743200" y="112735"/>
+                </a:cubicBezTo>
+                <a:cubicBezTo>
+                  <a:pt x="2814044" y="103289"/>
+                  <a:pt x="2885162" y="96034"/>
+                  <a:pt x="2956143" y="87683"/>
+                </a:cubicBezTo>
+                <a:cubicBezTo>
+                  <a:pt x="2972844" y="83508"/>
+                  <a:pt x="2989091" y="76587"/>
+                  <a:pt x="3006247" y="75157"/>
+                </a:cubicBezTo>
+                <a:cubicBezTo>
+                  <a:pt x="3239852" y="55690"/>
+                  <a:pt x="3707704" y="25052"/>
+                  <a:pt x="3707704" y="25052"/>
+                </a:cubicBezTo>
+                <a:cubicBezTo>
+                  <a:pt x="3803249" y="28727"/>
+                  <a:pt x="4136473" y="39689"/>
+                  <a:pt x="4258849" y="50104"/>
+                </a:cubicBezTo>
+                <a:cubicBezTo>
+                  <a:pt x="4380142" y="60427"/>
+                  <a:pt x="4501019" y="75157"/>
+                  <a:pt x="4622104" y="87683"/>
+                </a:cubicBezTo>
+                <a:cubicBezTo>
+                  <a:pt x="4655507" y="96034"/>
+                  <a:pt x="4689648" y="101847"/>
+                  <a:pt x="4722312" y="112735"/>
+                </a:cubicBezTo>
+                <a:cubicBezTo>
+                  <a:pt x="4827561" y="147818"/>
+                  <a:pt x="4927215" y="201169"/>
+                  <a:pt x="5035463" y="225469"/>
+                </a:cubicBezTo>
+                <a:cubicBezTo>
+                  <a:pt x="5133577" y="247494"/>
+                  <a:pt x="5235880" y="242170"/>
+                  <a:pt x="5336088" y="250521"/>
+                </a:cubicBezTo>
+                <a:cubicBezTo>
+                  <a:pt x="5452998" y="233820"/>
+                  <a:pt x="5571306" y="224994"/>
+                  <a:pt x="5686817" y="200417"/>
+                </a:cubicBezTo>
+                <a:cubicBezTo>
+                  <a:pt x="6065083" y="119935"/>
+                  <a:pt x="5806319" y="156408"/>
+                  <a:pt x="6012493" y="87683"/>
+                </a:cubicBezTo>
+                <a:cubicBezTo>
+                  <a:pt x="6095203" y="60113"/>
+                  <a:pt x="6175981" y="17646"/>
+                  <a:pt x="6263014" y="12526"/>
+                </a:cubicBezTo>
+                <a:lnTo>
+                  <a:pt x="6475956" y="0"/>
+                </a:lnTo>
+                <a:cubicBezTo>
+                  <a:pt x="6611219" y="12681"/>
+                  <a:pt x="7092396" y="61109"/>
+                  <a:pt x="7240044" y="62631"/>
+                </a:cubicBezTo>
+                <a:lnTo>
+                  <a:pt x="8091814" y="50104"/>
+                </a:lnTo>
+                <a:cubicBezTo>
+                  <a:pt x="8146093" y="70981"/>
+                  <a:pt x="8212489" y="72680"/>
+                  <a:pt x="8254652" y="112735"/>
+                </a:cubicBezTo>
+                <a:cubicBezTo>
+                  <a:pt x="8332303" y="186504"/>
+                  <a:pt x="8357423" y="353484"/>
+                  <a:pt x="8379912" y="450937"/>
+                </a:cubicBezTo>
+                <a:cubicBezTo>
+                  <a:pt x="8384087" y="526093"/>
+                  <a:pt x="8380992" y="602009"/>
+                  <a:pt x="8392438" y="676406"/>
+                </a:cubicBezTo>
+                <a:cubicBezTo>
+                  <a:pt x="8397863" y="711665"/>
+                  <a:pt x="8420071" y="742354"/>
+                  <a:pt x="8430017" y="776614"/>
+                </a:cubicBezTo>
+                <a:cubicBezTo>
+                  <a:pt x="8457688" y="871925"/>
+                  <a:pt x="8475211" y="970097"/>
+                  <a:pt x="8505173" y="1064713"/>
+                </a:cubicBezTo>
+                <a:cubicBezTo>
+                  <a:pt x="8554606" y="1220819"/>
+                  <a:pt x="8615301" y="1373146"/>
+                  <a:pt x="8668011" y="1528176"/>
+                </a:cubicBezTo>
+                <a:cubicBezTo>
+                  <a:pt x="8686292" y="1581944"/>
+                  <a:pt x="8692717" y="1640219"/>
+                  <a:pt x="8718115" y="1691014"/>
+                </a:cubicBezTo>
+                <a:cubicBezTo>
+                  <a:pt x="8726466" y="1707715"/>
+                  <a:pt x="8736887" y="1723533"/>
+                  <a:pt x="8743167" y="1741118"/>
+                </a:cubicBezTo>
+                <a:cubicBezTo>
+                  <a:pt x="8784087" y="1855693"/>
+                  <a:pt x="8783733" y="1882815"/>
+                  <a:pt x="8805797" y="2004165"/>
+                </a:cubicBezTo>
+                <a:cubicBezTo>
+                  <a:pt x="8801622" y="2045918"/>
+                  <a:pt x="8816067" y="2094195"/>
+                  <a:pt x="8793271" y="2129425"/>
+                </a:cubicBezTo>
+                <a:cubicBezTo>
+                  <a:pt x="8779870" y="2150135"/>
+                  <a:pt x="8657857" y="2233413"/>
+                  <a:pt x="8605381" y="2242159"/>
+                </a:cubicBezTo>
+                <a:cubicBezTo>
+                  <a:pt x="8551682" y="2251109"/>
+                  <a:pt x="8496684" y="2248986"/>
+                  <a:pt x="8442543" y="2254685"/>
+                </a:cubicBezTo>
+                <a:cubicBezTo>
+                  <a:pt x="8337988" y="2265691"/>
+                  <a:pt x="8233916" y="2280963"/>
+                  <a:pt x="8129392" y="2292263"/>
+                </a:cubicBezTo>
+                <a:cubicBezTo>
+                  <a:pt x="7962796" y="2310273"/>
+                  <a:pt x="7830571" y="2310501"/>
+                  <a:pt x="7653403" y="2317315"/>
+                </a:cubicBezTo>
+                <a:cubicBezTo>
+                  <a:pt x="7549019" y="2313140"/>
+                  <a:pt x="7444488" y="2311738"/>
+                  <a:pt x="7340252" y="2304789"/>
+                </a:cubicBezTo>
+                <a:cubicBezTo>
+                  <a:pt x="7272859" y="2300296"/>
+                  <a:pt x="7257734" y="2279337"/>
+                  <a:pt x="7189940" y="2254685"/>
+                </a:cubicBezTo>
+                <a:cubicBezTo>
+                  <a:pt x="7146589" y="2238921"/>
+                  <a:pt x="7079856" y="2234662"/>
+                  <a:pt x="7039628" y="2229633"/>
+                </a:cubicBezTo>
+                <a:cubicBezTo>
+                  <a:pt x="6897666" y="2246334"/>
+                  <a:pt x="6754908" y="2257279"/>
+                  <a:pt x="6613743" y="2279737"/>
+                </a:cubicBezTo>
+                <a:cubicBezTo>
+                  <a:pt x="6570692" y="2286586"/>
+                  <a:pt x="6530484" y="2305648"/>
+                  <a:pt x="6488482" y="2317315"/>
+                </a:cubicBezTo>
+                <a:cubicBezTo>
+                  <a:pt x="6410772" y="2338901"/>
+                  <a:pt x="6395353" y="2340952"/>
+                  <a:pt x="6325644" y="2354894"/>
+                </a:cubicBezTo>
+                <a:cubicBezTo>
+                  <a:pt x="6236926" y="2349349"/>
+                  <a:pt x="6042990" y="2328286"/>
+                  <a:pt x="5949863" y="2354894"/>
+                </a:cubicBezTo>
+                <a:cubicBezTo>
+                  <a:pt x="5538972" y="2472291"/>
+                  <a:pt x="5833519" y="2478371"/>
+                  <a:pt x="5386192" y="2567836"/>
+                </a:cubicBezTo>
+                <a:cubicBezTo>
+                  <a:pt x="5300115" y="2585051"/>
+                  <a:pt x="5210881" y="2577532"/>
+                  <a:pt x="5123145" y="2580362"/>
+                </a:cubicBezTo>
+                <a:lnTo>
+                  <a:pt x="3832964" y="2617940"/>
+                </a:lnTo>
+                <a:cubicBezTo>
+                  <a:pt x="3778685" y="2622115"/>
+                  <a:pt x="3724267" y="2624767"/>
+                  <a:pt x="3670126" y="2630466"/>
+                </a:cubicBezTo>
+                <a:cubicBezTo>
+                  <a:pt x="3644868" y="2633125"/>
+                  <a:pt x="3620361" y="2643556"/>
+                  <a:pt x="3594970" y="2642992"/>
+                </a:cubicBezTo>
+                <a:cubicBezTo>
+                  <a:pt x="3431958" y="2639370"/>
+                  <a:pt x="3269293" y="2626291"/>
+                  <a:pt x="3106455" y="2617940"/>
+                </a:cubicBezTo>
+                <a:cubicBezTo>
+                  <a:pt x="2968669" y="2576187"/>
+                  <a:pt x="2835860" y="2511301"/>
+                  <a:pt x="2693096" y="2492680"/>
+                </a:cubicBezTo>
+                <a:cubicBezTo>
+                  <a:pt x="2597063" y="2480154"/>
+                  <a:pt x="2500674" y="2470110"/>
+                  <a:pt x="2404997" y="2455102"/>
+                </a:cubicBezTo>
+                <a:cubicBezTo>
+                  <a:pt x="2287673" y="2436698"/>
+                  <a:pt x="2172245" y="2406085"/>
+                  <a:pt x="2054269" y="2392472"/>
+                </a:cubicBezTo>
+                <a:cubicBezTo>
+                  <a:pt x="1954635" y="2380976"/>
+                  <a:pt x="1853852" y="2384121"/>
+                  <a:pt x="1753644" y="2379946"/>
+                </a:cubicBezTo>
+                <a:cubicBezTo>
+                  <a:pt x="1504710" y="2421435"/>
+                  <a:pt x="1694226" y="2385743"/>
+                  <a:pt x="1402915" y="2455102"/>
+                </a:cubicBezTo>
+                <a:cubicBezTo>
+                  <a:pt x="1382204" y="2460033"/>
+                  <a:pt x="1360393" y="2460634"/>
+                  <a:pt x="1340285" y="2467628"/>
+                </a:cubicBezTo>
+                <a:cubicBezTo>
+                  <a:pt x="1255473" y="2497128"/>
+                  <a:pt x="1119290" y="2565923"/>
+                  <a:pt x="1014608" y="2580362"/>
+                </a:cubicBezTo>
+                <a:cubicBezTo>
+                  <a:pt x="927355" y="2592397"/>
+                  <a:pt x="839244" y="2597063"/>
+                  <a:pt x="751562" y="2605414"/>
+                </a:cubicBezTo>
+                <a:cubicBezTo>
+                  <a:pt x="672230" y="2597063"/>
+                  <a:pt x="583299" y="2619102"/>
+                  <a:pt x="513567" y="2580362"/>
+                </a:cubicBezTo>
+                <a:cubicBezTo>
+                  <a:pt x="457854" y="2549410"/>
+                  <a:pt x="438465" y="2476105"/>
+                  <a:pt x="413359" y="2417524"/>
+                </a:cubicBezTo>
+                <a:cubicBezTo>
+                  <a:pt x="400833" y="2388296"/>
+                  <a:pt x="389106" y="2358713"/>
+                  <a:pt x="375781" y="2329841"/>
+                </a:cubicBezTo>
+                <a:cubicBezTo>
+                  <a:pt x="345119" y="2263407"/>
+                  <a:pt x="334981" y="2257545"/>
+                  <a:pt x="313151" y="2192055"/>
+                </a:cubicBezTo>
+                <a:cubicBezTo>
+                  <a:pt x="303539" y="2163218"/>
+                  <a:pt x="296833" y="2133488"/>
+                  <a:pt x="288099" y="2104373"/>
+                </a:cubicBezTo>
+                <a:cubicBezTo>
+                  <a:pt x="284305" y="2091726"/>
+                  <a:pt x="279748" y="2079321"/>
+                  <a:pt x="275573" y="2066795"/>
+                </a:cubicBezTo>
+                <a:cubicBezTo>
+                  <a:pt x="279748" y="1958236"/>
+                  <a:pt x="278821" y="1849360"/>
+                  <a:pt x="288099" y="1741118"/>
+                </a:cubicBezTo>
+                <a:cubicBezTo>
+                  <a:pt x="291386" y="1702764"/>
+                  <a:pt x="314046" y="1666868"/>
+                  <a:pt x="313151" y="1628384"/>
+                </a:cubicBezTo>
+                <a:cubicBezTo>
+                  <a:pt x="309838" y="1485909"/>
+                  <a:pt x="298471" y="1343161"/>
+                  <a:pt x="275573" y="1202499"/>
+                </a:cubicBezTo>
+                <a:cubicBezTo>
+                  <a:pt x="268966" y="1161911"/>
+                  <a:pt x="240314" y="1128114"/>
+                  <a:pt x="225469" y="1089765"/>
+                </a:cubicBezTo>
+                <a:cubicBezTo>
+                  <a:pt x="190184" y="998614"/>
+                  <a:pt x="163763" y="904032"/>
+                  <a:pt x="125260" y="814192"/>
+                </a:cubicBezTo>
+                <a:cubicBezTo>
+                  <a:pt x="112734" y="784965"/>
+                  <a:pt x="101129" y="755325"/>
+                  <a:pt x="87682" y="726510"/>
+                </a:cubicBezTo>
+                <a:cubicBezTo>
+                  <a:pt x="71889" y="692668"/>
+                  <a:pt x="51448" y="660976"/>
+                  <a:pt x="37578" y="626302"/>
+                </a:cubicBezTo>
+                <a:cubicBezTo>
+                  <a:pt x="14700" y="569106"/>
+                  <a:pt x="9877" y="522726"/>
+                  <a:pt x="0" y="463463"/>
+                </a:cubicBezTo>
+                <a:cubicBezTo>
+                  <a:pt x="25052" y="413359"/>
+                  <a:pt x="44864" y="360272"/>
+                  <a:pt x="75156" y="313151"/>
+                </a:cubicBezTo>
+                <a:cubicBezTo>
+                  <a:pt x="83297" y="300488"/>
+                  <a:pt x="100484" y="296849"/>
+                  <a:pt x="112734" y="288099"/>
+                </a:cubicBezTo>
+                <a:cubicBezTo>
+                  <a:pt x="193358" y="230511"/>
+                  <a:pt x="133735" y="258836"/>
+                  <a:pt x="250521" y="225469"/>
+                </a:cubicBezTo>
+                <a:cubicBezTo>
+                  <a:pt x="318214" y="184853"/>
+                  <a:pt x="295936" y="205106"/>
+                  <a:pt x="325677" y="175365"/>
+                </a:cubicBezTo>
               </a:path>
             </a:pathLst>
           </a:custGeom>
-          <a:noFill/>
         </p:spPr>
         <p:style>
           <a:lnRef idx="2">
             <a:schemeClr val="accent2"/>
           </a:lnRef>
-          <a:fillRef idx="1">
-            <a:schemeClr val="lt1"/>
+          <a:fillRef idx="0">
+            <a:schemeClr val="accent2"/>
           </a:fillRef>
-          <a:effectRef idx="0">
+          <a:effectRef idx="1">
             <a:schemeClr val="accent2"/>
           </a:effectRef>
           <a:fontRef idx="minor">
-            <a:schemeClr val="dk1"/>
+            <a:schemeClr val="tx1"/>
           </a:fontRef>
         </p:style>
         <p:txBody>
@@ -41204,7 +46237,7 @@
     </p:spTree>
     <p:extLst>
       <p:ext uri="{BB962C8B-B14F-4D97-AF65-F5344CB8AC3E}">
-        <p14:creationId xmlns:p14="http://schemas.microsoft.com/office/powerpoint/2010/main" val="1934978285"/>
+        <p14:creationId xmlns:p14="http://schemas.microsoft.com/office/powerpoint/2010/main" val="2899657798"/>
       </p:ext>
     </p:extLst>
   </p:cSld>
@@ -41221,7 +46254,7 @@
 </p:sld>
 </file>
 
-<file path=ppt/slides/slide6.xml><?xml version="1.0" encoding="utf-8"?>
+<file path=ppt/slides/slide7.xml><?xml version="1.0" encoding="utf-8"?>
 <p:sld xmlns:a="http://schemas.openxmlformats.org/drawingml/2006/main" xmlns:r="http://schemas.openxmlformats.org/officeDocument/2006/relationships" xmlns:p="http://schemas.openxmlformats.org/presentationml/2006/main">
   <p:cSld>
     <p:spTree>
@@ -42777,7 +47810,7 @@
             <a:fld id="{1B2C9F7E-80B6-4C3C-8A6C-643968CAB744}" type="slidenum">
               <a:rPr kumimoji="1" lang="ja-JP" altLang="en-US" smtClean="0"/>
               <a:pPr/>
-              <a:t>6</a:t>
+              <a:t>7</a:t>
             </a:fld>
             <a:endParaRPr kumimoji="1" lang="ja-JP" altLang="en-US"/>
           </a:p>
@@ -42803,7 +47836,7 @@
 </p:sld>
 </file>
 
-<file path=ppt/slides/slide7.xml><?xml version="1.0" encoding="utf-8"?>
+<file path=ppt/slides/slide8.xml><?xml version="1.0" encoding="utf-8"?>
 <p:sld xmlns:a="http://schemas.openxmlformats.org/drawingml/2006/main" xmlns:r="http://schemas.openxmlformats.org/officeDocument/2006/relationships" xmlns:p="http://schemas.openxmlformats.org/presentationml/2006/main">
   <p:cSld>
     <p:spTree>
@@ -42972,7 +48005,7 @@
             <a:fld id="{1B2C9F7E-80B6-4C3C-8A6C-643968CAB744}" type="slidenum">
               <a:rPr kumimoji="1" lang="ja-JP" altLang="en-US" smtClean="0"/>
               <a:pPr/>
-              <a:t>7</a:t>
+              <a:t>8</a:t>
             </a:fld>
             <a:endParaRPr kumimoji="1" lang="ja-JP" altLang="en-US"/>
           </a:p>
@@ -42998,7 +48031,7 @@
 </p:sld>
 </file>
 
-<file path=ppt/slides/slide8.xml><?xml version="1.0" encoding="utf-8"?>
+<file path=ppt/slides/slide9.xml><?xml version="1.0" encoding="utf-8"?>
 <p:sld xmlns:a="http://schemas.openxmlformats.org/drawingml/2006/main" xmlns:r="http://schemas.openxmlformats.org/officeDocument/2006/relationships" xmlns:p="http://schemas.openxmlformats.org/presentationml/2006/main">
   <p:cSld>
     <p:spTree>
@@ -43088,7 +48121,7 @@
             <a:fld id="{1B2C9F7E-80B6-4C3C-8A6C-643968CAB744}" type="slidenum">
               <a:rPr kumimoji="1" lang="ja-JP" altLang="en-US" smtClean="0"/>
               <a:pPr/>
-              <a:t>8</a:t>
+              <a:t>9</a:t>
             </a:fld>
             <a:endParaRPr kumimoji="1" lang="ja-JP" altLang="en-US"/>
           </a:p>
@@ -43098,114 +48131,6 @@
     <p:extLst>
       <p:ext uri="{BB962C8B-B14F-4D97-AF65-F5344CB8AC3E}">
         <p14:creationId xmlns:p14="http://schemas.microsoft.com/office/powerpoint/2010/main" val="2747427363"/>
-      </p:ext>
-    </p:extLst>
-  </p:cSld>
-  <p:clrMapOvr>
-    <a:masterClrMapping/>
-  </p:clrMapOvr>
-  <p:timing>
-    <p:tnLst>
-      <p:par>
-        <p:cTn id="1" dur="indefinite" restart="never" nodeType="tmRoot"/>
-      </p:par>
-    </p:tnLst>
-  </p:timing>
-</p:sld>
-</file>
-
-<file path=ppt/slides/slide9.xml><?xml version="1.0" encoding="utf-8"?>
-<p:sld xmlns:a="http://schemas.openxmlformats.org/drawingml/2006/main" xmlns:r="http://schemas.openxmlformats.org/officeDocument/2006/relationships" xmlns:p="http://schemas.openxmlformats.org/presentationml/2006/main">
-  <p:cSld>
-    <p:spTree>
-      <p:nvGrpSpPr>
-        <p:cNvPr id="1" name=""/>
-        <p:cNvGrpSpPr/>
-        <p:nvPr/>
-      </p:nvGrpSpPr>
-      <p:grpSpPr>
-        <a:xfrm>
-          <a:off x="0" y="0"/>
-          <a:ext cx="0" cy="0"/>
-          <a:chOff x="0" y="0"/>
-          <a:chExt cx="0" cy="0"/>
-        </a:xfrm>
-      </p:grpSpPr>
-      <p:graphicFrame>
-        <p:nvGraphicFramePr>
-          <p:cNvPr id="20" name="図表 19"/>
-          <p:cNvGraphicFramePr/>
-          <p:nvPr>
-            <p:extLst>
-              <p:ext uri="{D42A27DB-BD31-4B8C-83A1-F6EECF244321}">
-                <p14:modId xmlns:p14="http://schemas.microsoft.com/office/powerpoint/2010/main" val="1061927676"/>
-              </p:ext>
-            </p:extLst>
-          </p:nvPr>
-        </p:nvGraphicFramePr>
-        <p:xfrm>
-          <a:off x="539552" y="1442744"/>
-          <a:ext cx="7992888" cy="4608512"/>
-        </p:xfrm>
-        <a:graphic>
-          <a:graphicData uri="http://schemas.openxmlformats.org/drawingml/2006/diagram">
-            <dgm:relIds xmlns:dgm="http://schemas.openxmlformats.org/drawingml/2006/diagram" xmlns:r="http://schemas.openxmlformats.org/officeDocument/2006/relationships" r:dm="rId2" r:lo="rId3" r:qs="rId4" r:cs="rId5"/>
-          </a:graphicData>
-        </a:graphic>
-      </p:graphicFrame>
-      <p:sp>
-        <p:nvSpPr>
-          <p:cNvPr id="2" name="タイトル 1"/>
-          <p:cNvSpPr>
-            <a:spLocks noGrp="1"/>
-          </p:cNvSpPr>
-          <p:nvPr>
-            <p:ph type="title"/>
-          </p:nvPr>
-        </p:nvSpPr>
-        <p:spPr/>
-        <p:txBody>
-          <a:bodyPr>
-            <a:normAutofit/>
-          </a:bodyPr>
-          <a:lstStyle/>
-          <a:p>
-            <a:r>
-              <a:rPr lang="ja-JP" altLang="en-US" dirty="0" smtClean="0"/>
-              <a:t>６－２．画面構成（承認者）</a:t>
-            </a:r>
-            <a:endParaRPr kumimoji="1" lang="ja-JP" altLang="en-US" dirty="0"/>
-          </a:p>
-        </p:txBody>
-      </p:sp>
-      <p:sp>
-        <p:nvSpPr>
-          <p:cNvPr id="3" name="スライド番号プレースホルダー 2"/>
-          <p:cNvSpPr>
-            <a:spLocks noGrp="1"/>
-          </p:cNvSpPr>
-          <p:nvPr>
-            <p:ph type="sldNum" sz="quarter" idx="12"/>
-          </p:nvPr>
-        </p:nvSpPr>
-        <p:spPr/>
-        <p:txBody>
-          <a:bodyPr/>
-          <a:lstStyle/>
-          <a:p>
-            <a:fld id="{1B2C9F7E-80B6-4C3C-8A6C-643968CAB744}" type="slidenum">
-              <a:rPr kumimoji="1" lang="ja-JP" altLang="en-US" smtClean="0"/>
-              <a:pPr/>
-              <a:t>9</a:t>
-            </a:fld>
-            <a:endParaRPr kumimoji="1" lang="ja-JP" altLang="en-US"/>
-          </a:p>
-        </p:txBody>
-      </p:sp>
-    </p:spTree>
-    <p:extLst>
-      <p:ext uri="{BB962C8B-B14F-4D97-AF65-F5344CB8AC3E}">
-        <p14:creationId xmlns:p14="http://schemas.microsoft.com/office/powerpoint/2010/main" val="1065369448"/>
       </p:ext>
     </p:extLst>
   </p:cSld>

--- a/設計書/00_提案/1_月報管理システム 提案資料.pptx
+++ b/設計書/00_提案/1_月報管理システム 提案資料.pptx
@@ -18670,13 +18670,7 @@
                         <a:rPr lang="ja-JP" altLang="en-US" sz="1400" u="none" strike="noStrike" dirty="0" smtClean="0">
                           <a:effectLst/>
                         </a:rPr>
-                        <a:t>メニュー画面</a:t>
-                      </a:r>
-                      <a:r>
-                        <a:rPr lang="ja-JP" altLang="en-US" sz="1400" u="none" strike="noStrike" dirty="0" smtClean="0">
-                          <a:effectLst/>
-                        </a:rPr>
-                        <a:t>。</a:t>
+                        <a:t>メニュー画面。</a:t>
                       </a:r>
                       <a:endParaRPr lang="en-US" altLang="ja-JP" sz="1400" u="none" strike="noStrike" dirty="0" smtClean="0">
                         <a:effectLst/>
@@ -19438,17 +19432,7 @@
                           <a:effectLst/>
                           <a:latin typeface="ＭＳ Ｐゴシック"/>
                         </a:rPr>
-                        <a:t>・</a:t>
-                      </a:r>
-                      <a:r>
-                        <a:rPr lang="ja-JP" altLang="en-US" sz="1400" b="0" i="0" u="none" strike="noStrike" dirty="0" smtClean="0">
-                          <a:solidFill>
-                            <a:srgbClr val="000000"/>
-                          </a:solidFill>
-                          <a:effectLst/>
-                          <a:latin typeface="ＭＳ Ｐゴシック"/>
-                        </a:rPr>
-                        <a:t>ユーザ修正</a:t>
+                        <a:t>・ユーザ修正</a:t>
                       </a:r>
                       <a:endParaRPr lang="ja-JP" altLang="en-US" sz="1400" b="0" i="0" u="none" strike="noStrike" dirty="0">
                         <a:solidFill>
@@ -19570,14 +19554,14 @@
             <p:ph idx="1"/>
             <p:extLst>
               <p:ext uri="{D42A27DB-BD31-4B8C-83A1-F6EECF244321}">
-                <p14:modId xmlns:p14="http://schemas.microsoft.com/office/powerpoint/2010/main" val="1297680721"/>
+                <p14:modId xmlns:p14="http://schemas.microsoft.com/office/powerpoint/2010/main" val="684743925"/>
               </p:ext>
             </p:extLst>
           </p:nvPr>
         </p:nvGraphicFramePr>
         <p:xfrm>
           <a:off x="601215" y="1484785"/>
-          <a:ext cx="7931225" cy="5155774"/>
+          <a:ext cx="7931225" cy="5224088"/>
         </p:xfrm>
         <a:graphic>
           <a:graphicData uri="http://schemas.openxmlformats.org/drawingml/2006/table">
@@ -19769,13 +19753,7 @@
                         <a:rPr lang="ja-JP" altLang="en-US" sz="1400" u="none" strike="noStrike" dirty="0" smtClean="0">
                           <a:effectLst/>
                         </a:rPr>
-                        <a:t>月報を申請する画面</a:t>
-                      </a:r>
-                      <a:r>
-                        <a:rPr lang="ja-JP" altLang="en-US" sz="1400" u="none" strike="noStrike" dirty="0" smtClean="0">
-                          <a:effectLst/>
-                        </a:rPr>
-                        <a:t>。</a:t>
+                        <a:t>月報を申請する画面。</a:t>
                       </a:r>
                       <a:endParaRPr lang="en-US" altLang="ja-JP" sz="1400" u="none" strike="noStrike" dirty="0" smtClean="0">
                         <a:effectLst/>
@@ -20110,6 +20088,304 @@
                     <a:p>
                       <a:pPr algn="l" fontAlgn="ctr"/>
                       <a:r>
+                        <a:rPr lang="ja-JP" altLang="en-US" sz="1400" b="0" i="0" u="none" strike="noStrike" dirty="0" smtClean="0">
+                          <a:solidFill>
+                            <a:schemeClr val="tx1"/>
+                          </a:solidFill>
+                          <a:effectLst/>
+                          <a:latin typeface="ＭＳ Ｐゴシック"/>
+                        </a:rPr>
+                        <a:t>月報承認状況一覧</a:t>
+                      </a:r>
+                      <a:endParaRPr lang="ja-JP" altLang="en-US" sz="1400" b="0" i="0" u="none" strike="noStrike" dirty="0">
+                        <a:solidFill>
+                          <a:schemeClr val="tx1"/>
+                        </a:solidFill>
+                        <a:effectLst/>
+                        <a:latin typeface="ＭＳ Ｐゴシック"/>
+                      </a:endParaRPr>
+                    </a:p>
+                  </a:txBody>
+                  <a:tcPr marL="8355" marR="8355" marT="8355" marB="0" anchor="ctr"/>
+                </a:tc>
+                <a:tc>
+                  <a:txBody>
+                    <a:bodyPr/>
+                    <a:lstStyle/>
+                    <a:p>
+                      <a:pPr marL="0" marR="0" indent="0" algn="l" defTabSz="914400" rtl="0" eaLnBrk="1" fontAlgn="ctr" latinLnBrk="0" hangingPunct="1">
+                        <a:lnSpc>
+                          <a:spcPct val="100000"/>
+                        </a:lnSpc>
+                        <a:spcBef>
+                          <a:spcPts val="0"/>
+                        </a:spcBef>
+                        <a:spcAft>
+                          <a:spcPts val="0"/>
+                        </a:spcAft>
+                        <a:buClrTx/>
+                        <a:buSzTx/>
+                        <a:buFontTx/>
+                        <a:buNone/>
+                        <a:tabLst/>
+                        <a:defRPr/>
+                      </a:pPr>
+                      <a:r>
+                        <a:rPr lang="ja-JP" altLang="en-US" sz="1400" b="0" i="0" u="none" strike="noStrike" dirty="0" smtClean="0">
+                          <a:solidFill>
+                            <a:srgbClr val="000000"/>
+                          </a:solidFill>
+                          <a:effectLst/>
+                          <a:latin typeface="ＭＳ Ｐゴシック"/>
+                        </a:rPr>
+                        <a:t>月報の承認状況を確認する画面。</a:t>
+                      </a:r>
+                      <a:endParaRPr lang="en-US" altLang="ja-JP" sz="1400" b="0" i="0" u="none" strike="noStrike" dirty="0" smtClean="0">
+                        <a:solidFill>
+                          <a:srgbClr val="000000"/>
+                        </a:solidFill>
+                        <a:effectLst/>
+                        <a:latin typeface="ＭＳ Ｐゴシック"/>
+                      </a:endParaRPr>
+                    </a:p>
+                    <a:p>
+                      <a:pPr marL="0" marR="0" indent="0" algn="l" defTabSz="914400" rtl="0" eaLnBrk="1" fontAlgn="ctr" latinLnBrk="0" hangingPunct="1">
+                        <a:lnSpc>
+                          <a:spcPct val="100000"/>
+                        </a:lnSpc>
+                        <a:spcBef>
+                          <a:spcPts val="0"/>
+                        </a:spcBef>
+                        <a:spcAft>
+                          <a:spcPts val="0"/>
+                        </a:spcAft>
+                        <a:buClrTx/>
+                        <a:buSzTx/>
+                        <a:buFontTx/>
+                        <a:buNone/>
+                        <a:tabLst/>
+                        <a:defRPr/>
+                      </a:pPr>
+                      <a:r>
+                        <a:rPr lang="ja-JP" altLang="en-US" sz="1400" b="0" i="0" u="none" strike="noStrike" dirty="0" smtClean="0">
+                          <a:solidFill>
+                            <a:srgbClr val="000000"/>
+                          </a:solidFill>
+                          <a:effectLst/>
+                          <a:latin typeface="ＭＳ Ｐゴシック"/>
+                        </a:rPr>
+                        <a:t>月報の一括</a:t>
+                      </a:r>
+                      <a:r>
+                        <a:rPr lang="en-US" altLang="ja-JP" sz="1400" b="0" i="0" u="none" strike="noStrike" dirty="0" smtClean="0">
+                          <a:solidFill>
+                            <a:srgbClr val="000000"/>
+                          </a:solidFill>
+                          <a:effectLst/>
+                          <a:latin typeface="ＭＳ Ｐゴシック"/>
+                        </a:rPr>
+                        <a:t>DL</a:t>
+                      </a:r>
+                      <a:r>
+                        <a:rPr lang="ja-JP" altLang="en-US" sz="1400" b="0" i="0" u="none" strike="noStrike" dirty="0" err="1" smtClean="0">
+                          <a:solidFill>
+                            <a:srgbClr val="000000"/>
+                          </a:solidFill>
+                          <a:effectLst/>
+                          <a:latin typeface="ＭＳ Ｐゴシック"/>
+                        </a:rPr>
+                        <a:t>、</a:t>
+                      </a:r>
+                      <a:r>
+                        <a:rPr lang="ja-JP" altLang="en-US" sz="1400" b="0" i="0" u="none" strike="noStrike" dirty="0" smtClean="0">
+                          <a:solidFill>
+                            <a:srgbClr val="000000"/>
+                          </a:solidFill>
+                          <a:effectLst/>
+                          <a:latin typeface="ＭＳ Ｐゴシック"/>
+                        </a:rPr>
+                        <a:t>一括否認も</a:t>
+                      </a:r>
+                      <a:r>
+                        <a:rPr lang="ja-JP" altLang="en-US" sz="1400" b="0" i="0" u="none" strike="noStrike" dirty="0" smtClean="0">
+                          <a:solidFill>
+                            <a:srgbClr val="000000"/>
+                          </a:solidFill>
+                          <a:effectLst/>
+                          <a:latin typeface="ＭＳ Ｐゴシック"/>
+                        </a:rPr>
+                        <a:t>可能。</a:t>
+                      </a:r>
+                      <a:endParaRPr lang="en-US" altLang="ja-JP" sz="1400" b="0" i="0" u="none" strike="noStrike" dirty="0" smtClean="0">
+                        <a:solidFill>
+                          <a:srgbClr val="000000"/>
+                        </a:solidFill>
+                        <a:effectLst/>
+                        <a:latin typeface="ＭＳ Ｐゴシック"/>
+                      </a:endParaRPr>
+                    </a:p>
+                  </a:txBody>
+                  <a:tcPr marL="8355" marR="8355" marT="8355" marB="0" anchor="ctr"/>
+                </a:tc>
+                <a:tc>
+                  <a:txBody>
+                    <a:bodyPr/>
+                    <a:lstStyle/>
+                    <a:p>
+                      <a:pPr marL="0" marR="0" indent="0" algn="l" defTabSz="914400" rtl="0" eaLnBrk="1" fontAlgn="ctr" latinLnBrk="0" hangingPunct="1">
+                        <a:lnSpc>
+                          <a:spcPct val="100000"/>
+                        </a:lnSpc>
+                        <a:spcBef>
+                          <a:spcPts val="0"/>
+                        </a:spcBef>
+                        <a:spcAft>
+                          <a:spcPts val="0"/>
+                        </a:spcAft>
+                        <a:buClrTx/>
+                        <a:buSzTx/>
+                        <a:buFontTx/>
+                        <a:buNone/>
+                        <a:tabLst/>
+                        <a:defRPr/>
+                      </a:pPr>
+                      <a:r>
+                        <a:rPr lang="ja-JP" altLang="en-US" sz="1400" b="0" i="0" u="none" strike="noStrike" dirty="0" smtClean="0">
+                          <a:solidFill>
+                            <a:schemeClr val="tx1"/>
+                          </a:solidFill>
+                          <a:effectLst/>
+                          <a:latin typeface="ＭＳ Ｐゴシック"/>
+                        </a:rPr>
+                        <a:t>・月報承認状況検索</a:t>
+                      </a:r>
+                      <a:endParaRPr lang="en-US" altLang="ja-JP" sz="1400" b="0" i="0" u="none" strike="noStrike" dirty="0" smtClean="0">
+                        <a:solidFill>
+                          <a:schemeClr val="tx1"/>
+                        </a:solidFill>
+                        <a:effectLst/>
+                        <a:latin typeface="ＭＳ Ｐゴシック"/>
+                      </a:endParaRPr>
+                    </a:p>
+                    <a:p>
+                      <a:pPr marL="0" marR="0" indent="0" algn="l" defTabSz="914400" rtl="0" eaLnBrk="1" fontAlgn="ctr" latinLnBrk="0" hangingPunct="1">
+                        <a:lnSpc>
+                          <a:spcPct val="100000"/>
+                        </a:lnSpc>
+                        <a:spcBef>
+                          <a:spcPts val="0"/>
+                        </a:spcBef>
+                        <a:spcAft>
+                          <a:spcPts val="0"/>
+                        </a:spcAft>
+                        <a:buClrTx/>
+                        <a:buSzTx/>
+                        <a:buFontTx/>
+                        <a:buNone/>
+                        <a:tabLst/>
+                        <a:defRPr/>
+                      </a:pPr>
+                      <a:r>
+                        <a:rPr lang="ja-JP" altLang="en-US" sz="1400" b="0" i="0" u="none" strike="noStrike" dirty="0" smtClean="0">
+                          <a:solidFill>
+                            <a:schemeClr val="tx1"/>
+                          </a:solidFill>
+                          <a:effectLst/>
+                          <a:latin typeface="ＭＳ Ｐゴシック"/>
+                        </a:rPr>
+                        <a:t>・月報一括</a:t>
+                      </a:r>
+                      <a:r>
+                        <a:rPr lang="en-US" altLang="ja-JP" sz="1400" b="0" i="0" u="none" strike="noStrike" dirty="0" smtClean="0">
+                          <a:solidFill>
+                            <a:schemeClr val="tx1"/>
+                          </a:solidFill>
+                          <a:effectLst/>
+                          <a:latin typeface="ＭＳ Ｐゴシック"/>
+                        </a:rPr>
+                        <a:t>DL</a:t>
+                      </a:r>
+                    </a:p>
+                    <a:p>
+                      <a:pPr marL="0" marR="0" indent="0" algn="l" defTabSz="914400" rtl="0" eaLnBrk="1" fontAlgn="ctr" latinLnBrk="0" hangingPunct="1">
+                        <a:lnSpc>
+                          <a:spcPct val="100000"/>
+                        </a:lnSpc>
+                        <a:spcBef>
+                          <a:spcPts val="0"/>
+                        </a:spcBef>
+                        <a:spcAft>
+                          <a:spcPts val="0"/>
+                        </a:spcAft>
+                        <a:buClrTx/>
+                        <a:buSzTx/>
+                        <a:buFontTx/>
+                        <a:buNone/>
+                        <a:tabLst/>
+                        <a:defRPr/>
+                      </a:pPr>
+                      <a:r>
+                        <a:rPr lang="ja-JP" altLang="en-US" sz="1400" b="0" i="0" u="none" strike="noStrike" dirty="0" smtClean="0">
+                          <a:solidFill>
+                            <a:srgbClr val="000000"/>
+                          </a:solidFill>
+                          <a:effectLst/>
+                          <a:latin typeface="ＭＳ Ｐゴシック"/>
+                        </a:rPr>
+                        <a:t>・月報一括否認</a:t>
+                      </a:r>
+                      <a:endParaRPr lang="en-US" altLang="ja-JP" sz="1400" b="0" i="0" u="none" strike="noStrike" dirty="0" smtClean="0">
+                        <a:solidFill>
+                          <a:schemeClr val="tx1"/>
+                        </a:solidFill>
+                        <a:effectLst/>
+                        <a:latin typeface="ＭＳ Ｐゴシック"/>
+                      </a:endParaRPr>
+                    </a:p>
+                  </a:txBody>
+                  <a:tcPr marL="8355" marR="8355" marT="8355" marB="0" anchor="ctr"/>
+                </a:tc>
+              </a:tr>
+              <a:tr h="580121">
+                <a:tc>
+                  <a:txBody>
+                    <a:bodyPr/>
+                    <a:lstStyle/>
+                    <a:p>
+                      <a:pPr marL="0" indent="0" algn="r" fontAlgn="ctr">
+                        <a:buFont typeface="Arial" panose="020B0604020202020204" pitchFamily="34" charset="0"/>
+                        <a:buNone/>
+                      </a:pPr>
+                      <a:r>
+                        <a:rPr lang="en-US" altLang="ja-JP" sz="1400" b="0" i="0" u="none" strike="noStrike" dirty="0" smtClean="0">
+                          <a:solidFill>
+                            <a:srgbClr val="000000"/>
+                          </a:solidFill>
+                          <a:effectLst/>
+                          <a:latin typeface="+mn-ea"/>
+                          <a:ea typeface="+mn-ea"/>
+                        </a:rPr>
+                        <a:t>5</a:t>
+                      </a:r>
+                      <a:endParaRPr lang="en-US" altLang="ja-JP" sz="1400" b="0" i="0" u="none" strike="noStrike" dirty="0">
+                        <a:solidFill>
+                          <a:srgbClr val="000000"/>
+                        </a:solidFill>
+                        <a:effectLst/>
+                        <a:latin typeface="+mn-ea"/>
+                        <a:ea typeface="+mn-ea"/>
+                      </a:endParaRPr>
+                    </a:p>
+                  </a:txBody>
+                  <a:tcPr marL="8355" marR="8355" marT="8355" marB="0" anchor="ctr"/>
+                </a:tc>
+                <a:tc>
+                  <a:txBody>
+                    <a:bodyPr/>
+                    <a:lstStyle/>
+                    <a:p>
+                      <a:pPr algn="l" fontAlgn="ctr"/>
+                      <a:r>
                         <a:rPr lang="zh-TW" altLang="en-US" sz="1400" u="none" strike="noStrike" dirty="0" smtClean="0">
                           <a:effectLst/>
                         </a:rPr>
@@ -20142,13 +20418,7 @@
                         <a:rPr lang="ja-JP" altLang="en-US" sz="1400" u="none" strike="noStrike" dirty="0" smtClean="0">
                           <a:effectLst/>
                         </a:rPr>
-                        <a:t>月報を承認・否認する画面</a:t>
-                      </a:r>
-                      <a:r>
-                        <a:rPr lang="ja-JP" altLang="en-US" sz="1400" u="none" strike="noStrike" dirty="0" smtClean="0">
-                          <a:effectLst/>
-                        </a:rPr>
-                        <a:t>。</a:t>
+                        <a:t>月報を承認・否認する画面。</a:t>
                       </a:r>
                       <a:endParaRPr lang="en-US" altLang="ja-JP" sz="1400" u="none" strike="noStrike" dirty="0" smtClean="0">
                         <a:effectLst/>
@@ -20214,7 +20484,7 @@
                           <a:latin typeface="+mn-ea"/>
                           <a:ea typeface="+mn-ea"/>
                         </a:rPr>
-                        <a:t>5</a:t>
+                        <a:t>6</a:t>
                       </a:r>
                       <a:endParaRPr lang="en-US" altLang="ja-JP" sz="1400" b="0" i="0" u="none" strike="noStrike" dirty="0">
                         <a:solidFill>
@@ -20268,7 +20538,7 @@
                           <a:effectLst/>
                           <a:latin typeface="ＭＳ Ｐゴシック"/>
                         </a:rPr>
-                        <a:t>月報を一括で承認・否認する画面</a:t>
+                        <a:t>月報を一括で</a:t>
                       </a:r>
                       <a:r>
                         <a:rPr lang="ja-JP" altLang="en-US" sz="1400" b="0" i="0" u="none" strike="noStrike" dirty="0" smtClean="0">
@@ -20278,7 +20548,17 @@
                           <a:effectLst/>
                           <a:latin typeface="ＭＳ Ｐゴシック"/>
                         </a:rPr>
-                        <a:t>。</a:t>
+                        <a:t>承認する</a:t>
+                      </a:r>
+                      <a:r>
+                        <a:rPr lang="ja-JP" altLang="en-US" sz="1400" b="0" i="0" u="none" strike="noStrike" dirty="0" smtClean="0">
+                          <a:solidFill>
+                            <a:srgbClr val="000000"/>
+                          </a:solidFill>
+                          <a:effectLst/>
+                          <a:latin typeface="ＭＳ Ｐゴシック"/>
+                        </a:rPr>
+                        <a:t>画面。</a:t>
                       </a:r>
                       <a:endParaRPr lang="en-US" altLang="ja-JP" sz="1400" b="0" i="0" u="none" strike="noStrike" dirty="0" smtClean="0">
                         <a:solidFill>
@@ -20321,17 +20601,7 @@
                           <a:effectLst/>
                           <a:latin typeface="ＭＳ Ｐゴシック"/>
                         </a:rPr>
-                        <a:t>・月報一括</a:t>
-                      </a:r>
-                      <a:r>
-                        <a:rPr lang="ja-JP" altLang="en-US" sz="1400" b="0" i="0" u="none" strike="noStrike" dirty="0" smtClean="0">
-                          <a:solidFill>
-                            <a:srgbClr val="000000"/>
-                          </a:solidFill>
-                          <a:effectLst/>
-                          <a:latin typeface="ＭＳ Ｐゴシック"/>
-                        </a:rPr>
-                        <a:t>承認（一括</a:t>
+                        <a:t>・月報一括承認（一括</a:t>
                       </a:r>
                       <a:r>
                         <a:rPr lang="en-US" altLang="ja-JP" sz="1400" b="0" i="0" u="none" strike="noStrike" dirty="0" smtClean="0">
@@ -20361,52 +20631,6 @@
                         <a:latin typeface="ＭＳ Ｐゴシック"/>
                       </a:endParaRPr>
                     </a:p>
-                    <a:p>
-                      <a:pPr marL="0" marR="0" indent="0" algn="l" defTabSz="914400" rtl="0" eaLnBrk="1" fontAlgn="ctr" latinLnBrk="0" hangingPunct="1">
-                        <a:lnSpc>
-                          <a:spcPct val="100000"/>
-                        </a:lnSpc>
-                        <a:spcBef>
-                          <a:spcPts val="0"/>
-                        </a:spcBef>
-                        <a:spcAft>
-                          <a:spcPts val="0"/>
-                        </a:spcAft>
-                        <a:buClrTx/>
-                        <a:buSzTx/>
-                        <a:buFontTx/>
-                        <a:buNone/>
-                        <a:tabLst/>
-                        <a:defRPr/>
-                      </a:pPr>
-                      <a:r>
-                        <a:rPr lang="ja-JP" altLang="en-US" sz="1400" b="0" i="0" u="none" strike="noStrike" dirty="0" smtClean="0">
-                          <a:solidFill>
-                            <a:srgbClr val="000000"/>
-                          </a:solidFill>
-                          <a:effectLst/>
-                          <a:latin typeface="ＭＳ Ｐゴシック"/>
-                        </a:rPr>
-                        <a:t>・</a:t>
-                      </a:r>
-                      <a:r>
-                        <a:rPr lang="ja-JP" altLang="en-US" sz="1400" b="0" i="0" u="none" strike="noStrike" dirty="0" smtClean="0">
-                          <a:solidFill>
-                            <a:srgbClr val="000000"/>
-                          </a:solidFill>
-                          <a:effectLst/>
-                          <a:latin typeface="ＭＳ Ｐゴシック"/>
-                        </a:rPr>
-                        <a:t>月報一括否認</a:t>
-                      </a:r>
-                      <a:endParaRPr lang="en-US" altLang="ja-JP" sz="1400" b="0" i="0" u="none" strike="noStrike" dirty="0" smtClean="0">
-                        <a:solidFill>
-                          <a:schemeClr val="tx1"/>
-                        </a:solidFill>
-                        <a:effectLst/>
-                        <a:latin typeface="ＭＳ Ｐゴシック"/>
-                      </a:endParaRPr>
-                    </a:p>
                   </a:txBody>
                   <a:tcPr marL="8355" marR="8355" marT="8355" marB="0" anchor="ctr"/>
                 </a:tc>
@@ -20430,7 +20654,7 @@
                           <a:latin typeface="+mn-ea"/>
                           <a:ea typeface="+mn-ea"/>
                         </a:rPr>
-                        <a:t>6</a:t>
+                        <a:t>7</a:t>
                       </a:r>
                       <a:endParaRPr lang="en-US" altLang="ja-JP" sz="1400" b="0" i="0" u="none" strike="noStrike" dirty="0">
                         <a:solidFill>
@@ -20561,248 +20785,6 @@
                           <a:latin typeface="+mn-ea"/>
                           <a:ea typeface="+mn-ea"/>
                         </a:rPr>
-                        <a:t>7</a:t>
-                      </a:r>
-                      <a:endParaRPr lang="en-US" altLang="ja-JP" sz="1400" b="0" i="0" u="none" strike="noStrike" dirty="0">
-                        <a:solidFill>
-                          <a:srgbClr val="000000"/>
-                        </a:solidFill>
-                        <a:effectLst/>
-                        <a:latin typeface="+mn-ea"/>
-                        <a:ea typeface="+mn-ea"/>
-                      </a:endParaRPr>
-                    </a:p>
-                  </a:txBody>
-                  <a:tcPr marL="8355" marR="8355" marT="8355" marB="0" anchor="ctr"/>
-                </a:tc>
-                <a:tc>
-                  <a:txBody>
-                    <a:bodyPr/>
-                    <a:lstStyle/>
-                    <a:p>
-                      <a:pPr algn="l" fontAlgn="ctr"/>
-                      <a:r>
-                        <a:rPr lang="ja-JP" altLang="en-US" sz="1400" b="0" i="0" u="none" strike="noStrike" dirty="0" smtClean="0">
-                          <a:solidFill>
-                            <a:schemeClr val="tx1"/>
-                          </a:solidFill>
-                          <a:effectLst/>
-                          <a:latin typeface="ＭＳ Ｐゴシック"/>
-                        </a:rPr>
-                        <a:t>月報承認状況一覧</a:t>
-                      </a:r>
-                      <a:endParaRPr lang="ja-JP" altLang="en-US" sz="1400" b="0" i="0" u="none" strike="noStrike" dirty="0">
-                        <a:solidFill>
-                          <a:schemeClr val="tx1"/>
-                        </a:solidFill>
-                        <a:effectLst/>
-                        <a:latin typeface="ＭＳ Ｐゴシック"/>
-                      </a:endParaRPr>
-                    </a:p>
-                  </a:txBody>
-                  <a:tcPr marL="8355" marR="8355" marT="8355" marB="0" anchor="ctr"/>
-                </a:tc>
-                <a:tc>
-                  <a:txBody>
-                    <a:bodyPr/>
-                    <a:lstStyle/>
-                    <a:p>
-                      <a:pPr marL="0" marR="0" indent="0" algn="l" defTabSz="914400" rtl="0" eaLnBrk="1" fontAlgn="ctr" latinLnBrk="0" hangingPunct="1">
-                        <a:lnSpc>
-                          <a:spcPct val="100000"/>
-                        </a:lnSpc>
-                        <a:spcBef>
-                          <a:spcPts val="0"/>
-                        </a:spcBef>
-                        <a:spcAft>
-                          <a:spcPts val="0"/>
-                        </a:spcAft>
-                        <a:buClrTx/>
-                        <a:buSzTx/>
-                        <a:buFontTx/>
-                        <a:buNone/>
-                        <a:tabLst/>
-                        <a:defRPr/>
-                      </a:pPr>
-                      <a:r>
-                        <a:rPr lang="ja-JP" altLang="en-US" sz="1400" b="0" i="0" u="none" strike="noStrike" dirty="0" smtClean="0">
-                          <a:solidFill>
-                            <a:srgbClr val="000000"/>
-                          </a:solidFill>
-                          <a:effectLst/>
-                          <a:latin typeface="ＭＳ Ｐゴシック"/>
-                        </a:rPr>
-                        <a:t>月報の承認状況を確認する画面。</a:t>
-                      </a:r>
-                      <a:endParaRPr lang="en-US" altLang="ja-JP" sz="1400" b="0" i="0" u="none" strike="noStrike" dirty="0" smtClean="0">
-                        <a:solidFill>
-                          <a:srgbClr val="000000"/>
-                        </a:solidFill>
-                        <a:effectLst/>
-                        <a:latin typeface="ＭＳ Ｐゴシック"/>
-                      </a:endParaRPr>
-                    </a:p>
-                    <a:p>
-                      <a:pPr marL="0" marR="0" indent="0" algn="l" defTabSz="914400" rtl="0" eaLnBrk="1" fontAlgn="ctr" latinLnBrk="0" hangingPunct="1">
-                        <a:lnSpc>
-                          <a:spcPct val="100000"/>
-                        </a:lnSpc>
-                        <a:spcBef>
-                          <a:spcPts val="0"/>
-                        </a:spcBef>
-                        <a:spcAft>
-                          <a:spcPts val="0"/>
-                        </a:spcAft>
-                        <a:buClrTx/>
-                        <a:buSzTx/>
-                        <a:buFontTx/>
-                        <a:buNone/>
-                        <a:tabLst/>
-                        <a:defRPr/>
-                      </a:pPr>
-                      <a:r>
-                        <a:rPr lang="ja-JP" altLang="en-US" sz="1400" b="0" i="0" u="none" strike="noStrike" dirty="0" smtClean="0">
-                          <a:solidFill>
-                            <a:srgbClr val="000000"/>
-                          </a:solidFill>
-                          <a:effectLst/>
-                          <a:latin typeface="ＭＳ Ｐゴシック"/>
-                        </a:rPr>
-                        <a:t>月報の一括</a:t>
-                      </a:r>
-                      <a:r>
-                        <a:rPr lang="en-US" altLang="ja-JP" sz="1400" b="0" i="0" u="none" strike="noStrike" dirty="0" smtClean="0">
-                          <a:solidFill>
-                            <a:srgbClr val="000000"/>
-                          </a:solidFill>
-                          <a:effectLst/>
-                          <a:latin typeface="ＭＳ Ｐゴシック"/>
-                        </a:rPr>
-                        <a:t>DL</a:t>
-                      </a:r>
-                      <a:r>
-                        <a:rPr lang="ja-JP" altLang="en-US" sz="1400" b="0" i="0" u="none" strike="noStrike" dirty="0" smtClean="0">
-                          <a:solidFill>
-                            <a:srgbClr val="000000"/>
-                          </a:solidFill>
-                          <a:effectLst/>
-                          <a:latin typeface="ＭＳ Ｐゴシック"/>
-                        </a:rPr>
-                        <a:t>も可能。</a:t>
-                      </a:r>
-                      <a:endParaRPr lang="en-US" altLang="ja-JP" sz="1400" b="0" i="0" u="none" strike="noStrike" dirty="0" smtClean="0">
-                        <a:solidFill>
-                          <a:srgbClr val="000000"/>
-                        </a:solidFill>
-                        <a:effectLst/>
-                        <a:latin typeface="ＭＳ Ｐゴシック"/>
-                      </a:endParaRPr>
-                    </a:p>
-                  </a:txBody>
-                  <a:tcPr marL="8355" marR="8355" marT="8355" marB="0" anchor="ctr"/>
-                </a:tc>
-                <a:tc>
-                  <a:txBody>
-                    <a:bodyPr/>
-                    <a:lstStyle/>
-                    <a:p>
-                      <a:pPr marL="0" marR="0" indent="0" algn="l" defTabSz="914400" rtl="0" eaLnBrk="1" fontAlgn="ctr" latinLnBrk="0" hangingPunct="1">
-                        <a:lnSpc>
-                          <a:spcPct val="100000"/>
-                        </a:lnSpc>
-                        <a:spcBef>
-                          <a:spcPts val="0"/>
-                        </a:spcBef>
-                        <a:spcAft>
-                          <a:spcPts val="0"/>
-                        </a:spcAft>
-                        <a:buClrTx/>
-                        <a:buSzTx/>
-                        <a:buFontTx/>
-                        <a:buNone/>
-                        <a:tabLst/>
-                        <a:defRPr/>
-                      </a:pPr>
-                      <a:r>
-                        <a:rPr lang="ja-JP" altLang="en-US" sz="1400" b="0" i="0" u="none" strike="noStrike" dirty="0" smtClean="0">
-                          <a:solidFill>
-                            <a:schemeClr val="tx1"/>
-                          </a:solidFill>
-                          <a:effectLst/>
-                          <a:latin typeface="ＭＳ Ｐゴシック"/>
-                        </a:rPr>
-                        <a:t>・月報承認状況検索</a:t>
-                      </a:r>
-                      <a:endParaRPr lang="en-US" altLang="ja-JP" sz="1400" b="0" i="0" u="none" strike="noStrike" dirty="0" smtClean="0">
-                        <a:solidFill>
-                          <a:schemeClr val="tx1"/>
-                        </a:solidFill>
-                        <a:effectLst/>
-                        <a:latin typeface="ＭＳ Ｐゴシック"/>
-                      </a:endParaRPr>
-                    </a:p>
-                    <a:p>
-                      <a:pPr marL="0" marR="0" indent="0" algn="l" defTabSz="914400" rtl="0" eaLnBrk="1" fontAlgn="ctr" latinLnBrk="0" hangingPunct="1">
-                        <a:lnSpc>
-                          <a:spcPct val="100000"/>
-                        </a:lnSpc>
-                        <a:spcBef>
-                          <a:spcPts val="0"/>
-                        </a:spcBef>
-                        <a:spcAft>
-                          <a:spcPts val="0"/>
-                        </a:spcAft>
-                        <a:buClrTx/>
-                        <a:buSzTx/>
-                        <a:buFontTx/>
-                        <a:buNone/>
-                        <a:tabLst/>
-                        <a:defRPr/>
-                      </a:pPr>
-                      <a:r>
-                        <a:rPr lang="ja-JP" altLang="en-US" sz="1400" b="0" i="0" u="none" strike="noStrike" dirty="0" smtClean="0">
-                          <a:solidFill>
-                            <a:schemeClr val="tx1"/>
-                          </a:solidFill>
-                          <a:effectLst/>
-                          <a:latin typeface="ＭＳ Ｐゴシック"/>
-                        </a:rPr>
-                        <a:t>・月報一括</a:t>
-                      </a:r>
-                      <a:r>
-                        <a:rPr lang="en-US" altLang="ja-JP" sz="1400" b="0" i="0" u="none" strike="noStrike" dirty="0" smtClean="0">
-                          <a:solidFill>
-                            <a:schemeClr val="tx1"/>
-                          </a:solidFill>
-                          <a:effectLst/>
-                          <a:latin typeface="ＭＳ Ｐゴシック"/>
-                        </a:rPr>
-                        <a:t>DL</a:t>
-                      </a:r>
-                    </a:p>
-                  </a:txBody>
-                  <a:tcPr marL="8355" marR="8355" marT="8355" marB="0" anchor="ctr"/>
-                </a:tc>
-              </a:tr>
-              <a:tr h="580121">
-                <a:tc>
-                  <a:txBody>
-                    <a:bodyPr/>
-                    <a:lstStyle/>
-                    <a:p>
-                      <a:pPr marL="0" indent="0" algn="r" fontAlgn="ctr">
-                        <a:buFont typeface="Arial" panose="020B0604020202020204" pitchFamily="34" charset="0"/>
-                        <a:buNone/>
-                      </a:pPr>
-                      <a:r>
-                        <a:rPr lang="en-US" altLang="ja-JP" sz="1400" b="0" i="0" u="none" strike="noStrike" dirty="0" smtClean="0">
-                          <a:solidFill>
-                            <a:srgbClr val="000000"/>
-                          </a:solidFill>
-                          <a:effectLst/>
-                          <a:latin typeface="+mn-ea"/>
-                          <a:ea typeface="+mn-ea"/>
-                        </a:rPr>
                         <a:t>8</a:t>
                       </a:r>
                       <a:endParaRPr lang="en-US" altLang="ja-JP" sz="1400" b="0" i="0" u="none" strike="noStrike" dirty="0">
@@ -20857,17 +20839,7 @@
                           <a:effectLst/>
                           <a:latin typeface="ＭＳ Ｐゴシック"/>
                         </a:rPr>
-                        <a:t>全ての月報を一覧表示する画面</a:t>
-                      </a:r>
-                      <a:r>
-                        <a:rPr lang="ja-JP" altLang="en-US" sz="1400" b="0" i="0" u="none" strike="noStrike" dirty="0" smtClean="0">
-                          <a:solidFill>
-                            <a:srgbClr val="000000"/>
-                          </a:solidFill>
-                          <a:effectLst/>
-                          <a:latin typeface="ＭＳ Ｐゴシック"/>
-                        </a:rPr>
-                        <a:t>。</a:t>
+                        <a:t>全ての月報を一覧表示する画面。</a:t>
                       </a:r>
                       <a:endParaRPr lang="en-US" altLang="ja-JP" sz="1400" b="0" i="0" u="none" strike="noStrike" dirty="0" smtClean="0">
                         <a:solidFill>
@@ -20939,13 +20911,6 @@
                         </a:rPr>
                         <a:t>も可能。</a:t>
                       </a:r>
-                      <a:endParaRPr lang="ja-JP" altLang="en-US" sz="1400" b="0" i="0" u="none" strike="noStrike" dirty="0" smtClean="0">
-                        <a:solidFill>
-                          <a:srgbClr val="000000"/>
-                        </a:solidFill>
-                        <a:effectLst/>
-                        <a:latin typeface="ＭＳ Ｐゴシック"/>
-                      </a:endParaRPr>
                     </a:p>
                   </a:txBody>
                   <a:tcPr marL="8355" marR="8355" marT="8355" marB="0" anchor="ctr"/>
@@ -38324,11 +38289,7 @@
             </a:r>
             <a:r>
               <a:rPr lang="en-US" altLang="ja-JP" sz="1100" dirty="0" smtClean="0"/>
-              <a:t> </a:t>
-            </a:r>
-            <a:r>
-              <a:rPr lang="en-US" altLang="ja-JP" sz="1100" dirty="0" smtClean="0"/>
-              <a:t>Excel</a:t>
+              <a:t> Excel</a:t>
             </a:r>
             <a:r>
               <a:rPr lang="ja-JP" altLang="en-US" sz="1100" dirty="0" smtClean="0"/>
@@ -38447,11 +38408,7 @@
           <a:p>
             <a:r>
               <a:rPr lang="ja-JP" altLang="en-US" sz="1100" dirty="0" smtClean="0"/>
-              <a:t>②各々</a:t>
-            </a:r>
-            <a:r>
-              <a:rPr lang="ja-JP" altLang="en-US" sz="1100" dirty="0" smtClean="0"/>
-              <a:t>が</a:t>
+              <a:t>②各々が</a:t>
             </a:r>
             <a:endParaRPr lang="en-US" altLang="ja-JP" sz="1100" dirty="0" smtClean="0"/>
           </a:p>
@@ -39336,11 +39293,7 @@
             </a:r>
             <a:r>
               <a:rPr kumimoji="1" lang="ja-JP" altLang="en-US" sz="1100" dirty="0" smtClean="0"/>
-              <a:t>に</a:t>
-            </a:r>
-            <a:r>
-              <a:rPr kumimoji="1" lang="ja-JP" altLang="en-US" sz="1100" dirty="0" smtClean="0"/>
-              <a:t>総務担当印</a:t>
+              <a:t>に総務担当印</a:t>
             </a:r>
             <a:endParaRPr kumimoji="1" lang="en-US" altLang="ja-JP" sz="1100" dirty="0" smtClean="0"/>
           </a:p>
@@ -39570,11 +39523,7 @@
           <a:p>
             <a:r>
               <a:rPr kumimoji="1" lang="ja-JP" altLang="en-US" sz="1100" dirty="0" smtClean="0"/>
-              <a:t>月報を個人</a:t>
-            </a:r>
-            <a:r>
-              <a:rPr kumimoji="1" lang="ja-JP" altLang="en-US" sz="1100" dirty="0" smtClean="0"/>
-              <a:t>棚に格納</a:t>
+              <a:t>月報を個人棚に格納</a:t>
             </a:r>
             <a:endParaRPr kumimoji="1" lang="ja-JP" altLang="en-US" sz="1100" dirty="0"/>
           </a:p>
@@ -40089,11 +40038,7 @@
             </a:r>
             <a:r>
               <a:rPr lang="ja-JP" altLang="en-US" sz="1100" dirty="0" smtClean="0"/>
-              <a:t>提出</a:t>
-            </a:r>
-            <a:r>
-              <a:rPr lang="ja-JP" altLang="en-US" sz="1100" dirty="0" smtClean="0"/>
-              <a:t>一覧表作成</a:t>
+              <a:t>提出一覧表作成</a:t>
             </a:r>
             <a:endParaRPr lang="en-US" altLang="ja-JP" sz="1100" dirty="0" smtClean="0"/>
           </a:p>
@@ -42365,11 +42310,11 @@
   <p:clrMapOvr>
     <a:masterClrMapping/>
   </p:clrMapOvr>
-  <mc:AlternateContent xmlns:mc="http://schemas.openxmlformats.org/markup-compatibility/2006">
-    <mc:Choice xmlns:p14="http://schemas.microsoft.com/office/powerpoint/2010/main" Requires="p14">
+  <mc:AlternateContent xmlns:mc="http://schemas.openxmlformats.org/markup-compatibility/2006" xmlns:p14="http://schemas.microsoft.com/office/powerpoint/2010/main">
+    <mc:Choice Requires="p14">
       <p:transition spd="slow" p14:dur="2000"/>
     </mc:Choice>
-    <mc:Fallback>
+    <mc:Fallback xmlns="">
       <p:transition spd="slow"/>
     </mc:Fallback>
   </mc:AlternateContent>
@@ -42500,11 +42445,7 @@
             </a:r>
             <a:r>
               <a:rPr lang="ja-JP" altLang="en-US" dirty="0" smtClean="0"/>
-              <a:t>承認状況を把握</a:t>
-            </a:r>
-            <a:r>
-              <a:rPr lang="ja-JP" altLang="en-US" dirty="0" smtClean="0"/>
-              <a:t>しにくい</a:t>
+              <a:t>承認状況を把握しにくい</a:t>
             </a:r>
             <a:endParaRPr lang="en-US" altLang="ja-JP" dirty="0" smtClean="0"/>
           </a:p>
@@ -42865,11 +42806,7 @@
             </a:r>
             <a:r>
               <a:rPr lang="en-US" altLang="ja-JP" sz="1100" dirty="0" smtClean="0"/>
-              <a:t> </a:t>
-            </a:r>
-            <a:r>
-              <a:rPr lang="en-US" altLang="ja-JP" sz="1100" dirty="0" smtClean="0"/>
-              <a:t>Excel</a:t>
+              <a:t> Excel</a:t>
             </a:r>
             <a:r>
               <a:rPr lang="ja-JP" altLang="en-US" sz="1100" dirty="0" smtClean="0"/>
@@ -42988,11 +42925,7 @@
           <a:p>
             <a:r>
               <a:rPr lang="ja-JP" altLang="en-US" sz="1100" dirty="0" smtClean="0"/>
-              <a:t>②各々</a:t>
-            </a:r>
-            <a:r>
-              <a:rPr lang="ja-JP" altLang="en-US" sz="1100" dirty="0" smtClean="0"/>
-              <a:t>が</a:t>
+              <a:t>②各々が</a:t>
             </a:r>
             <a:endParaRPr lang="en-US" altLang="ja-JP" sz="1100" dirty="0" smtClean="0"/>
           </a:p>
@@ -43877,11 +43810,7 @@
             </a:r>
             <a:r>
               <a:rPr kumimoji="1" lang="ja-JP" altLang="en-US" sz="1100" dirty="0" smtClean="0"/>
-              <a:t>に</a:t>
-            </a:r>
-            <a:r>
-              <a:rPr kumimoji="1" lang="ja-JP" altLang="en-US" sz="1100" dirty="0" smtClean="0"/>
-              <a:t>総務担当印</a:t>
+              <a:t>に総務担当印</a:t>
             </a:r>
             <a:endParaRPr kumimoji="1" lang="en-US" altLang="ja-JP" sz="1100" dirty="0" smtClean="0"/>
           </a:p>
@@ -44111,11 +44040,7 @@
           <a:p>
             <a:r>
               <a:rPr kumimoji="1" lang="ja-JP" altLang="en-US" sz="1100" dirty="0" smtClean="0"/>
-              <a:t>月報を個人</a:t>
-            </a:r>
-            <a:r>
-              <a:rPr kumimoji="1" lang="ja-JP" altLang="en-US" sz="1100" dirty="0" smtClean="0"/>
-              <a:t>棚に格納</a:t>
+              <a:t>月報を個人棚に格納</a:t>
             </a:r>
             <a:endParaRPr kumimoji="1" lang="ja-JP" altLang="en-US" sz="1100" dirty="0"/>
           </a:p>
@@ -44630,11 +44555,7 @@
             </a:r>
             <a:r>
               <a:rPr lang="ja-JP" altLang="en-US" sz="1100" dirty="0" smtClean="0"/>
-              <a:t>提出</a:t>
-            </a:r>
-            <a:r>
-              <a:rPr lang="ja-JP" altLang="en-US" sz="1100" dirty="0" smtClean="0"/>
-              <a:t>一覧表作成</a:t>
+              <a:t>提出一覧表作成</a:t>
             </a:r>
             <a:endParaRPr lang="en-US" altLang="ja-JP" sz="1100" dirty="0" smtClean="0"/>
           </a:p>

--- a/設計書/00_提案/1_月報管理システム 提案資料.pptx
+++ b/設計書/00_提案/1_月報管理システム 提案資料.pptx
@@ -3091,14 +3091,14 @@
         <a:lstStyle/>
         <a:p>
           <a:r>
-            <a:rPr kumimoji="1" lang="ja-JP" altLang="en-US" sz="1800" smtClean="0"/>
-            <a:t>月報申請修正</a:t>
+            <a:rPr kumimoji="1" lang="ja-JP" altLang="en-US" sz="1800" dirty="0" smtClean="0"/>
+            <a:t>月報再申請</a:t>
           </a:r>
           <a:endParaRPr kumimoji="1" lang="ja-JP" altLang="en-US" sz="1800" dirty="0"/>
         </a:p>
       </dgm:t>
     </dgm:pt>
-    <dgm:pt modelId="{2AB66099-0359-4A48-AEFF-6DBBBBD0106C}" type="parTrans" cxnId="{077A4BCF-C583-4278-B961-445381AE20D5}">
+    <dgm:pt modelId="{9894DB23-0E74-4AD1-84A2-6E11B6A279DB}" type="sibTrans" cxnId="{077A4BCF-C583-4278-B961-445381AE20D5}">
       <dgm:prSet/>
       <dgm:spPr/>
       <dgm:t>
@@ -3109,7 +3109,7 @@
         </a:p>
       </dgm:t>
     </dgm:pt>
-    <dgm:pt modelId="{9894DB23-0E74-4AD1-84A2-6E11B6A279DB}" type="sibTrans" cxnId="{077A4BCF-C583-4278-B961-445381AE20D5}">
+    <dgm:pt modelId="{2AB66099-0359-4A48-AEFF-6DBBBBD0106C}" type="parTrans" cxnId="{077A4BCF-C583-4278-B961-445381AE20D5}">
       <dgm:prSet/>
       <dgm:spPr/>
       <dgm:t>
@@ -3403,8 +3403,8 @@
     <dgm:cxn modelId="{E65B95F2-C3FE-4676-AAA9-42230605C4A5}" srcId="{33878004-7D2A-4F72-BEDB-5D0AB58F15AC}" destId="{550A381F-40F0-4E05-ACCB-D1C9F5A5043C}" srcOrd="2" destOrd="0" parTransId="{1C096A7E-8FF6-4205-B81F-37441528B91E}" sibTransId="{A501F06D-82E0-4DE6-9AE9-2167538DECE0}"/>
     <dgm:cxn modelId="{46EEF9F3-4074-4DCF-9F67-BEDD257AFD0F}" type="presOf" srcId="{2AB66099-0359-4A48-AEFF-6DBBBBD0106C}" destId="{3E217499-E5A9-4C2B-A8E5-0E20C6FD61F4}" srcOrd="1" destOrd="0" presId="urn:microsoft.com/office/officeart/2008/layout/HorizontalMultiLevelHierarchy"/>
     <dgm:cxn modelId="{23F0D07F-CC3C-48D5-B3FD-55A1A6238090}" type="presOf" srcId="{33878004-7D2A-4F72-BEDB-5D0AB58F15AC}" destId="{BA2C46D1-49F2-4416-B0F1-25FE16F65916}" srcOrd="0" destOrd="0" presId="urn:microsoft.com/office/officeart/2008/layout/HorizontalMultiLevelHierarchy"/>
+    <dgm:cxn modelId="{2B10EE2C-AB70-4001-8B18-598063EBA92E}" type="presOf" srcId="{A0559AFC-F7C9-40A3-85C8-C1718708DC40}" destId="{75F5CFBF-8828-4BF9-816E-859BC8ED4F44}" srcOrd="1" destOrd="0" presId="urn:microsoft.com/office/officeart/2008/layout/HorizontalMultiLevelHierarchy"/>
     <dgm:cxn modelId="{E36AD33D-B0B6-44E5-B478-1BACD6E06B20}" type="presOf" srcId="{2AB66099-0359-4A48-AEFF-6DBBBBD0106C}" destId="{57A82C26-D586-4679-BA3B-6FBBDEA55392}" srcOrd="0" destOrd="0" presId="urn:microsoft.com/office/officeart/2008/layout/HorizontalMultiLevelHierarchy"/>
-    <dgm:cxn modelId="{2B10EE2C-AB70-4001-8B18-598063EBA92E}" type="presOf" srcId="{A0559AFC-F7C9-40A3-85C8-C1718708DC40}" destId="{75F5CFBF-8828-4BF9-816E-859BC8ED4F44}" srcOrd="1" destOrd="0" presId="urn:microsoft.com/office/officeart/2008/layout/HorizontalMultiLevelHierarchy"/>
     <dgm:cxn modelId="{379FBBC3-1A8E-4FCE-B247-DDC3C90238CD}" type="presOf" srcId="{129AA29F-A958-46F2-B74F-1427BE8052EA}" destId="{C9B6AA4F-3B14-43B1-86AC-5C1E9D1ED055}" srcOrd="0" destOrd="0" presId="urn:microsoft.com/office/officeart/2008/layout/HorizontalMultiLevelHierarchy"/>
     <dgm:cxn modelId="{590960AC-9E3A-4980-84A0-07BBDD9CEA7D}" type="presOf" srcId="{1C096A7E-8FF6-4205-B81F-37441528B91E}" destId="{795F2234-8ADC-4001-BDDB-49D4CDD506ED}" srcOrd="1" destOrd="0" presId="urn:microsoft.com/office/officeart/2008/layout/HorizontalMultiLevelHierarchy"/>
     <dgm:cxn modelId="{8E5871B2-EB43-490A-8E19-7ED3E7BF3DAE}" type="presOf" srcId="{E164911D-41C0-41AD-BFD4-B8091C9AE415}" destId="{22A722A9-2815-423D-8C37-5E5F7385B8FB}" srcOrd="0" destOrd="0" presId="urn:microsoft.com/office/officeart/2008/layout/HorizontalMultiLevelHierarchy"/>
@@ -3687,43 +3687,6 @@
         </a:p>
       </dgm:t>
     </dgm:pt>
-    <dgm:pt modelId="{C1AE587A-6D7F-4B1E-905E-A1251F9EFAF2}">
-      <dgm:prSet custT="1"/>
-      <dgm:spPr/>
-      <dgm:t>
-        <a:bodyPr/>
-        <a:lstStyle/>
-        <a:p>
-          <a:r>
-            <a:rPr kumimoji="1" lang="ja-JP" altLang="en-US" sz="1800" dirty="0" smtClean="0"/>
-            <a:t>月報承認修正</a:t>
-          </a:r>
-          <a:endParaRPr kumimoji="1" lang="ja-JP" altLang="en-US" sz="1800" dirty="0"/>
-        </a:p>
-      </dgm:t>
-    </dgm:pt>
-    <dgm:pt modelId="{E74E28AB-748D-4811-A27E-613ADFEE3EB5}" type="parTrans" cxnId="{BFA723F3-822C-4219-AC3C-85DF88603996}">
-      <dgm:prSet/>
-      <dgm:spPr/>
-      <dgm:t>
-        <a:bodyPr/>
-        <a:lstStyle/>
-        <a:p>
-          <a:endParaRPr kumimoji="1" lang="ja-JP" altLang="en-US"/>
-        </a:p>
-      </dgm:t>
-    </dgm:pt>
-    <dgm:pt modelId="{71242734-9763-4B6E-9CC8-74E2DAA15431}" type="sibTrans" cxnId="{BFA723F3-822C-4219-AC3C-85DF88603996}">
-      <dgm:prSet/>
-      <dgm:spPr/>
-      <dgm:t>
-        <a:bodyPr/>
-        <a:lstStyle/>
-        <a:p>
-          <a:endParaRPr kumimoji="1" lang="ja-JP" altLang="en-US"/>
-        </a:p>
-      </dgm:t>
-    </dgm:pt>
     <dgm:pt modelId="{8A5D712F-6AF2-4319-A6F5-A30D601300D8}" type="pres">
       <dgm:prSet presAssocID="{B5357460-0FAD-40CA-BE82-980E0E8EA8E3}" presName="Name0" presStyleCnt="0">
         <dgm:presLayoutVars>
@@ -3857,7 +3820,7 @@
       <dgm:spPr/>
     </dgm:pt>
     <dgm:pt modelId="{9CE9F315-076C-4A91-86FC-F479E1B271B6}" type="pres">
-      <dgm:prSet presAssocID="{52003E9A-DF77-4E3B-A083-82B24FE4B0A8}" presName="conn2-1" presStyleLbl="parChTrans1D4" presStyleIdx="0" presStyleCnt="3"/>
+      <dgm:prSet presAssocID="{52003E9A-DF77-4E3B-A083-82B24FE4B0A8}" presName="conn2-1" presStyleLbl="parChTrans1D4" presStyleIdx="0" presStyleCnt="2"/>
       <dgm:spPr/>
       <dgm:t>
         <a:bodyPr/>
@@ -3868,7 +3831,7 @@
       </dgm:t>
     </dgm:pt>
     <dgm:pt modelId="{B5347ED1-EC76-4B54-8471-81696427CD3E}" type="pres">
-      <dgm:prSet presAssocID="{52003E9A-DF77-4E3B-A083-82B24FE4B0A8}" presName="connTx" presStyleLbl="parChTrans1D4" presStyleIdx="0" presStyleCnt="3"/>
+      <dgm:prSet presAssocID="{52003E9A-DF77-4E3B-A083-82B24FE4B0A8}" presName="connTx" presStyleLbl="parChTrans1D4" presStyleIdx="0" presStyleCnt="2"/>
       <dgm:spPr/>
       <dgm:t>
         <a:bodyPr/>
@@ -3883,7 +3846,7 @@
       <dgm:spPr/>
     </dgm:pt>
     <dgm:pt modelId="{8ADF30A2-5DE6-4E05-8507-6283510A3E97}" type="pres">
-      <dgm:prSet presAssocID="{7981970C-204D-4F36-BD70-A041F4B940E6}" presName="LevelTwoTextNode" presStyleLbl="node4" presStyleIdx="0" presStyleCnt="3" custLinFactNeighborY="-31870">
+      <dgm:prSet presAssocID="{7981970C-204D-4F36-BD70-A041F4B940E6}" presName="LevelTwoTextNode" presStyleLbl="node4" presStyleIdx="0" presStyleCnt="2" custLinFactNeighborY="-31870">
         <dgm:presLayoutVars>
           <dgm:chPref val="3"/>
         </dgm:presLayoutVars>
@@ -3901,53 +3864,8 @@
       <dgm:prSet presAssocID="{7981970C-204D-4F36-BD70-A041F4B940E6}" presName="level3hierChild" presStyleCnt="0"/>
       <dgm:spPr/>
     </dgm:pt>
-    <dgm:pt modelId="{13141A38-E980-4BA7-B959-FE095171D90C}" type="pres">
-      <dgm:prSet presAssocID="{E74E28AB-748D-4811-A27E-613ADFEE3EB5}" presName="conn2-1" presStyleLbl="parChTrans1D4" presStyleIdx="1" presStyleCnt="3"/>
-      <dgm:spPr/>
-      <dgm:t>
-        <a:bodyPr/>
-        <a:lstStyle/>
-        <a:p>
-          <a:endParaRPr kumimoji="1" lang="ja-JP" altLang="en-US"/>
-        </a:p>
-      </dgm:t>
-    </dgm:pt>
-    <dgm:pt modelId="{0463C196-2219-401D-9D59-196552183F3D}" type="pres">
-      <dgm:prSet presAssocID="{E74E28AB-748D-4811-A27E-613ADFEE3EB5}" presName="connTx" presStyleLbl="parChTrans1D4" presStyleIdx="1" presStyleCnt="3"/>
-      <dgm:spPr/>
-      <dgm:t>
-        <a:bodyPr/>
-        <a:lstStyle/>
-        <a:p>
-          <a:endParaRPr kumimoji="1" lang="ja-JP" altLang="en-US"/>
-        </a:p>
-      </dgm:t>
-    </dgm:pt>
-    <dgm:pt modelId="{39459AB4-6147-41A0-BD08-256EFB924859}" type="pres">
-      <dgm:prSet presAssocID="{C1AE587A-6D7F-4B1E-905E-A1251F9EFAF2}" presName="root2" presStyleCnt="0"/>
-      <dgm:spPr/>
-    </dgm:pt>
-    <dgm:pt modelId="{6418B5C4-F415-45FB-916A-03441B73AD5E}" type="pres">
-      <dgm:prSet presAssocID="{C1AE587A-6D7F-4B1E-905E-A1251F9EFAF2}" presName="LevelTwoTextNode" presStyleLbl="node4" presStyleIdx="1" presStyleCnt="3" custLinFactNeighborY="-18380">
-        <dgm:presLayoutVars>
-          <dgm:chPref val="3"/>
-        </dgm:presLayoutVars>
-      </dgm:prSet>
-      <dgm:spPr/>
-      <dgm:t>
-        <a:bodyPr/>
-        <a:lstStyle/>
-        <a:p>
-          <a:endParaRPr kumimoji="1" lang="ja-JP" altLang="en-US"/>
-        </a:p>
-      </dgm:t>
-    </dgm:pt>
-    <dgm:pt modelId="{C5E3742C-6B79-40B2-9BCB-9A16104F52B5}" type="pres">
-      <dgm:prSet presAssocID="{C1AE587A-6D7F-4B1E-905E-A1251F9EFAF2}" presName="level3hierChild" presStyleCnt="0"/>
-      <dgm:spPr/>
-    </dgm:pt>
     <dgm:pt modelId="{B1A8CFDC-B7E6-4059-86E3-411E6B63764B}" type="pres">
-      <dgm:prSet presAssocID="{420A7C68-5D43-4EB6-AFB7-75822302A846}" presName="conn2-1" presStyleLbl="parChTrans1D4" presStyleIdx="2" presStyleCnt="3"/>
+      <dgm:prSet presAssocID="{420A7C68-5D43-4EB6-AFB7-75822302A846}" presName="conn2-1" presStyleLbl="parChTrans1D4" presStyleIdx="1" presStyleCnt="2"/>
       <dgm:spPr/>
       <dgm:t>
         <a:bodyPr/>
@@ -3958,7 +3876,7 @@
       </dgm:t>
     </dgm:pt>
     <dgm:pt modelId="{2783DBF3-317F-4536-8771-9AD6DFDD1314}" type="pres">
-      <dgm:prSet presAssocID="{420A7C68-5D43-4EB6-AFB7-75822302A846}" presName="connTx" presStyleLbl="parChTrans1D4" presStyleIdx="2" presStyleCnt="3"/>
+      <dgm:prSet presAssocID="{420A7C68-5D43-4EB6-AFB7-75822302A846}" presName="connTx" presStyleLbl="parChTrans1D4" presStyleIdx="1" presStyleCnt="2"/>
       <dgm:spPr/>
       <dgm:t>
         <a:bodyPr/>
@@ -3973,7 +3891,7 @@
       <dgm:spPr/>
     </dgm:pt>
     <dgm:pt modelId="{FD4D22A1-EA69-46E1-AD42-248DA7FF3945}" type="pres">
-      <dgm:prSet presAssocID="{376B09F4-2D5B-4689-8EC4-FB34E6F5B1E9}" presName="LevelTwoTextNode" presStyleLbl="node4" presStyleIdx="2" presStyleCnt="3" custLinFactNeighborY="-10664">
+      <dgm:prSet presAssocID="{376B09F4-2D5B-4689-8EC4-FB34E6F5B1E9}" presName="LevelTwoTextNode" presStyleLbl="node4" presStyleIdx="1" presStyleCnt="2" custLinFactNeighborY="-10664">
         <dgm:presLayoutVars>
           <dgm:chPref val="3"/>
         </dgm:presLayoutVars>
@@ -4040,14 +3958,12 @@
   <dgm:cxnLst>
     <dgm:cxn modelId="{3E68CA76-0242-40F5-A739-B67DDD96909C}" type="presOf" srcId="{E164911D-41C0-41AD-BFD4-B8091C9AE415}" destId="{22A722A9-2815-423D-8C37-5E5F7385B8FB}" srcOrd="0" destOrd="0" presId="urn:microsoft.com/office/officeart/2008/layout/HorizontalMultiLevelHierarchy"/>
     <dgm:cxn modelId="{8F9986BA-F381-4E8F-9318-5A3B19F3AEF5}" type="presOf" srcId="{376B09F4-2D5B-4689-8EC4-FB34E6F5B1E9}" destId="{FD4D22A1-EA69-46E1-AD42-248DA7FF3945}" srcOrd="0" destOrd="0" presId="urn:microsoft.com/office/officeart/2008/layout/HorizontalMultiLevelHierarchy"/>
-    <dgm:cxn modelId="{DB36A5D4-C455-4F1C-A2AE-FEB25DF4D526}" type="presOf" srcId="{E74E28AB-748D-4811-A27E-613ADFEE3EB5}" destId="{0463C196-2219-401D-9D59-196552183F3D}" srcOrd="1" destOrd="0" presId="urn:microsoft.com/office/officeart/2008/layout/HorizontalMultiLevelHierarchy"/>
-    <dgm:cxn modelId="{10F71BE7-969B-4ACC-9297-3F0FB958ED6F}" type="presOf" srcId="{E74E28AB-748D-4811-A27E-613ADFEE3EB5}" destId="{13141A38-E980-4BA7-B959-FE095171D90C}" srcOrd="0" destOrd="0" presId="urn:microsoft.com/office/officeart/2008/layout/HorizontalMultiLevelHierarchy"/>
     <dgm:cxn modelId="{3EC99726-9C33-4B9E-BDD2-3D1846373F36}" type="presOf" srcId="{52003E9A-DF77-4E3B-A083-82B24FE4B0A8}" destId="{9CE9F315-076C-4A91-86FC-F479E1B271B6}" srcOrd="0" destOrd="0" presId="urn:microsoft.com/office/officeart/2008/layout/HorizontalMultiLevelHierarchy"/>
     <dgm:cxn modelId="{796C3458-9756-4CA4-A83C-4E40AB2F7250}" type="presOf" srcId="{EE43356B-C9DE-4C0E-B248-9A216F0378C8}" destId="{D6E049C7-86D3-494A-A553-3C85D9198E74}" srcOrd="0" destOrd="0" presId="urn:microsoft.com/office/officeart/2008/layout/HorizontalMultiLevelHierarchy"/>
     <dgm:cxn modelId="{23563D8C-BD92-4F19-83F6-95F3BB8234A9}" type="presOf" srcId="{EE43356B-C9DE-4C0E-B248-9A216F0378C8}" destId="{7646F691-96E9-4E87-95F9-A031B65F42CF}" srcOrd="1" destOrd="0" presId="urn:microsoft.com/office/officeart/2008/layout/HorizontalMultiLevelHierarchy"/>
     <dgm:cxn modelId="{DAA5B63D-F00F-445C-85A3-2C21BE6E5A48}" type="presOf" srcId="{B5357460-0FAD-40CA-BE82-980E0E8EA8E3}" destId="{8A5D712F-6AF2-4319-A6F5-A30D601300D8}" srcOrd="0" destOrd="0" presId="urn:microsoft.com/office/officeart/2008/layout/HorizontalMultiLevelHierarchy"/>
     <dgm:cxn modelId="{FCBFD05C-A7F1-4190-99C6-3A8477A83EC7}" type="presOf" srcId="{A0559AFC-F7C9-40A3-85C8-C1718708DC40}" destId="{5C94A537-F670-4876-9327-9280C8C56023}" srcOrd="0" destOrd="0" presId="urn:microsoft.com/office/officeart/2008/layout/HorizontalMultiLevelHierarchy"/>
-    <dgm:cxn modelId="{D2CB7E7E-3292-42A0-834B-2F9B6991FB5F}" srcId="{93C747BF-5C60-4B4E-BC94-D52651C13DE4}" destId="{376B09F4-2D5B-4689-8EC4-FB34E6F5B1E9}" srcOrd="2" destOrd="0" parTransId="{420A7C68-5D43-4EB6-AFB7-75822302A846}" sibTransId="{7EBA06D7-F455-4841-8F6A-A8B032555400}"/>
+    <dgm:cxn modelId="{D2CB7E7E-3292-42A0-834B-2F9B6991FB5F}" srcId="{93C747BF-5C60-4B4E-BC94-D52651C13DE4}" destId="{376B09F4-2D5B-4689-8EC4-FB34E6F5B1E9}" srcOrd="1" destOrd="0" parTransId="{420A7C68-5D43-4EB6-AFB7-75822302A846}" sibTransId="{7EBA06D7-F455-4841-8F6A-A8B032555400}"/>
     <dgm:cxn modelId="{6DBB8725-1222-4B17-867E-54704F7EE749}" srcId="{93C747BF-5C60-4B4E-BC94-D52651C13DE4}" destId="{7981970C-204D-4F36-BD70-A041F4B940E6}" srcOrd="0" destOrd="0" parTransId="{52003E9A-DF77-4E3B-A083-82B24FE4B0A8}" sibTransId="{D0F2AC8F-BA3D-4E6C-AC90-92F634F15E92}"/>
     <dgm:cxn modelId="{454A9219-ECCB-4CE0-AC06-6FF5CDCF5543}" type="presOf" srcId="{33878004-7D2A-4F72-BEDB-5D0AB58F15AC}" destId="{BA2C46D1-49F2-4416-B0F1-25FE16F65916}" srcOrd="0" destOrd="0" presId="urn:microsoft.com/office/officeart/2008/layout/HorizontalMultiLevelHierarchy"/>
     <dgm:cxn modelId="{07F39503-5931-40A9-B6E2-999857B09BCE}" type="presOf" srcId="{52003E9A-DF77-4E3B-A083-82B24FE4B0A8}" destId="{B5347ED1-EC76-4B54-8471-81696427CD3E}" srcOrd="1" destOrd="0" presId="urn:microsoft.com/office/officeart/2008/layout/HorizontalMultiLevelHierarchy"/>
@@ -4056,10 +3972,8 @@
     <dgm:cxn modelId="{4EB29B15-F30D-4315-A7A7-8A959550FC99}" type="presOf" srcId="{A0559AFC-F7C9-40A3-85C8-C1718708DC40}" destId="{75F5CFBF-8828-4BF9-816E-859BC8ED4F44}" srcOrd="1" destOrd="0" presId="urn:microsoft.com/office/officeart/2008/layout/HorizontalMultiLevelHierarchy"/>
     <dgm:cxn modelId="{99F84A0E-D845-4A3E-B617-A2884107E4D8}" srcId="{33878004-7D2A-4F72-BEDB-5D0AB58F15AC}" destId="{93C747BF-5C60-4B4E-BC94-D52651C13DE4}" srcOrd="0" destOrd="0" parTransId="{EE43356B-C9DE-4C0E-B248-9A216F0378C8}" sibTransId="{B50FE281-80F8-4DF5-BD57-535DF8E4AC04}"/>
     <dgm:cxn modelId="{0C47668A-8847-45C5-A966-CAEF64CC0E04}" type="presOf" srcId="{420A7C68-5D43-4EB6-AFB7-75822302A846}" destId="{B1A8CFDC-B7E6-4059-86E3-411E6B63764B}" srcOrd="0" destOrd="0" presId="urn:microsoft.com/office/officeart/2008/layout/HorizontalMultiLevelHierarchy"/>
-    <dgm:cxn modelId="{BFA723F3-822C-4219-AC3C-85DF88603996}" srcId="{93C747BF-5C60-4B4E-BC94-D52651C13DE4}" destId="{C1AE587A-6D7F-4B1E-905E-A1251F9EFAF2}" srcOrd="1" destOrd="0" parTransId="{E74E28AB-748D-4811-A27E-613ADFEE3EB5}" sibTransId="{71242734-9763-4B6E-9CC8-74E2DAA15431}"/>
     <dgm:cxn modelId="{C1DC62F1-DAF0-4743-85B4-EAD949844F58}" type="presOf" srcId="{01604493-B99B-4814-ACAE-EF4534CEEECF}" destId="{F1E4F070-4D42-4CFC-BB13-F40CB6117610}" srcOrd="0" destOrd="0" presId="urn:microsoft.com/office/officeart/2008/layout/HorizontalMultiLevelHierarchy"/>
     <dgm:cxn modelId="{24AB20C0-F768-48A1-8430-E5F09A7028EA}" type="presOf" srcId="{42AACD0A-5BFC-48B7-BF2F-7EFEB20806CE}" destId="{3AB2966F-51C8-4712-9488-E33308A531C6}" srcOrd="1" destOrd="0" presId="urn:microsoft.com/office/officeart/2008/layout/HorizontalMultiLevelHierarchy"/>
-    <dgm:cxn modelId="{D700743F-8978-4C23-9449-A7D99A259A0A}" type="presOf" srcId="{C1AE587A-6D7F-4B1E-905E-A1251F9EFAF2}" destId="{6418B5C4-F415-45FB-916A-03441B73AD5E}" srcOrd="0" destOrd="0" presId="urn:microsoft.com/office/officeart/2008/layout/HorizontalMultiLevelHierarchy"/>
     <dgm:cxn modelId="{AB41FEFD-516A-45BB-A280-CA6B0C2945B5}" type="presOf" srcId="{420A7C68-5D43-4EB6-AFB7-75822302A846}" destId="{2783DBF3-317F-4536-8771-9AD6DFDD1314}" srcOrd="1" destOrd="0" presId="urn:microsoft.com/office/officeart/2008/layout/HorizontalMultiLevelHierarchy"/>
     <dgm:cxn modelId="{23EA1E0E-CCDB-447D-9BF6-AE74DA453A52}" type="presOf" srcId="{7981970C-204D-4F36-BD70-A041F4B940E6}" destId="{8ADF30A2-5DE6-4E05-8507-6283510A3E97}" srcOrd="0" destOrd="0" presId="urn:microsoft.com/office/officeart/2008/layout/HorizontalMultiLevelHierarchy"/>
     <dgm:cxn modelId="{E06CCF47-E96C-4AB1-9671-F2E9BFC59046}" type="presOf" srcId="{42AACD0A-5BFC-48B7-BF2F-7EFEB20806CE}" destId="{C9BB74AF-030F-4CA5-8A14-E9B74F3B9177}" srcOrd="0" destOrd="0" presId="urn:microsoft.com/office/officeart/2008/layout/HorizontalMultiLevelHierarchy"/>
@@ -4083,14 +3997,9 @@
     <dgm:cxn modelId="{96F48141-6C12-4AFD-98D0-44A4A35EBEFA}" type="presParOf" srcId="{AB128323-0D0B-4E88-BE6B-FE7864EC4A20}" destId="{09F8EF9F-94E6-4D3F-895B-E63A582372B6}" srcOrd="1" destOrd="0" presId="urn:microsoft.com/office/officeart/2008/layout/HorizontalMultiLevelHierarchy"/>
     <dgm:cxn modelId="{6A5C6C42-E9E3-40A2-9220-AA1FF5826FF8}" type="presParOf" srcId="{09F8EF9F-94E6-4D3F-895B-E63A582372B6}" destId="{8ADF30A2-5DE6-4E05-8507-6283510A3E97}" srcOrd="0" destOrd="0" presId="urn:microsoft.com/office/officeart/2008/layout/HorizontalMultiLevelHierarchy"/>
     <dgm:cxn modelId="{0D37E38D-41C4-4814-9A1C-1CB5F92657D9}" type="presParOf" srcId="{09F8EF9F-94E6-4D3F-895B-E63A582372B6}" destId="{5EC35187-6998-4EF8-B9F1-C703C97F0FC1}" srcOrd="1" destOrd="0" presId="urn:microsoft.com/office/officeart/2008/layout/HorizontalMultiLevelHierarchy"/>
-    <dgm:cxn modelId="{DF561041-93E2-456A-9730-F096D224EAA2}" type="presParOf" srcId="{AB128323-0D0B-4E88-BE6B-FE7864EC4A20}" destId="{13141A38-E980-4BA7-B959-FE095171D90C}" srcOrd="2" destOrd="0" presId="urn:microsoft.com/office/officeart/2008/layout/HorizontalMultiLevelHierarchy"/>
-    <dgm:cxn modelId="{EC4BE242-985C-4047-8A47-9CDDF8FED2D5}" type="presParOf" srcId="{13141A38-E980-4BA7-B959-FE095171D90C}" destId="{0463C196-2219-401D-9D59-196552183F3D}" srcOrd="0" destOrd="0" presId="urn:microsoft.com/office/officeart/2008/layout/HorizontalMultiLevelHierarchy"/>
-    <dgm:cxn modelId="{9C2154D6-08C3-48E0-91AF-4860F5A2E42B}" type="presParOf" srcId="{AB128323-0D0B-4E88-BE6B-FE7864EC4A20}" destId="{39459AB4-6147-41A0-BD08-256EFB924859}" srcOrd="3" destOrd="0" presId="urn:microsoft.com/office/officeart/2008/layout/HorizontalMultiLevelHierarchy"/>
-    <dgm:cxn modelId="{46159917-7060-451E-A478-135F258C7F90}" type="presParOf" srcId="{39459AB4-6147-41A0-BD08-256EFB924859}" destId="{6418B5C4-F415-45FB-916A-03441B73AD5E}" srcOrd="0" destOrd="0" presId="urn:microsoft.com/office/officeart/2008/layout/HorizontalMultiLevelHierarchy"/>
-    <dgm:cxn modelId="{C82B5F68-A765-4F8E-8671-32C20BAAB940}" type="presParOf" srcId="{39459AB4-6147-41A0-BD08-256EFB924859}" destId="{C5E3742C-6B79-40B2-9BCB-9A16104F52B5}" srcOrd="1" destOrd="0" presId="urn:microsoft.com/office/officeart/2008/layout/HorizontalMultiLevelHierarchy"/>
-    <dgm:cxn modelId="{1AD793EA-5E5A-4039-8ED0-CFF2D8244F66}" type="presParOf" srcId="{AB128323-0D0B-4E88-BE6B-FE7864EC4A20}" destId="{B1A8CFDC-B7E6-4059-86E3-411E6B63764B}" srcOrd="4" destOrd="0" presId="urn:microsoft.com/office/officeart/2008/layout/HorizontalMultiLevelHierarchy"/>
+    <dgm:cxn modelId="{1AD793EA-5E5A-4039-8ED0-CFF2D8244F66}" type="presParOf" srcId="{AB128323-0D0B-4E88-BE6B-FE7864EC4A20}" destId="{B1A8CFDC-B7E6-4059-86E3-411E6B63764B}" srcOrd="2" destOrd="0" presId="urn:microsoft.com/office/officeart/2008/layout/HorizontalMultiLevelHierarchy"/>
     <dgm:cxn modelId="{722BAB70-35A2-484D-9DA9-A9BA89C58ECC}" type="presParOf" srcId="{B1A8CFDC-B7E6-4059-86E3-411E6B63764B}" destId="{2783DBF3-317F-4536-8771-9AD6DFDD1314}" srcOrd="0" destOrd="0" presId="urn:microsoft.com/office/officeart/2008/layout/HorizontalMultiLevelHierarchy"/>
-    <dgm:cxn modelId="{35F5A6F2-17B7-4B92-AB4B-928DEFFD8E97}" type="presParOf" srcId="{AB128323-0D0B-4E88-BE6B-FE7864EC4A20}" destId="{31830C5C-B709-4E82-AF62-EC1CA2A6A4F7}" srcOrd="5" destOrd="0" presId="urn:microsoft.com/office/officeart/2008/layout/HorizontalMultiLevelHierarchy"/>
+    <dgm:cxn modelId="{35F5A6F2-17B7-4B92-AB4B-928DEFFD8E97}" type="presParOf" srcId="{AB128323-0D0B-4E88-BE6B-FE7864EC4A20}" destId="{31830C5C-B709-4E82-AF62-EC1CA2A6A4F7}" srcOrd="3" destOrd="0" presId="urn:microsoft.com/office/officeart/2008/layout/HorizontalMultiLevelHierarchy"/>
     <dgm:cxn modelId="{10B99075-39A9-426F-8A6E-7BE81194AB22}" type="presParOf" srcId="{31830C5C-B709-4E82-AF62-EC1CA2A6A4F7}" destId="{FD4D22A1-EA69-46E1-AD42-248DA7FF3945}" srcOrd="0" destOrd="0" presId="urn:microsoft.com/office/officeart/2008/layout/HorizontalMultiLevelHierarchy"/>
     <dgm:cxn modelId="{0680F227-CCC1-435E-A420-21F7E48830B0}" type="presParOf" srcId="{31830C5C-B709-4E82-AF62-EC1CA2A6A4F7}" destId="{C4FEABA7-2F24-4312-BD76-4C20CF02764E}" srcOrd="1" destOrd="0" presId="urn:microsoft.com/office/officeart/2008/layout/HorizontalMultiLevelHierarchy"/>
     <dgm:cxn modelId="{0D7ED993-C3BC-4729-9FEE-571113023FFC}" type="presParOf" srcId="{E74F55B6-9477-45DF-AC5A-F4A1CB999028}" destId="{C9BB74AF-030F-4CA5-8A14-E9B74F3B9177}" srcOrd="2" destOrd="0" presId="urn:microsoft.com/office/officeart/2008/layout/HorizontalMultiLevelHierarchy"/>
@@ -5634,8 +5543,8 @@
             </a:spcAft>
           </a:pPr>
           <a:r>
-            <a:rPr kumimoji="1" lang="ja-JP" altLang="en-US" sz="1800" kern="1200" smtClean="0"/>
-            <a:t>月報申請修正</a:t>
+            <a:rPr kumimoji="1" lang="ja-JP" altLang="en-US" sz="1800" kern="1200" dirty="0" smtClean="0"/>
+            <a:t>月報再申請</a:t>
           </a:r>
           <a:endParaRPr kumimoji="1" lang="ja-JP" altLang="en-US" sz="1800" kern="1200" dirty="0"/>
         </a:p>
@@ -5977,7 +5886,7 @@
       <dsp:spPr>
         <a:xfrm>
           <a:off x="5534906" y="1734688"/>
-          <a:ext cx="408926" cy="892695"/>
+          <a:ext cx="408926" cy="503092"/>
         </a:xfrm>
         <a:custGeom>
           <a:avLst/>
@@ -5994,10 +5903,10 @@
                 <a:pt x="204463" y="0"/>
               </a:lnTo>
               <a:lnTo>
-                <a:pt x="204463" y="892695"/>
+                <a:pt x="204463" y="503092"/>
               </a:lnTo>
               <a:lnTo>
-                <a:pt x="408926" y="892695"/>
+                <a:pt x="408926" y="503092"/>
               </a:lnTo>
             </a:path>
           </a:pathLst>
@@ -6049,19 +5958,19 @@
         </a:p>
       </dsp:txBody>
       <dsp:txXfrm>
-        <a:off x="5714822" y="2156488"/>
-        <a:ext cx="49094" cy="49094"/>
+        <a:off x="5723162" y="1970026"/>
+        <a:ext cx="32416" cy="32416"/>
       </dsp:txXfrm>
     </dsp:sp>
-    <dsp:sp modelId="{13141A38-E980-4BA7-B959-FE095171D90C}">
+    <dsp:sp modelId="{9CE9F315-076C-4A91-86FC-F479E1B271B6}">
       <dsp:nvSpPr>
         <dsp:cNvPr id="0" name=""/>
         <dsp:cNvSpPr/>
       </dsp:nvSpPr>
       <dsp:spPr>
         <a:xfrm>
-          <a:off x="5534906" y="1688968"/>
-          <a:ext cx="408926" cy="91440"/>
+          <a:off x="5534906" y="1326384"/>
+          <a:ext cx="408926" cy="408303"/>
         </a:xfrm>
         <a:custGeom>
           <a:avLst/>
@@ -6072,94 +5981,10 @@
           <a:pathLst>
             <a:path>
               <a:moveTo>
-                <a:pt x="0" y="45720"/>
+                <a:pt x="0" y="408303"/>
               </a:moveTo>
               <a:lnTo>
-                <a:pt x="204463" y="45720"/>
-              </a:lnTo>
-              <a:lnTo>
-                <a:pt x="204463" y="111110"/>
-              </a:lnTo>
-              <a:lnTo>
-                <a:pt x="408926" y="111110"/>
-              </a:lnTo>
-            </a:path>
-          </a:pathLst>
-        </a:custGeom>
-        <a:noFill/>
-        <a:ln w="9525" cap="flat" cmpd="sng" algn="ctr">
-          <a:solidFill>
-            <a:schemeClr val="accent4">
-              <a:hueOff val="0"/>
-              <a:satOff val="0"/>
-              <a:lumOff val="0"/>
-              <a:alphaOff val="0"/>
-            </a:schemeClr>
-          </a:solidFill>
-          <a:prstDash val="solid"/>
-        </a:ln>
-        <a:effectLst/>
-      </dsp:spPr>
-      <dsp:style>
-        <a:lnRef idx="1">
-          <a:scrgbClr r="0" g="0" b="0"/>
-        </a:lnRef>
-        <a:fillRef idx="0">
-          <a:scrgbClr r="0" g="0" b="0"/>
-        </a:fillRef>
-        <a:effectRef idx="0">
-          <a:scrgbClr r="0" g="0" b="0"/>
-        </a:effectRef>
-        <a:fontRef idx="minor"/>
-      </dsp:style>
-      <dsp:txBody>
-        <a:bodyPr spcFirstLastPara="0" vert="horz" wrap="square" lIns="12700" tIns="0" rIns="12700" bIns="0" numCol="1" spcCol="1270" anchor="ctr" anchorCtr="0">
-          <a:noAutofit/>
-        </a:bodyPr>
-        <a:lstStyle/>
-        <a:p>
-          <a:pPr lvl="0" algn="ctr" defTabSz="222250">
-            <a:lnSpc>
-              <a:spcPct val="90000"/>
-            </a:lnSpc>
-            <a:spcBef>
-              <a:spcPct val="0"/>
-            </a:spcBef>
-            <a:spcAft>
-              <a:spcPct val="35000"/>
-            </a:spcAft>
-          </a:pPr>
-          <a:endParaRPr kumimoji="1" lang="ja-JP" altLang="en-US" sz="500" kern="1200"/>
-        </a:p>
-      </dsp:txBody>
-      <dsp:txXfrm>
-        <a:off x="5729017" y="1724335"/>
-        <a:ext cx="20706" cy="20706"/>
-      </dsp:txXfrm>
-    </dsp:sp>
-    <dsp:sp modelId="{9CE9F315-076C-4A91-86FC-F479E1B271B6}">
-      <dsp:nvSpPr>
-        <dsp:cNvPr id="0" name=""/>
-        <dsp:cNvSpPr/>
-      </dsp:nvSpPr>
-      <dsp:spPr>
-        <a:xfrm>
-          <a:off x="5534906" y="936781"/>
-          <a:ext cx="408926" cy="797906"/>
-        </a:xfrm>
-        <a:custGeom>
-          <a:avLst/>
-          <a:gdLst/>
-          <a:ahLst/>
-          <a:cxnLst/>
-          <a:rect l="0" t="0" r="0" b="0"/>
-          <a:pathLst>
-            <a:path>
-              <a:moveTo>
-                <a:pt x="0" y="797906"/>
-              </a:moveTo>
-              <a:lnTo>
-                <a:pt x="204463" y="797906"/>
+                <a:pt x="204463" y="408303"/>
               </a:lnTo>
               <a:lnTo>
                 <a:pt x="204463" y="0"/>
@@ -6217,8 +6042,8 @@
         </a:p>
       </dsp:txBody>
       <dsp:txXfrm>
-        <a:off x="5716955" y="1313320"/>
-        <a:ext cx="44829" cy="44829"/>
+        <a:off x="5724923" y="1516089"/>
+        <a:ext cx="28893" cy="28893"/>
       </dsp:txXfrm>
     </dsp:sp>
     <dsp:sp modelId="{D6E049C7-86D3-494A-A553-3C85D9198E74}">
@@ -6738,7 +6563,7 @@
       </dsp:nvSpPr>
       <dsp:spPr>
         <a:xfrm>
-          <a:off x="5943833" y="625099"/>
+          <a:off x="5943833" y="1014702"/>
           <a:ext cx="2044634" cy="623364"/>
         </a:xfrm>
         <a:prstGeom prst="rect">
@@ -6841,121 +6666,7 @@
         </a:p>
       </dsp:txBody>
       <dsp:txXfrm>
-        <a:off x="5943833" y="625099"/>
-        <a:ext cx="2044634" cy="623364"/>
-      </dsp:txXfrm>
-    </dsp:sp>
-    <dsp:sp modelId="{6418B5C4-F415-45FB-916A-03441B73AD5E}">
-      <dsp:nvSpPr>
-        <dsp:cNvPr id="0" name=""/>
-        <dsp:cNvSpPr/>
-      </dsp:nvSpPr>
-      <dsp:spPr>
-        <a:xfrm>
-          <a:off x="5943833" y="1488396"/>
-          <a:ext cx="2044634" cy="623364"/>
-        </a:xfrm>
-        <a:prstGeom prst="rect">
-          <a:avLst/>
-        </a:prstGeom>
-        <a:gradFill rotWithShape="0">
-          <a:gsLst>
-            <a:gs pos="0">
-              <a:schemeClr val="accent4">
-                <a:hueOff val="0"/>
-                <a:satOff val="0"/>
-                <a:lumOff val="0"/>
-                <a:alphaOff val="0"/>
-                <a:shade val="15000"/>
-                <a:satMod val="180000"/>
-              </a:schemeClr>
-            </a:gs>
-            <a:gs pos="50000">
-              <a:schemeClr val="accent4">
-                <a:hueOff val="0"/>
-                <a:satOff val="0"/>
-                <a:lumOff val="0"/>
-                <a:alphaOff val="0"/>
-                <a:shade val="45000"/>
-                <a:satMod val="170000"/>
-              </a:schemeClr>
-            </a:gs>
-            <a:gs pos="70000">
-              <a:schemeClr val="accent4">
-                <a:hueOff val="0"/>
-                <a:satOff val="0"/>
-                <a:lumOff val="0"/>
-                <a:alphaOff val="0"/>
-                <a:tint val="99000"/>
-                <a:shade val="65000"/>
-                <a:satMod val="155000"/>
-              </a:schemeClr>
-            </a:gs>
-            <a:gs pos="100000">
-              <a:schemeClr val="accent4">
-                <a:hueOff val="0"/>
-                <a:satOff val="0"/>
-                <a:lumOff val="0"/>
-                <a:alphaOff val="0"/>
-                <a:tint val="95500"/>
-                <a:shade val="100000"/>
-                <a:satMod val="155000"/>
-              </a:schemeClr>
-            </a:gs>
-          </a:gsLst>
-          <a:lin ang="16200000" scaled="0"/>
-        </a:gradFill>
-        <a:ln>
-          <a:noFill/>
-        </a:ln>
-        <a:effectLst>
-          <a:outerShdw blurRad="50800" dist="38100" dir="5400000" rotWithShape="0">
-            <a:srgbClr val="000000">
-              <a:alpha val="35000"/>
-            </a:srgbClr>
-          </a:outerShdw>
-        </a:effectLst>
-      </dsp:spPr>
-      <dsp:style>
-        <a:lnRef idx="0">
-          <a:scrgbClr r="0" g="0" b="0"/>
-        </a:lnRef>
-        <a:fillRef idx="3">
-          <a:scrgbClr r="0" g="0" b="0"/>
-        </a:fillRef>
-        <a:effectRef idx="2">
-          <a:scrgbClr r="0" g="0" b="0"/>
-        </a:effectRef>
-        <a:fontRef idx="minor">
-          <a:schemeClr val="lt1"/>
-        </a:fontRef>
-      </dsp:style>
-      <dsp:txBody>
-        <a:bodyPr spcFirstLastPara="0" vert="horz" wrap="square" lIns="11430" tIns="11430" rIns="11430" bIns="11430" numCol="1" spcCol="1270" anchor="ctr" anchorCtr="0">
-          <a:noAutofit/>
-        </a:bodyPr>
-        <a:lstStyle/>
-        <a:p>
-          <a:pPr lvl="0" algn="ctr" defTabSz="800100">
-            <a:lnSpc>
-              <a:spcPct val="90000"/>
-            </a:lnSpc>
-            <a:spcBef>
-              <a:spcPct val="0"/>
-            </a:spcBef>
-            <a:spcAft>
-              <a:spcPct val="35000"/>
-            </a:spcAft>
-          </a:pPr>
-          <a:r>
-            <a:rPr kumimoji="1" lang="ja-JP" altLang="en-US" sz="1800" kern="1200" dirty="0" smtClean="0"/>
-            <a:t>月報承認修正</a:t>
-          </a:r>
-          <a:endParaRPr kumimoji="1" lang="ja-JP" altLang="en-US" sz="1800" kern="1200" dirty="0"/>
-        </a:p>
-      </dsp:txBody>
-      <dsp:txXfrm>
-        <a:off x="5943833" y="1488396"/>
+        <a:off x="5943833" y="1014702"/>
         <a:ext cx="2044634" cy="623364"/>
       </dsp:txXfrm>
     </dsp:sp>
@@ -6966,7 +6677,7 @@
       </dsp:nvSpPr>
       <dsp:spPr>
         <a:xfrm>
-          <a:off x="5943833" y="2315700"/>
+          <a:off x="5943833" y="1926098"/>
           <a:ext cx="2044634" cy="623364"/>
         </a:xfrm>
         <a:prstGeom prst="rect">
@@ -7069,7 +6780,7 @@
         </a:p>
       </dsp:txBody>
       <dsp:txXfrm>
-        <a:off x="5943833" y="2315700"/>
+        <a:off x="5943833" y="1926098"/>
         <a:ext cx="2044634" cy="623364"/>
       </dsp:txXfrm>
     </dsp:sp>
@@ -12653,7 +12364,7 @@
             <a:fld id="{BCDAA5EE-A947-4495-AD3A-0037BFB73522}" type="datetimeFigureOut">
               <a:rPr kumimoji="1" lang="ja-JP" altLang="en-US" smtClean="0"/>
               <a:pPr/>
-              <a:t>2016/9/30</a:t>
+              <a:t>2016/10/17</a:t>
             </a:fld>
             <a:endParaRPr kumimoji="1" lang="ja-JP" altLang="en-US"/>
           </a:p>
@@ -12820,7 +12531,7 @@
             <a:fld id="{B865EC08-ADE3-4A7C-8117-50520C10DDF4}" type="datetimeFigureOut">
               <a:rPr kumimoji="1" lang="ja-JP" altLang="en-US" smtClean="0"/>
               <a:pPr/>
-              <a:t>2016/9/30</a:t>
+              <a:t>2016/10/17</a:t>
             </a:fld>
             <a:endParaRPr kumimoji="1" lang="ja-JP" altLang="en-US"/>
           </a:p>
@@ -13746,7 +13457,7 @@
           <a:p>
             <a:fld id="{3A576C07-E38E-4C3D-BC35-8E17EB8E6E08}" type="datetime1">
               <a:rPr kumimoji="1" lang="ja-JP" altLang="en-US" smtClean="0"/>
-              <a:t>2016/9/30</a:t>
+              <a:t>2016/10/17</a:t>
             </a:fld>
             <a:endParaRPr kumimoji="1" lang="ja-JP" altLang="en-US"/>
           </a:p>
@@ -13975,7 +13686,7 @@
           <a:p>
             <a:fld id="{D0F623A9-937B-4786-8F6C-0B01A518FDEB}" type="datetime1">
               <a:rPr kumimoji="1" lang="ja-JP" altLang="en-US" smtClean="0"/>
-              <a:t>2016/9/30</a:t>
+              <a:t>2016/10/17</a:t>
             </a:fld>
             <a:endParaRPr kumimoji="1" lang="ja-JP" altLang="en-US"/>
           </a:p>
@@ -14193,7 +13904,7 @@
           <a:p>
             <a:fld id="{3C9E95D3-AFAE-4D54-BB7E-F3C2095620FD}" type="datetime1">
               <a:rPr kumimoji="1" lang="ja-JP" altLang="en-US" smtClean="0"/>
-              <a:t>2016/9/30</a:t>
+              <a:t>2016/10/17</a:t>
             </a:fld>
             <a:endParaRPr kumimoji="1" lang="ja-JP" altLang="en-US"/>
           </a:p>
@@ -14376,7 +14087,7 @@
           <a:p>
             <a:fld id="{A1955A63-441B-408C-895B-6B2624043540}" type="datetime1">
               <a:rPr kumimoji="1" lang="ja-JP" altLang="en-US" smtClean="0"/>
-              <a:t>2016/9/30</a:t>
+              <a:t>2016/10/17</a:t>
             </a:fld>
             <a:endParaRPr kumimoji="1" lang="ja-JP" altLang="en-US"/>
           </a:p>
@@ -14632,7 +14343,7 @@
           <a:p>
             <a:fld id="{BB7D982B-7800-4436-BF26-308BFD481496}" type="datetime1">
               <a:rPr kumimoji="1" lang="ja-JP" altLang="en-US" smtClean="0"/>
-              <a:t>2016/9/30</a:t>
+              <a:t>2016/10/17</a:t>
             </a:fld>
             <a:endParaRPr kumimoji="1" lang="ja-JP" altLang="en-US"/>
           </a:p>
@@ -15106,7 +14817,7 @@
           <a:p>
             <a:fld id="{29999401-03DD-4A20-94C7-318741F3EB83}" type="datetime1">
               <a:rPr kumimoji="1" lang="ja-JP" altLang="en-US" smtClean="0"/>
-              <a:t>2016/9/30</a:t>
+              <a:t>2016/10/17</a:t>
             </a:fld>
             <a:endParaRPr kumimoji="1" lang="ja-JP" altLang="en-US"/>
           </a:p>
@@ -15617,7 +15328,7 @@
           <a:p>
             <a:fld id="{F0EA75BA-4C7E-4CF2-823F-8E80C3C309A0}" type="datetime1">
               <a:rPr kumimoji="1" lang="ja-JP" altLang="en-US" smtClean="0"/>
-              <a:t>2016/9/30</a:t>
+              <a:t>2016/10/17</a:t>
             </a:fld>
             <a:endParaRPr kumimoji="1" lang="ja-JP" altLang="en-US"/>
           </a:p>
@@ -15719,7 +15430,7 @@
           <a:p>
             <a:fld id="{98CC5EB7-3AA8-4A7E-B941-5AA34CF65C67}" type="datetime1">
               <a:rPr kumimoji="1" lang="ja-JP" altLang="en-US" smtClean="0"/>
-              <a:t>2016/9/30</a:t>
+              <a:t>2016/10/17</a:t>
             </a:fld>
             <a:endParaRPr kumimoji="1" lang="ja-JP" altLang="en-US"/>
           </a:p>
@@ -15841,7 +15552,7 @@
           <a:p>
             <a:fld id="{1D46C637-6F31-4519-86BD-A8DE27E26308}" type="datetime1">
               <a:rPr kumimoji="1" lang="ja-JP" altLang="en-US" smtClean="0"/>
-              <a:t>2016/9/30</a:t>
+              <a:t>2016/10/17</a:t>
             </a:fld>
             <a:endParaRPr kumimoji="1" lang="ja-JP" altLang="en-US"/>
           </a:p>
@@ -16148,7 +15859,7 @@
           <a:p>
             <a:fld id="{1F18E707-7AD5-425B-9941-61ED8021112A}" type="datetime1">
               <a:rPr kumimoji="1" lang="ja-JP" altLang="en-US" smtClean="0"/>
-              <a:t>2016/9/30</a:t>
+              <a:t>2016/10/17</a:t>
             </a:fld>
             <a:endParaRPr kumimoji="1" lang="ja-JP" altLang="en-US"/>
           </a:p>
@@ -16354,7 +16065,7 @@
           <a:p>
             <a:fld id="{E4E615BB-84E1-4D8C-B2DC-7C8888235217}" type="datetime1">
               <a:rPr kumimoji="1" lang="ja-JP" altLang="en-US" smtClean="0"/>
-              <a:t>2016/9/30</a:t>
+              <a:t>2016/10/17</a:t>
             </a:fld>
             <a:endParaRPr kumimoji="1" lang="ja-JP" altLang="en-US"/>
           </a:p>
@@ -17496,7 +17207,7 @@
           <a:p>
             <a:fld id="{C73A04D8-C60D-483B-AB76-E6A23F203AF6}" type="datetime1">
               <a:rPr kumimoji="1" lang="ja-JP" altLang="en-US" smtClean="0"/>
-              <a:t>2016/9/30</a:t>
+              <a:t>2016/10/17</a:t>
             </a:fld>
             <a:endParaRPr kumimoji="1" lang="ja-JP" altLang="en-US"/>
           </a:p>
@@ -18003,7 +17714,7 @@
           <p:nvPr>
             <p:extLst>
               <p:ext uri="{D42A27DB-BD31-4B8C-83A1-F6EECF244321}">
-                <p14:modId xmlns:p14="http://schemas.microsoft.com/office/powerpoint/2010/main" val="1061927676"/>
+                <p14:modId xmlns:p14="http://schemas.microsoft.com/office/powerpoint/2010/main" val="772880857"/>
               </p:ext>
             </p:extLst>
           </p:nvPr>
@@ -19554,14 +19265,14 @@
             <p:ph idx="1"/>
             <p:extLst>
               <p:ext uri="{D42A27DB-BD31-4B8C-83A1-F6EECF244321}">
-                <p14:modId xmlns:p14="http://schemas.microsoft.com/office/powerpoint/2010/main" val="684743925"/>
+                <p14:modId xmlns:p14="http://schemas.microsoft.com/office/powerpoint/2010/main" val="3804796365"/>
               </p:ext>
             </p:extLst>
           </p:nvPr>
         </p:nvGraphicFramePr>
         <p:xfrm>
           <a:off x="601215" y="1484785"/>
-          <a:ext cx="7931225" cy="5224088"/>
+          <a:ext cx="7931225" cy="3995532"/>
         </p:xfrm>
         <a:graphic>
           <a:graphicData uri="http://schemas.openxmlformats.org/drawingml/2006/table">
@@ -19784,112 +19495,29 @@
                         <a:effectLst/>
                       </a:endParaRPr>
                     </a:p>
-                  </a:txBody>
-                  <a:tcPr marL="8355" marR="8355" marT="8355" marB="0" anchor="ctr"/>
-                </a:tc>
-              </a:tr>
-              <a:tr h="580121">
-                <a:tc>
-                  <a:txBody>
-                    <a:bodyPr/>
-                    <a:lstStyle/>
                     <a:p>
-                      <a:pPr marL="0" indent="0" algn="r" fontAlgn="ctr">
-                        <a:buFont typeface="Arial" panose="020B0604020202020204" pitchFamily="34" charset="0"/>
+                      <a:pPr marL="0" marR="0" indent="0" algn="l" defTabSz="914400" rtl="0" eaLnBrk="1" fontAlgn="ctr" latinLnBrk="0" hangingPunct="1">
+                        <a:lnSpc>
+                          <a:spcPct val="100000"/>
+                        </a:lnSpc>
+                        <a:spcBef>
+                          <a:spcPts val="0"/>
+                        </a:spcBef>
+                        <a:spcAft>
+                          <a:spcPts val="0"/>
+                        </a:spcAft>
+                        <a:buClrTx/>
+                        <a:buSzTx/>
+                        <a:buFontTx/>
                         <a:buNone/>
+                        <a:tabLst/>
+                        <a:defRPr/>
                       </a:pPr>
-                      <a:r>
-                        <a:rPr lang="en-US" altLang="ja-JP" sz="1400" b="0" i="0" u="none" strike="noStrike" dirty="0" smtClean="0">
-                          <a:solidFill>
-                            <a:srgbClr val="000000"/>
-                          </a:solidFill>
-                          <a:effectLst/>
-                          <a:latin typeface="+mn-ea"/>
-                          <a:ea typeface="+mn-ea"/>
-                        </a:rPr>
-                        <a:t>2</a:t>
-                      </a:r>
-                      <a:endParaRPr lang="en-US" altLang="ja-JP" sz="1400" b="0" i="0" u="none" strike="noStrike" dirty="0">
-                        <a:solidFill>
-                          <a:srgbClr val="000000"/>
-                        </a:solidFill>
-                        <a:effectLst/>
-                        <a:latin typeface="+mn-ea"/>
-                        <a:ea typeface="+mn-ea"/>
-                      </a:endParaRPr>
-                    </a:p>
-                  </a:txBody>
-                  <a:tcPr marL="8355" marR="8355" marT="8355" marB="0" anchor="ctr"/>
-                </a:tc>
-                <a:tc>
-                  <a:txBody>
-                    <a:bodyPr/>
-                    <a:lstStyle/>
-                    <a:p>
-                      <a:pPr algn="l" fontAlgn="ctr"/>
-                      <a:r>
-                        <a:rPr lang="zh-TW" altLang="en-US" sz="1400" u="none" strike="noStrike" dirty="0" smtClean="0">
-                          <a:effectLst/>
-                        </a:rPr>
-                        <a:t>月報</a:t>
-                      </a:r>
                       <a:r>
                         <a:rPr lang="ja-JP" altLang="en-US" sz="1400" u="none" strike="noStrike" dirty="0" smtClean="0">
                           <a:effectLst/>
                         </a:rPr>
-                        <a:t>申請修正</a:t>
-                      </a:r>
-                      <a:endParaRPr lang="zh-TW" altLang="en-US" sz="1400" b="0" i="0" u="none" strike="noStrike" dirty="0">
-                        <a:solidFill>
-                          <a:srgbClr val="000000"/>
-                        </a:solidFill>
-                        <a:effectLst/>
-                        <a:latin typeface="ＭＳ Ｐゴシック"/>
-                      </a:endParaRPr>
-                    </a:p>
-                  </a:txBody>
-                  <a:tcPr marL="8355" marR="8355" marT="8355" marB="0" anchor="ctr"/>
-                </a:tc>
-                <a:tc>
-                  <a:txBody>
-                    <a:bodyPr/>
-                    <a:lstStyle/>
-                    <a:p>
-                      <a:pPr algn="l" fontAlgn="ctr"/>
-                      <a:r>
-                        <a:rPr lang="ja-JP" altLang="en-US" sz="1400" u="none" strike="noStrike" dirty="0" smtClean="0">
-                          <a:effectLst/>
-                        </a:rPr>
-                        <a:t>月報申請内容の修正を行う画面。</a:t>
-                      </a:r>
-                      <a:endParaRPr lang="ja-JP" altLang="en-US" sz="1400" b="0" i="0" u="none" strike="noStrike" dirty="0">
-                        <a:solidFill>
-                          <a:srgbClr val="000000"/>
-                        </a:solidFill>
-                        <a:effectLst/>
-                        <a:latin typeface="ＭＳ Ｐゴシック"/>
-                      </a:endParaRPr>
-                    </a:p>
-                  </a:txBody>
-                  <a:tcPr marL="8355" marR="8355" marT="8355" marB="0" anchor="ctr"/>
-                </a:tc>
-                <a:tc>
-                  <a:txBody>
-                    <a:bodyPr/>
-                    <a:lstStyle/>
-                    <a:p>
-                      <a:pPr algn="l" fontAlgn="ctr"/>
-                      <a:r>
-                        <a:rPr lang="ja-JP" altLang="en-US" sz="1400" u="none" strike="noStrike" dirty="0">
-                          <a:effectLst/>
-                        </a:rPr>
-                        <a:t>・</a:t>
-                      </a:r>
-                      <a:r>
-                        <a:rPr lang="ja-JP" altLang="en-US" sz="1400" u="none" strike="noStrike" dirty="0" smtClean="0">
-                          <a:effectLst/>
-                        </a:rPr>
-                        <a:t>月報申請修正</a:t>
+                        <a:t>・月報再申請</a:t>
                       </a:r>
                       <a:endParaRPr lang="en-US" altLang="ja-JP" sz="1400" u="none" strike="noStrike" dirty="0" smtClean="0">
                         <a:effectLst/>
@@ -19918,7 +19546,7 @@
                           <a:latin typeface="+mn-ea"/>
                           <a:ea typeface="+mn-ea"/>
                         </a:rPr>
-                        <a:t>3</a:t>
+                        <a:t>2</a:t>
                       </a:r>
                       <a:endParaRPr lang="en-US" altLang="ja-JP" sz="1400" b="0" i="0" u="none" strike="noStrike" dirty="0">
                         <a:solidFill>
@@ -20067,7 +19695,7 @@
                           <a:latin typeface="+mn-ea"/>
                           <a:ea typeface="+mn-ea"/>
                         </a:rPr>
-                        <a:t>4</a:t>
+                        <a:t>3</a:t>
                       </a:r>
                       <a:endParaRPr lang="en-US" altLang="ja-JP" sz="1400" b="0" i="0" u="none" strike="noStrike" dirty="0">
                         <a:solidFill>
@@ -20187,16 +19815,6 @@
                         <a:t>DL</a:t>
                       </a:r>
                       <a:r>
-                        <a:rPr lang="ja-JP" altLang="en-US" sz="1400" b="0" i="0" u="none" strike="noStrike" dirty="0" err="1" smtClean="0">
-                          <a:solidFill>
-                            <a:srgbClr val="000000"/>
-                          </a:solidFill>
-                          <a:effectLst/>
-                          <a:latin typeface="ＭＳ Ｐゴシック"/>
-                        </a:rPr>
-                        <a:t>、</a:t>
-                      </a:r>
-                      <a:r>
                         <a:rPr lang="ja-JP" altLang="en-US" sz="1400" b="0" i="0" u="none" strike="noStrike" dirty="0" smtClean="0">
                           <a:solidFill>
                             <a:srgbClr val="000000"/>
@@ -20204,7 +19822,7 @@
                           <a:effectLst/>
                           <a:latin typeface="ＭＳ Ｐゴシック"/>
                         </a:rPr>
-                        <a:t>一括否認も</a:t>
+                        <a:t>も</a:t>
                       </a:r>
                       <a:r>
                         <a:rPr lang="ja-JP" altLang="en-US" sz="1400" b="0" i="0" u="none" strike="noStrike" dirty="0" smtClean="0">
@@ -20305,35 +19923,6 @@
                         </a:rPr>
                         <a:t>DL</a:t>
                       </a:r>
-                    </a:p>
-                    <a:p>
-                      <a:pPr marL="0" marR="0" indent="0" algn="l" defTabSz="914400" rtl="0" eaLnBrk="1" fontAlgn="ctr" latinLnBrk="0" hangingPunct="1">
-                        <a:lnSpc>
-                          <a:spcPct val="100000"/>
-                        </a:lnSpc>
-                        <a:spcBef>
-                          <a:spcPts val="0"/>
-                        </a:spcBef>
-                        <a:spcAft>
-                          <a:spcPts val="0"/>
-                        </a:spcAft>
-                        <a:buClrTx/>
-                        <a:buSzTx/>
-                        <a:buFontTx/>
-                        <a:buNone/>
-                        <a:tabLst/>
-                        <a:defRPr/>
-                      </a:pPr>
-                      <a:r>
-                        <a:rPr lang="ja-JP" altLang="en-US" sz="1400" b="0" i="0" u="none" strike="noStrike" dirty="0" smtClean="0">
-                          <a:solidFill>
-                            <a:srgbClr val="000000"/>
-                          </a:solidFill>
-                          <a:effectLst/>
-                          <a:latin typeface="ＭＳ Ｐゴシック"/>
-                        </a:rPr>
-                        <a:t>・月報一括否認</a:t>
-                      </a:r>
                       <a:endParaRPr lang="en-US" altLang="ja-JP" sz="1400" b="0" i="0" u="none" strike="noStrike" dirty="0" smtClean="0">
                         <a:solidFill>
                           <a:schemeClr val="tx1"/>
@@ -20365,7 +19954,7 @@
                           <a:latin typeface="+mn-ea"/>
                           <a:ea typeface="+mn-ea"/>
                         </a:rPr>
-                        <a:t>5</a:t>
+                        <a:t>4</a:t>
                       </a:r>
                       <a:endParaRPr lang="en-US" altLang="ja-JP" sz="1400" b="0" i="0" u="none" strike="noStrike" dirty="0">
                         <a:solidFill>
@@ -20484,7 +20073,7 @@
                           <a:latin typeface="+mn-ea"/>
                           <a:ea typeface="+mn-ea"/>
                         </a:rPr>
-                        <a:t>6</a:t>
+                        <a:t>5</a:t>
                       </a:r>
                       <a:endParaRPr lang="en-US" altLang="ja-JP" sz="1400" b="0" i="0" u="none" strike="noStrike" dirty="0">
                         <a:solidFill>
@@ -20538,27 +20127,7 @@
                           <a:effectLst/>
                           <a:latin typeface="ＭＳ Ｐゴシック"/>
                         </a:rPr>
-                        <a:t>月報を一括で</a:t>
-                      </a:r>
-                      <a:r>
-                        <a:rPr lang="ja-JP" altLang="en-US" sz="1400" b="0" i="0" u="none" strike="noStrike" dirty="0" smtClean="0">
-                          <a:solidFill>
-                            <a:srgbClr val="000000"/>
-                          </a:solidFill>
-                          <a:effectLst/>
-                          <a:latin typeface="ＭＳ Ｐゴシック"/>
-                        </a:rPr>
-                        <a:t>承認する</a:t>
-                      </a:r>
-                      <a:r>
-                        <a:rPr lang="ja-JP" altLang="en-US" sz="1400" b="0" i="0" u="none" strike="noStrike" dirty="0" smtClean="0">
-                          <a:solidFill>
-                            <a:srgbClr val="000000"/>
-                          </a:solidFill>
-                          <a:effectLst/>
-                          <a:latin typeface="ＭＳ Ｐゴシック"/>
-                        </a:rPr>
-                        <a:t>画面。</a:t>
+                        <a:t>月報を一括で承認する画面。</a:t>
                       </a:r>
                       <a:endParaRPr lang="en-US" altLang="ja-JP" sz="1400" b="0" i="0" u="none" strike="noStrike" dirty="0" smtClean="0">
                         <a:solidFill>
@@ -20654,138 +20223,7 @@
                           <a:latin typeface="+mn-ea"/>
                           <a:ea typeface="+mn-ea"/>
                         </a:rPr>
-                        <a:t>7</a:t>
-                      </a:r>
-                      <a:endParaRPr lang="en-US" altLang="ja-JP" sz="1400" b="0" i="0" u="none" strike="noStrike" dirty="0">
-                        <a:solidFill>
-                          <a:srgbClr val="000000"/>
-                        </a:solidFill>
-                        <a:effectLst/>
-                        <a:latin typeface="+mn-ea"/>
-                        <a:ea typeface="+mn-ea"/>
-                      </a:endParaRPr>
-                    </a:p>
-                  </a:txBody>
-                  <a:tcPr marL="8355" marR="8355" marT="8355" marB="0" anchor="ctr"/>
-                </a:tc>
-                <a:tc>
-                  <a:txBody>
-                    <a:bodyPr/>
-                    <a:lstStyle/>
-                    <a:p>
-                      <a:pPr algn="l" fontAlgn="ctr"/>
-                      <a:r>
-                        <a:rPr lang="ja-JP" altLang="en-US" sz="1400" u="none" strike="noStrike" dirty="0" smtClean="0">
-                          <a:solidFill>
-                            <a:schemeClr val="tx1"/>
-                          </a:solidFill>
-                          <a:effectLst/>
-                        </a:rPr>
-                        <a:t>月報承認修正</a:t>
-                      </a:r>
-                      <a:endParaRPr lang="ja-JP" altLang="en-US" sz="1400" b="0" i="0" u="none" strike="noStrike" dirty="0">
-                        <a:solidFill>
-                          <a:schemeClr val="tx1"/>
-                        </a:solidFill>
-                        <a:effectLst/>
-                        <a:latin typeface="ＭＳ Ｐゴシック"/>
-                      </a:endParaRPr>
-                    </a:p>
-                  </a:txBody>
-                  <a:tcPr marL="8355" marR="8355" marT="8355" marB="0" anchor="ctr"/>
-                </a:tc>
-                <a:tc>
-                  <a:txBody>
-                    <a:bodyPr/>
-                    <a:lstStyle/>
-                    <a:p>
-                      <a:pPr algn="l" fontAlgn="ctr"/>
-                      <a:r>
-                        <a:rPr lang="ja-JP" altLang="en-US" sz="1400" u="none" strike="noStrike" dirty="0" smtClean="0">
-                          <a:effectLst/>
-                        </a:rPr>
-                        <a:t>月報承認・否認内容の修正を行う画面。</a:t>
-                      </a:r>
-                      <a:endParaRPr lang="en-US" altLang="ja-JP" sz="1400" u="none" strike="noStrike" dirty="0" smtClean="0">
-                        <a:effectLst/>
-                      </a:endParaRPr>
-                    </a:p>
-                  </a:txBody>
-                  <a:tcPr marL="8355" marR="8355" marT="8355" marB="0" anchor="ctr"/>
-                </a:tc>
-                <a:tc>
-                  <a:txBody>
-                    <a:bodyPr/>
-                    <a:lstStyle/>
-                    <a:p>
-                      <a:pPr algn="l" fontAlgn="ctr"/>
-                      <a:r>
-                        <a:rPr lang="ja-JP" altLang="en-US" sz="1400" u="none" strike="noStrike" dirty="0">
-                          <a:solidFill>
-                            <a:schemeClr val="tx1"/>
-                          </a:solidFill>
-                          <a:effectLst/>
-                        </a:rPr>
-                        <a:t>・</a:t>
-                      </a:r>
-                      <a:r>
-                        <a:rPr lang="ja-JP" altLang="en-US" sz="1400" u="none" strike="noStrike" dirty="0" smtClean="0">
-                          <a:solidFill>
-                            <a:schemeClr val="tx1"/>
-                          </a:solidFill>
-                          <a:effectLst/>
-                        </a:rPr>
-                        <a:t>月報承認修正</a:t>
-                      </a:r>
-                      <a:endParaRPr lang="en-US" altLang="ja-JP" sz="1400" u="none" strike="noStrike" dirty="0" smtClean="0">
-                        <a:solidFill>
-                          <a:schemeClr val="tx1"/>
-                        </a:solidFill>
-                        <a:effectLst/>
-                      </a:endParaRPr>
-                    </a:p>
-                    <a:p>
-                      <a:pPr algn="l" fontAlgn="ctr"/>
-                      <a:r>
-                        <a:rPr lang="ja-JP" altLang="en-US" sz="1400" u="none" strike="noStrike" dirty="0" smtClean="0">
-                          <a:solidFill>
-                            <a:schemeClr val="tx1"/>
-                          </a:solidFill>
-                          <a:effectLst/>
-                        </a:rPr>
-                        <a:t>・月報否認修正</a:t>
-                      </a:r>
-                      <a:endParaRPr lang="en-US" altLang="ja-JP" sz="1400" u="none" strike="noStrike" dirty="0" smtClean="0">
-                        <a:solidFill>
-                          <a:schemeClr val="tx1"/>
-                        </a:solidFill>
-                        <a:effectLst/>
-                      </a:endParaRPr>
-                    </a:p>
-                  </a:txBody>
-                  <a:tcPr marL="8355" marR="8355" marT="8355" marB="0" anchor="ctr"/>
-                </a:tc>
-              </a:tr>
-              <a:tr h="580121">
-                <a:tc>
-                  <a:txBody>
-                    <a:bodyPr/>
-                    <a:lstStyle/>
-                    <a:p>
-                      <a:pPr marL="0" indent="0" algn="r" fontAlgn="ctr">
-                        <a:buFont typeface="Arial" panose="020B0604020202020204" pitchFamily="34" charset="0"/>
-                        <a:buNone/>
-                      </a:pPr>
-                      <a:r>
-                        <a:rPr lang="en-US" altLang="ja-JP" sz="1400" b="0" i="0" u="none" strike="noStrike" dirty="0" smtClean="0">
-                          <a:solidFill>
-                            <a:srgbClr val="000000"/>
-                          </a:solidFill>
-                          <a:effectLst/>
-                          <a:latin typeface="+mn-ea"/>
-                          <a:ea typeface="+mn-ea"/>
-                        </a:rPr>
-                        <a:t>8</a:t>
+                        <a:t>6</a:t>
                       </a:r>
                       <a:endParaRPr lang="en-US" altLang="ja-JP" sz="1400" b="0" i="0" u="none" strike="noStrike" dirty="0">
                         <a:solidFill>
@@ -47976,7 +47414,7 @@
           <p:nvPr>
             <p:extLst>
               <p:ext uri="{D42A27DB-BD31-4B8C-83A1-F6EECF244321}">
-                <p14:modId xmlns:p14="http://schemas.microsoft.com/office/powerpoint/2010/main" val="745258903"/>
+                <p14:modId xmlns:p14="http://schemas.microsoft.com/office/powerpoint/2010/main" val="1706410963"/>
               </p:ext>
             </p:extLst>
           </p:nvPr>

--- a/設計書/00_提案/1_月報管理システム 提案資料.pptx
+++ b/設計書/00_提案/1_月報管理システム 提案資料.pptx
@@ -5,27 +5,26 @@
     <p:sldMasterId id="2147483672" r:id="rId1"/>
   </p:sldMasterIdLst>
   <p:notesMasterIdLst>
-    <p:notesMasterId r:id="rId17"/>
+    <p:notesMasterId r:id="rId16"/>
   </p:notesMasterIdLst>
   <p:handoutMasterIdLst>
-    <p:handoutMasterId r:id="rId18"/>
+    <p:handoutMasterId r:id="rId17"/>
   </p:handoutMasterIdLst>
   <p:sldIdLst>
     <p:sldId id="256" r:id="rId2"/>
     <p:sldId id="257" r:id="rId3"/>
     <p:sldId id="277" r:id="rId4"/>
-    <p:sldId id="259" r:id="rId5"/>
-    <p:sldId id="260" r:id="rId6"/>
-    <p:sldId id="278" r:id="rId7"/>
-    <p:sldId id="265" r:id="rId8"/>
-    <p:sldId id="261" r:id="rId9"/>
-    <p:sldId id="270" r:id="rId10"/>
-    <p:sldId id="273" r:id="rId11"/>
-    <p:sldId id="274" r:id="rId12"/>
-    <p:sldId id="266" r:id="rId13"/>
-    <p:sldId id="272" r:id="rId14"/>
-    <p:sldId id="275" r:id="rId15"/>
-    <p:sldId id="263" r:id="rId16"/>
+    <p:sldId id="260" r:id="rId5"/>
+    <p:sldId id="278" r:id="rId6"/>
+    <p:sldId id="265" r:id="rId7"/>
+    <p:sldId id="261" r:id="rId8"/>
+    <p:sldId id="270" r:id="rId9"/>
+    <p:sldId id="273" r:id="rId10"/>
+    <p:sldId id="274" r:id="rId11"/>
+    <p:sldId id="266" r:id="rId12"/>
+    <p:sldId id="272" r:id="rId13"/>
+    <p:sldId id="275" r:id="rId14"/>
+    <p:sldId id="263" r:id="rId15"/>
   </p:sldIdLst>
   <p:sldSz cx="9144000" cy="6858000" type="screen4x3"/>
   <p:notesSz cx="6858000" cy="9144000"/>
@@ -3389,29 +3388,29 @@
     </dgm:pt>
   </dgm:ptLst>
   <dgm:cxnLst>
+    <dgm:cxn modelId="{E65B95F2-C3FE-4676-AAA9-42230605C4A5}" srcId="{33878004-7D2A-4F72-BEDB-5D0AB58F15AC}" destId="{550A381F-40F0-4E05-ACCB-D1C9F5A5043C}" srcOrd="2" destOrd="0" parTransId="{1C096A7E-8FF6-4205-B81F-37441528B91E}" sibTransId="{A501F06D-82E0-4DE6-9AE9-2167538DECE0}"/>
+    <dgm:cxn modelId="{0B28BA8E-F15B-47EE-8864-AE24A15B9E8B}" type="presOf" srcId="{550A381F-40F0-4E05-ACCB-D1C9F5A5043C}" destId="{AAE69731-215B-45BC-8E15-2A6F1103ED7E}" srcOrd="0" destOrd="0" presId="urn:microsoft.com/office/officeart/2008/layout/HorizontalMultiLevelHierarchy"/>
+    <dgm:cxn modelId="{8E5871B2-EB43-490A-8E19-7ED3E7BF3DAE}" type="presOf" srcId="{E164911D-41C0-41AD-BFD4-B8091C9AE415}" destId="{22A722A9-2815-423D-8C37-5E5F7385B8FB}" srcOrd="0" destOrd="0" presId="urn:microsoft.com/office/officeart/2008/layout/HorizontalMultiLevelHierarchy"/>
+    <dgm:cxn modelId="{077A4BCF-C583-4278-B961-445381AE20D5}" srcId="{6ED63BC7-73D7-42AA-8C32-20FAF112464A}" destId="{F952EE0C-5F2A-45AA-83A8-2211EDDFDFEC}" srcOrd="0" destOrd="0" parTransId="{2AB66099-0359-4A48-AEFF-6DBBBBD0106C}" sibTransId="{9894DB23-0E74-4AD1-84A2-6E11B6A279DB}"/>
+    <dgm:cxn modelId="{05FFAAE0-ACF1-4E28-BBE7-4382418BCA57}" srcId="{B5357460-0FAD-40CA-BE82-980E0E8EA8E3}" destId="{E164911D-41C0-41AD-BFD4-B8091C9AE415}" srcOrd="0" destOrd="0" parTransId="{FDB7C482-9992-4BC0-B687-7A27B7C339BC}" sibTransId="{6D28B937-C89D-4738-A88B-D334CEA09F7A}"/>
     <dgm:cxn modelId="{8170BB76-B1FD-4D3C-86C3-B022300DABBB}" type="presOf" srcId="{6ED63BC7-73D7-42AA-8C32-20FAF112464A}" destId="{321BE020-EB98-4638-9EBB-B2C3D28F7A9D}" srcOrd="0" destOrd="0" presId="urn:microsoft.com/office/officeart/2008/layout/HorizontalMultiLevelHierarchy"/>
+    <dgm:cxn modelId="{147DB898-FFCD-4DA5-B634-115026A5B30A}" type="presOf" srcId="{B5357460-0FAD-40CA-BE82-980E0E8EA8E3}" destId="{8A5D712F-6AF2-4319-A6F5-A30D601300D8}" srcOrd="0" destOrd="0" presId="urn:microsoft.com/office/officeart/2008/layout/HorizontalMultiLevelHierarchy"/>
+    <dgm:cxn modelId="{590960AC-9E3A-4980-84A0-07BBDD9CEA7D}" type="presOf" srcId="{1C096A7E-8FF6-4205-B81F-37441528B91E}" destId="{795F2234-8ADC-4001-BDDB-49D4CDD506ED}" srcOrd="1" destOrd="0" presId="urn:microsoft.com/office/officeart/2008/layout/HorizontalMultiLevelHierarchy"/>
+    <dgm:cxn modelId="{379FBBC3-1A8E-4FCE-B247-DDC3C90238CD}" type="presOf" srcId="{129AA29F-A958-46F2-B74F-1427BE8052EA}" destId="{C9B6AA4F-3B14-43B1-86AC-5C1E9D1ED055}" srcOrd="0" destOrd="0" presId="urn:microsoft.com/office/officeart/2008/layout/HorizontalMultiLevelHierarchy"/>
     <dgm:cxn modelId="{A8C10B91-EEF2-4A56-905C-CD026B688721}" type="presOf" srcId="{8D04A5F3-D044-42CC-A15E-FFDE1F1ED097}" destId="{F44B948E-6B8D-4933-A9BA-0DE12B5F79DC}" srcOrd="0" destOrd="0" presId="urn:microsoft.com/office/officeart/2008/layout/HorizontalMultiLevelHierarchy"/>
+    <dgm:cxn modelId="{B296DB5C-CCD1-47ED-911D-C67EA8CA3EDA}" type="presOf" srcId="{1C096A7E-8FF6-4205-B81F-37441528B91E}" destId="{9E124E1E-0161-4AC1-87EC-B09B2F219B0F}" srcOrd="0" destOrd="0" presId="urn:microsoft.com/office/officeart/2008/layout/HorizontalMultiLevelHierarchy"/>
+    <dgm:cxn modelId="{2B10EE2C-AB70-4001-8B18-598063EBA92E}" type="presOf" srcId="{A0559AFC-F7C9-40A3-85C8-C1718708DC40}" destId="{75F5CFBF-8828-4BF9-816E-859BC8ED4F44}" srcOrd="1" destOrd="0" presId="urn:microsoft.com/office/officeart/2008/layout/HorizontalMultiLevelHierarchy"/>
+    <dgm:cxn modelId="{8B3B1DB8-9F46-4733-A9B3-94BA909732DC}" type="presOf" srcId="{129AA29F-A958-46F2-B74F-1427BE8052EA}" destId="{0953D620-6695-42B6-BD58-86B865F665DF}" srcOrd="1" destOrd="0" presId="urn:microsoft.com/office/officeart/2008/layout/HorizontalMultiLevelHierarchy"/>
+    <dgm:cxn modelId="{23F0D07F-CC3C-48D5-B3FD-55A1A6238090}" type="presOf" srcId="{33878004-7D2A-4F72-BEDB-5D0AB58F15AC}" destId="{BA2C46D1-49F2-4416-B0F1-25FE16F65916}" srcOrd="0" destOrd="0" presId="urn:microsoft.com/office/officeart/2008/layout/HorizontalMultiLevelHierarchy"/>
+    <dgm:cxn modelId="{46EEF9F3-4074-4DCF-9F67-BEDD257AFD0F}" type="presOf" srcId="{2AB66099-0359-4A48-AEFF-6DBBBBD0106C}" destId="{3E217499-E5A9-4C2B-A8E5-0E20C6FD61F4}" srcOrd="1" destOrd="0" presId="urn:microsoft.com/office/officeart/2008/layout/HorizontalMultiLevelHierarchy"/>
+    <dgm:cxn modelId="{29DD0588-68EE-45B5-BF77-E9983730F0D9}" type="presOf" srcId="{8D04A5F3-D044-42CC-A15E-FFDE1F1ED097}" destId="{F6498CD9-EB6F-4797-9DFC-8C68AB16AF39}" srcOrd="1" destOrd="0" presId="urn:microsoft.com/office/officeart/2008/layout/HorizontalMultiLevelHierarchy"/>
+    <dgm:cxn modelId="{F698A424-532B-4B86-A068-C3E05EB5E371}" type="presOf" srcId="{F952EE0C-5F2A-45AA-83A8-2211EDDFDFEC}" destId="{A67CDDF1-D9C9-41DA-B2A5-6F17BBC650C5}" srcOrd="0" destOrd="0" presId="urn:microsoft.com/office/officeart/2008/layout/HorizontalMultiLevelHierarchy"/>
+    <dgm:cxn modelId="{0B594901-626F-4C7C-AB3F-CEFA6AE0090C}" srcId="{E164911D-41C0-41AD-BFD4-B8091C9AE415}" destId="{33878004-7D2A-4F72-BEDB-5D0AB58F15AC}" srcOrd="0" destOrd="0" parTransId="{A0559AFC-F7C9-40A3-85C8-C1718708DC40}" sibTransId="{D6D76CC0-6030-401B-97E8-CE355C4FBFC4}"/>
+    <dgm:cxn modelId="{2EFD85B6-F48A-4DAA-A3B2-05FEE92E143F}" srcId="{33878004-7D2A-4F72-BEDB-5D0AB58F15AC}" destId="{05035769-5ED0-4C7F-9192-B43AC08FB283}" srcOrd="1" destOrd="0" parTransId="{8D04A5F3-D044-42CC-A15E-FFDE1F1ED097}" sibTransId="{F6A46BCD-E28E-4203-9771-3C3D6B110843}"/>
     <dgm:cxn modelId="{26EAADF4-8DD1-45D0-9982-6DC90A38C4F8}" type="presOf" srcId="{A0559AFC-F7C9-40A3-85C8-C1718708DC40}" destId="{5C94A537-F670-4876-9327-9280C8C56023}" srcOrd="0" destOrd="0" presId="urn:microsoft.com/office/officeart/2008/layout/HorizontalMultiLevelHierarchy"/>
+    <dgm:cxn modelId="{BC25CCFD-1A50-4152-BFF0-E6B0A65BFCE0}" srcId="{33878004-7D2A-4F72-BEDB-5D0AB58F15AC}" destId="{6ED63BC7-73D7-42AA-8C32-20FAF112464A}" srcOrd="0" destOrd="0" parTransId="{129AA29F-A958-46F2-B74F-1427BE8052EA}" sibTransId="{229F1C12-4DAE-4999-8B03-81254F138021}"/>
+    <dgm:cxn modelId="{E36AD33D-B0B6-44E5-B478-1BACD6E06B20}" type="presOf" srcId="{2AB66099-0359-4A48-AEFF-6DBBBBD0106C}" destId="{57A82C26-D586-4679-BA3B-6FBBDEA55392}" srcOrd="0" destOrd="0" presId="urn:microsoft.com/office/officeart/2008/layout/HorizontalMultiLevelHierarchy"/>
     <dgm:cxn modelId="{43E99752-24CC-4CB5-81FB-A387C6CC33D5}" type="presOf" srcId="{05035769-5ED0-4C7F-9192-B43AC08FB283}" destId="{BAD0047E-DA1C-4857-B10D-B244CD2D3195}" srcOrd="0" destOrd="0" presId="urn:microsoft.com/office/officeart/2008/layout/HorizontalMultiLevelHierarchy"/>
-    <dgm:cxn modelId="{8B3B1DB8-9F46-4733-A9B3-94BA909732DC}" type="presOf" srcId="{129AA29F-A958-46F2-B74F-1427BE8052EA}" destId="{0953D620-6695-42B6-BD58-86B865F665DF}" srcOrd="1" destOrd="0" presId="urn:microsoft.com/office/officeart/2008/layout/HorizontalMultiLevelHierarchy"/>
-    <dgm:cxn modelId="{147DB898-FFCD-4DA5-B634-115026A5B30A}" type="presOf" srcId="{B5357460-0FAD-40CA-BE82-980E0E8EA8E3}" destId="{8A5D712F-6AF2-4319-A6F5-A30D601300D8}" srcOrd="0" destOrd="0" presId="urn:microsoft.com/office/officeart/2008/layout/HorizontalMultiLevelHierarchy"/>
-    <dgm:cxn modelId="{077A4BCF-C583-4278-B961-445381AE20D5}" srcId="{6ED63BC7-73D7-42AA-8C32-20FAF112464A}" destId="{F952EE0C-5F2A-45AA-83A8-2211EDDFDFEC}" srcOrd="0" destOrd="0" parTransId="{2AB66099-0359-4A48-AEFF-6DBBBBD0106C}" sibTransId="{9894DB23-0E74-4AD1-84A2-6E11B6A279DB}"/>
-    <dgm:cxn modelId="{F698A424-532B-4B86-A068-C3E05EB5E371}" type="presOf" srcId="{F952EE0C-5F2A-45AA-83A8-2211EDDFDFEC}" destId="{A67CDDF1-D9C9-41DA-B2A5-6F17BBC650C5}" srcOrd="0" destOrd="0" presId="urn:microsoft.com/office/officeart/2008/layout/HorizontalMultiLevelHierarchy"/>
-    <dgm:cxn modelId="{BC25CCFD-1A50-4152-BFF0-E6B0A65BFCE0}" srcId="{33878004-7D2A-4F72-BEDB-5D0AB58F15AC}" destId="{6ED63BC7-73D7-42AA-8C32-20FAF112464A}" srcOrd="0" destOrd="0" parTransId="{129AA29F-A958-46F2-B74F-1427BE8052EA}" sibTransId="{229F1C12-4DAE-4999-8B03-81254F138021}"/>
-    <dgm:cxn modelId="{0B28BA8E-F15B-47EE-8864-AE24A15B9E8B}" type="presOf" srcId="{550A381F-40F0-4E05-ACCB-D1C9F5A5043C}" destId="{AAE69731-215B-45BC-8E15-2A6F1103ED7E}" srcOrd="0" destOrd="0" presId="urn:microsoft.com/office/officeart/2008/layout/HorizontalMultiLevelHierarchy"/>
-    <dgm:cxn modelId="{2EFD85B6-F48A-4DAA-A3B2-05FEE92E143F}" srcId="{33878004-7D2A-4F72-BEDB-5D0AB58F15AC}" destId="{05035769-5ED0-4C7F-9192-B43AC08FB283}" srcOrd="1" destOrd="0" parTransId="{8D04A5F3-D044-42CC-A15E-FFDE1F1ED097}" sibTransId="{F6A46BCD-E28E-4203-9771-3C3D6B110843}"/>
-    <dgm:cxn modelId="{E65B95F2-C3FE-4676-AAA9-42230605C4A5}" srcId="{33878004-7D2A-4F72-BEDB-5D0AB58F15AC}" destId="{550A381F-40F0-4E05-ACCB-D1C9F5A5043C}" srcOrd="2" destOrd="0" parTransId="{1C096A7E-8FF6-4205-B81F-37441528B91E}" sibTransId="{A501F06D-82E0-4DE6-9AE9-2167538DECE0}"/>
-    <dgm:cxn modelId="{46EEF9F3-4074-4DCF-9F67-BEDD257AFD0F}" type="presOf" srcId="{2AB66099-0359-4A48-AEFF-6DBBBBD0106C}" destId="{3E217499-E5A9-4C2B-A8E5-0E20C6FD61F4}" srcOrd="1" destOrd="0" presId="urn:microsoft.com/office/officeart/2008/layout/HorizontalMultiLevelHierarchy"/>
-    <dgm:cxn modelId="{23F0D07F-CC3C-48D5-B3FD-55A1A6238090}" type="presOf" srcId="{33878004-7D2A-4F72-BEDB-5D0AB58F15AC}" destId="{BA2C46D1-49F2-4416-B0F1-25FE16F65916}" srcOrd="0" destOrd="0" presId="urn:microsoft.com/office/officeart/2008/layout/HorizontalMultiLevelHierarchy"/>
-    <dgm:cxn modelId="{2B10EE2C-AB70-4001-8B18-598063EBA92E}" type="presOf" srcId="{A0559AFC-F7C9-40A3-85C8-C1718708DC40}" destId="{75F5CFBF-8828-4BF9-816E-859BC8ED4F44}" srcOrd="1" destOrd="0" presId="urn:microsoft.com/office/officeart/2008/layout/HorizontalMultiLevelHierarchy"/>
-    <dgm:cxn modelId="{E36AD33D-B0B6-44E5-B478-1BACD6E06B20}" type="presOf" srcId="{2AB66099-0359-4A48-AEFF-6DBBBBD0106C}" destId="{57A82C26-D586-4679-BA3B-6FBBDEA55392}" srcOrd="0" destOrd="0" presId="urn:microsoft.com/office/officeart/2008/layout/HorizontalMultiLevelHierarchy"/>
-    <dgm:cxn modelId="{379FBBC3-1A8E-4FCE-B247-DDC3C90238CD}" type="presOf" srcId="{129AA29F-A958-46F2-B74F-1427BE8052EA}" destId="{C9B6AA4F-3B14-43B1-86AC-5C1E9D1ED055}" srcOrd="0" destOrd="0" presId="urn:microsoft.com/office/officeart/2008/layout/HorizontalMultiLevelHierarchy"/>
-    <dgm:cxn modelId="{590960AC-9E3A-4980-84A0-07BBDD9CEA7D}" type="presOf" srcId="{1C096A7E-8FF6-4205-B81F-37441528B91E}" destId="{795F2234-8ADC-4001-BDDB-49D4CDD506ED}" srcOrd="1" destOrd="0" presId="urn:microsoft.com/office/officeart/2008/layout/HorizontalMultiLevelHierarchy"/>
-    <dgm:cxn modelId="{8E5871B2-EB43-490A-8E19-7ED3E7BF3DAE}" type="presOf" srcId="{E164911D-41C0-41AD-BFD4-B8091C9AE415}" destId="{22A722A9-2815-423D-8C37-5E5F7385B8FB}" srcOrd="0" destOrd="0" presId="urn:microsoft.com/office/officeart/2008/layout/HorizontalMultiLevelHierarchy"/>
-    <dgm:cxn modelId="{B296DB5C-CCD1-47ED-911D-C67EA8CA3EDA}" type="presOf" srcId="{1C096A7E-8FF6-4205-B81F-37441528B91E}" destId="{9E124E1E-0161-4AC1-87EC-B09B2F219B0F}" srcOrd="0" destOrd="0" presId="urn:microsoft.com/office/officeart/2008/layout/HorizontalMultiLevelHierarchy"/>
-    <dgm:cxn modelId="{29DD0588-68EE-45B5-BF77-E9983730F0D9}" type="presOf" srcId="{8D04A5F3-D044-42CC-A15E-FFDE1F1ED097}" destId="{F6498CD9-EB6F-4797-9DFC-8C68AB16AF39}" srcOrd="1" destOrd="0" presId="urn:microsoft.com/office/officeart/2008/layout/HorizontalMultiLevelHierarchy"/>
-    <dgm:cxn modelId="{05FFAAE0-ACF1-4E28-BBE7-4382418BCA57}" srcId="{B5357460-0FAD-40CA-BE82-980E0E8EA8E3}" destId="{E164911D-41C0-41AD-BFD4-B8091C9AE415}" srcOrd="0" destOrd="0" parTransId="{FDB7C482-9992-4BC0-B687-7A27B7C339BC}" sibTransId="{6D28B937-C89D-4738-A88B-D334CEA09F7A}"/>
-    <dgm:cxn modelId="{0B594901-626F-4C7C-AB3F-CEFA6AE0090C}" srcId="{E164911D-41C0-41AD-BFD4-B8091C9AE415}" destId="{33878004-7D2A-4F72-BEDB-5D0AB58F15AC}" srcOrd="0" destOrd="0" parTransId="{A0559AFC-F7C9-40A3-85C8-C1718708DC40}" sibTransId="{D6D76CC0-6030-401B-97E8-CE355C4FBFC4}"/>
     <dgm:cxn modelId="{3451A00C-18F3-4BFC-A85D-504512CAFD84}" type="presParOf" srcId="{8A5D712F-6AF2-4319-A6F5-A30D601300D8}" destId="{3120E5FA-F315-4B50-9CBE-10143E5DFFB8}" srcOrd="0" destOrd="0" presId="urn:microsoft.com/office/officeart/2008/layout/HorizontalMultiLevelHierarchy"/>
     <dgm:cxn modelId="{27C71679-2ABE-4241-8D1F-4F269DB2EE11}" type="presParOf" srcId="{3120E5FA-F315-4B50-9CBE-10143E5DFFB8}" destId="{22A722A9-2815-423D-8C37-5E5F7385B8FB}" srcOrd="0" destOrd="0" presId="urn:microsoft.com/office/officeart/2008/layout/HorizontalMultiLevelHierarchy"/>
     <dgm:cxn modelId="{9EC09F21-7DDC-4F0C-B436-5F710FF852B9}" type="presParOf" srcId="{3120E5FA-F315-4B50-9CBE-10143E5DFFB8}" destId="{5D597C0F-2237-4F12-950C-D26B8F09A573}" srcOrd="1" destOrd="0" presId="urn:microsoft.com/office/officeart/2008/layout/HorizontalMultiLevelHierarchy"/>
@@ -3445,7 +3444,7 @@
   <dgm:whole/>
   <dgm:extLst>
     <a:ext uri="http://schemas.microsoft.com/office/drawing/2008/diagram">
-      <dsp:dataModelExt xmlns:dsp="http://schemas.microsoft.com/office/drawing/2008/diagram" relId="rId6" minVer="http://schemas.openxmlformats.org/drawingml/2006/diagram"/>
+      <dsp:dataModelExt xmlns:dsp="http://schemas.microsoft.com/office/drawing/2008/diagram" xmlns="" relId="rId6" minVer="http://schemas.openxmlformats.org/drawingml/2006/diagram"/>
     </a:ext>
   </dgm:extLst>
 </dgm:dataModel>
@@ -3956,29 +3955,29 @@
     </dgm:pt>
   </dgm:ptLst>
   <dgm:cxnLst>
+    <dgm:cxn modelId="{796C3458-9756-4CA4-A83C-4E40AB2F7250}" type="presOf" srcId="{EE43356B-C9DE-4C0E-B248-9A216F0378C8}" destId="{D6E049C7-86D3-494A-A553-3C85D9198E74}" srcOrd="0" destOrd="0" presId="urn:microsoft.com/office/officeart/2008/layout/HorizontalMultiLevelHierarchy"/>
+    <dgm:cxn modelId="{79BE83E3-8620-4D1A-BB67-97F814FDD947}" type="presOf" srcId="{93C747BF-5C60-4B4E-BC94-D52651C13DE4}" destId="{2D4BACCF-FA22-4671-AE1C-1B8A7A052384}" srcOrd="0" destOrd="0" presId="urn:microsoft.com/office/officeart/2008/layout/HorizontalMultiLevelHierarchy"/>
+    <dgm:cxn modelId="{07F39503-5931-40A9-B6E2-999857B09BCE}" type="presOf" srcId="{52003E9A-DF77-4E3B-A083-82B24FE4B0A8}" destId="{B5347ED1-EC76-4B54-8471-81696427CD3E}" srcOrd="1" destOrd="0" presId="urn:microsoft.com/office/officeart/2008/layout/HorizontalMultiLevelHierarchy"/>
+    <dgm:cxn modelId="{05FFAAE0-ACF1-4E28-BBE7-4382418BCA57}" srcId="{B5357460-0FAD-40CA-BE82-980E0E8EA8E3}" destId="{E164911D-41C0-41AD-BFD4-B8091C9AE415}" srcOrd="0" destOrd="0" parTransId="{FDB7C482-9992-4BC0-B687-7A27B7C339BC}" sibTransId="{6D28B937-C89D-4738-A88B-D334CEA09F7A}"/>
+    <dgm:cxn modelId="{3EC99726-9C33-4B9E-BDD2-3D1846373F36}" type="presOf" srcId="{52003E9A-DF77-4E3B-A083-82B24FE4B0A8}" destId="{9CE9F315-076C-4A91-86FC-F479E1B271B6}" srcOrd="0" destOrd="0" presId="urn:microsoft.com/office/officeart/2008/layout/HorizontalMultiLevelHierarchy"/>
+    <dgm:cxn modelId="{C1DC62F1-DAF0-4743-85B4-EAD949844F58}" type="presOf" srcId="{01604493-B99B-4814-ACAE-EF4534CEEECF}" destId="{F1E4F070-4D42-4CFC-BB13-F40CB6117610}" srcOrd="0" destOrd="0" presId="urn:microsoft.com/office/officeart/2008/layout/HorizontalMultiLevelHierarchy"/>
     <dgm:cxn modelId="{3E68CA76-0242-40F5-A739-B67DDD96909C}" type="presOf" srcId="{E164911D-41C0-41AD-BFD4-B8091C9AE415}" destId="{22A722A9-2815-423D-8C37-5E5F7385B8FB}" srcOrd="0" destOrd="0" presId="urn:microsoft.com/office/officeart/2008/layout/HorizontalMultiLevelHierarchy"/>
+    <dgm:cxn modelId="{0C47668A-8847-45C5-A966-CAEF64CC0E04}" type="presOf" srcId="{420A7C68-5D43-4EB6-AFB7-75822302A846}" destId="{B1A8CFDC-B7E6-4059-86E3-411E6B63764B}" srcOrd="0" destOrd="0" presId="urn:microsoft.com/office/officeart/2008/layout/HorizontalMultiLevelHierarchy"/>
+    <dgm:cxn modelId="{99F84A0E-D845-4A3E-B617-A2884107E4D8}" srcId="{33878004-7D2A-4F72-BEDB-5D0AB58F15AC}" destId="{93C747BF-5C60-4B4E-BC94-D52651C13DE4}" srcOrd="0" destOrd="0" parTransId="{EE43356B-C9DE-4C0E-B248-9A216F0378C8}" sibTransId="{B50FE281-80F8-4DF5-BD57-535DF8E4AC04}"/>
+    <dgm:cxn modelId="{E06CCF47-E96C-4AB1-9671-F2E9BFC59046}" type="presOf" srcId="{42AACD0A-5BFC-48B7-BF2F-7EFEB20806CE}" destId="{C9BB74AF-030F-4CA5-8A14-E9B74F3B9177}" srcOrd="0" destOrd="0" presId="urn:microsoft.com/office/officeart/2008/layout/HorizontalMultiLevelHierarchy"/>
+    <dgm:cxn modelId="{FCBFD05C-A7F1-4190-99C6-3A8477A83EC7}" type="presOf" srcId="{A0559AFC-F7C9-40A3-85C8-C1718708DC40}" destId="{5C94A537-F670-4876-9327-9280C8C56023}" srcOrd="0" destOrd="0" presId="urn:microsoft.com/office/officeart/2008/layout/HorizontalMultiLevelHierarchy"/>
+    <dgm:cxn modelId="{AB41FEFD-516A-45BB-A280-CA6B0C2945B5}" type="presOf" srcId="{420A7C68-5D43-4EB6-AFB7-75822302A846}" destId="{2783DBF3-317F-4536-8771-9AD6DFDD1314}" srcOrd="1" destOrd="0" presId="urn:microsoft.com/office/officeart/2008/layout/HorizontalMultiLevelHierarchy"/>
+    <dgm:cxn modelId="{454A9219-ECCB-4CE0-AC06-6FF5CDCF5543}" type="presOf" srcId="{33878004-7D2A-4F72-BEDB-5D0AB58F15AC}" destId="{BA2C46D1-49F2-4416-B0F1-25FE16F65916}" srcOrd="0" destOrd="0" presId="urn:microsoft.com/office/officeart/2008/layout/HorizontalMultiLevelHierarchy"/>
+    <dgm:cxn modelId="{23EA1E0E-CCDB-447D-9BF6-AE74DA453A52}" type="presOf" srcId="{7981970C-204D-4F36-BD70-A041F4B940E6}" destId="{8ADF30A2-5DE6-4E05-8507-6283510A3E97}" srcOrd="0" destOrd="0" presId="urn:microsoft.com/office/officeart/2008/layout/HorizontalMultiLevelHierarchy"/>
+    <dgm:cxn modelId="{401894A6-3515-433E-B28F-50C90B2D9720}" srcId="{33878004-7D2A-4F72-BEDB-5D0AB58F15AC}" destId="{01604493-B99B-4814-ACAE-EF4534CEEECF}" srcOrd="1" destOrd="0" parTransId="{42AACD0A-5BFC-48B7-BF2F-7EFEB20806CE}" sibTransId="{B323BEF6-400C-4BB2-8275-C521625AA9DA}"/>
+    <dgm:cxn modelId="{0B594901-626F-4C7C-AB3F-CEFA6AE0090C}" srcId="{E164911D-41C0-41AD-BFD4-B8091C9AE415}" destId="{33878004-7D2A-4F72-BEDB-5D0AB58F15AC}" srcOrd="0" destOrd="0" parTransId="{A0559AFC-F7C9-40A3-85C8-C1718708DC40}" sibTransId="{D6D76CC0-6030-401B-97E8-CE355C4FBFC4}"/>
     <dgm:cxn modelId="{8F9986BA-F381-4E8F-9318-5A3B19F3AEF5}" type="presOf" srcId="{376B09F4-2D5B-4689-8EC4-FB34E6F5B1E9}" destId="{FD4D22A1-EA69-46E1-AD42-248DA7FF3945}" srcOrd="0" destOrd="0" presId="urn:microsoft.com/office/officeart/2008/layout/HorizontalMultiLevelHierarchy"/>
-    <dgm:cxn modelId="{3EC99726-9C33-4B9E-BDD2-3D1846373F36}" type="presOf" srcId="{52003E9A-DF77-4E3B-A083-82B24FE4B0A8}" destId="{9CE9F315-076C-4A91-86FC-F479E1B271B6}" srcOrd="0" destOrd="0" presId="urn:microsoft.com/office/officeart/2008/layout/HorizontalMultiLevelHierarchy"/>
-    <dgm:cxn modelId="{796C3458-9756-4CA4-A83C-4E40AB2F7250}" type="presOf" srcId="{EE43356B-C9DE-4C0E-B248-9A216F0378C8}" destId="{D6E049C7-86D3-494A-A553-3C85D9198E74}" srcOrd="0" destOrd="0" presId="urn:microsoft.com/office/officeart/2008/layout/HorizontalMultiLevelHierarchy"/>
+    <dgm:cxn modelId="{D2CB7E7E-3292-42A0-834B-2F9B6991FB5F}" srcId="{93C747BF-5C60-4B4E-BC94-D52651C13DE4}" destId="{376B09F4-2D5B-4689-8EC4-FB34E6F5B1E9}" srcOrd="1" destOrd="0" parTransId="{420A7C68-5D43-4EB6-AFB7-75822302A846}" sibTransId="{7EBA06D7-F455-4841-8F6A-A8B032555400}"/>
+    <dgm:cxn modelId="{DAA5B63D-F00F-445C-85A3-2C21BE6E5A48}" type="presOf" srcId="{B5357460-0FAD-40CA-BE82-980E0E8EA8E3}" destId="{8A5D712F-6AF2-4319-A6F5-A30D601300D8}" srcOrd="0" destOrd="0" presId="urn:microsoft.com/office/officeart/2008/layout/HorizontalMultiLevelHierarchy"/>
+    <dgm:cxn modelId="{24AB20C0-F768-48A1-8430-E5F09A7028EA}" type="presOf" srcId="{42AACD0A-5BFC-48B7-BF2F-7EFEB20806CE}" destId="{3AB2966F-51C8-4712-9488-E33308A531C6}" srcOrd="1" destOrd="0" presId="urn:microsoft.com/office/officeart/2008/layout/HorizontalMultiLevelHierarchy"/>
+    <dgm:cxn modelId="{6DBB8725-1222-4B17-867E-54704F7EE749}" srcId="{93C747BF-5C60-4B4E-BC94-D52651C13DE4}" destId="{7981970C-204D-4F36-BD70-A041F4B940E6}" srcOrd="0" destOrd="0" parTransId="{52003E9A-DF77-4E3B-A083-82B24FE4B0A8}" sibTransId="{D0F2AC8F-BA3D-4E6C-AC90-92F634F15E92}"/>
     <dgm:cxn modelId="{23563D8C-BD92-4F19-83F6-95F3BB8234A9}" type="presOf" srcId="{EE43356B-C9DE-4C0E-B248-9A216F0378C8}" destId="{7646F691-96E9-4E87-95F9-A031B65F42CF}" srcOrd="1" destOrd="0" presId="urn:microsoft.com/office/officeart/2008/layout/HorizontalMultiLevelHierarchy"/>
-    <dgm:cxn modelId="{DAA5B63D-F00F-445C-85A3-2C21BE6E5A48}" type="presOf" srcId="{B5357460-0FAD-40CA-BE82-980E0E8EA8E3}" destId="{8A5D712F-6AF2-4319-A6F5-A30D601300D8}" srcOrd="0" destOrd="0" presId="urn:microsoft.com/office/officeart/2008/layout/HorizontalMultiLevelHierarchy"/>
-    <dgm:cxn modelId="{FCBFD05C-A7F1-4190-99C6-3A8477A83EC7}" type="presOf" srcId="{A0559AFC-F7C9-40A3-85C8-C1718708DC40}" destId="{5C94A537-F670-4876-9327-9280C8C56023}" srcOrd="0" destOrd="0" presId="urn:microsoft.com/office/officeart/2008/layout/HorizontalMultiLevelHierarchy"/>
-    <dgm:cxn modelId="{D2CB7E7E-3292-42A0-834B-2F9B6991FB5F}" srcId="{93C747BF-5C60-4B4E-BC94-D52651C13DE4}" destId="{376B09F4-2D5B-4689-8EC4-FB34E6F5B1E9}" srcOrd="1" destOrd="0" parTransId="{420A7C68-5D43-4EB6-AFB7-75822302A846}" sibTransId="{7EBA06D7-F455-4841-8F6A-A8B032555400}"/>
-    <dgm:cxn modelId="{6DBB8725-1222-4B17-867E-54704F7EE749}" srcId="{93C747BF-5C60-4B4E-BC94-D52651C13DE4}" destId="{7981970C-204D-4F36-BD70-A041F4B940E6}" srcOrd="0" destOrd="0" parTransId="{52003E9A-DF77-4E3B-A083-82B24FE4B0A8}" sibTransId="{D0F2AC8F-BA3D-4E6C-AC90-92F634F15E92}"/>
-    <dgm:cxn modelId="{454A9219-ECCB-4CE0-AC06-6FF5CDCF5543}" type="presOf" srcId="{33878004-7D2A-4F72-BEDB-5D0AB58F15AC}" destId="{BA2C46D1-49F2-4416-B0F1-25FE16F65916}" srcOrd="0" destOrd="0" presId="urn:microsoft.com/office/officeart/2008/layout/HorizontalMultiLevelHierarchy"/>
-    <dgm:cxn modelId="{07F39503-5931-40A9-B6E2-999857B09BCE}" type="presOf" srcId="{52003E9A-DF77-4E3B-A083-82B24FE4B0A8}" destId="{B5347ED1-EC76-4B54-8471-81696427CD3E}" srcOrd="1" destOrd="0" presId="urn:microsoft.com/office/officeart/2008/layout/HorizontalMultiLevelHierarchy"/>
-    <dgm:cxn modelId="{401894A6-3515-433E-B28F-50C90B2D9720}" srcId="{33878004-7D2A-4F72-BEDB-5D0AB58F15AC}" destId="{01604493-B99B-4814-ACAE-EF4534CEEECF}" srcOrd="1" destOrd="0" parTransId="{42AACD0A-5BFC-48B7-BF2F-7EFEB20806CE}" sibTransId="{B323BEF6-400C-4BB2-8275-C521625AA9DA}"/>
-    <dgm:cxn modelId="{79BE83E3-8620-4D1A-BB67-97F814FDD947}" type="presOf" srcId="{93C747BF-5C60-4B4E-BC94-D52651C13DE4}" destId="{2D4BACCF-FA22-4671-AE1C-1B8A7A052384}" srcOrd="0" destOrd="0" presId="urn:microsoft.com/office/officeart/2008/layout/HorizontalMultiLevelHierarchy"/>
     <dgm:cxn modelId="{4EB29B15-F30D-4315-A7A7-8A959550FC99}" type="presOf" srcId="{A0559AFC-F7C9-40A3-85C8-C1718708DC40}" destId="{75F5CFBF-8828-4BF9-816E-859BC8ED4F44}" srcOrd="1" destOrd="0" presId="urn:microsoft.com/office/officeart/2008/layout/HorizontalMultiLevelHierarchy"/>
-    <dgm:cxn modelId="{99F84A0E-D845-4A3E-B617-A2884107E4D8}" srcId="{33878004-7D2A-4F72-BEDB-5D0AB58F15AC}" destId="{93C747BF-5C60-4B4E-BC94-D52651C13DE4}" srcOrd="0" destOrd="0" parTransId="{EE43356B-C9DE-4C0E-B248-9A216F0378C8}" sibTransId="{B50FE281-80F8-4DF5-BD57-535DF8E4AC04}"/>
-    <dgm:cxn modelId="{0C47668A-8847-45C5-A966-CAEF64CC0E04}" type="presOf" srcId="{420A7C68-5D43-4EB6-AFB7-75822302A846}" destId="{B1A8CFDC-B7E6-4059-86E3-411E6B63764B}" srcOrd="0" destOrd="0" presId="urn:microsoft.com/office/officeart/2008/layout/HorizontalMultiLevelHierarchy"/>
-    <dgm:cxn modelId="{C1DC62F1-DAF0-4743-85B4-EAD949844F58}" type="presOf" srcId="{01604493-B99B-4814-ACAE-EF4534CEEECF}" destId="{F1E4F070-4D42-4CFC-BB13-F40CB6117610}" srcOrd="0" destOrd="0" presId="urn:microsoft.com/office/officeart/2008/layout/HorizontalMultiLevelHierarchy"/>
-    <dgm:cxn modelId="{24AB20C0-F768-48A1-8430-E5F09A7028EA}" type="presOf" srcId="{42AACD0A-5BFC-48B7-BF2F-7EFEB20806CE}" destId="{3AB2966F-51C8-4712-9488-E33308A531C6}" srcOrd="1" destOrd="0" presId="urn:microsoft.com/office/officeart/2008/layout/HorizontalMultiLevelHierarchy"/>
-    <dgm:cxn modelId="{AB41FEFD-516A-45BB-A280-CA6B0C2945B5}" type="presOf" srcId="{420A7C68-5D43-4EB6-AFB7-75822302A846}" destId="{2783DBF3-317F-4536-8771-9AD6DFDD1314}" srcOrd="1" destOrd="0" presId="urn:microsoft.com/office/officeart/2008/layout/HorizontalMultiLevelHierarchy"/>
-    <dgm:cxn modelId="{23EA1E0E-CCDB-447D-9BF6-AE74DA453A52}" type="presOf" srcId="{7981970C-204D-4F36-BD70-A041F4B940E6}" destId="{8ADF30A2-5DE6-4E05-8507-6283510A3E97}" srcOrd="0" destOrd="0" presId="urn:microsoft.com/office/officeart/2008/layout/HorizontalMultiLevelHierarchy"/>
-    <dgm:cxn modelId="{E06CCF47-E96C-4AB1-9671-F2E9BFC59046}" type="presOf" srcId="{42AACD0A-5BFC-48B7-BF2F-7EFEB20806CE}" destId="{C9BB74AF-030F-4CA5-8A14-E9B74F3B9177}" srcOrd="0" destOrd="0" presId="urn:microsoft.com/office/officeart/2008/layout/HorizontalMultiLevelHierarchy"/>
-    <dgm:cxn modelId="{05FFAAE0-ACF1-4E28-BBE7-4382418BCA57}" srcId="{B5357460-0FAD-40CA-BE82-980E0E8EA8E3}" destId="{E164911D-41C0-41AD-BFD4-B8091C9AE415}" srcOrd="0" destOrd="0" parTransId="{FDB7C482-9992-4BC0-B687-7A27B7C339BC}" sibTransId="{6D28B937-C89D-4738-A88B-D334CEA09F7A}"/>
-    <dgm:cxn modelId="{0B594901-626F-4C7C-AB3F-CEFA6AE0090C}" srcId="{E164911D-41C0-41AD-BFD4-B8091C9AE415}" destId="{33878004-7D2A-4F72-BEDB-5D0AB58F15AC}" srcOrd="0" destOrd="0" parTransId="{A0559AFC-F7C9-40A3-85C8-C1718708DC40}" sibTransId="{D6D76CC0-6030-401B-97E8-CE355C4FBFC4}"/>
     <dgm:cxn modelId="{EC4E3B83-7EA8-4E97-9C36-D0155776F28F}" type="presParOf" srcId="{8A5D712F-6AF2-4319-A6F5-A30D601300D8}" destId="{3120E5FA-F315-4B50-9CBE-10143E5DFFB8}" srcOrd="0" destOrd="0" presId="urn:microsoft.com/office/officeart/2008/layout/HorizontalMultiLevelHierarchy"/>
     <dgm:cxn modelId="{C55A7E10-6D2C-4834-AB2D-684C19CEF991}" type="presParOf" srcId="{3120E5FA-F315-4B50-9CBE-10143E5DFFB8}" destId="{22A722A9-2815-423D-8C37-5E5F7385B8FB}" srcOrd="0" destOrd="0" presId="urn:microsoft.com/office/officeart/2008/layout/HorizontalMultiLevelHierarchy"/>
     <dgm:cxn modelId="{38E47FB7-2298-44C4-83AB-C545D212B712}" type="presParOf" srcId="{3120E5FA-F315-4B50-9CBE-10143E5DFFB8}" destId="{5D597C0F-2237-4F12-950C-D26B8F09A573}" srcOrd="1" destOrd="0" presId="urn:microsoft.com/office/officeart/2008/layout/HorizontalMultiLevelHierarchy"/>
@@ -4012,7 +4011,7 @@
   <dgm:whole/>
   <dgm:extLst>
     <a:ext uri="http://schemas.microsoft.com/office/drawing/2008/diagram">
-      <dsp:dataModelExt xmlns:dsp="http://schemas.microsoft.com/office/drawing/2008/diagram" relId="rId6" minVer="http://schemas.openxmlformats.org/drawingml/2006/diagram"/>
+      <dsp:dataModelExt xmlns:dsp="http://schemas.microsoft.com/office/drawing/2008/diagram" xmlns="" relId="rId6" minVer="http://schemas.openxmlformats.org/drawingml/2006/diagram"/>
     </a:ext>
   </dgm:extLst>
 </dgm:dataModel>
@@ -4605,33 +4604,33 @@
     </dgm:pt>
   </dgm:ptLst>
   <dgm:cxnLst>
-    <dgm:cxn modelId="{BA54002A-9707-4CCA-BEE8-15EC960371D8}" type="presOf" srcId="{A189FC59-214A-4E39-9093-65A387B4936B}" destId="{355642E0-09D0-42DF-923C-1B3F590DAE0E}" srcOrd="0" destOrd="0" presId="urn:microsoft.com/office/officeart/2008/layout/HorizontalMultiLevelHierarchy"/>
+    <dgm:cxn modelId="{401894A6-3515-433E-B28F-50C90B2D9720}" srcId="{33878004-7D2A-4F72-BEDB-5D0AB58F15AC}" destId="{01604493-B99B-4814-ACAE-EF4534CEEECF}" srcOrd="1" destOrd="0" parTransId="{42AACD0A-5BFC-48B7-BF2F-7EFEB20806CE}" sibTransId="{B323BEF6-400C-4BB2-8275-C521625AA9DA}"/>
+    <dgm:cxn modelId="{8637BEDC-C0D9-4ADA-9128-DCD7DFB547F4}" type="presOf" srcId="{A189FC59-214A-4E39-9093-65A387B4936B}" destId="{6201D176-D536-493A-BC18-D21C524F25EC}" srcOrd="1" destOrd="0" presId="urn:microsoft.com/office/officeart/2008/layout/HorizontalMultiLevelHierarchy"/>
+    <dgm:cxn modelId="{05FFAAE0-ACF1-4E28-BBE7-4382418BCA57}" srcId="{B5357460-0FAD-40CA-BE82-980E0E8EA8E3}" destId="{E164911D-41C0-41AD-BFD4-B8091C9AE415}" srcOrd="0" destOrd="0" parTransId="{FDB7C482-9992-4BC0-B687-7A27B7C339BC}" sibTransId="{6D28B937-C89D-4738-A88B-D334CEA09F7A}"/>
+    <dgm:cxn modelId="{0D5A4B09-BEB0-4866-91EE-273C485F2DF6}" type="presOf" srcId="{288FA272-D33C-42A0-B55D-AD213EADEFDF}" destId="{FC741111-6EF4-466E-8F40-92DF807AF77E}" srcOrd="0" destOrd="0" presId="urn:microsoft.com/office/officeart/2008/layout/HorizontalMultiLevelHierarchy"/>
+    <dgm:cxn modelId="{ECE64CD2-EFBD-455B-B80A-EDCE2051D642}" type="presOf" srcId="{739615F7-2873-4130-A3A1-C55CABB2E1DC}" destId="{C3E6BC3B-2DC5-4870-969C-B2329060F879}" srcOrd="0" destOrd="0" presId="urn:microsoft.com/office/officeart/2008/layout/HorizontalMultiLevelHierarchy"/>
+    <dgm:cxn modelId="{73CD7F14-95E2-4465-9351-564F7691FF71}" type="presOf" srcId="{A0559AFC-F7C9-40A3-85C8-C1718708DC40}" destId="{5C94A537-F670-4876-9327-9280C8C56023}" srcOrd="0" destOrd="0" presId="urn:microsoft.com/office/officeart/2008/layout/HorizontalMultiLevelHierarchy"/>
+    <dgm:cxn modelId="{0B594901-626F-4C7C-AB3F-CEFA6AE0090C}" srcId="{E164911D-41C0-41AD-BFD4-B8091C9AE415}" destId="{33878004-7D2A-4F72-BEDB-5D0AB58F15AC}" srcOrd="0" destOrd="0" parTransId="{A0559AFC-F7C9-40A3-85C8-C1718708DC40}" sibTransId="{D6D76CC0-6030-401B-97E8-CE355C4FBFC4}"/>
+    <dgm:cxn modelId="{56B43A55-80E5-490E-9CAF-E76CEB094613}" type="presOf" srcId="{A0559AFC-F7C9-40A3-85C8-C1718708DC40}" destId="{75F5CFBF-8828-4BF9-816E-859BC8ED4F44}" srcOrd="1" destOrd="0" presId="urn:microsoft.com/office/officeart/2008/layout/HorizontalMultiLevelHierarchy"/>
+    <dgm:cxn modelId="{FC155899-FFE1-4A33-A8A9-17D11B184B12}" type="presOf" srcId="{E164911D-41C0-41AD-BFD4-B8091C9AE415}" destId="{22A722A9-2815-423D-8C37-5E5F7385B8FB}" srcOrd="0" destOrd="0" presId="urn:microsoft.com/office/officeart/2008/layout/HorizontalMultiLevelHierarchy"/>
     <dgm:cxn modelId="{E346A41A-E628-4A05-BD3A-257B2535E6F7}" type="presOf" srcId="{01604493-B99B-4814-ACAE-EF4534CEEECF}" destId="{F1E4F070-4D42-4CFC-BB13-F40CB6117610}" srcOrd="0" destOrd="0" presId="urn:microsoft.com/office/officeart/2008/layout/HorizontalMultiLevelHierarchy"/>
     <dgm:cxn modelId="{07AF058C-2310-4CF5-8A13-A085F7707ADC}" type="presOf" srcId="{33878004-7D2A-4F72-BEDB-5D0AB58F15AC}" destId="{BA2C46D1-49F2-4416-B0F1-25FE16F65916}" srcOrd="0" destOrd="0" presId="urn:microsoft.com/office/officeart/2008/layout/HorizontalMultiLevelHierarchy"/>
-    <dgm:cxn modelId="{56B43A55-80E5-490E-9CAF-E76CEB094613}" type="presOf" srcId="{A0559AFC-F7C9-40A3-85C8-C1718708DC40}" destId="{75F5CFBF-8828-4BF9-816E-859BC8ED4F44}" srcOrd="1" destOrd="0" presId="urn:microsoft.com/office/officeart/2008/layout/HorizontalMultiLevelHierarchy"/>
-    <dgm:cxn modelId="{FC155899-FFE1-4A33-A8A9-17D11B184B12}" type="presOf" srcId="{E164911D-41C0-41AD-BFD4-B8091C9AE415}" destId="{22A722A9-2815-423D-8C37-5E5F7385B8FB}" srcOrd="0" destOrd="0" presId="urn:microsoft.com/office/officeart/2008/layout/HorizontalMultiLevelHierarchy"/>
+    <dgm:cxn modelId="{BA54002A-9707-4CCA-BEE8-15EC960371D8}" type="presOf" srcId="{A189FC59-214A-4E39-9093-65A387B4936B}" destId="{355642E0-09D0-42DF-923C-1B3F590DAE0E}" srcOrd="0" destOrd="0" presId="urn:microsoft.com/office/officeart/2008/layout/HorizontalMultiLevelHierarchy"/>
     <dgm:cxn modelId="{71F20030-9A26-421A-AF4A-04CB68280208}" type="presOf" srcId="{E280C742-3EF7-4DE2-BF38-A10ACDC2E717}" destId="{EC6322D2-0008-4174-9FD3-2486AA11F710}" srcOrd="0" destOrd="0" presId="urn:microsoft.com/office/officeart/2008/layout/HorizontalMultiLevelHierarchy"/>
-    <dgm:cxn modelId="{401894A6-3515-433E-B28F-50C90B2D9720}" srcId="{33878004-7D2A-4F72-BEDB-5D0AB58F15AC}" destId="{01604493-B99B-4814-ACAE-EF4534CEEECF}" srcOrd="1" destOrd="0" parTransId="{42AACD0A-5BFC-48B7-BF2F-7EFEB20806CE}" sibTransId="{B323BEF6-400C-4BB2-8275-C521625AA9DA}"/>
-    <dgm:cxn modelId="{182C3CB3-2053-4B48-ABE8-90DE202D12B9}" type="presOf" srcId="{0DE1300D-B8D6-4E5D-8BB1-5FF9FB33BA69}" destId="{B8E27EC5-4F7E-49BB-951C-93C7A2A24C99}" srcOrd="0" destOrd="0" presId="urn:microsoft.com/office/officeart/2008/layout/HorizontalMultiLevelHierarchy"/>
     <dgm:cxn modelId="{76EC4CD1-0740-4EA8-B65F-740492D94D28}" type="presOf" srcId="{42AACD0A-5BFC-48B7-BF2F-7EFEB20806CE}" destId="{3AB2966F-51C8-4712-9488-E33308A531C6}" srcOrd="1" destOrd="0" presId="urn:microsoft.com/office/officeart/2008/layout/HorizontalMultiLevelHierarchy"/>
     <dgm:cxn modelId="{0311BF6B-0B67-46A3-A760-FB0DB90B8A77}" type="presOf" srcId="{1C096A7E-8FF6-4205-B81F-37441528B91E}" destId="{795F2234-8ADC-4001-BDDB-49D4CDD506ED}" srcOrd="1" destOrd="0" presId="urn:microsoft.com/office/officeart/2008/layout/HorizontalMultiLevelHierarchy"/>
+    <dgm:cxn modelId="{182C3CB3-2053-4B48-ABE8-90DE202D12B9}" type="presOf" srcId="{0DE1300D-B8D6-4E5D-8BB1-5FF9FB33BA69}" destId="{B8E27EC5-4F7E-49BB-951C-93C7A2A24C99}" srcOrd="0" destOrd="0" presId="urn:microsoft.com/office/officeart/2008/layout/HorizontalMultiLevelHierarchy"/>
+    <dgm:cxn modelId="{5D4B4996-4A2E-4C51-B64F-7FDCCC89DE12}" srcId="{01604493-B99B-4814-ACAE-EF4534CEEECF}" destId="{288FA272-D33C-42A0-B55D-AD213EADEFDF}" srcOrd="1" destOrd="0" parTransId="{A189FC59-214A-4E39-9093-65A387B4936B}" sibTransId="{B5342E36-C0BB-4FE0-B07B-31B3424ED9BB}"/>
+    <dgm:cxn modelId="{1D0566C3-EC95-4E82-90A1-EA6355428A4B}" srcId="{33878004-7D2A-4F72-BEDB-5D0AB58F15AC}" destId="{0DE1300D-B8D6-4E5D-8BB1-5FF9FB33BA69}" srcOrd="0" destOrd="0" parTransId="{E280C742-3EF7-4DE2-BF38-A10ACDC2E717}" sibTransId="{5D82EA0E-2D82-4639-AE71-2BD543EFDB8E}"/>
+    <dgm:cxn modelId="{8CE184D2-AC07-4E40-B3C3-3268B5CB0508}" type="presOf" srcId="{42AACD0A-5BFC-48B7-BF2F-7EFEB20806CE}" destId="{C9BB74AF-030F-4CA5-8A14-E9B74F3B9177}" srcOrd="0" destOrd="0" presId="urn:microsoft.com/office/officeart/2008/layout/HorizontalMultiLevelHierarchy"/>
+    <dgm:cxn modelId="{E423EE00-9F77-4CBC-9B3F-C89AE81CD3E2}" type="presOf" srcId="{127A7142-7362-4443-B2EB-46E30603C64F}" destId="{E0F25E48-4F7F-466B-8845-58591156A353}" srcOrd="0" destOrd="0" presId="urn:microsoft.com/office/officeart/2008/layout/HorizontalMultiLevelHierarchy"/>
+    <dgm:cxn modelId="{6669B669-282B-4E7B-8AE0-D68908E04390}" type="presOf" srcId="{B5357460-0FAD-40CA-BE82-980E0E8EA8E3}" destId="{8A5D712F-6AF2-4319-A6F5-A30D601300D8}" srcOrd="0" destOrd="0" presId="urn:microsoft.com/office/officeart/2008/layout/HorizontalMultiLevelHierarchy"/>
     <dgm:cxn modelId="{4BEB260B-CC93-4EFC-831F-FDD8DA18AC8D}" type="presOf" srcId="{1C096A7E-8FF6-4205-B81F-37441528B91E}" destId="{9E124E1E-0161-4AC1-87EC-B09B2F219B0F}" srcOrd="0" destOrd="0" presId="urn:microsoft.com/office/officeart/2008/layout/HorizontalMultiLevelHierarchy"/>
-    <dgm:cxn modelId="{E65B95F2-C3FE-4676-AAA9-42230605C4A5}" srcId="{01604493-B99B-4814-ACAE-EF4534CEEECF}" destId="{550A381F-40F0-4E05-ACCB-D1C9F5A5043C}" srcOrd="0" destOrd="0" parTransId="{1C096A7E-8FF6-4205-B81F-37441528B91E}" sibTransId="{A501F06D-82E0-4DE6-9AE9-2167538DECE0}"/>
-    <dgm:cxn modelId="{1D0566C3-EC95-4E82-90A1-EA6355428A4B}" srcId="{33878004-7D2A-4F72-BEDB-5D0AB58F15AC}" destId="{0DE1300D-B8D6-4E5D-8BB1-5FF9FB33BA69}" srcOrd="0" destOrd="0" parTransId="{E280C742-3EF7-4DE2-BF38-A10ACDC2E717}" sibTransId="{5D82EA0E-2D82-4639-AE71-2BD543EFDB8E}"/>
-    <dgm:cxn modelId="{6669B669-282B-4E7B-8AE0-D68908E04390}" type="presOf" srcId="{B5357460-0FAD-40CA-BE82-980E0E8EA8E3}" destId="{8A5D712F-6AF2-4319-A6F5-A30D601300D8}" srcOrd="0" destOrd="0" presId="urn:microsoft.com/office/officeart/2008/layout/HorizontalMultiLevelHierarchy"/>
-    <dgm:cxn modelId="{5D4B4996-4A2E-4C51-B64F-7FDCCC89DE12}" srcId="{01604493-B99B-4814-ACAE-EF4534CEEECF}" destId="{288FA272-D33C-42A0-B55D-AD213EADEFDF}" srcOrd="1" destOrd="0" parTransId="{A189FC59-214A-4E39-9093-65A387B4936B}" sibTransId="{B5342E36-C0BB-4FE0-B07B-31B3424ED9BB}"/>
-    <dgm:cxn modelId="{ECE64CD2-EFBD-455B-B80A-EDCE2051D642}" type="presOf" srcId="{739615F7-2873-4130-A3A1-C55CABB2E1DC}" destId="{C3E6BC3B-2DC5-4870-969C-B2329060F879}" srcOrd="0" destOrd="0" presId="urn:microsoft.com/office/officeart/2008/layout/HorizontalMultiLevelHierarchy"/>
     <dgm:cxn modelId="{A6A45571-6E3A-4216-8180-69BF89EC9C8A}" type="presOf" srcId="{127A7142-7362-4443-B2EB-46E30603C64F}" destId="{18229FD2-10DE-484D-8950-3D45E780AAB5}" srcOrd="1" destOrd="0" presId="urn:microsoft.com/office/officeart/2008/layout/HorizontalMultiLevelHierarchy"/>
     <dgm:cxn modelId="{00B2F57F-905C-4422-8389-4E07D9BCDD71}" type="presOf" srcId="{E280C742-3EF7-4DE2-BF38-A10ACDC2E717}" destId="{B98BDEBC-A658-487D-8329-E93FD0E8C8C3}" srcOrd="1" destOrd="0" presId="urn:microsoft.com/office/officeart/2008/layout/HorizontalMultiLevelHierarchy"/>
+    <dgm:cxn modelId="{09491770-EFB8-4B3A-8E31-5E2EA467C860}" srcId="{33878004-7D2A-4F72-BEDB-5D0AB58F15AC}" destId="{739615F7-2873-4130-A3A1-C55CABB2E1DC}" srcOrd="2" destOrd="0" parTransId="{127A7142-7362-4443-B2EB-46E30603C64F}" sibTransId="{EE391C23-2D86-46A2-BEE6-39BB2BC467CB}"/>
+    <dgm:cxn modelId="{E65B95F2-C3FE-4676-AAA9-42230605C4A5}" srcId="{01604493-B99B-4814-ACAE-EF4534CEEECF}" destId="{550A381F-40F0-4E05-ACCB-D1C9F5A5043C}" srcOrd="0" destOrd="0" parTransId="{1C096A7E-8FF6-4205-B81F-37441528B91E}" sibTransId="{A501F06D-82E0-4DE6-9AE9-2167538DECE0}"/>
     <dgm:cxn modelId="{E4616368-5683-4700-AF8C-2278057B87C5}" type="presOf" srcId="{550A381F-40F0-4E05-ACCB-D1C9F5A5043C}" destId="{AAE69731-215B-45BC-8E15-2A6F1103ED7E}" srcOrd="0" destOrd="0" presId="urn:microsoft.com/office/officeart/2008/layout/HorizontalMultiLevelHierarchy"/>
-    <dgm:cxn modelId="{8CE184D2-AC07-4E40-B3C3-3268B5CB0508}" type="presOf" srcId="{42AACD0A-5BFC-48B7-BF2F-7EFEB20806CE}" destId="{C9BB74AF-030F-4CA5-8A14-E9B74F3B9177}" srcOrd="0" destOrd="0" presId="urn:microsoft.com/office/officeart/2008/layout/HorizontalMultiLevelHierarchy"/>
-    <dgm:cxn modelId="{73CD7F14-95E2-4465-9351-564F7691FF71}" type="presOf" srcId="{A0559AFC-F7C9-40A3-85C8-C1718708DC40}" destId="{5C94A537-F670-4876-9327-9280C8C56023}" srcOrd="0" destOrd="0" presId="urn:microsoft.com/office/officeart/2008/layout/HorizontalMultiLevelHierarchy"/>
-    <dgm:cxn modelId="{E423EE00-9F77-4CBC-9B3F-C89AE81CD3E2}" type="presOf" srcId="{127A7142-7362-4443-B2EB-46E30603C64F}" destId="{E0F25E48-4F7F-466B-8845-58591156A353}" srcOrd="0" destOrd="0" presId="urn:microsoft.com/office/officeart/2008/layout/HorizontalMultiLevelHierarchy"/>
-    <dgm:cxn modelId="{09491770-EFB8-4B3A-8E31-5E2EA467C860}" srcId="{33878004-7D2A-4F72-BEDB-5D0AB58F15AC}" destId="{739615F7-2873-4130-A3A1-C55CABB2E1DC}" srcOrd="2" destOrd="0" parTransId="{127A7142-7362-4443-B2EB-46E30603C64F}" sibTransId="{EE391C23-2D86-46A2-BEE6-39BB2BC467CB}"/>
-    <dgm:cxn modelId="{8637BEDC-C0D9-4ADA-9128-DCD7DFB547F4}" type="presOf" srcId="{A189FC59-214A-4E39-9093-65A387B4936B}" destId="{6201D176-D536-493A-BC18-D21C524F25EC}" srcOrd="1" destOrd="0" presId="urn:microsoft.com/office/officeart/2008/layout/HorizontalMultiLevelHierarchy"/>
-    <dgm:cxn modelId="{05FFAAE0-ACF1-4E28-BBE7-4382418BCA57}" srcId="{B5357460-0FAD-40CA-BE82-980E0E8EA8E3}" destId="{E164911D-41C0-41AD-BFD4-B8091C9AE415}" srcOrd="0" destOrd="0" parTransId="{FDB7C482-9992-4BC0-B687-7A27B7C339BC}" sibTransId="{6D28B937-C89D-4738-A88B-D334CEA09F7A}"/>
-    <dgm:cxn modelId="{0B594901-626F-4C7C-AB3F-CEFA6AE0090C}" srcId="{E164911D-41C0-41AD-BFD4-B8091C9AE415}" destId="{33878004-7D2A-4F72-BEDB-5D0AB58F15AC}" srcOrd="0" destOrd="0" parTransId="{A0559AFC-F7C9-40A3-85C8-C1718708DC40}" sibTransId="{D6D76CC0-6030-401B-97E8-CE355C4FBFC4}"/>
-    <dgm:cxn modelId="{0D5A4B09-BEB0-4866-91EE-273C485F2DF6}" type="presOf" srcId="{288FA272-D33C-42A0-B55D-AD213EADEFDF}" destId="{FC741111-6EF4-466E-8F40-92DF807AF77E}" srcOrd="0" destOrd="0" presId="urn:microsoft.com/office/officeart/2008/layout/HorizontalMultiLevelHierarchy"/>
     <dgm:cxn modelId="{553142FB-4E7E-4104-AE0D-07E94E2B9B5E}" type="presParOf" srcId="{8A5D712F-6AF2-4319-A6F5-A30D601300D8}" destId="{3120E5FA-F315-4B50-9CBE-10143E5DFFB8}" srcOrd="0" destOrd="0" presId="urn:microsoft.com/office/officeart/2008/layout/HorizontalMultiLevelHierarchy"/>
     <dgm:cxn modelId="{5D250D83-11DC-471A-8EA4-C3F03E20D3CA}" type="presParOf" srcId="{3120E5FA-F315-4B50-9CBE-10143E5DFFB8}" destId="{22A722A9-2815-423D-8C37-5E5F7385B8FB}" srcOrd="0" destOrd="0" presId="urn:microsoft.com/office/officeart/2008/layout/HorizontalMultiLevelHierarchy"/>
     <dgm:cxn modelId="{5BA7A6C8-C61C-49C7-8547-B329726E844A}" type="presParOf" srcId="{3120E5FA-F315-4B50-9CBE-10143E5DFFB8}" destId="{5D597C0F-2237-4F12-950C-D26B8F09A573}" srcOrd="1" destOrd="0" presId="urn:microsoft.com/office/officeart/2008/layout/HorizontalMultiLevelHierarchy"/>
@@ -4670,14 +4669,14 @@
   <dgm:whole/>
   <dgm:extLst>
     <a:ext uri="http://schemas.microsoft.com/office/drawing/2008/diagram">
-      <dsp:dataModelExt xmlns:dsp="http://schemas.microsoft.com/office/drawing/2008/diagram" relId="rId6" minVer="http://schemas.openxmlformats.org/drawingml/2006/diagram"/>
+      <dsp:dataModelExt xmlns:dsp="http://schemas.microsoft.com/office/drawing/2008/diagram" xmlns="" relId="rId6" minVer="http://schemas.openxmlformats.org/drawingml/2006/diagram"/>
     </a:ext>
   </dgm:extLst>
 </dgm:dataModel>
 </file>
 
 <file path=ppt/diagrams/drawing1.xml><?xml version="1.0" encoding="utf-8"?>
-<dsp:drawing xmlns:dgm="http://schemas.openxmlformats.org/drawingml/2006/diagram" xmlns:dsp="http://schemas.microsoft.com/office/drawing/2008/diagram" xmlns:a="http://schemas.openxmlformats.org/drawingml/2006/main">
+<dsp:drawing xmlns:dgm="http://schemas.openxmlformats.org/drawingml/2006/diagram" xmlns:a="http://schemas.openxmlformats.org/drawingml/2006/main" xmlns:dsp="http://schemas.microsoft.com/office/drawing/2008/diagram">
   <dsp:spTree>
     <dsp:nvGrpSpPr>
       <dsp:cNvPr id="0" name=""/>
@@ -5207,7 +5206,7 @@
           <a:endParaRPr kumimoji="1" lang="ja-JP" altLang="en-US" sz="3000" kern="1200" dirty="0"/>
         </a:p>
       </dsp:txBody>
-      <dsp:txXfrm>
+      <dsp:txXfrm rot="16200000">
         <a:off x="-1324330" y="1992573"/>
         <a:ext cx="3280864" cy="623364"/>
       </dsp:txXfrm>
@@ -5787,7 +5786,7 @@
 </file>
 
 <file path=ppt/diagrams/drawing2.xml><?xml version="1.0" encoding="utf-8"?>
-<dsp:drawing xmlns:dgm="http://schemas.openxmlformats.org/drawingml/2006/diagram" xmlns:dsp="http://schemas.microsoft.com/office/drawing/2008/diagram" xmlns:a="http://schemas.openxmlformats.org/drawingml/2006/main">
+<dsp:drawing xmlns:dgm="http://schemas.openxmlformats.org/drawingml/2006/diagram" xmlns:a="http://schemas.openxmlformats.org/drawingml/2006/main" xmlns:dsp="http://schemas.microsoft.com/office/drawing/2008/diagram">
   <dsp:spTree>
     <dsp:nvGrpSpPr>
       <dsp:cNvPr id="0" name=""/>
@@ -6323,7 +6322,7 @@
           <a:endParaRPr kumimoji="1" lang="ja-JP" altLang="en-US" sz="3000" kern="1200" dirty="0"/>
         </a:p>
       </dsp:txBody>
-      <dsp:txXfrm>
+      <dsp:txXfrm rot="16200000">
         <a:off x="-1324330" y="2111866"/>
         <a:ext cx="3280864" cy="623364"/>
       </dsp:txXfrm>
@@ -6903,7 +6902,7 @@
 </file>
 
 <file path=ppt/diagrams/drawing3.xml><?xml version="1.0" encoding="utf-8"?>
-<dsp:drawing xmlns:dgm="http://schemas.openxmlformats.org/drawingml/2006/diagram" xmlns:dsp="http://schemas.microsoft.com/office/drawing/2008/diagram" xmlns:a="http://schemas.openxmlformats.org/drawingml/2006/main">
+<dsp:drawing xmlns:dgm="http://schemas.openxmlformats.org/drawingml/2006/diagram" xmlns:a="http://schemas.openxmlformats.org/drawingml/2006/main" xmlns:dsp="http://schemas.microsoft.com/office/drawing/2008/diagram">
   <dsp:spTree>
     <dsp:nvGrpSpPr>
       <dsp:cNvPr id="0" name=""/>
@@ -7517,7 +7516,7 @@
           <a:endParaRPr kumimoji="1" lang="ja-JP" altLang="en-US" sz="3000" kern="1200" dirty="0"/>
         </a:p>
       </dsp:txBody>
-      <dsp:txXfrm>
+      <dsp:txXfrm rot="16200000">
         <a:off x="-1324330" y="1992573"/>
         <a:ext cx="3280864" cy="623364"/>
       </dsp:txXfrm>
@@ -12364,7 +12363,7 @@
             <a:fld id="{BCDAA5EE-A947-4495-AD3A-0037BFB73522}" type="datetimeFigureOut">
               <a:rPr kumimoji="1" lang="ja-JP" altLang="en-US" smtClean="0"/>
               <a:pPr/>
-              <a:t>2016/10/17</a:t>
+              <a:t>2016/10/26</a:t>
             </a:fld>
             <a:endParaRPr kumimoji="1" lang="ja-JP" altLang="en-US"/>
           </a:p>
@@ -12431,7 +12430,7 @@
             <a:fld id="{82F83612-9275-4DC1-A944-3BFEC8BF768F}" type="slidenum">
               <a:rPr kumimoji="1" lang="ja-JP" altLang="en-US" smtClean="0"/>
               <a:pPr/>
-              <a:t>‹#›</a:t>
+              <a:t>&lt;#&gt;</a:t>
             </a:fld>
             <a:endParaRPr kumimoji="1" lang="ja-JP" altLang="en-US"/>
           </a:p>
@@ -12440,7 +12439,7 @@
     </p:spTree>
     <p:extLst>
       <p:ext uri="{BB962C8B-B14F-4D97-AF65-F5344CB8AC3E}">
-        <p14:creationId xmlns:p14="http://schemas.microsoft.com/office/powerpoint/2010/main" val="2208753837"/>
+        <p14:creationId xmlns:p14="http://schemas.microsoft.com/office/powerpoint/2010/main" xmlns="" val="2208753837"/>
       </p:ext>
     </p:extLst>
   </p:cSld>
@@ -12531,7 +12530,7 @@
             <a:fld id="{B865EC08-ADE3-4A7C-8117-50520C10DDF4}" type="datetimeFigureOut">
               <a:rPr kumimoji="1" lang="ja-JP" altLang="en-US" smtClean="0"/>
               <a:pPr/>
-              <a:t>2016/10/17</a:t>
+              <a:t>2016/10/26</a:t>
             </a:fld>
             <a:endParaRPr kumimoji="1" lang="ja-JP" altLang="en-US"/>
           </a:p>
@@ -12723,7 +12722,7 @@
             <a:fld id="{110D8F48-DEFC-4A68-B774-8C3AE0822D57}" type="slidenum">
               <a:rPr kumimoji="1" lang="ja-JP" altLang="en-US" smtClean="0"/>
               <a:pPr/>
-              <a:t>‹#›</a:t>
+              <a:t>&lt;#&gt;</a:t>
             </a:fld>
             <a:endParaRPr kumimoji="1" lang="ja-JP" altLang="en-US"/>
           </a:p>
@@ -12732,7 +12731,7 @@
     </p:spTree>
     <p:extLst>
       <p:ext uri="{BB962C8B-B14F-4D97-AF65-F5344CB8AC3E}">
-        <p14:creationId xmlns:p14="http://schemas.microsoft.com/office/powerpoint/2010/main" val="1815087394"/>
+        <p14:creationId xmlns:p14="http://schemas.microsoft.com/office/powerpoint/2010/main" xmlns="" val="1815087394"/>
       </p:ext>
     </p:extLst>
   </p:cSld>
@@ -13283,7 +13282,7 @@
               </a:pathLst>
             </a:custGeom>
             <a:blipFill>
-              <a:blip r:embed="rId2">
+              <a:blip r:embed="rId2" cstate="print">
                 <a:alphaModFix amt="50000"/>
               </a:blip>
               <a:tile tx="0" ty="0" sx="50000" sy="50000" flip="none" algn="t"/>
@@ -13457,7 +13456,8 @@
           <a:p>
             <a:fld id="{3A576C07-E38E-4C3D-BC35-8E17EB8E6E08}" type="datetime1">
               <a:rPr kumimoji="1" lang="ja-JP" altLang="en-US" smtClean="0"/>
-              <a:t>2016/10/17</a:t>
+              <a:pPr/>
+              <a:t>2016/10/26</a:t>
             </a:fld>
             <a:endParaRPr kumimoji="1" lang="ja-JP" altLang="en-US"/>
           </a:p>
@@ -13520,7 +13520,7 @@
             <a:fld id="{1B2C9F7E-80B6-4C3C-8A6C-643968CAB744}" type="slidenum">
               <a:rPr kumimoji="1" lang="ja-JP" altLang="en-US" smtClean="0"/>
               <a:pPr/>
-              <a:t>‹#›</a:t>
+              <a:t>&lt;#&gt;</a:t>
             </a:fld>
             <a:endParaRPr kumimoji="1" lang="ja-JP" altLang="en-US"/>
           </a:p>
@@ -13686,7 +13686,8 @@
           <a:p>
             <a:fld id="{D0F623A9-937B-4786-8F6C-0B01A518FDEB}" type="datetime1">
               <a:rPr kumimoji="1" lang="ja-JP" altLang="en-US" smtClean="0"/>
-              <a:t>2016/10/17</a:t>
+              <a:pPr/>
+              <a:t>2016/10/26</a:t>
             </a:fld>
             <a:endParaRPr kumimoji="1" lang="ja-JP" altLang="en-US"/>
           </a:p>
@@ -13733,7 +13734,7 @@
             <a:fld id="{1B2C9F7E-80B6-4C3C-8A6C-643968CAB744}" type="slidenum">
               <a:rPr kumimoji="1" lang="ja-JP" altLang="en-US" smtClean="0"/>
               <a:pPr/>
-              <a:t>‹#›</a:t>
+              <a:t>&lt;#&gt;</a:t>
             </a:fld>
             <a:endParaRPr kumimoji="1" lang="ja-JP" altLang="en-US"/>
           </a:p>
@@ -13904,7 +13905,8 @@
           <a:p>
             <a:fld id="{3C9E95D3-AFAE-4D54-BB7E-F3C2095620FD}" type="datetime1">
               <a:rPr kumimoji="1" lang="ja-JP" altLang="en-US" smtClean="0"/>
-              <a:t>2016/10/17</a:t>
+              <a:pPr/>
+              <a:t>2016/10/26</a:t>
             </a:fld>
             <a:endParaRPr kumimoji="1" lang="ja-JP" altLang="en-US"/>
           </a:p>
@@ -13951,7 +13953,7 @@
             <a:fld id="{1B2C9F7E-80B6-4C3C-8A6C-643968CAB744}" type="slidenum">
               <a:rPr kumimoji="1" lang="ja-JP" altLang="en-US" smtClean="0"/>
               <a:pPr/>
-              <a:t>‹#›</a:t>
+              <a:t>&lt;#&gt;</a:t>
             </a:fld>
             <a:endParaRPr kumimoji="1" lang="ja-JP" altLang="en-US"/>
           </a:p>
@@ -14087,7 +14089,8 @@
           <a:p>
             <a:fld id="{A1955A63-441B-408C-895B-6B2624043540}" type="datetime1">
               <a:rPr kumimoji="1" lang="ja-JP" altLang="en-US" smtClean="0"/>
-              <a:t>2016/10/17</a:t>
+              <a:pPr/>
+              <a:t>2016/10/26</a:t>
             </a:fld>
             <a:endParaRPr kumimoji="1" lang="ja-JP" altLang="en-US"/>
           </a:p>
@@ -14134,7 +14137,7 @@
             <a:fld id="{1B2C9F7E-80B6-4C3C-8A6C-643968CAB744}" type="slidenum">
               <a:rPr kumimoji="1" lang="ja-JP" altLang="en-US" smtClean="0"/>
               <a:pPr/>
-              <a:t>‹#›</a:t>
+              <a:t>&lt;#&gt;</a:t>
             </a:fld>
             <a:endParaRPr kumimoji="1" lang="ja-JP" altLang="en-US"/>
           </a:p>
@@ -14343,7 +14346,8 @@
           <a:p>
             <a:fld id="{BB7D982B-7800-4436-BF26-308BFD481496}" type="datetime1">
               <a:rPr kumimoji="1" lang="ja-JP" altLang="en-US" smtClean="0"/>
-              <a:t>2016/10/17</a:t>
+              <a:pPr/>
+              <a:t>2016/10/26</a:t>
             </a:fld>
             <a:endParaRPr kumimoji="1" lang="ja-JP" altLang="en-US"/>
           </a:p>
@@ -14390,7 +14394,7 @@
             <a:fld id="{1B2C9F7E-80B6-4C3C-8A6C-643968CAB744}" type="slidenum">
               <a:rPr kumimoji="1" lang="ja-JP" altLang="en-US" smtClean="0"/>
               <a:pPr/>
-              <a:t>‹#›</a:t>
+              <a:t>&lt;#&gt;</a:t>
             </a:fld>
             <a:endParaRPr kumimoji="1" lang="ja-JP" altLang="en-US"/>
           </a:p>
@@ -14817,7 +14821,8 @@
           <a:p>
             <a:fld id="{29999401-03DD-4A20-94C7-318741F3EB83}" type="datetime1">
               <a:rPr kumimoji="1" lang="ja-JP" altLang="en-US" smtClean="0"/>
-              <a:t>2016/10/17</a:t>
+              <a:pPr/>
+              <a:t>2016/10/26</a:t>
             </a:fld>
             <a:endParaRPr kumimoji="1" lang="ja-JP" altLang="en-US"/>
           </a:p>
@@ -14864,7 +14869,7 @@
             <a:fld id="{1B2C9F7E-80B6-4C3C-8A6C-643968CAB744}" type="slidenum">
               <a:rPr kumimoji="1" lang="ja-JP" altLang="en-US" smtClean="0"/>
               <a:pPr/>
-              <a:t>‹#›</a:t>
+              <a:t>&lt;#&gt;</a:t>
             </a:fld>
             <a:endParaRPr kumimoji="1" lang="ja-JP" altLang="en-US"/>
           </a:p>
@@ -15328,7 +15333,8 @@
           <a:p>
             <a:fld id="{F0EA75BA-4C7E-4CF2-823F-8E80C3C309A0}" type="datetime1">
               <a:rPr kumimoji="1" lang="ja-JP" altLang="en-US" smtClean="0"/>
-              <a:t>2016/10/17</a:t>
+              <a:pPr/>
+              <a:t>2016/10/26</a:t>
             </a:fld>
             <a:endParaRPr kumimoji="1" lang="ja-JP" altLang="en-US"/>
           </a:p>
@@ -15375,7 +15381,7 @@
             <a:fld id="{1B2C9F7E-80B6-4C3C-8A6C-643968CAB744}" type="slidenum">
               <a:rPr kumimoji="1" lang="ja-JP" altLang="en-US" smtClean="0"/>
               <a:pPr/>
-              <a:t>‹#›</a:t>
+              <a:t>&lt;#&gt;</a:t>
             </a:fld>
             <a:endParaRPr kumimoji="1" lang="ja-JP" altLang="en-US"/>
           </a:p>
@@ -15430,7 +15436,8 @@
           <a:p>
             <a:fld id="{98CC5EB7-3AA8-4A7E-B941-5AA34CF65C67}" type="datetime1">
               <a:rPr kumimoji="1" lang="ja-JP" altLang="en-US" smtClean="0"/>
-              <a:t>2016/10/17</a:t>
+              <a:pPr/>
+              <a:t>2016/10/26</a:t>
             </a:fld>
             <a:endParaRPr kumimoji="1" lang="ja-JP" altLang="en-US"/>
           </a:p>
@@ -15477,7 +15484,7 @@
             <a:fld id="{1B2C9F7E-80B6-4C3C-8A6C-643968CAB744}" type="slidenum">
               <a:rPr kumimoji="1" lang="ja-JP" altLang="en-US" smtClean="0"/>
               <a:pPr/>
-              <a:t>‹#›</a:t>
+              <a:t>&lt;#&gt;</a:t>
             </a:fld>
             <a:endParaRPr kumimoji="1" lang="ja-JP" altLang="en-US"/>
           </a:p>
@@ -15552,7 +15559,8 @@
           <a:p>
             <a:fld id="{1D46C637-6F31-4519-86BD-A8DE27E26308}" type="datetime1">
               <a:rPr kumimoji="1" lang="ja-JP" altLang="en-US" smtClean="0"/>
-              <a:t>2016/10/17</a:t>
+              <a:pPr/>
+              <a:t>2016/10/26</a:t>
             </a:fld>
             <a:endParaRPr kumimoji="1" lang="ja-JP" altLang="en-US"/>
           </a:p>
@@ -15599,7 +15607,7 @@
             <a:fld id="{1B2C9F7E-80B6-4C3C-8A6C-643968CAB744}" type="slidenum">
               <a:rPr kumimoji="1" lang="ja-JP" altLang="en-US" smtClean="0"/>
               <a:pPr/>
-              <a:t>‹#›</a:t>
+              <a:t>&lt;#&gt;</a:t>
             </a:fld>
             <a:endParaRPr kumimoji="1" lang="ja-JP" altLang="en-US"/>
           </a:p>
@@ -15859,7 +15867,8 @@
           <a:p>
             <a:fld id="{1F18E707-7AD5-425B-9941-61ED8021112A}" type="datetime1">
               <a:rPr kumimoji="1" lang="ja-JP" altLang="en-US" smtClean="0"/>
-              <a:t>2016/10/17</a:t>
+              <a:pPr/>
+              <a:t>2016/10/26</a:t>
             </a:fld>
             <a:endParaRPr kumimoji="1" lang="ja-JP" altLang="en-US"/>
           </a:p>
@@ -15906,7 +15915,7 @@
             <a:fld id="{1B2C9F7E-80B6-4C3C-8A6C-643968CAB744}" type="slidenum">
               <a:rPr kumimoji="1" lang="ja-JP" altLang="en-US" smtClean="0"/>
               <a:pPr/>
-              <a:t>‹#›</a:t>
+              <a:t>&lt;#&gt;</a:t>
             </a:fld>
             <a:endParaRPr kumimoji="1" lang="ja-JP" altLang="en-US"/>
           </a:p>
@@ -16065,7 +16074,8 @@
           <a:p>
             <a:fld id="{E4E615BB-84E1-4D8C-B2DC-7C8888235217}" type="datetime1">
               <a:rPr kumimoji="1" lang="ja-JP" altLang="en-US" smtClean="0"/>
-              <a:t>2016/10/17</a:t>
+              <a:pPr/>
+              <a:t>2016/10/26</a:t>
             </a:fld>
             <a:endParaRPr kumimoji="1" lang="ja-JP" altLang="en-US"/>
           </a:p>
@@ -16131,7 +16141,7 @@
             <a:fld id="{1B2C9F7E-80B6-4C3C-8A6C-643968CAB744}" type="slidenum">
               <a:rPr kumimoji="1" lang="ja-JP" altLang="en-US" smtClean="0"/>
               <a:pPr/>
-              <a:t>‹#›</a:t>
+              <a:t>&lt;#&gt;</a:t>
             </a:fld>
             <a:endParaRPr kumimoji="1" lang="ja-JP" altLang="en-US"/>
           </a:p>
@@ -16368,7 +16378,7 @@
             <a:avLst/>
           </a:prstGeom>
           <a:blipFill>
-            <a:blip r:embed="rId2">
+            <a:blip r:embed="rId2" cstate="print">
               <a:alphaModFix amt="50000"/>
             </a:blip>
             <a:tile tx="0" ty="0" sx="50000" sy="50000" flip="none" algn="t"/>
@@ -16888,7 +16898,7 @@
             <a:avLst/>
           </a:prstGeom>
           <a:blipFill>
-            <a:blip r:embed="rId13">
+            <a:blip r:embed="rId13" cstate="print">
               <a:alphaModFix amt="50000"/>
             </a:blip>
             <a:tile tx="0" ty="0" sx="50000" sy="50000" flip="none" algn="t"/>
@@ -17207,7 +17217,8 @@
           <a:p>
             <a:fld id="{C73A04D8-C60D-483B-AB76-E6A23F203AF6}" type="datetime1">
               <a:rPr kumimoji="1" lang="ja-JP" altLang="en-US" smtClean="0"/>
-              <a:t>2016/10/17</a:t>
+              <a:pPr/>
+              <a:t>2016/10/26</a:t>
             </a:fld>
             <a:endParaRPr kumimoji="1" lang="ja-JP" altLang="en-US"/>
           </a:p>
@@ -17284,7 +17295,7 @@
             <a:fld id="{1B2C9F7E-80B6-4C3C-8A6C-643968CAB744}" type="slidenum">
               <a:rPr kumimoji="1" lang="ja-JP" altLang="en-US" smtClean="0"/>
               <a:pPr/>
-              <a:t>‹#›</a:t>
+              <a:t>&lt;#&gt;</a:t>
             </a:fld>
             <a:endParaRPr kumimoji="1" lang="ja-JP" altLang="en-US"/>
           </a:p>
@@ -17673,7 +17684,7 @@
     </p:spTree>
     <p:extLst>
       <p:ext uri="{BB962C8B-B14F-4D97-AF65-F5344CB8AC3E}">
-        <p14:creationId xmlns:p14="http://schemas.microsoft.com/office/powerpoint/2010/main" val="1290919065"/>
+        <p14:creationId xmlns:p14="http://schemas.microsoft.com/office/powerpoint/2010/main" xmlns="" val="1290919065"/>
       </p:ext>
     </p:extLst>
   </p:cSld>
@@ -17714,115 +17725,7 @@
           <p:nvPr>
             <p:extLst>
               <p:ext uri="{D42A27DB-BD31-4B8C-83A1-F6EECF244321}">
-                <p14:modId xmlns:p14="http://schemas.microsoft.com/office/powerpoint/2010/main" val="772880857"/>
-              </p:ext>
-            </p:extLst>
-          </p:nvPr>
-        </p:nvGraphicFramePr>
-        <p:xfrm>
-          <a:off x="539552" y="1442744"/>
-          <a:ext cx="7992888" cy="4608512"/>
-        </p:xfrm>
-        <a:graphic>
-          <a:graphicData uri="http://schemas.openxmlformats.org/drawingml/2006/diagram">
-            <dgm:relIds xmlns:dgm="http://schemas.openxmlformats.org/drawingml/2006/diagram" xmlns:r="http://schemas.openxmlformats.org/officeDocument/2006/relationships" r:dm="rId2" r:lo="rId3" r:qs="rId4" r:cs="rId5"/>
-          </a:graphicData>
-        </a:graphic>
-      </p:graphicFrame>
-      <p:sp>
-        <p:nvSpPr>
-          <p:cNvPr id="2" name="タイトル 1"/>
-          <p:cNvSpPr>
-            <a:spLocks noGrp="1"/>
-          </p:cNvSpPr>
-          <p:nvPr>
-            <p:ph type="title"/>
-          </p:nvPr>
-        </p:nvSpPr>
-        <p:spPr/>
-        <p:txBody>
-          <a:bodyPr>
-            <a:normAutofit/>
-          </a:bodyPr>
-          <a:lstStyle/>
-          <a:p>
-            <a:r>
-              <a:rPr lang="ja-JP" altLang="en-US" dirty="0" smtClean="0"/>
-              <a:t>６－２．画面構成（承認者）</a:t>
-            </a:r>
-            <a:endParaRPr kumimoji="1" lang="ja-JP" altLang="en-US" dirty="0"/>
-          </a:p>
-        </p:txBody>
-      </p:sp>
-      <p:sp>
-        <p:nvSpPr>
-          <p:cNvPr id="3" name="スライド番号プレースホルダー 2"/>
-          <p:cNvSpPr>
-            <a:spLocks noGrp="1"/>
-          </p:cNvSpPr>
-          <p:nvPr>
-            <p:ph type="sldNum" sz="quarter" idx="12"/>
-          </p:nvPr>
-        </p:nvSpPr>
-        <p:spPr/>
-        <p:txBody>
-          <a:bodyPr/>
-          <a:lstStyle/>
-          <a:p>
-            <a:fld id="{1B2C9F7E-80B6-4C3C-8A6C-643968CAB744}" type="slidenum">
-              <a:rPr kumimoji="1" lang="ja-JP" altLang="en-US" smtClean="0"/>
-              <a:pPr/>
-              <a:t>10</a:t>
-            </a:fld>
-            <a:endParaRPr kumimoji="1" lang="ja-JP" altLang="en-US"/>
-          </a:p>
-        </p:txBody>
-      </p:sp>
-    </p:spTree>
-    <p:extLst>
-      <p:ext uri="{BB962C8B-B14F-4D97-AF65-F5344CB8AC3E}">
-        <p14:creationId xmlns:p14="http://schemas.microsoft.com/office/powerpoint/2010/main" val="1065369448"/>
-      </p:ext>
-    </p:extLst>
-  </p:cSld>
-  <p:clrMapOvr>
-    <a:masterClrMapping/>
-  </p:clrMapOvr>
-  <p:timing>
-    <p:tnLst>
-      <p:par>
-        <p:cTn id="1" dur="indefinite" restart="never" nodeType="tmRoot"/>
-      </p:par>
-    </p:tnLst>
-  </p:timing>
-</p:sld>
-</file>
-
-<file path=ppt/slides/slide11.xml><?xml version="1.0" encoding="utf-8"?>
-<p:sld xmlns:a="http://schemas.openxmlformats.org/drawingml/2006/main" xmlns:r="http://schemas.openxmlformats.org/officeDocument/2006/relationships" xmlns:p="http://schemas.openxmlformats.org/presentationml/2006/main">
-  <p:cSld>
-    <p:spTree>
-      <p:nvGrpSpPr>
-        <p:cNvPr id="1" name=""/>
-        <p:cNvGrpSpPr/>
-        <p:nvPr/>
-      </p:nvGrpSpPr>
-      <p:grpSpPr>
-        <a:xfrm>
-          <a:off x="0" y="0"/>
-          <a:ext cx="0" cy="0"/>
-          <a:chOff x="0" y="0"/>
-          <a:chExt cx="0" cy="0"/>
-        </a:xfrm>
-      </p:grpSpPr>
-      <p:graphicFrame>
-        <p:nvGraphicFramePr>
-          <p:cNvPr id="20" name="図表 19"/>
-          <p:cNvGraphicFramePr/>
-          <p:nvPr>
-            <p:extLst>
-              <p:ext uri="{D42A27DB-BD31-4B8C-83A1-F6EECF244321}">
-                <p14:modId xmlns:p14="http://schemas.microsoft.com/office/powerpoint/2010/main" val="1967807179"/>
+                <p14:modId xmlns:p14="http://schemas.microsoft.com/office/powerpoint/2010/main" xmlns="" val="1967807179"/>
               </p:ext>
             </p:extLst>
           </p:nvPr>
@@ -18026,7 +17929,7 @@
             <a:fld id="{1B2C9F7E-80B6-4C3C-8A6C-643968CAB744}" type="slidenum">
               <a:rPr kumimoji="1" lang="ja-JP" altLang="en-US" smtClean="0"/>
               <a:pPr/>
-              <a:t>11</a:t>
+              <a:t>10</a:t>
             </a:fld>
             <a:endParaRPr kumimoji="1" lang="ja-JP" altLang="en-US"/>
           </a:p>
@@ -18035,7 +17938,7 @@
     </p:spTree>
     <p:extLst>
       <p:ext uri="{BB962C8B-B14F-4D97-AF65-F5344CB8AC3E}">
-        <p14:creationId xmlns:p14="http://schemas.microsoft.com/office/powerpoint/2010/main" val="1065369448"/>
+        <p14:creationId xmlns:p14="http://schemas.microsoft.com/office/powerpoint/2010/main" xmlns="" val="1065369448"/>
       </p:ext>
     </p:extLst>
   </p:cSld>
@@ -18052,7 +17955,7 @@
 </p:sld>
 </file>
 
-<file path=ppt/slides/slide12.xml><?xml version="1.0" encoding="utf-8"?>
+<file path=ppt/slides/slide11.xml><?xml version="1.0" encoding="utf-8"?>
 <p:sld xmlns:a="http://schemas.openxmlformats.org/drawingml/2006/main" xmlns:r="http://schemas.openxmlformats.org/officeDocument/2006/relationships" xmlns:p="http://schemas.openxmlformats.org/presentationml/2006/main">
   <p:cSld>
     <p:spTree>
@@ -18079,7 +17982,7 @@
             <p:ph idx="1"/>
             <p:extLst>
               <p:ext uri="{D42A27DB-BD31-4B8C-83A1-F6EECF244321}">
-                <p14:modId xmlns:p14="http://schemas.microsoft.com/office/powerpoint/2010/main" val="1338917784"/>
+                <p14:modId xmlns:p14="http://schemas.microsoft.com/office/powerpoint/2010/main" xmlns="" val="1338917784"/>
               </p:ext>
             </p:extLst>
           </p:nvPr>
@@ -18594,7 +18497,7 @@
             <a:fld id="{1B2C9F7E-80B6-4C3C-8A6C-643968CAB744}" type="slidenum">
               <a:rPr kumimoji="1" lang="ja-JP" altLang="en-US" smtClean="0"/>
               <a:pPr/>
-              <a:t>12</a:t>
+              <a:t>11</a:t>
             </a:fld>
             <a:endParaRPr kumimoji="1" lang="ja-JP" altLang="en-US"/>
           </a:p>
@@ -18603,7 +18506,7 @@
     </p:spTree>
     <p:extLst>
       <p:ext uri="{BB962C8B-B14F-4D97-AF65-F5344CB8AC3E}">
-        <p14:creationId xmlns:p14="http://schemas.microsoft.com/office/powerpoint/2010/main" val="192748555"/>
+        <p14:creationId xmlns:p14="http://schemas.microsoft.com/office/powerpoint/2010/main" xmlns="" val="192748555"/>
       </p:ext>
     </p:extLst>
   </p:cSld>
@@ -18620,7 +18523,7 @@
 </p:sld>
 </file>
 
-<file path=ppt/slides/slide13.xml><?xml version="1.0" encoding="utf-8"?>
+<file path=ppt/slides/slide12.xml><?xml version="1.0" encoding="utf-8"?>
 <p:sld xmlns:a="http://schemas.openxmlformats.org/drawingml/2006/main" xmlns:r="http://schemas.openxmlformats.org/officeDocument/2006/relationships" xmlns:p="http://schemas.openxmlformats.org/presentationml/2006/main">
   <p:cSld>
     <p:spTree>
@@ -18647,7 +18550,7 @@
             <p:ph idx="1"/>
             <p:extLst>
               <p:ext uri="{D42A27DB-BD31-4B8C-83A1-F6EECF244321}">
-                <p14:modId xmlns:p14="http://schemas.microsoft.com/office/powerpoint/2010/main" val="3659727535"/>
+                <p14:modId xmlns:p14="http://schemas.microsoft.com/office/powerpoint/2010/main" xmlns="" val="3659727535"/>
               </p:ext>
             </p:extLst>
           </p:nvPr>
@@ -19212,7 +19115,7 @@
             <a:fld id="{1B2C9F7E-80B6-4C3C-8A6C-643968CAB744}" type="slidenum">
               <a:rPr kumimoji="1" lang="ja-JP" altLang="en-US" smtClean="0"/>
               <a:pPr/>
-              <a:t>13</a:t>
+              <a:t>12</a:t>
             </a:fld>
             <a:endParaRPr kumimoji="1" lang="ja-JP" altLang="en-US"/>
           </a:p>
@@ -19221,7 +19124,7 @@
     </p:spTree>
     <p:extLst>
       <p:ext uri="{BB962C8B-B14F-4D97-AF65-F5344CB8AC3E}">
-        <p14:creationId xmlns:p14="http://schemas.microsoft.com/office/powerpoint/2010/main" val="192748555"/>
+        <p14:creationId xmlns:p14="http://schemas.microsoft.com/office/powerpoint/2010/main" xmlns="" val="192748555"/>
       </p:ext>
     </p:extLst>
   </p:cSld>
@@ -19238,7 +19141,7 @@
 </p:sld>
 </file>
 
-<file path=ppt/slides/slide14.xml><?xml version="1.0" encoding="utf-8"?>
+<file path=ppt/slides/slide13.xml><?xml version="1.0" encoding="utf-8"?>
 <p:sld xmlns:a="http://schemas.openxmlformats.org/drawingml/2006/main" xmlns:r="http://schemas.openxmlformats.org/officeDocument/2006/relationships" xmlns:p="http://schemas.openxmlformats.org/presentationml/2006/main">
   <p:cSld>
     <p:spTree>
@@ -19265,7 +19168,7 @@
             <p:ph idx="1"/>
             <p:extLst>
               <p:ext uri="{D42A27DB-BD31-4B8C-83A1-F6EECF244321}">
-                <p14:modId xmlns:p14="http://schemas.microsoft.com/office/powerpoint/2010/main" val="3804796365"/>
+                <p14:modId xmlns:p14="http://schemas.microsoft.com/office/powerpoint/2010/main" xmlns="" val="3804796365"/>
               </p:ext>
             </p:extLst>
           </p:nvPr>
@@ -19822,17 +19725,7 @@
                           <a:effectLst/>
                           <a:latin typeface="ＭＳ Ｐゴシック"/>
                         </a:rPr>
-                        <a:t>も</a:t>
-                      </a:r>
-                      <a:r>
-                        <a:rPr lang="ja-JP" altLang="en-US" sz="1400" b="0" i="0" u="none" strike="noStrike" dirty="0" smtClean="0">
-                          <a:solidFill>
-                            <a:srgbClr val="000000"/>
-                          </a:solidFill>
-                          <a:effectLst/>
-                          <a:latin typeface="ＭＳ Ｐゴシック"/>
-                        </a:rPr>
-                        <a:t>可能。</a:t>
+                        <a:t>も可能。</a:t>
                       </a:r>
                       <a:endParaRPr lang="en-US" altLang="ja-JP" sz="1400" b="0" i="0" u="none" strike="noStrike" dirty="0" smtClean="0">
                         <a:solidFill>
@@ -19923,13 +19816,6 @@
                         </a:rPr>
                         <a:t>DL</a:t>
                       </a:r>
-                      <a:endParaRPr lang="en-US" altLang="ja-JP" sz="1400" b="0" i="0" u="none" strike="noStrike" dirty="0" smtClean="0">
-                        <a:solidFill>
-                          <a:schemeClr val="tx1"/>
-                        </a:solidFill>
-                        <a:effectLst/>
-                        <a:latin typeface="ＭＳ Ｐゴシック"/>
-                      </a:endParaRPr>
                     </a:p>
                   </a:txBody>
                   <a:tcPr marL="8355" marR="8355" marT="8355" marB="0" anchor="ctr"/>
@@ -20541,7 +20427,7 @@
             <a:fld id="{1B2C9F7E-80B6-4C3C-8A6C-643968CAB744}" type="slidenum">
               <a:rPr kumimoji="1" lang="ja-JP" altLang="en-US" smtClean="0"/>
               <a:pPr/>
-              <a:t>14</a:t>
+              <a:t>13</a:t>
             </a:fld>
             <a:endParaRPr kumimoji="1" lang="ja-JP" altLang="en-US"/>
           </a:p>
@@ -20550,7 +20436,7 @@
     </p:spTree>
     <p:extLst>
       <p:ext uri="{BB962C8B-B14F-4D97-AF65-F5344CB8AC3E}">
-        <p14:creationId xmlns:p14="http://schemas.microsoft.com/office/powerpoint/2010/main" val="1587697147"/>
+        <p14:creationId xmlns:p14="http://schemas.microsoft.com/office/powerpoint/2010/main" xmlns="" val="1587697147"/>
       </p:ext>
     </p:extLst>
   </p:cSld>
@@ -20567,7 +20453,7 @@
 </p:sld>
 </file>
 
-<file path=ppt/slides/slide15.xml><?xml version="1.0" encoding="utf-8"?>
+<file path=ppt/slides/slide14.xml><?xml version="1.0" encoding="utf-8"?>
 <p:sld xmlns:a="http://schemas.openxmlformats.org/drawingml/2006/main" xmlns:r="http://schemas.openxmlformats.org/officeDocument/2006/relationships" xmlns:p="http://schemas.openxmlformats.org/presentationml/2006/main">
   <p:cSld>
     <p:spTree>
@@ -20616,7 +20502,7 @@
           <p:nvPr>
             <p:extLst>
               <p:ext uri="{D42A27DB-BD31-4B8C-83A1-F6EECF244321}">
-                <p14:modId xmlns:p14="http://schemas.microsoft.com/office/powerpoint/2010/main" val="1110661692"/>
+                <p14:modId xmlns:p14="http://schemas.microsoft.com/office/powerpoint/2010/main" xmlns="" val="1110661692"/>
               </p:ext>
             </p:extLst>
           </p:nvPr>
@@ -37207,7 +37093,7 @@
             <a:fld id="{1B2C9F7E-80B6-4C3C-8A6C-643968CAB744}" type="slidenum">
               <a:rPr kumimoji="1" lang="ja-JP" altLang="en-US" smtClean="0"/>
               <a:pPr/>
-              <a:t>15</a:t>
+              <a:t>14</a:t>
             </a:fld>
             <a:endParaRPr kumimoji="1" lang="ja-JP" altLang="en-US"/>
           </a:p>
@@ -37265,7 +37151,7 @@
     </p:spTree>
     <p:extLst>
       <p:ext uri="{BB962C8B-B14F-4D97-AF65-F5344CB8AC3E}">
-        <p14:creationId xmlns:p14="http://schemas.microsoft.com/office/powerpoint/2010/main" val="1262519209"/>
+        <p14:creationId xmlns:p14="http://schemas.microsoft.com/office/powerpoint/2010/main" xmlns="" val="1262519209"/>
       </p:ext>
     </p:extLst>
   </p:cSld>
@@ -37465,7 +37351,7 @@
     </p:spTree>
     <p:extLst>
       <p:ext uri="{BB962C8B-B14F-4D97-AF65-F5344CB8AC3E}">
-        <p14:creationId xmlns:p14="http://schemas.microsoft.com/office/powerpoint/2010/main" val="625836834"/>
+        <p14:creationId xmlns:p14="http://schemas.microsoft.com/office/powerpoint/2010/main" xmlns="" val="625836834"/>
       </p:ext>
     </p:extLst>
   </p:cSld>
@@ -37534,7 +37420,7 @@
           <a:blip r:embed="rId2" cstate="print">
             <a:extLst>
               <a:ext uri="{28A0092B-C50C-407E-A947-70E740481C1C}">
-                <a14:useLocalDpi xmlns:a14="http://schemas.microsoft.com/office/drawing/2010/main" val="0"/>
+                <a14:useLocalDpi xmlns:a14="http://schemas.microsoft.com/office/drawing/2010/main" xmlns="" val="0"/>
               </a:ext>
             </a:extLst>
           </a:blip>
@@ -37554,7 +37440,7 @@
           <a:noFill/>
           <a:extLst>
             <a:ext uri="{909E8E84-426E-40DD-AFC4-6F175D3DCCD1}">
-              <a14:hiddenFill xmlns:a14="http://schemas.microsoft.com/office/drawing/2010/main">
+              <a14:hiddenFill xmlns:a14="http://schemas.microsoft.com/office/drawing/2010/main" xmlns="">
                 <a:solidFill>
                   <a:srgbClr val="FFFFFF"/>
                 </a:solidFill>
@@ -38063,7 +37949,7 @@
           <a:blip r:embed="rId3" cstate="print">
             <a:extLst>
               <a:ext uri="{28A0092B-C50C-407E-A947-70E740481C1C}">
-                <a14:useLocalDpi xmlns:a14="http://schemas.microsoft.com/office/drawing/2010/main" val="0"/>
+                <a14:useLocalDpi xmlns:a14="http://schemas.microsoft.com/office/drawing/2010/main" xmlns="" val="0"/>
               </a:ext>
             </a:extLst>
           </a:blip>
@@ -38083,7 +37969,7 @@
           <a:noFill/>
           <a:extLst>
             <a:ext uri="{909E8E84-426E-40DD-AFC4-6F175D3DCCD1}">
-              <a14:hiddenFill xmlns:a14="http://schemas.microsoft.com/office/drawing/2010/main">
+              <a14:hiddenFill xmlns:a14="http://schemas.microsoft.com/office/drawing/2010/main" xmlns="">
                 <a:solidFill>
                   <a:srgbClr val="FFFFFF"/>
                 </a:solidFill>
@@ -38148,7 +38034,7 @@
           <a:blip r:embed="rId4" cstate="print">
             <a:extLst>
               <a:ext uri="{28A0092B-C50C-407E-A947-70E740481C1C}">
-                <a14:useLocalDpi xmlns:a14="http://schemas.microsoft.com/office/drawing/2010/main" val="0"/>
+                <a14:useLocalDpi xmlns:a14="http://schemas.microsoft.com/office/drawing/2010/main" xmlns="" val="0"/>
               </a:ext>
             </a:extLst>
           </a:blip>
@@ -38168,7 +38054,7 @@
           <a:noFill/>
           <a:extLst>
             <a:ext uri="{909E8E84-426E-40DD-AFC4-6F175D3DCCD1}">
-              <a14:hiddenFill xmlns:a14="http://schemas.microsoft.com/office/drawing/2010/main">
+              <a14:hiddenFill xmlns:a14="http://schemas.microsoft.com/office/drawing/2010/main" xmlns="">
                 <a:solidFill>
                   <a:srgbClr val="FFFFFF"/>
                 </a:solidFill>
@@ -38189,7 +38075,7 @@
           <a:blip r:embed="rId4" cstate="print">
             <a:extLst>
               <a:ext uri="{28A0092B-C50C-407E-A947-70E740481C1C}">
-                <a14:useLocalDpi xmlns:a14="http://schemas.microsoft.com/office/drawing/2010/main" val="0"/>
+                <a14:useLocalDpi xmlns:a14="http://schemas.microsoft.com/office/drawing/2010/main" xmlns="" val="0"/>
               </a:ext>
             </a:extLst>
           </a:blip>
@@ -38209,7 +38095,7 @@
           <a:noFill/>
           <a:extLst>
             <a:ext uri="{909E8E84-426E-40DD-AFC4-6F175D3DCCD1}">
-              <a14:hiddenFill xmlns:a14="http://schemas.microsoft.com/office/drawing/2010/main">
+              <a14:hiddenFill xmlns:a14="http://schemas.microsoft.com/office/drawing/2010/main" xmlns="">
                 <a:solidFill>
                   <a:srgbClr val="FFFFFF"/>
                 </a:solidFill>
@@ -38273,7 +38159,7 @@
             <a:blip r:embed="rId5" cstate="print">
               <a:extLst>
                 <a:ext uri="{28A0092B-C50C-407E-A947-70E740481C1C}">
-                  <a14:useLocalDpi xmlns:a14="http://schemas.microsoft.com/office/drawing/2010/main" val="0"/>
+                  <a14:useLocalDpi xmlns:a14="http://schemas.microsoft.com/office/drawing/2010/main" xmlns="" val="0"/>
                 </a:ext>
               </a:extLst>
             </a:blip>
@@ -38293,7 +38179,7 @@
             <a:noFill/>
             <a:extLst>
               <a:ext uri="{909E8E84-426E-40DD-AFC4-6F175D3DCCD1}">
-                <a14:hiddenFill xmlns:a14="http://schemas.microsoft.com/office/drawing/2010/main">
+                <a14:hiddenFill xmlns:a14="http://schemas.microsoft.com/office/drawing/2010/main" xmlns="">
                   <a:solidFill>
                     <a:srgbClr val="FFFFFF"/>
                   </a:solidFill>
@@ -38314,7 +38200,7 @@
             <a:blip r:embed="rId5" cstate="print">
               <a:extLst>
                 <a:ext uri="{28A0092B-C50C-407E-A947-70E740481C1C}">
-                  <a14:useLocalDpi xmlns:a14="http://schemas.microsoft.com/office/drawing/2010/main" val="0"/>
+                  <a14:useLocalDpi xmlns:a14="http://schemas.microsoft.com/office/drawing/2010/main" xmlns="" val="0"/>
                 </a:ext>
               </a:extLst>
             </a:blip>
@@ -38334,7 +38220,7 @@
             <a:noFill/>
             <a:extLst>
               <a:ext uri="{909E8E84-426E-40DD-AFC4-6F175D3DCCD1}">
-                <a14:hiddenFill xmlns:a14="http://schemas.microsoft.com/office/drawing/2010/main">
+                <a14:hiddenFill xmlns:a14="http://schemas.microsoft.com/office/drawing/2010/main" xmlns="">
                   <a:solidFill>
                     <a:srgbClr val="FFFFFF"/>
                   </a:solidFill>
@@ -38355,7 +38241,7 @@
             <a:blip r:embed="rId5" cstate="print">
               <a:extLst>
                 <a:ext uri="{28A0092B-C50C-407E-A947-70E740481C1C}">
-                  <a14:useLocalDpi xmlns:a14="http://schemas.microsoft.com/office/drawing/2010/main" val="0"/>
+                  <a14:useLocalDpi xmlns:a14="http://schemas.microsoft.com/office/drawing/2010/main" xmlns="" val="0"/>
                 </a:ext>
               </a:extLst>
             </a:blip>
@@ -38375,7 +38261,7 @@
             <a:noFill/>
             <a:extLst>
               <a:ext uri="{909E8E84-426E-40DD-AFC4-6F175D3DCCD1}">
-                <a14:hiddenFill xmlns:a14="http://schemas.microsoft.com/office/drawing/2010/main">
+                <a14:hiddenFill xmlns:a14="http://schemas.microsoft.com/office/drawing/2010/main" xmlns="">
                   <a:solidFill>
                     <a:srgbClr val="FFFFFF"/>
                   </a:solidFill>
@@ -38411,7 +38297,7 @@
             <a:blip r:embed="rId6" cstate="print">
               <a:extLst>
                 <a:ext uri="{28A0092B-C50C-407E-A947-70E740481C1C}">
-                  <a14:useLocalDpi xmlns:a14="http://schemas.microsoft.com/office/drawing/2010/main" val="0"/>
+                  <a14:useLocalDpi xmlns:a14="http://schemas.microsoft.com/office/drawing/2010/main" xmlns="" val="0"/>
                 </a:ext>
               </a:extLst>
             </a:blip>
@@ -38431,7 +38317,7 @@
             <a:noFill/>
             <a:extLst>
               <a:ext uri="{909E8E84-426E-40DD-AFC4-6F175D3DCCD1}">
-                <a14:hiddenFill xmlns:a14="http://schemas.microsoft.com/office/drawing/2010/main">
+                <a14:hiddenFill xmlns:a14="http://schemas.microsoft.com/office/drawing/2010/main" xmlns="">
                   <a:solidFill>
                     <a:srgbClr val="FFFFFF"/>
                   </a:solidFill>
@@ -38452,7 +38338,7 @@
             <a:blip r:embed="rId6" cstate="print">
               <a:extLst>
                 <a:ext uri="{28A0092B-C50C-407E-A947-70E740481C1C}">
-                  <a14:useLocalDpi xmlns:a14="http://schemas.microsoft.com/office/drawing/2010/main" val="0"/>
+                  <a14:useLocalDpi xmlns:a14="http://schemas.microsoft.com/office/drawing/2010/main" xmlns="" val="0"/>
                 </a:ext>
               </a:extLst>
             </a:blip>
@@ -38472,7 +38358,7 @@
             <a:noFill/>
             <a:extLst>
               <a:ext uri="{909E8E84-426E-40DD-AFC4-6F175D3DCCD1}">
-                <a14:hiddenFill xmlns:a14="http://schemas.microsoft.com/office/drawing/2010/main">
+                <a14:hiddenFill xmlns:a14="http://schemas.microsoft.com/office/drawing/2010/main" xmlns="">
                   <a:solidFill>
                     <a:srgbClr val="FFFFFF"/>
                   </a:solidFill>
@@ -38529,7 +38415,7 @@
             <a:grayscl/>
             <a:extLst>
               <a:ext uri="{28A0092B-C50C-407E-A947-70E740481C1C}">
-                <a14:useLocalDpi xmlns:a14="http://schemas.microsoft.com/office/drawing/2010/main" val="0"/>
+                <a14:useLocalDpi xmlns:a14="http://schemas.microsoft.com/office/drawing/2010/main" xmlns="" val="0"/>
               </a:ext>
             </a:extLst>
           </a:blip>
@@ -38549,7 +38435,7 @@
           <a:noFill/>
           <a:extLst>
             <a:ext uri="{909E8E84-426E-40DD-AFC4-6F175D3DCCD1}">
-              <a14:hiddenFill xmlns:a14="http://schemas.microsoft.com/office/drawing/2010/main">
+              <a14:hiddenFill xmlns:a14="http://schemas.microsoft.com/office/drawing/2010/main" xmlns="">
                 <a:solidFill>
                   <a:srgbClr val="FFFFFF"/>
                 </a:solidFill>
@@ -38908,7 +38794,7 @@
           <a:blip r:embed="rId3" cstate="print">
             <a:extLst>
               <a:ext uri="{28A0092B-C50C-407E-A947-70E740481C1C}">
-                <a14:useLocalDpi xmlns:a14="http://schemas.microsoft.com/office/drawing/2010/main" val="0"/>
+                <a14:useLocalDpi xmlns:a14="http://schemas.microsoft.com/office/drawing/2010/main" xmlns="" val="0"/>
               </a:ext>
             </a:extLst>
           </a:blip>
@@ -38928,7 +38814,7 @@
           <a:noFill/>
           <a:extLst>
             <a:ext uri="{909E8E84-426E-40DD-AFC4-6F175D3DCCD1}">
-              <a14:hiddenFill xmlns:a14="http://schemas.microsoft.com/office/drawing/2010/main">
+              <a14:hiddenFill xmlns:a14="http://schemas.microsoft.com/office/drawing/2010/main" xmlns="">
                 <a:solidFill>
                   <a:srgbClr val="FFFFFF"/>
                 </a:solidFill>
@@ -39012,7 +38898,7 @@
           <a:blip r:embed="rId4" cstate="print">
             <a:extLst>
               <a:ext uri="{28A0092B-C50C-407E-A947-70E740481C1C}">
-                <a14:useLocalDpi xmlns:a14="http://schemas.microsoft.com/office/drawing/2010/main" val="0"/>
+                <a14:useLocalDpi xmlns:a14="http://schemas.microsoft.com/office/drawing/2010/main" xmlns="" val="0"/>
               </a:ext>
             </a:extLst>
           </a:blip>
@@ -39032,7 +38918,7 @@
           <a:noFill/>
           <a:extLst>
             <a:ext uri="{909E8E84-426E-40DD-AFC4-6F175D3DCCD1}">
-              <a14:hiddenFill xmlns:a14="http://schemas.microsoft.com/office/drawing/2010/main">
+              <a14:hiddenFill xmlns:a14="http://schemas.microsoft.com/office/drawing/2010/main" xmlns="">
                 <a:solidFill>
                   <a:srgbClr val="FFFFFF"/>
                 </a:solidFill>
@@ -39053,7 +38939,7 @@
           <a:blip r:embed="rId4" cstate="print">
             <a:extLst>
               <a:ext uri="{28A0092B-C50C-407E-A947-70E740481C1C}">
-                <a14:useLocalDpi xmlns:a14="http://schemas.microsoft.com/office/drawing/2010/main" val="0"/>
+                <a14:useLocalDpi xmlns:a14="http://schemas.microsoft.com/office/drawing/2010/main" xmlns="" val="0"/>
               </a:ext>
             </a:extLst>
           </a:blip>
@@ -39073,7 +38959,7 @@
           <a:noFill/>
           <a:extLst>
             <a:ext uri="{909E8E84-426E-40DD-AFC4-6F175D3DCCD1}">
-              <a14:hiddenFill xmlns:a14="http://schemas.microsoft.com/office/drawing/2010/main">
+              <a14:hiddenFill xmlns:a14="http://schemas.microsoft.com/office/drawing/2010/main" xmlns="">
                 <a:solidFill>
                   <a:srgbClr val="FFFFFF"/>
                 </a:solidFill>
@@ -39164,7 +39050,7 @@
           <a:blip r:embed="rId4" cstate="print">
             <a:extLst>
               <a:ext uri="{28A0092B-C50C-407E-A947-70E740481C1C}">
-                <a14:useLocalDpi xmlns:a14="http://schemas.microsoft.com/office/drawing/2010/main" val="0"/>
+                <a14:useLocalDpi xmlns:a14="http://schemas.microsoft.com/office/drawing/2010/main" xmlns="" val="0"/>
               </a:ext>
             </a:extLst>
           </a:blip>
@@ -39184,7 +39070,7 @@
           <a:noFill/>
           <a:extLst>
             <a:ext uri="{909E8E84-426E-40DD-AFC4-6F175D3DCCD1}">
-              <a14:hiddenFill xmlns:a14="http://schemas.microsoft.com/office/drawing/2010/main">
+              <a14:hiddenFill xmlns:a14="http://schemas.microsoft.com/office/drawing/2010/main" xmlns="">
                 <a:solidFill>
                   <a:srgbClr val="FFFFFF"/>
                 </a:solidFill>
@@ -39205,7 +39091,7 @@
           <a:blip r:embed="rId7" cstate="print">
             <a:extLst>
               <a:ext uri="{BEBA8EAE-BF5A-486C-A8C5-ECC9F3942E4B}">
-                <a14:imgProps xmlns:a14="http://schemas.microsoft.com/office/drawing/2010/main">
+                <a14:imgProps xmlns:a14="http://schemas.microsoft.com/office/drawing/2010/main" xmlns="">
                   <a14:imgLayer r:embed="rId8">
                     <a14:imgEffect>
                       <a14:brightnessContrast contrast="-40000"/>
@@ -39214,7 +39100,7 @@
                 </a14:imgProps>
               </a:ext>
               <a:ext uri="{28A0092B-C50C-407E-A947-70E740481C1C}">
-                <a14:useLocalDpi xmlns:a14="http://schemas.microsoft.com/office/drawing/2010/main" val="0"/>
+                <a14:useLocalDpi xmlns:a14="http://schemas.microsoft.com/office/drawing/2010/main" xmlns="" val="0"/>
               </a:ext>
             </a:extLst>
           </a:blip>
@@ -39234,7 +39120,7 @@
           <a:noFill/>
           <a:extLst>
             <a:ext uri="{909E8E84-426E-40DD-AFC4-6F175D3DCCD1}">
-              <a14:hiddenFill xmlns:a14="http://schemas.microsoft.com/office/drawing/2010/main">
+              <a14:hiddenFill xmlns:a14="http://schemas.microsoft.com/office/drawing/2010/main" xmlns="">
                 <a:solidFill>
                   <a:srgbClr val="FFFFFF"/>
                 </a:solidFill>
@@ -39255,7 +39141,7 @@
           <a:blip r:embed="rId4" cstate="print">
             <a:extLst>
               <a:ext uri="{28A0092B-C50C-407E-A947-70E740481C1C}">
-                <a14:useLocalDpi xmlns:a14="http://schemas.microsoft.com/office/drawing/2010/main" val="0"/>
+                <a14:useLocalDpi xmlns:a14="http://schemas.microsoft.com/office/drawing/2010/main" xmlns="" val="0"/>
               </a:ext>
             </a:extLst>
           </a:blip>
@@ -39275,7 +39161,7 @@
           <a:noFill/>
           <a:extLst>
             <a:ext uri="{909E8E84-426E-40DD-AFC4-6F175D3DCCD1}">
-              <a14:hiddenFill xmlns:a14="http://schemas.microsoft.com/office/drawing/2010/main">
+              <a14:hiddenFill xmlns:a14="http://schemas.microsoft.com/office/drawing/2010/main" xmlns="">
                 <a:solidFill>
                   <a:srgbClr val="FFFFFF"/>
                 </a:solidFill>
@@ -39296,7 +39182,7 @@
           <a:blip r:embed="rId9" cstate="print">
             <a:extLst>
               <a:ext uri="{28A0092B-C50C-407E-A947-70E740481C1C}">
-                <a14:useLocalDpi xmlns:a14="http://schemas.microsoft.com/office/drawing/2010/main" val="0"/>
+                <a14:useLocalDpi xmlns:a14="http://schemas.microsoft.com/office/drawing/2010/main" xmlns="" val="0"/>
               </a:ext>
             </a:extLst>
           </a:blip>
@@ -39316,7 +39202,7 @@
           <a:noFill/>
           <a:extLst>
             <a:ext uri="{909E8E84-426E-40DD-AFC4-6F175D3DCCD1}">
-              <a14:hiddenFill xmlns:a14="http://schemas.microsoft.com/office/drawing/2010/main">
+              <a14:hiddenFill xmlns:a14="http://schemas.microsoft.com/office/drawing/2010/main" xmlns="">
                 <a:solidFill>
                   <a:srgbClr val="FFFFFF"/>
                 </a:solidFill>
@@ -39337,7 +39223,7 @@
           <a:blip r:embed="rId10" cstate="print">
             <a:extLst>
               <a:ext uri="{28A0092B-C50C-407E-A947-70E740481C1C}">
-                <a14:useLocalDpi xmlns:a14="http://schemas.microsoft.com/office/drawing/2010/main" val="0"/>
+                <a14:useLocalDpi xmlns:a14="http://schemas.microsoft.com/office/drawing/2010/main" xmlns="" val="0"/>
               </a:ext>
             </a:extLst>
           </a:blip>
@@ -39357,7 +39243,7 @@
           <a:noFill/>
           <a:extLst>
             <a:ext uri="{909E8E84-426E-40DD-AFC4-6F175D3DCCD1}">
-              <a14:hiddenFill xmlns:a14="http://schemas.microsoft.com/office/drawing/2010/main">
+              <a14:hiddenFill xmlns:a14="http://schemas.microsoft.com/office/drawing/2010/main" xmlns="">
                 <a:solidFill>
                   <a:srgbClr val="FFFFFF"/>
                 </a:solidFill>
@@ -39378,7 +39264,7 @@
           <a:blip r:embed="rId10" cstate="print">
             <a:extLst>
               <a:ext uri="{28A0092B-C50C-407E-A947-70E740481C1C}">
-                <a14:useLocalDpi xmlns:a14="http://schemas.microsoft.com/office/drawing/2010/main" val="0"/>
+                <a14:useLocalDpi xmlns:a14="http://schemas.microsoft.com/office/drawing/2010/main" xmlns="" val="0"/>
               </a:ext>
             </a:extLst>
           </a:blip>
@@ -39398,7 +39284,7 @@
           <a:noFill/>
           <a:extLst>
             <a:ext uri="{909E8E84-426E-40DD-AFC4-6F175D3DCCD1}">
-              <a14:hiddenFill xmlns:a14="http://schemas.microsoft.com/office/drawing/2010/main">
+              <a14:hiddenFill xmlns:a14="http://schemas.microsoft.com/office/drawing/2010/main" xmlns="">
                 <a:solidFill>
                   <a:srgbClr val="FFFFFF"/>
                 </a:solidFill>
@@ -39419,7 +39305,7 @@
           <a:blip r:embed="rId4" cstate="print">
             <a:extLst>
               <a:ext uri="{28A0092B-C50C-407E-A947-70E740481C1C}">
-                <a14:useLocalDpi xmlns:a14="http://schemas.microsoft.com/office/drawing/2010/main" val="0"/>
+                <a14:useLocalDpi xmlns:a14="http://schemas.microsoft.com/office/drawing/2010/main" xmlns="" val="0"/>
               </a:ext>
             </a:extLst>
           </a:blip>
@@ -39439,7 +39325,7 @@
           <a:noFill/>
           <a:extLst>
             <a:ext uri="{909E8E84-426E-40DD-AFC4-6F175D3DCCD1}">
-              <a14:hiddenFill xmlns:a14="http://schemas.microsoft.com/office/drawing/2010/main">
+              <a14:hiddenFill xmlns:a14="http://schemas.microsoft.com/office/drawing/2010/main" xmlns="">
                 <a:solidFill>
                   <a:srgbClr val="FFFFFF"/>
                 </a:solidFill>
@@ -39539,7 +39425,7 @@
             </a:duotone>
             <a:extLst>
               <a:ext uri="{BEBA8EAE-BF5A-486C-A8C5-ECC9F3942E4B}">
-                <a14:imgProps xmlns:a14="http://schemas.microsoft.com/office/drawing/2010/main">
+                <a14:imgProps xmlns:a14="http://schemas.microsoft.com/office/drawing/2010/main" xmlns="">
                   <a14:imgLayer r:embed="rId8">
                     <a14:imgEffect>
                       <a14:brightnessContrast contrast="-40000"/>
@@ -39548,7 +39434,7 @@
                 </a14:imgProps>
               </a:ext>
               <a:ext uri="{28A0092B-C50C-407E-A947-70E740481C1C}">
-                <a14:useLocalDpi xmlns:a14="http://schemas.microsoft.com/office/drawing/2010/main" val="0"/>
+                <a14:useLocalDpi xmlns:a14="http://schemas.microsoft.com/office/drawing/2010/main" xmlns="" val="0"/>
               </a:ext>
             </a:extLst>
           </a:blip>
@@ -39568,7 +39454,7 @@
           <a:noFill/>
           <a:extLst>
             <a:ext uri="{909E8E84-426E-40DD-AFC4-6F175D3DCCD1}">
-              <a14:hiddenFill xmlns:a14="http://schemas.microsoft.com/office/drawing/2010/main">
+              <a14:hiddenFill xmlns:a14="http://schemas.microsoft.com/office/drawing/2010/main" xmlns="">
                 <a:solidFill>
                   <a:srgbClr val="FFFFFF"/>
                 </a:solidFill>
@@ -39589,7 +39475,7 @@
           <a:blip r:embed="rId7" cstate="print">
             <a:extLst>
               <a:ext uri="{BEBA8EAE-BF5A-486C-A8C5-ECC9F3942E4B}">
-                <a14:imgProps xmlns:a14="http://schemas.microsoft.com/office/drawing/2010/main">
+                <a14:imgProps xmlns:a14="http://schemas.microsoft.com/office/drawing/2010/main" xmlns="">
                   <a14:imgLayer r:embed="rId8">
                     <a14:imgEffect>
                       <a14:brightnessContrast contrast="-40000"/>
@@ -39598,7 +39484,7 @@
                 </a14:imgProps>
               </a:ext>
               <a:ext uri="{28A0092B-C50C-407E-A947-70E740481C1C}">
-                <a14:useLocalDpi xmlns:a14="http://schemas.microsoft.com/office/drawing/2010/main" val="0"/>
+                <a14:useLocalDpi xmlns:a14="http://schemas.microsoft.com/office/drawing/2010/main" xmlns="" val="0"/>
               </a:ext>
             </a:extLst>
           </a:blip>
@@ -39618,7 +39504,7 @@
           <a:noFill/>
           <a:extLst>
             <a:ext uri="{909E8E84-426E-40DD-AFC4-6F175D3DCCD1}">
-              <a14:hiddenFill xmlns:a14="http://schemas.microsoft.com/office/drawing/2010/main">
+              <a14:hiddenFill xmlns:a14="http://schemas.microsoft.com/office/drawing/2010/main" xmlns="">
                 <a:solidFill>
                   <a:srgbClr val="FFFFFF"/>
                 </a:solidFill>
@@ -39646,7 +39532,7 @@
             </a:duotone>
             <a:extLst>
               <a:ext uri="{BEBA8EAE-BF5A-486C-A8C5-ECC9F3942E4B}">
-                <a14:imgProps xmlns:a14="http://schemas.microsoft.com/office/drawing/2010/main">
+                <a14:imgProps xmlns:a14="http://schemas.microsoft.com/office/drawing/2010/main" xmlns="">
                   <a14:imgLayer r:embed="rId8">
                     <a14:imgEffect>
                       <a14:brightnessContrast contrast="-40000"/>
@@ -39655,7 +39541,7 @@
                 </a14:imgProps>
               </a:ext>
               <a:ext uri="{28A0092B-C50C-407E-A947-70E740481C1C}">
-                <a14:useLocalDpi xmlns:a14="http://schemas.microsoft.com/office/drawing/2010/main" val="0"/>
+                <a14:useLocalDpi xmlns:a14="http://schemas.microsoft.com/office/drawing/2010/main" xmlns="" val="0"/>
               </a:ext>
             </a:extLst>
           </a:blip>
@@ -39675,7 +39561,7 @@
           <a:noFill/>
           <a:extLst>
             <a:ext uri="{909E8E84-426E-40DD-AFC4-6F175D3DCCD1}">
-              <a14:hiddenFill xmlns:a14="http://schemas.microsoft.com/office/drawing/2010/main">
+              <a14:hiddenFill xmlns:a14="http://schemas.microsoft.com/office/drawing/2010/main" xmlns="">
                 <a:solidFill>
                   <a:srgbClr val="FFFFFF"/>
                 </a:solidFill>
@@ -39696,7 +39582,7 @@
           <a:blip r:embed="rId7" cstate="print">
             <a:extLst>
               <a:ext uri="{BEBA8EAE-BF5A-486C-A8C5-ECC9F3942E4B}">
-                <a14:imgProps xmlns:a14="http://schemas.microsoft.com/office/drawing/2010/main">
+                <a14:imgProps xmlns:a14="http://schemas.microsoft.com/office/drawing/2010/main" xmlns="">
                   <a14:imgLayer r:embed="rId8">
                     <a14:imgEffect>
                       <a14:brightnessContrast contrast="-40000"/>
@@ -39705,7 +39591,7 @@
                 </a14:imgProps>
               </a:ext>
               <a:ext uri="{28A0092B-C50C-407E-A947-70E740481C1C}">
-                <a14:useLocalDpi xmlns:a14="http://schemas.microsoft.com/office/drawing/2010/main" val="0"/>
+                <a14:useLocalDpi xmlns:a14="http://schemas.microsoft.com/office/drawing/2010/main" xmlns="" val="0"/>
               </a:ext>
             </a:extLst>
           </a:blip>
@@ -39725,7 +39611,7 @@
           <a:noFill/>
           <a:extLst>
             <a:ext uri="{909E8E84-426E-40DD-AFC4-6F175D3DCCD1}">
-              <a14:hiddenFill xmlns:a14="http://schemas.microsoft.com/office/drawing/2010/main">
+              <a14:hiddenFill xmlns:a14="http://schemas.microsoft.com/office/drawing/2010/main" xmlns="">
                 <a:solidFill>
                   <a:srgbClr val="FFFFFF"/>
                 </a:solidFill>
@@ -39753,7 +39639,7 @@
             </a:duotone>
             <a:extLst>
               <a:ext uri="{BEBA8EAE-BF5A-486C-A8C5-ECC9F3942E4B}">
-                <a14:imgProps xmlns:a14="http://schemas.microsoft.com/office/drawing/2010/main">
+                <a14:imgProps xmlns:a14="http://schemas.microsoft.com/office/drawing/2010/main" xmlns="">
                   <a14:imgLayer r:embed="rId8">
                     <a14:imgEffect>
                       <a14:brightnessContrast contrast="-40000"/>
@@ -39762,7 +39648,7 @@
                 </a14:imgProps>
               </a:ext>
               <a:ext uri="{28A0092B-C50C-407E-A947-70E740481C1C}">
-                <a14:useLocalDpi xmlns:a14="http://schemas.microsoft.com/office/drawing/2010/main" val="0"/>
+                <a14:useLocalDpi xmlns:a14="http://schemas.microsoft.com/office/drawing/2010/main" xmlns="" val="0"/>
               </a:ext>
             </a:extLst>
           </a:blip>
@@ -39782,7 +39668,7 @@
           <a:noFill/>
           <a:extLst>
             <a:ext uri="{909E8E84-426E-40DD-AFC4-6F175D3DCCD1}">
-              <a14:hiddenFill xmlns:a14="http://schemas.microsoft.com/office/drawing/2010/main">
+              <a14:hiddenFill xmlns:a14="http://schemas.microsoft.com/office/drawing/2010/main" xmlns="">
                 <a:solidFill>
                   <a:srgbClr val="FFFFFF"/>
                 </a:solidFill>
@@ -39810,7 +39696,7 @@
             </a:duotone>
             <a:extLst>
               <a:ext uri="{BEBA8EAE-BF5A-486C-A8C5-ECC9F3942E4B}">
-                <a14:imgProps xmlns:a14="http://schemas.microsoft.com/office/drawing/2010/main">
+                <a14:imgProps xmlns:a14="http://schemas.microsoft.com/office/drawing/2010/main" xmlns="">
                   <a14:imgLayer r:embed="rId8">
                     <a14:imgEffect>
                       <a14:brightnessContrast contrast="-40000"/>
@@ -39819,7 +39705,7 @@
                 </a14:imgProps>
               </a:ext>
               <a:ext uri="{28A0092B-C50C-407E-A947-70E740481C1C}">
-                <a14:useLocalDpi xmlns:a14="http://schemas.microsoft.com/office/drawing/2010/main" val="0"/>
+                <a14:useLocalDpi xmlns:a14="http://schemas.microsoft.com/office/drawing/2010/main" xmlns="" val="0"/>
               </a:ext>
             </a:extLst>
           </a:blip>
@@ -39839,7 +39725,7 @@
           <a:noFill/>
           <a:extLst>
             <a:ext uri="{909E8E84-426E-40DD-AFC4-6F175D3DCCD1}">
-              <a14:hiddenFill xmlns:a14="http://schemas.microsoft.com/office/drawing/2010/main">
+              <a14:hiddenFill xmlns:a14="http://schemas.microsoft.com/office/drawing/2010/main" xmlns="">
                 <a:solidFill>
                   <a:srgbClr val="FFFFFF"/>
                 </a:solidFill>
@@ -39900,7 +39786,7 @@
             </a:duotone>
             <a:extLst>
               <a:ext uri="{BEBA8EAE-BF5A-486C-A8C5-ECC9F3942E4B}">
-                <a14:imgProps xmlns:a14="http://schemas.microsoft.com/office/drawing/2010/main">
+                <a14:imgProps xmlns:a14="http://schemas.microsoft.com/office/drawing/2010/main" xmlns="">
                   <a14:imgLayer r:embed="rId8">
                     <a14:imgEffect>
                       <a14:brightnessContrast contrast="-40000"/>
@@ -39909,7 +39795,7 @@
                 </a14:imgProps>
               </a:ext>
               <a:ext uri="{28A0092B-C50C-407E-A947-70E740481C1C}">
-                <a14:useLocalDpi xmlns:a14="http://schemas.microsoft.com/office/drawing/2010/main" val="0"/>
+                <a14:useLocalDpi xmlns:a14="http://schemas.microsoft.com/office/drawing/2010/main" xmlns="" val="0"/>
               </a:ext>
             </a:extLst>
           </a:blip>
@@ -39929,7 +39815,7 @@
           <a:noFill/>
           <a:extLst>
             <a:ext uri="{909E8E84-426E-40DD-AFC4-6F175D3DCCD1}">
-              <a14:hiddenFill xmlns:a14="http://schemas.microsoft.com/office/drawing/2010/main">
+              <a14:hiddenFill xmlns:a14="http://schemas.microsoft.com/office/drawing/2010/main" xmlns="">
                 <a:solidFill>
                   <a:srgbClr val="FFFFFF"/>
                 </a:solidFill>
@@ -39983,7 +39869,7 @@
           <a:blip r:embed="rId7" cstate="print">
             <a:extLst>
               <a:ext uri="{BEBA8EAE-BF5A-486C-A8C5-ECC9F3942E4B}">
-                <a14:imgProps xmlns:a14="http://schemas.microsoft.com/office/drawing/2010/main">
+                <a14:imgProps xmlns:a14="http://schemas.microsoft.com/office/drawing/2010/main" xmlns="">
                   <a14:imgLayer r:embed="rId8">
                     <a14:imgEffect>
                       <a14:brightnessContrast contrast="-40000"/>
@@ -39992,7 +39878,7 @@
                 </a14:imgProps>
               </a:ext>
               <a:ext uri="{28A0092B-C50C-407E-A947-70E740481C1C}">
-                <a14:useLocalDpi xmlns:a14="http://schemas.microsoft.com/office/drawing/2010/main" val="0"/>
+                <a14:useLocalDpi xmlns:a14="http://schemas.microsoft.com/office/drawing/2010/main" xmlns="" val="0"/>
               </a:ext>
             </a:extLst>
           </a:blip>
@@ -40012,7 +39898,7 @@
           <a:noFill/>
           <a:extLst>
             <a:ext uri="{909E8E84-426E-40DD-AFC4-6F175D3DCCD1}">
-              <a14:hiddenFill xmlns:a14="http://schemas.microsoft.com/office/drawing/2010/main">
+              <a14:hiddenFill xmlns:a14="http://schemas.microsoft.com/office/drawing/2010/main" xmlns="">
                 <a:solidFill>
                   <a:srgbClr val="FFFFFF"/>
                 </a:solidFill>
@@ -40040,7 +39926,7 @@
             </a:duotone>
             <a:extLst>
               <a:ext uri="{BEBA8EAE-BF5A-486C-A8C5-ECC9F3942E4B}">
-                <a14:imgProps xmlns:a14="http://schemas.microsoft.com/office/drawing/2010/main">
+                <a14:imgProps xmlns:a14="http://schemas.microsoft.com/office/drawing/2010/main" xmlns="">
                   <a14:imgLayer r:embed="rId8">
                     <a14:imgEffect>
                       <a14:brightnessContrast contrast="-40000"/>
@@ -40049,7 +39935,7 @@
                 </a14:imgProps>
               </a:ext>
               <a:ext uri="{28A0092B-C50C-407E-A947-70E740481C1C}">
-                <a14:useLocalDpi xmlns:a14="http://schemas.microsoft.com/office/drawing/2010/main" val="0"/>
+                <a14:useLocalDpi xmlns:a14="http://schemas.microsoft.com/office/drawing/2010/main" xmlns="" val="0"/>
               </a:ext>
             </a:extLst>
           </a:blip>
@@ -40069,7 +39955,7 @@
           <a:noFill/>
           <a:extLst>
             <a:ext uri="{909E8E84-426E-40DD-AFC4-6F175D3DCCD1}">
-              <a14:hiddenFill xmlns:a14="http://schemas.microsoft.com/office/drawing/2010/main">
+              <a14:hiddenFill xmlns:a14="http://schemas.microsoft.com/office/drawing/2010/main" xmlns="">
                 <a:solidFill>
                   <a:srgbClr val="FFFFFF"/>
                 </a:solidFill>
@@ -40097,7 +39983,7 @@
             </a:duotone>
             <a:extLst>
               <a:ext uri="{BEBA8EAE-BF5A-486C-A8C5-ECC9F3942E4B}">
-                <a14:imgProps xmlns:a14="http://schemas.microsoft.com/office/drawing/2010/main">
+                <a14:imgProps xmlns:a14="http://schemas.microsoft.com/office/drawing/2010/main" xmlns="">
                   <a14:imgLayer r:embed="rId8">
                     <a14:imgEffect>
                       <a14:brightnessContrast contrast="-40000"/>
@@ -40106,7 +39992,7 @@
                 </a14:imgProps>
               </a:ext>
               <a:ext uri="{28A0092B-C50C-407E-A947-70E740481C1C}">
-                <a14:useLocalDpi xmlns:a14="http://schemas.microsoft.com/office/drawing/2010/main" val="0"/>
+                <a14:useLocalDpi xmlns:a14="http://schemas.microsoft.com/office/drawing/2010/main" xmlns="" val="0"/>
               </a:ext>
             </a:extLst>
           </a:blip>
@@ -40126,7 +40012,7 @@
           <a:noFill/>
           <a:extLst>
             <a:ext uri="{909E8E84-426E-40DD-AFC4-6F175D3DCCD1}">
-              <a14:hiddenFill xmlns:a14="http://schemas.microsoft.com/office/drawing/2010/main">
+              <a14:hiddenFill xmlns:a14="http://schemas.microsoft.com/office/drawing/2010/main" xmlns="">
                 <a:solidFill>
                   <a:srgbClr val="FFFFFF"/>
                 </a:solidFill>
@@ -40147,7 +40033,7 @@
           <a:blip r:embed="rId7" cstate="print">
             <a:extLst>
               <a:ext uri="{BEBA8EAE-BF5A-486C-A8C5-ECC9F3942E4B}">
-                <a14:imgProps xmlns:a14="http://schemas.microsoft.com/office/drawing/2010/main">
+                <a14:imgProps xmlns:a14="http://schemas.microsoft.com/office/drawing/2010/main" xmlns="">
                   <a14:imgLayer r:embed="rId8">
                     <a14:imgEffect>
                       <a14:brightnessContrast contrast="-40000"/>
@@ -40156,7 +40042,7 @@
                 </a14:imgProps>
               </a:ext>
               <a:ext uri="{28A0092B-C50C-407E-A947-70E740481C1C}">
-                <a14:useLocalDpi xmlns:a14="http://schemas.microsoft.com/office/drawing/2010/main" val="0"/>
+                <a14:useLocalDpi xmlns:a14="http://schemas.microsoft.com/office/drawing/2010/main" xmlns="" val="0"/>
               </a:ext>
             </a:extLst>
           </a:blip>
@@ -40176,7 +40062,7 @@
           <a:noFill/>
           <a:extLst>
             <a:ext uri="{909E8E84-426E-40DD-AFC4-6F175D3DCCD1}">
-              <a14:hiddenFill xmlns:a14="http://schemas.microsoft.com/office/drawing/2010/main">
+              <a14:hiddenFill xmlns:a14="http://schemas.microsoft.com/office/drawing/2010/main" xmlns="">
                 <a:solidFill>
                   <a:srgbClr val="FFFFFF"/>
                 </a:solidFill>
@@ -40251,7 +40137,7 @@
     </p:spTree>
     <p:extLst>
       <p:ext uri="{BB962C8B-B14F-4D97-AF65-F5344CB8AC3E}">
-        <p14:creationId xmlns:p14="http://schemas.microsoft.com/office/powerpoint/2010/main" val="539022717"/>
+        <p14:creationId xmlns:p14="http://schemas.microsoft.com/office/powerpoint/2010/main" xmlns="" val="539022717"/>
       </p:ext>
     </p:extLst>
   </p:cSld>
@@ -40269,1504 +40155,6 @@
 </file>
 
 <file path=ppt/slides/slide4.xml><?xml version="1.0" encoding="utf-8"?>
-<p:sld xmlns:a="http://schemas.openxmlformats.org/drawingml/2006/main" xmlns:r="http://schemas.openxmlformats.org/officeDocument/2006/relationships" xmlns:p="http://schemas.openxmlformats.org/presentationml/2006/main" show="0">
-  <p:cSld>
-    <p:spTree>
-      <p:nvGrpSpPr>
-        <p:cNvPr id="1" name=""/>
-        <p:cNvGrpSpPr/>
-        <p:nvPr/>
-      </p:nvGrpSpPr>
-      <p:grpSpPr>
-        <a:xfrm>
-          <a:off x="0" y="0"/>
-          <a:ext cx="0" cy="0"/>
-          <a:chOff x="0" y="0"/>
-          <a:chExt cx="0" cy="0"/>
-        </a:xfrm>
-      </p:grpSpPr>
-      <p:sp>
-        <p:nvSpPr>
-          <p:cNvPr id="2" name="タイトル 1"/>
-          <p:cNvSpPr>
-            <a:spLocks noGrp="1"/>
-          </p:cNvSpPr>
-          <p:nvPr>
-            <p:ph type="title"/>
-          </p:nvPr>
-        </p:nvSpPr>
-        <p:spPr/>
-        <p:txBody>
-          <a:bodyPr/>
-          <a:lstStyle/>
-          <a:p>
-            <a:r>
-              <a:rPr kumimoji="1" lang="ja-JP" altLang="en-US" dirty="0" smtClean="0"/>
-              <a:t>１．現在の運用フロー</a:t>
-            </a:r>
-            <a:endParaRPr kumimoji="1" lang="ja-JP" altLang="en-US" dirty="0"/>
-          </a:p>
-        </p:txBody>
-      </p:sp>
-      <p:pic>
-        <p:nvPicPr>
-          <p:cNvPr id="1029" name="Picture 5" descr="C:\Users\panasonic.PC-PEWBA142657\Desktop\download.png"/>
-          <p:cNvPicPr>
-            <a:picLocks noChangeAspect="1" noChangeArrowheads="1"/>
-          </p:cNvPicPr>
-          <p:nvPr/>
-        </p:nvPicPr>
-        <p:blipFill>
-          <a:blip r:embed="rId2" cstate="print">
-            <a:extLst>
-              <a:ext uri="{28A0092B-C50C-407E-A947-70E740481C1C}">
-                <a14:useLocalDpi xmlns:a14="http://schemas.microsoft.com/office/drawing/2010/main" val="0"/>
-              </a:ext>
-            </a:extLst>
-          </a:blip>
-          <a:srcRect/>
-          <a:stretch>
-            <a:fillRect/>
-          </a:stretch>
-        </p:blipFill>
-        <p:spPr bwMode="auto">
-          <a:xfrm>
-            <a:off x="6444208" y="1748126"/>
-            <a:ext cx="1595661" cy="1595661"/>
-          </a:xfrm>
-          <a:prstGeom prst="rect">
-            <a:avLst/>
-          </a:prstGeom>
-          <a:noFill/>
-          <a:extLst>
-            <a:ext uri="{909E8E84-426E-40DD-AFC4-6F175D3DCCD1}">
-              <a14:hiddenFill xmlns:a14="http://schemas.microsoft.com/office/drawing/2010/main">
-                <a:solidFill>
-                  <a:srgbClr val="FFFFFF"/>
-                </a:solidFill>
-              </a14:hiddenFill>
-            </a:ext>
-          </a:extLst>
-        </p:spPr>
-      </p:pic>
-      <p:sp>
-        <p:nvSpPr>
-          <p:cNvPr id="3" name="テキスト ボックス 2"/>
-          <p:cNvSpPr txBox="1"/>
-          <p:nvPr/>
-        </p:nvSpPr>
-        <p:spPr>
-          <a:xfrm>
-            <a:off x="407021" y="1340768"/>
-            <a:ext cx="1224136" cy="369332"/>
-          </a:xfrm>
-          <a:prstGeom prst="rect">
-            <a:avLst/>
-          </a:prstGeom>
-        </p:spPr>
-        <p:style>
-          <a:lnRef idx="1">
-            <a:schemeClr val="accent3"/>
-          </a:lnRef>
-          <a:fillRef idx="2">
-            <a:schemeClr val="accent3"/>
-          </a:fillRef>
-          <a:effectRef idx="1">
-            <a:schemeClr val="accent3"/>
-          </a:effectRef>
-          <a:fontRef idx="minor">
-            <a:schemeClr val="dk1"/>
-          </a:fontRef>
-        </p:style>
-        <p:txBody>
-          <a:bodyPr wrap="square" rtlCol="0">
-            <a:spAutoFit/>
-          </a:bodyPr>
-          <a:lstStyle/>
-          <a:p>
-            <a:pPr algn="ctr"/>
-            <a:r>
-              <a:rPr lang="ja-JP" altLang="en-US" dirty="0"/>
-              <a:t>作業</a:t>
-            </a:r>
-            <a:r>
-              <a:rPr kumimoji="1" lang="ja-JP" altLang="en-US" dirty="0" smtClean="0"/>
-              <a:t>者</a:t>
-            </a:r>
-            <a:endParaRPr kumimoji="1" lang="ja-JP" altLang="en-US" dirty="0"/>
-          </a:p>
-        </p:txBody>
-      </p:sp>
-      <p:sp>
-        <p:nvSpPr>
-          <p:cNvPr id="8" name="テキスト ボックス 7"/>
-          <p:cNvSpPr txBox="1"/>
-          <p:nvPr/>
-        </p:nvSpPr>
-        <p:spPr>
-          <a:xfrm>
-            <a:off x="3347863" y="1354668"/>
-            <a:ext cx="1644699" cy="369332"/>
-          </a:xfrm>
-          <a:prstGeom prst="rect">
-            <a:avLst/>
-          </a:prstGeom>
-        </p:spPr>
-        <p:style>
-          <a:lnRef idx="1">
-            <a:schemeClr val="accent3"/>
-          </a:lnRef>
-          <a:fillRef idx="2">
-            <a:schemeClr val="accent3"/>
-          </a:fillRef>
-          <a:effectRef idx="1">
-            <a:schemeClr val="accent3"/>
-          </a:effectRef>
-          <a:fontRef idx="minor">
-            <a:schemeClr val="dk1"/>
-          </a:fontRef>
-        </p:style>
-        <p:txBody>
-          <a:bodyPr wrap="square" rtlCol="0">
-            <a:spAutoFit/>
-          </a:bodyPr>
-          <a:lstStyle/>
-          <a:p>
-            <a:pPr algn="ctr"/>
-            <a:r>
-              <a:rPr kumimoji="1" lang="ja-JP" altLang="en-US" dirty="0" smtClean="0"/>
-              <a:t>承認者１～３</a:t>
-            </a:r>
-            <a:endParaRPr kumimoji="1" lang="ja-JP" altLang="en-US" dirty="0"/>
-          </a:p>
-        </p:txBody>
-      </p:sp>
-      <p:sp>
-        <p:nvSpPr>
-          <p:cNvPr id="11" name="テキスト ボックス 10"/>
-          <p:cNvSpPr txBox="1"/>
-          <p:nvPr/>
-        </p:nvSpPr>
-        <p:spPr>
-          <a:xfrm>
-            <a:off x="6660232" y="1354668"/>
-            <a:ext cx="1448953" cy="369332"/>
-          </a:xfrm>
-          <a:prstGeom prst="rect">
-            <a:avLst/>
-          </a:prstGeom>
-        </p:spPr>
-        <p:style>
-          <a:lnRef idx="1">
-            <a:schemeClr val="accent3"/>
-          </a:lnRef>
-          <a:fillRef idx="2">
-            <a:schemeClr val="accent3"/>
-          </a:fillRef>
-          <a:effectRef idx="1">
-            <a:schemeClr val="accent3"/>
-          </a:effectRef>
-          <a:fontRef idx="minor">
-            <a:schemeClr val="dk1"/>
-          </a:fontRef>
-        </p:style>
-        <p:txBody>
-          <a:bodyPr wrap="square" rtlCol="0">
-            <a:spAutoFit/>
-          </a:bodyPr>
-          <a:lstStyle/>
-          <a:p>
-            <a:pPr algn="ctr"/>
-            <a:r>
-              <a:rPr kumimoji="1" lang="ja-JP" altLang="en-US" dirty="0" smtClean="0"/>
-              <a:t>最終承認者</a:t>
-            </a:r>
-            <a:endParaRPr kumimoji="1" lang="ja-JP" altLang="en-US" dirty="0"/>
-          </a:p>
-        </p:txBody>
-      </p:sp>
-      <p:sp>
-        <p:nvSpPr>
-          <p:cNvPr id="4" name="テキスト ボックス 3"/>
-          <p:cNvSpPr txBox="1"/>
-          <p:nvPr/>
-        </p:nvSpPr>
-        <p:spPr>
-          <a:xfrm>
-            <a:off x="395536" y="3196551"/>
-            <a:ext cx="1296144" cy="523220"/>
-          </a:xfrm>
-          <a:prstGeom prst="rect">
-            <a:avLst/>
-          </a:prstGeom>
-          <a:noFill/>
-        </p:spPr>
-        <p:txBody>
-          <a:bodyPr wrap="square" rtlCol="0">
-            <a:spAutoFit/>
-          </a:bodyPr>
-          <a:lstStyle/>
-          <a:p>
-            <a:r>
-              <a:rPr kumimoji="1" lang="ja-JP" altLang="en-US" sz="1400" dirty="0" smtClean="0"/>
-              <a:t>①</a:t>
-            </a:r>
-            <a:r>
-              <a:rPr lang="en-US" altLang="ja-JP" sz="1400" dirty="0"/>
-              <a:t> </a:t>
-            </a:r>
-            <a:r>
-              <a:rPr lang="en-US" altLang="ja-JP" sz="1400" dirty="0" smtClean="0"/>
-              <a:t>Excel</a:t>
-            </a:r>
-            <a:r>
-              <a:rPr lang="ja-JP" altLang="en-US" sz="1400" dirty="0" smtClean="0"/>
-              <a:t>で</a:t>
-            </a:r>
-            <a:endParaRPr lang="en-US" altLang="ja-JP" sz="1400" dirty="0" smtClean="0"/>
-          </a:p>
-          <a:p>
-            <a:r>
-              <a:rPr kumimoji="1" lang="ja-JP" altLang="en-US" sz="1400" dirty="0" smtClean="0"/>
-              <a:t>月報を作成</a:t>
-            </a:r>
-            <a:endParaRPr kumimoji="1" lang="ja-JP" altLang="en-US" sz="1400" dirty="0"/>
-          </a:p>
-        </p:txBody>
-      </p:sp>
-      <p:sp>
-        <p:nvSpPr>
-          <p:cNvPr id="15" name="テキスト ボックス 14"/>
-          <p:cNvSpPr txBox="1"/>
-          <p:nvPr/>
-        </p:nvSpPr>
-        <p:spPr>
-          <a:xfrm>
-            <a:off x="3503364" y="3196551"/>
-            <a:ext cx="1944217" cy="523220"/>
-          </a:xfrm>
-          <a:prstGeom prst="rect">
-            <a:avLst/>
-          </a:prstGeom>
-          <a:noFill/>
-        </p:spPr>
-        <p:txBody>
-          <a:bodyPr wrap="square" rtlCol="0">
-            <a:spAutoFit/>
-          </a:bodyPr>
-          <a:lstStyle/>
-          <a:p>
-            <a:r>
-              <a:rPr lang="ja-JP" altLang="en-US" sz="1400" dirty="0" smtClean="0"/>
-              <a:t>③コメント追記</a:t>
-            </a:r>
-            <a:endParaRPr lang="en-US" altLang="ja-JP" sz="1400" dirty="0" smtClean="0"/>
-          </a:p>
-          <a:p>
-            <a:r>
-              <a:rPr lang="en-US" altLang="ja-JP" sz="1400" dirty="0" smtClean="0"/>
-              <a:t>(</a:t>
-            </a:r>
-            <a:r>
-              <a:rPr lang="ja-JP" altLang="en-US" sz="1400" dirty="0" smtClean="0"/>
-              <a:t>承認</a:t>
-            </a:r>
-            <a:r>
-              <a:rPr lang="en-US" altLang="ja-JP" sz="1400" dirty="0" smtClean="0"/>
-              <a:t>)</a:t>
-            </a:r>
-            <a:endParaRPr kumimoji="1" lang="ja-JP" altLang="en-US" sz="1400" dirty="0"/>
-          </a:p>
-        </p:txBody>
-      </p:sp>
-      <p:cxnSp>
-        <p:nvCxnSpPr>
-          <p:cNvPr id="17" name="直線矢印コネクタ 16"/>
-          <p:cNvCxnSpPr/>
-          <p:nvPr/>
-        </p:nvCxnSpPr>
-        <p:spPr>
-          <a:xfrm>
-            <a:off x="1899320" y="2420888"/>
-            <a:ext cx="1152000" cy="0"/>
-          </a:xfrm>
-          <a:prstGeom prst="straightConnector1">
-            <a:avLst/>
-          </a:prstGeom>
-          <a:ln w="38100">
-            <a:tailEnd type="arrow"/>
-          </a:ln>
-        </p:spPr>
-        <p:style>
-          <a:lnRef idx="2">
-            <a:schemeClr val="accent1"/>
-          </a:lnRef>
-          <a:fillRef idx="0">
-            <a:schemeClr val="accent1"/>
-          </a:fillRef>
-          <a:effectRef idx="1">
-            <a:schemeClr val="accent1"/>
-          </a:effectRef>
-          <a:fontRef idx="minor">
-            <a:schemeClr val="tx1"/>
-          </a:fontRef>
-        </p:style>
-      </p:cxnSp>
-      <p:sp>
-        <p:nvSpPr>
-          <p:cNvPr id="21" name="テキスト ボックス 20"/>
-          <p:cNvSpPr txBox="1"/>
-          <p:nvPr/>
-        </p:nvSpPr>
-        <p:spPr>
-          <a:xfrm>
-            <a:off x="1824830" y="1844824"/>
-            <a:ext cx="1514650" cy="523220"/>
-          </a:xfrm>
-          <a:prstGeom prst="rect">
-            <a:avLst/>
-          </a:prstGeom>
-          <a:noFill/>
-        </p:spPr>
-        <p:txBody>
-          <a:bodyPr wrap="square" rtlCol="0">
-            <a:spAutoFit/>
-          </a:bodyPr>
-          <a:lstStyle/>
-          <a:p>
-            <a:r>
-              <a:rPr lang="ja-JP" altLang="en-US" sz="1400" dirty="0" smtClean="0"/>
-              <a:t>②各々が</a:t>
-            </a:r>
-            <a:endParaRPr lang="en-US" altLang="ja-JP" sz="1400" dirty="0" smtClean="0"/>
-          </a:p>
-          <a:p>
-            <a:r>
-              <a:rPr kumimoji="1" lang="ja-JP" altLang="en-US" sz="1400" dirty="0" smtClean="0"/>
-              <a:t>メール送信</a:t>
-            </a:r>
-            <a:endParaRPr kumimoji="1" lang="ja-JP" altLang="en-US" sz="1400" dirty="0"/>
-          </a:p>
-        </p:txBody>
-      </p:sp>
-      <p:sp>
-        <p:nvSpPr>
-          <p:cNvPr id="18" name="テキスト ボックス 17"/>
-          <p:cNvSpPr txBox="1"/>
-          <p:nvPr/>
-        </p:nvSpPr>
-        <p:spPr>
-          <a:xfrm>
-            <a:off x="6732239" y="3196551"/>
-            <a:ext cx="1944217" cy="523220"/>
-          </a:xfrm>
-          <a:prstGeom prst="rect">
-            <a:avLst/>
-          </a:prstGeom>
-          <a:noFill/>
-        </p:spPr>
-        <p:txBody>
-          <a:bodyPr wrap="square" rtlCol="0">
-            <a:spAutoFit/>
-          </a:bodyPr>
-          <a:lstStyle/>
-          <a:p>
-            <a:r>
-              <a:rPr lang="ja-JP" altLang="en-US" sz="1400" dirty="0" smtClean="0"/>
-              <a:t>⑤コメント追記</a:t>
-            </a:r>
-            <a:endParaRPr lang="en-US" altLang="ja-JP" sz="1400" dirty="0" smtClean="0"/>
-          </a:p>
-          <a:p>
-            <a:r>
-              <a:rPr lang="en-US" altLang="ja-JP" sz="1400" dirty="0" smtClean="0"/>
-              <a:t>(</a:t>
-            </a:r>
-            <a:r>
-              <a:rPr lang="ja-JP" altLang="en-US" sz="1400" dirty="0" smtClean="0"/>
-              <a:t>最終承認</a:t>
-            </a:r>
-            <a:r>
-              <a:rPr lang="en-US" altLang="ja-JP" sz="1400" dirty="0" smtClean="0"/>
-              <a:t>)</a:t>
-            </a:r>
-            <a:endParaRPr kumimoji="1" lang="ja-JP" altLang="en-US" sz="1400" dirty="0"/>
-          </a:p>
-        </p:txBody>
-      </p:sp>
-      <p:cxnSp>
-        <p:nvCxnSpPr>
-          <p:cNvPr id="19" name="直線矢印コネクタ 18"/>
-          <p:cNvCxnSpPr/>
-          <p:nvPr/>
-        </p:nvCxnSpPr>
-        <p:spPr>
-          <a:xfrm>
-            <a:off x="1899320" y="2708920"/>
-            <a:ext cx="1152000" cy="0"/>
-          </a:xfrm>
-          <a:prstGeom prst="straightConnector1">
-            <a:avLst/>
-          </a:prstGeom>
-          <a:ln w="38100">
-            <a:prstDash val="sysDash"/>
-            <a:headEnd type="arrow"/>
-            <a:tailEnd type="none"/>
-          </a:ln>
-        </p:spPr>
-        <p:style>
-          <a:lnRef idx="2">
-            <a:schemeClr val="accent1"/>
-          </a:lnRef>
-          <a:fillRef idx="0">
-            <a:schemeClr val="accent1"/>
-          </a:fillRef>
-          <a:effectRef idx="1">
-            <a:schemeClr val="accent1"/>
-          </a:effectRef>
-          <a:fontRef idx="minor">
-            <a:schemeClr val="tx1"/>
-          </a:fontRef>
-        </p:style>
-      </p:cxnSp>
-      <p:sp>
-        <p:nvSpPr>
-          <p:cNvPr id="20" name="テキスト ボックス 19"/>
-          <p:cNvSpPr txBox="1"/>
-          <p:nvPr/>
-        </p:nvSpPr>
-        <p:spPr>
-          <a:xfrm>
-            <a:off x="1977230" y="2833191"/>
-            <a:ext cx="1514650" cy="307777"/>
-          </a:xfrm>
-          <a:prstGeom prst="rect">
-            <a:avLst/>
-          </a:prstGeom>
-          <a:noFill/>
-        </p:spPr>
-        <p:txBody>
-          <a:bodyPr wrap="square" rtlCol="0">
-            <a:spAutoFit/>
-          </a:bodyPr>
-          <a:lstStyle/>
-          <a:p>
-            <a:r>
-              <a:rPr kumimoji="1" lang="ja-JP" altLang="en-US" sz="1400" dirty="0" smtClean="0"/>
-              <a:t>差し戻し</a:t>
-            </a:r>
-            <a:endParaRPr kumimoji="1" lang="ja-JP" altLang="en-US" sz="1400" dirty="0"/>
-          </a:p>
-        </p:txBody>
-      </p:sp>
-      <p:cxnSp>
-        <p:nvCxnSpPr>
-          <p:cNvPr id="22" name="直線矢印コネクタ 21"/>
-          <p:cNvCxnSpPr/>
-          <p:nvPr/>
-        </p:nvCxnSpPr>
-        <p:spPr>
-          <a:xfrm>
-            <a:off x="5292080" y="2420888"/>
-            <a:ext cx="1152000" cy="0"/>
-          </a:xfrm>
-          <a:prstGeom prst="straightConnector1">
-            <a:avLst/>
-          </a:prstGeom>
-          <a:ln w="38100">
-            <a:tailEnd type="arrow"/>
-          </a:ln>
-        </p:spPr>
-        <p:style>
-          <a:lnRef idx="2">
-            <a:schemeClr val="accent1"/>
-          </a:lnRef>
-          <a:fillRef idx="0">
-            <a:schemeClr val="accent1"/>
-          </a:fillRef>
-          <a:effectRef idx="1">
-            <a:schemeClr val="accent1"/>
-          </a:effectRef>
-          <a:fontRef idx="minor">
-            <a:schemeClr val="tx1"/>
-          </a:fontRef>
-        </p:style>
-      </p:cxnSp>
-      <p:sp>
-        <p:nvSpPr>
-          <p:cNvPr id="23" name="テキスト ボックス 22"/>
-          <p:cNvSpPr txBox="1"/>
-          <p:nvPr/>
-        </p:nvSpPr>
-        <p:spPr>
-          <a:xfrm>
-            <a:off x="5217590" y="1844824"/>
-            <a:ext cx="1514650" cy="523220"/>
-          </a:xfrm>
-          <a:prstGeom prst="rect">
-            <a:avLst/>
-          </a:prstGeom>
-          <a:noFill/>
-        </p:spPr>
-        <p:txBody>
-          <a:bodyPr wrap="square" rtlCol="0">
-            <a:spAutoFit/>
-          </a:bodyPr>
-          <a:lstStyle/>
-          <a:p>
-            <a:r>
-              <a:rPr kumimoji="1" lang="ja-JP" altLang="en-US" sz="1400" dirty="0" smtClean="0"/>
-              <a:t>④まとめて</a:t>
-            </a:r>
-            <a:endParaRPr kumimoji="1" lang="en-US" altLang="ja-JP" sz="1400" dirty="0" smtClean="0"/>
-          </a:p>
-          <a:p>
-            <a:r>
-              <a:rPr kumimoji="1" lang="ja-JP" altLang="en-US" sz="1400" dirty="0" smtClean="0"/>
-              <a:t>メール送信</a:t>
-            </a:r>
-            <a:endParaRPr kumimoji="1" lang="ja-JP" altLang="en-US" sz="1400" dirty="0"/>
-          </a:p>
-        </p:txBody>
-      </p:sp>
-      <p:cxnSp>
-        <p:nvCxnSpPr>
-          <p:cNvPr id="24" name="直線矢印コネクタ 23"/>
-          <p:cNvCxnSpPr/>
-          <p:nvPr/>
-        </p:nvCxnSpPr>
-        <p:spPr>
-          <a:xfrm>
-            <a:off x="5292080" y="2708920"/>
-            <a:ext cx="1152000" cy="0"/>
-          </a:xfrm>
-          <a:prstGeom prst="straightConnector1">
-            <a:avLst/>
-          </a:prstGeom>
-          <a:ln w="38100">
-            <a:prstDash val="sysDash"/>
-            <a:headEnd type="arrow"/>
-            <a:tailEnd type="none"/>
-          </a:ln>
-        </p:spPr>
-        <p:style>
-          <a:lnRef idx="2">
-            <a:schemeClr val="accent1"/>
-          </a:lnRef>
-          <a:fillRef idx="0">
-            <a:schemeClr val="accent1"/>
-          </a:fillRef>
-          <a:effectRef idx="1">
-            <a:schemeClr val="accent1"/>
-          </a:effectRef>
-          <a:fontRef idx="minor">
-            <a:schemeClr val="tx1"/>
-          </a:fontRef>
-        </p:style>
-      </p:cxnSp>
-      <p:sp>
-        <p:nvSpPr>
-          <p:cNvPr id="25" name="テキスト ボックス 24"/>
-          <p:cNvSpPr txBox="1"/>
-          <p:nvPr/>
-        </p:nvSpPr>
-        <p:spPr>
-          <a:xfrm>
-            <a:off x="5217590" y="2833191"/>
-            <a:ext cx="1514650" cy="307777"/>
-          </a:xfrm>
-          <a:prstGeom prst="rect">
-            <a:avLst/>
-          </a:prstGeom>
-          <a:noFill/>
-        </p:spPr>
-        <p:txBody>
-          <a:bodyPr wrap="square" rtlCol="0">
-            <a:spAutoFit/>
-          </a:bodyPr>
-          <a:lstStyle/>
-          <a:p>
-            <a:r>
-              <a:rPr kumimoji="1" lang="ja-JP" altLang="en-US" sz="1400" dirty="0" smtClean="0"/>
-              <a:t>差し戻し</a:t>
-            </a:r>
-            <a:endParaRPr kumimoji="1" lang="ja-JP" altLang="en-US" sz="1400" dirty="0"/>
-          </a:p>
-        </p:txBody>
-      </p:sp>
-      <p:sp>
-        <p:nvSpPr>
-          <p:cNvPr id="28" name="テキスト ボックス 27"/>
-          <p:cNvSpPr txBox="1"/>
-          <p:nvPr/>
-        </p:nvSpPr>
-        <p:spPr>
-          <a:xfrm>
-            <a:off x="4315040" y="4699427"/>
-            <a:ext cx="1448953" cy="369332"/>
-          </a:xfrm>
-          <a:prstGeom prst="rect">
-            <a:avLst/>
-          </a:prstGeom>
-        </p:spPr>
-        <p:style>
-          <a:lnRef idx="1">
-            <a:schemeClr val="accent3"/>
-          </a:lnRef>
-          <a:fillRef idx="2">
-            <a:schemeClr val="accent3"/>
-          </a:fillRef>
-          <a:effectRef idx="1">
-            <a:schemeClr val="accent3"/>
-          </a:effectRef>
-          <a:fontRef idx="minor">
-            <a:schemeClr val="dk1"/>
-          </a:fontRef>
-        </p:style>
-        <p:txBody>
-          <a:bodyPr wrap="square" rtlCol="0">
-            <a:spAutoFit/>
-          </a:bodyPr>
-          <a:lstStyle/>
-          <a:p>
-            <a:pPr algn="ctr"/>
-            <a:r>
-              <a:rPr kumimoji="1" lang="ja-JP" altLang="en-US" dirty="0" smtClean="0"/>
-              <a:t>総務</a:t>
-            </a:r>
-            <a:endParaRPr kumimoji="1" lang="ja-JP" altLang="en-US" dirty="0"/>
-          </a:p>
-        </p:txBody>
-      </p:sp>
-      <p:pic>
-        <p:nvPicPr>
-          <p:cNvPr id="29" name="Picture 2" descr="C:\Users\panasonic.PC-PEWBA142657\Desktop\download.png"/>
-          <p:cNvPicPr>
-            <a:picLocks noChangeAspect="1" noChangeArrowheads="1"/>
-          </p:cNvPicPr>
-          <p:nvPr/>
-        </p:nvPicPr>
-        <p:blipFill>
-          <a:blip r:embed="rId3" cstate="print">
-            <a:extLst>
-              <a:ext uri="{28A0092B-C50C-407E-A947-70E740481C1C}">
-                <a14:useLocalDpi xmlns:a14="http://schemas.microsoft.com/office/drawing/2010/main" val="0"/>
-              </a:ext>
-            </a:extLst>
-          </a:blip>
-          <a:srcRect/>
-          <a:stretch>
-            <a:fillRect/>
-          </a:stretch>
-        </p:blipFill>
-        <p:spPr bwMode="auto">
-          <a:xfrm>
-            <a:off x="3995936" y="4951069"/>
-            <a:ext cx="1718291" cy="1718291"/>
-          </a:xfrm>
-          <a:prstGeom prst="rect">
-            <a:avLst/>
-          </a:prstGeom>
-          <a:noFill/>
-          <a:extLst>
-            <a:ext uri="{909E8E84-426E-40DD-AFC4-6F175D3DCCD1}">
-              <a14:hiddenFill xmlns:a14="http://schemas.microsoft.com/office/drawing/2010/main">
-                <a:solidFill>
-                  <a:srgbClr val="FFFFFF"/>
-                </a:solidFill>
-              </a14:hiddenFill>
-            </a:ext>
-          </a:extLst>
-        </p:spPr>
-      </p:pic>
-      <p:cxnSp>
-        <p:nvCxnSpPr>
-          <p:cNvPr id="30" name="直線矢印コネクタ 29"/>
-          <p:cNvCxnSpPr/>
-          <p:nvPr/>
-        </p:nvCxnSpPr>
-        <p:spPr>
-          <a:xfrm flipH="1">
-            <a:off x="5796264" y="3791779"/>
-            <a:ext cx="1656056" cy="681171"/>
-          </a:xfrm>
-          <a:prstGeom prst="straightConnector1">
-            <a:avLst/>
-          </a:prstGeom>
-          <a:ln w="38100">
-            <a:tailEnd type="arrow"/>
-          </a:ln>
-        </p:spPr>
-        <p:style>
-          <a:lnRef idx="2">
-            <a:schemeClr val="accent1"/>
-          </a:lnRef>
-          <a:fillRef idx="0">
-            <a:schemeClr val="accent1"/>
-          </a:fillRef>
-          <a:effectRef idx="1">
-            <a:schemeClr val="accent1"/>
-          </a:effectRef>
-          <a:fontRef idx="minor">
-            <a:schemeClr val="tx1"/>
-          </a:fontRef>
-        </p:style>
-      </p:cxnSp>
-      <p:sp>
-        <p:nvSpPr>
-          <p:cNvPr id="31" name="テキスト ボックス 30"/>
-          <p:cNvSpPr txBox="1"/>
-          <p:nvPr/>
-        </p:nvSpPr>
-        <p:spPr>
-          <a:xfrm>
-            <a:off x="5508104" y="3700607"/>
-            <a:ext cx="1514650" cy="523220"/>
-          </a:xfrm>
-          <a:prstGeom prst="rect">
-            <a:avLst/>
-          </a:prstGeom>
-          <a:noFill/>
-        </p:spPr>
-        <p:txBody>
-          <a:bodyPr wrap="square" rtlCol="0">
-            <a:spAutoFit/>
-          </a:bodyPr>
-          <a:lstStyle/>
-          <a:p>
-            <a:r>
-              <a:rPr kumimoji="1" lang="ja-JP" altLang="en-US" sz="1400" dirty="0" smtClean="0"/>
-              <a:t>⑥まとめて</a:t>
-            </a:r>
-            <a:endParaRPr kumimoji="1" lang="en-US" altLang="ja-JP" sz="1400" dirty="0" smtClean="0"/>
-          </a:p>
-          <a:p>
-            <a:r>
-              <a:rPr kumimoji="1" lang="ja-JP" altLang="en-US" sz="1400" dirty="0" smtClean="0"/>
-              <a:t>メール送信</a:t>
-            </a:r>
-            <a:endParaRPr kumimoji="1" lang="ja-JP" altLang="en-US" sz="1400" dirty="0"/>
-          </a:p>
-        </p:txBody>
-      </p:sp>
-      <p:cxnSp>
-        <p:nvCxnSpPr>
-          <p:cNvPr id="32" name="直線矢印コネクタ 31"/>
-          <p:cNvCxnSpPr/>
-          <p:nvPr/>
-        </p:nvCxnSpPr>
-        <p:spPr>
-          <a:xfrm flipH="1" flipV="1">
-            <a:off x="1547665" y="3791782"/>
-            <a:ext cx="2810793" cy="1743394"/>
-          </a:xfrm>
-          <a:prstGeom prst="straightConnector1">
-            <a:avLst/>
-          </a:prstGeom>
-          <a:ln w="38100">
-            <a:tailEnd type="arrow"/>
-          </a:ln>
-        </p:spPr>
-        <p:style>
-          <a:lnRef idx="2">
-            <a:schemeClr val="accent1"/>
-          </a:lnRef>
-          <a:fillRef idx="0">
-            <a:schemeClr val="accent1"/>
-          </a:fillRef>
-          <a:effectRef idx="1">
-            <a:schemeClr val="accent1"/>
-          </a:effectRef>
-          <a:fontRef idx="minor">
-            <a:schemeClr val="tx1"/>
-          </a:fontRef>
-        </p:style>
-      </p:cxnSp>
-      <p:sp>
-        <p:nvSpPr>
-          <p:cNvPr id="33" name="テキスト ボックス 32"/>
-          <p:cNvSpPr txBox="1"/>
-          <p:nvPr/>
-        </p:nvSpPr>
-        <p:spPr>
-          <a:xfrm>
-            <a:off x="1619672" y="4699427"/>
-            <a:ext cx="1514650" cy="523220"/>
-          </a:xfrm>
-          <a:prstGeom prst="rect">
-            <a:avLst/>
-          </a:prstGeom>
-          <a:noFill/>
-        </p:spPr>
-        <p:txBody>
-          <a:bodyPr wrap="square" rtlCol="0">
-            <a:spAutoFit/>
-          </a:bodyPr>
-          <a:lstStyle/>
-          <a:p>
-            <a:r>
-              <a:rPr kumimoji="1" lang="ja-JP" altLang="en-US" sz="1400" dirty="0" smtClean="0"/>
-              <a:t>⑧印刷して</a:t>
-            </a:r>
-            <a:endParaRPr kumimoji="1" lang="en-US" altLang="ja-JP" sz="1400" dirty="0" smtClean="0"/>
-          </a:p>
-          <a:p>
-            <a:r>
-              <a:rPr kumimoji="1" lang="ja-JP" altLang="en-US" sz="1400" dirty="0" smtClean="0"/>
-              <a:t>個人棚に格納</a:t>
-            </a:r>
-            <a:endParaRPr kumimoji="1" lang="ja-JP" altLang="en-US" sz="1400" dirty="0"/>
-          </a:p>
-        </p:txBody>
-      </p:sp>
-      <p:cxnSp>
-        <p:nvCxnSpPr>
-          <p:cNvPr id="38" name="直線矢印コネクタ 37"/>
-          <p:cNvCxnSpPr/>
-          <p:nvPr/>
-        </p:nvCxnSpPr>
-        <p:spPr>
-          <a:xfrm>
-            <a:off x="5724696" y="5860846"/>
-            <a:ext cx="1151560" cy="1"/>
-          </a:xfrm>
-          <a:prstGeom prst="straightConnector1">
-            <a:avLst/>
-          </a:prstGeom>
-          <a:ln w="38100">
-            <a:tailEnd type="arrow"/>
-          </a:ln>
-        </p:spPr>
-        <p:style>
-          <a:lnRef idx="2">
-            <a:schemeClr val="accent1"/>
-          </a:lnRef>
-          <a:fillRef idx="0">
-            <a:schemeClr val="accent1"/>
-          </a:fillRef>
-          <a:effectRef idx="1">
-            <a:schemeClr val="accent1"/>
-          </a:effectRef>
-          <a:fontRef idx="minor">
-            <a:schemeClr val="tx1"/>
-          </a:fontRef>
-        </p:style>
-      </p:cxnSp>
-      <p:sp>
-        <p:nvSpPr>
-          <p:cNvPr id="41" name="テキスト ボックス 40"/>
-          <p:cNvSpPr txBox="1"/>
-          <p:nvPr/>
-        </p:nvSpPr>
-        <p:spPr>
-          <a:xfrm>
-            <a:off x="6804248" y="4699427"/>
-            <a:ext cx="1448953" cy="369332"/>
-          </a:xfrm>
-          <a:prstGeom prst="rect">
-            <a:avLst/>
-          </a:prstGeom>
-        </p:spPr>
-        <p:style>
-          <a:lnRef idx="1">
-            <a:schemeClr val="accent3"/>
-          </a:lnRef>
-          <a:fillRef idx="2">
-            <a:schemeClr val="accent3"/>
-          </a:fillRef>
-          <a:effectRef idx="1">
-            <a:schemeClr val="accent3"/>
-          </a:effectRef>
-          <a:fontRef idx="minor">
-            <a:schemeClr val="dk1"/>
-          </a:fontRef>
-        </p:style>
-        <p:txBody>
-          <a:bodyPr wrap="square" rtlCol="0">
-            <a:spAutoFit/>
-          </a:bodyPr>
-          <a:lstStyle/>
-          <a:p>
-            <a:pPr algn="ctr"/>
-            <a:r>
-              <a:rPr kumimoji="1" lang="ja-JP" altLang="en-US" dirty="0" smtClean="0"/>
-              <a:t>本社</a:t>
-            </a:r>
-            <a:endParaRPr kumimoji="1" lang="ja-JP" altLang="en-US" dirty="0"/>
-          </a:p>
-        </p:txBody>
-      </p:sp>
-      <p:pic>
-        <p:nvPicPr>
-          <p:cNvPr id="44" name="Picture 2" descr="C:\Program Files\Microsoft Office 2010\MEDIA\CAGCAT10\j0205462.wmf"/>
-          <p:cNvPicPr>
-            <a:picLocks noChangeAspect="1" noChangeArrowheads="1"/>
-          </p:cNvPicPr>
-          <p:nvPr/>
-        </p:nvPicPr>
-        <p:blipFill>
-          <a:blip r:embed="rId4" cstate="print">
-            <a:extLst>
-              <a:ext uri="{28A0092B-C50C-407E-A947-70E740481C1C}">
-                <a14:useLocalDpi xmlns:a14="http://schemas.microsoft.com/office/drawing/2010/main" val="0"/>
-              </a:ext>
-            </a:extLst>
-          </a:blip>
-          <a:srcRect/>
-          <a:stretch>
-            <a:fillRect/>
-          </a:stretch>
-        </p:blipFill>
-        <p:spPr bwMode="auto">
-          <a:xfrm>
-            <a:off x="7022140" y="5186592"/>
-            <a:ext cx="1139597" cy="1133631"/>
-          </a:xfrm>
-          <a:prstGeom prst="rect">
-            <a:avLst/>
-          </a:prstGeom>
-          <a:noFill/>
-          <a:extLst>
-            <a:ext uri="{909E8E84-426E-40DD-AFC4-6F175D3DCCD1}">
-              <a14:hiddenFill xmlns:a14="http://schemas.microsoft.com/office/drawing/2010/main">
-                <a:solidFill>
-                  <a:srgbClr val="FFFFFF"/>
-                </a:solidFill>
-              </a14:hiddenFill>
-            </a:ext>
-          </a:extLst>
-        </p:spPr>
-      </p:pic>
-      <p:sp>
-        <p:nvSpPr>
-          <p:cNvPr id="54" name="テキスト ボックス 53"/>
-          <p:cNvSpPr txBox="1"/>
-          <p:nvPr/>
-        </p:nvSpPr>
-        <p:spPr>
-          <a:xfrm>
-            <a:off x="5724696" y="5328135"/>
-            <a:ext cx="1514650" cy="523220"/>
-          </a:xfrm>
-          <a:prstGeom prst="rect">
-            <a:avLst/>
-          </a:prstGeom>
-          <a:noFill/>
-        </p:spPr>
-        <p:txBody>
-          <a:bodyPr wrap="square" rtlCol="0">
-            <a:spAutoFit/>
-          </a:bodyPr>
-          <a:lstStyle/>
-          <a:p>
-            <a:r>
-              <a:rPr lang="ja-JP" altLang="en-US" sz="1400" dirty="0" smtClean="0"/>
-              <a:t>⑦まとめて</a:t>
-            </a:r>
-            <a:endParaRPr lang="en-US" altLang="ja-JP" sz="1400" dirty="0" smtClean="0"/>
-          </a:p>
-          <a:p>
-            <a:r>
-              <a:rPr kumimoji="1" lang="ja-JP" altLang="en-US" sz="1400" dirty="0" smtClean="0"/>
-              <a:t>メール送信</a:t>
-            </a:r>
-            <a:endParaRPr kumimoji="1" lang="ja-JP" altLang="en-US" sz="1400" dirty="0"/>
-          </a:p>
-        </p:txBody>
-      </p:sp>
-      <p:pic>
-        <p:nvPicPr>
-          <p:cNvPr id="34" name="Picture 3" descr="C:\Users\panasonic.PC-PEWBA142657\AppData\Local\Microsoft\Windows\Temporary Internet Files\Content.IE5\7KHZB72Y\Logo_Microsoft_Excel_2013[1].png"/>
-          <p:cNvPicPr>
-            <a:picLocks noChangeAspect="1" noChangeArrowheads="1"/>
-          </p:cNvPicPr>
-          <p:nvPr/>
-        </p:nvPicPr>
-        <p:blipFill>
-          <a:blip r:embed="rId5" cstate="print">
-            <a:extLst>
-              <a:ext uri="{28A0092B-C50C-407E-A947-70E740481C1C}">
-                <a14:useLocalDpi xmlns:a14="http://schemas.microsoft.com/office/drawing/2010/main" val="0"/>
-              </a:ext>
-            </a:extLst>
-          </a:blip>
-          <a:srcRect/>
-          <a:stretch>
-            <a:fillRect/>
-          </a:stretch>
-        </p:blipFill>
-        <p:spPr bwMode="auto">
-          <a:xfrm>
-            <a:off x="2254671" y="1590905"/>
-            <a:ext cx="301105" cy="301105"/>
-          </a:xfrm>
-          <a:prstGeom prst="rect">
-            <a:avLst/>
-          </a:prstGeom>
-          <a:noFill/>
-          <a:extLst>
-            <a:ext uri="{909E8E84-426E-40DD-AFC4-6F175D3DCCD1}">
-              <a14:hiddenFill xmlns:a14="http://schemas.microsoft.com/office/drawing/2010/main">
-                <a:solidFill>
-                  <a:srgbClr val="FFFFFF"/>
-                </a:solidFill>
-              </a14:hiddenFill>
-            </a:ext>
-          </a:extLst>
-        </p:spPr>
-      </p:pic>
-      <p:pic>
-        <p:nvPicPr>
-          <p:cNvPr id="35" name="Picture 3" descr="C:\Users\panasonic.PC-PEWBA142657\AppData\Local\Microsoft\Windows\Temporary Internet Files\Content.IE5\7KHZB72Y\Logo_Microsoft_Excel_2013[1].png"/>
-          <p:cNvPicPr>
-            <a:picLocks noChangeAspect="1" noChangeArrowheads="1"/>
-          </p:cNvPicPr>
-          <p:nvPr/>
-        </p:nvPicPr>
-        <p:blipFill>
-          <a:blip r:embed="rId5" cstate="print">
-            <a:extLst>
-              <a:ext uri="{28A0092B-C50C-407E-A947-70E740481C1C}">
-                <a14:useLocalDpi xmlns:a14="http://schemas.microsoft.com/office/drawing/2010/main" val="0"/>
-              </a:ext>
-            </a:extLst>
-          </a:blip>
-          <a:srcRect/>
-          <a:stretch>
-            <a:fillRect/>
-          </a:stretch>
-        </p:blipFill>
-        <p:spPr bwMode="auto">
-          <a:xfrm>
-            <a:off x="5663432" y="1590905"/>
-            <a:ext cx="301105" cy="301105"/>
-          </a:xfrm>
-          <a:prstGeom prst="rect">
-            <a:avLst/>
-          </a:prstGeom>
-          <a:noFill/>
-          <a:extLst>
-            <a:ext uri="{909E8E84-426E-40DD-AFC4-6F175D3DCCD1}">
-              <a14:hiddenFill xmlns:a14="http://schemas.microsoft.com/office/drawing/2010/main">
-                <a:solidFill>
-                  <a:srgbClr val="FFFFFF"/>
-                </a:solidFill>
-              </a14:hiddenFill>
-            </a:ext>
-          </a:extLst>
-        </p:spPr>
-      </p:pic>
-      <p:pic>
-        <p:nvPicPr>
-          <p:cNvPr id="36" name="Picture 3" descr="C:\Users\panasonic.PC-PEWBA142657\AppData\Local\Microsoft\Windows\Temporary Internet Files\Content.IE5\7KHZB72Y\Logo_Microsoft_Excel_2013[1].png"/>
-          <p:cNvPicPr>
-            <a:picLocks noChangeAspect="1" noChangeArrowheads="1"/>
-          </p:cNvPicPr>
-          <p:nvPr/>
-        </p:nvPicPr>
-        <p:blipFill>
-          <a:blip r:embed="rId5" cstate="print">
-            <a:extLst>
-              <a:ext uri="{28A0092B-C50C-407E-A947-70E740481C1C}">
-                <a14:useLocalDpi xmlns:a14="http://schemas.microsoft.com/office/drawing/2010/main" val="0"/>
-              </a:ext>
-            </a:extLst>
-          </a:blip>
-          <a:srcRect/>
-          <a:stretch>
-            <a:fillRect/>
-          </a:stretch>
-        </p:blipFill>
-        <p:spPr bwMode="auto">
-          <a:xfrm>
-            <a:off x="5964324" y="3458161"/>
-            <a:ext cx="301105" cy="301105"/>
-          </a:xfrm>
-          <a:prstGeom prst="rect">
-            <a:avLst/>
-          </a:prstGeom>
-          <a:noFill/>
-          <a:extLst>
-            <a:ext uri="{909E8E84-426E-40DD-AFC4-6F175D3DCCD1}">
-              <a14:hiddenFill xmlns:a14="http://schemas.microsoft.com/office/drawing/2010/main">
-                <a:solidFill>
-                  <a:srgbClr val="FFFFFF"/>
-                </a:solidFill>
-              </a14:hiddenFill>
-            </a:ext>
-          </a:extLst>
-        </p:spPr>
-      </p:pic>
-      <p:pic>
-        <p:nvPicPr>
-          <p:cNvPr id="37" name="Picture 3" descr="C:\Users\panasonic.PC-PEWBA142657\AppData\Local\Microsoft\Windows\Temporary Internet Files\Content.IE5\7KHZB72Y\Logo_Microsoft_Excel_2013[1].png"/>
-          <p:cNvPicPr>
-            <a:picLocks noChangeAspect="1" noChangeArrowheads="1"/>
-          </p:cNvPicPr>
-          <p:nvPr/>
-        </p:nvPicPr>
-        <p:blipFill>
-          <a:blip r:embed="rId5" cstate="print">
-            <a:extLst>
-              <a:ext uri="{28A0092B-C50C-407E-A947-70E740481C1C}">
-                <a14:useLocalDpi xmlns:a14="http://schemas.microsoft.com/office/drawing/2010/main" val="0"/>
-              </a:ext>
-            </a:extLst>
-          </a:blip>
-          <a:srcRect/>
-          <a:stretch>
-            <a:fillRect/>
-          </a:stretch>
-        </p:blipFill>
-        <p:spPr bwMode="auto">
-          <a:xfrm>
-            <a:off x="6116724" y="5068759"/>
-            <a:ext cx="301105" cy="301105"/>
-          </a:xfrm>
-          <a:prstGeom prst="rect">
-            <a:avLst/>
-          </a:prstGeom>
-          <a:noFill/>
-          <a:extLst>
-            <a:ext uri="{909E8E84-426E-40DD-AFC4-6F175D3DCCD1}">
-              <a14:hiddenFill xmlns:a14="http://schemas.microsoft.com/office/drawing/2010/main">
-                <a:solidFill>
-                  <a:srgbClr val="FFFFFF"/>
-                </a:solidFill>
-              </a14:hiddenFill>
-            </a:ext>
-          </a:extLst>
-        </p:spPr>
-      </p:pic>
-      <p:pic>
-        <p:nvPicPr>
-          <p:cNvPr id="2051" name="Picture 3" descr="C:\Users\panasonic.PC-PEWBA142657\AppData\Local\Microsoft\Windows\Temporary Internet Files\Content.IE5\0TBE10HT\gi01a201401282200[1].png"/>
-          <p:cNvPicPr>
-            <a:picLocks noChangeAspect="1" noChangeArrowheads="1"/>
-          </p:cNvPicPr>
-          <p:nvPr/>
-        </p:nvPicPr>
-        <p:blipFill>
-          <a:blip r:embed="rId6" cstate="print">
-            <a:extLst>
-              <a:ext uri="{28A0092B-C50C-407E-A947-70E740481C1C}">
-                <a14:useLocalDpi xmlns:a14="http://schemas.microsoft.com/office/drawing/2010/main" val="0"/>
-              </a:ext>
-            </a:extLst>
-          </a:blip>
-          <a:srcRect/>
-          <a:stretch>
-            <a:fillRect/>
-          </a:stretch>
-        </p:blipFill>
-        <p:spPr bwMode="auto">
-          <a:xfrm>
-            <a:off x="1977230" y="4350966"/>
-            <a:ext cx="415017" cy="358384"/>
-          </a:xfrm>
-          <a:prstGeom prst="rect">
-            <a:avLst/>
-          </a:prstGeom>
-          <a:noFill/>
-          <a:extLst>
-            <a:ext uri="{909E8E84-426E-40DD-AFC4-6F175D3DCCD1}">
-              <a14:hiddenFill xmlns:a14="http://schemas.microsoft.com/office/drawing/2010/main">
-                <a:solidFill>
-                  <a:srgbClr val="FFFFFF"/>
-                </a:solidFill>
-              </a14:hiddenFill>
-            </a:ext>
-          </a:extLst>
-        </p:spPr>
-      </p:pic>
-      <p:sp>
-        <p:nvSpPr>
-          <p:cNvPr id="5" name="スライド番号プレースホルダー 4"/>
-          <p:cNvSpPr>
-            <a:spLocks noGrp="1"/>
-          </p:cNvSpPr>
-          <p:nvPr>
-            <p:ph type="sldNum" sz="quarter" idx="12"/>
-          </p:nvPr>
-        </p:nvSpPr>
-        <p:spPr/>
-        <p:txBody>
-          <a:bodyPr/>
-          <a:lstStyle/>
-          <a:p>
-            <a:fld id="{1B2C9F7E-80B6-4C3C-8A6C-643968CAB744}" type="slidenum">
-              <a:rPr kumimoji="1" lang="ja-JP" altLang="en-US" smtClean="0"/>
-              <a:pPr/>
-              <a:t>4</a:t>
-            </a:fld>
-            <a:endParaRPr kumimoji="1" lang="ja-JP" altLang="en-US"/>
-          </a:p>
-        </p:txBody>
-      </p:sp>
-      <p:grpSp>
-        <p:nvGrpSpPr>
-          <p:cNvPr id="6" name="グループ化 5"/>
-          <p:cNvGrpSpPr/>
-          <p:nvPr/>
-        </p:nvGrpSpPr>
-        <p:grpSpPr>
-          <a:xfrm>
-            <a:off x="35496" y="1595726"/>
-            <a:ext cx="1900461" cy="1900461"/>
-            <a:chOff x="35496" y="1595726"/>
-            <a:chExt cx="1900461" cy="1900461"/>
-          </a:xfrm>
-        </p:grpSpPr>
-        <p:pic>
-          <p:nvPicPr>
-            <p:cNvPr id="1026" name="Picture 2" descr="C:\Users\panasonic.PC-PEWBA142657\Desktop\download.png"/>
-            <p:cNvPicPr>
-              <a:picLocks noChangeAspect="1" noChangeArrowheads="1"/>
-            </p:cNvPicPr>
-            <p:nvPr/>
-          </p:nvPicPr>
-          <p:blipFill>
-            <a:blip r:embed="rId7" cstate="print">
-              <a:extLst>
-                <a:ext uri="{28A0092B-C50C-407E-A947-70E740481C1C}">
-                  <a14:useLocalDpi xmlns:a14="http://schemas.microsoft.com/office/drawing/2010/main" val="0"/>
-                </a:ext>
-              </a:extLst>
-            </a:blip>
-            <a:srcRect/>
-            <a:stretch>
-              <a:fillRect/>
-            </a:stretch>
-          </p:blipFill>
-          <p:spPr bwMode="auto">
-            <a:xfrm>
-              <a:off x="35496" y="1595726"/>
-              <a:ext cx="1595661" cy="1595661"/>
-            </a:xfrm>
-            <a:prstGeom prst="rect">
-              <a:avLst/>
-            </a:prstGeom>
-            <a:noFill/>
-            <a:extLst>
-              <a:ext uri="{909E8E84-426E-40DD-AFC4-6F175D3DCCD1}">
-                <a14:hiddenFill xmlns:a14="http://schemas.microsoft.com/office/drawing/2010/main">
-                  <a:solidFill>
-                    <a:srgbClr val="FFFFFF"/>
-                  </a:solidFill>
-                </a14:hiddenFill>
-              </a:ext>
-            </a:extLst>
-          </p:spPr>
-        </p:pic>
-        <p:pic>
-          <p:nvPicPr>
-            <p:cNvPr id="39" name="Picture 2" descr="C:\Users\panasonic.PC-PEWBA142657\Desktop\download.png"/>
-            <p:cNvPicPr>
-              <a:picLocks noChangeAspect="1" noChangeArrowheads="1"/>
-            </p:cNvPicPr>
-            <p:nvPr/>
-          </p:nvPicPr>
-          <p:blipFill>
-            <a:blip r:embed="rId7" cstate="print">
-              <a:extLst>
-                <a:ext uri="{28A0092B-C50C-407E-A947-70E740481C1C}">
-                  <a14:useLocalDpi xmlns:a14="http://schemas.microsoft.com/office/drawing/2010/main" val="0"/>
-                </a:ext>
-              </a:extLst>
-            </a:blip>
-            <a:srcRect/>
-            <a:stretch>
-              <a:fillRect/>
-            </a:stretch>
-          </p:blipFill>
-          <p:spPr bwMode="auto">
-            <a:xfrm>
-              <a:off x="187896" y="1748126"/>
-              <a:ext cx="1595661" cy="1595661"/>
-            </a:xfrm>
-            <a:prstGeom prst="rect">
-              <a:avLst/>
-            </a:prstGeom>
-            <a:noFill/>
-            <a:extLst>
-              <a:ext uri="{909E8E84-426E-40DD-AFC4-6F175D3DCCD1}">
-                <a14:hiddenFill xmlns:a14="http://schemas.microsoft.com/office/drawing/2010/main">
-                  <a:solidFill>
-                    <a:srgbClr val="FFFFFF"/>
-                  </a:solidFill>
-                </a14:hiddenFill>
-              </a:ext>
-            </a:extLst>
-          </p:spPr>
-        </p:pic>
-        <p:pic>
-          <p:nvPicPr>
-            <p:cNvPr id="40" name="Picture 2" descr="C:\Users\panasonic.PC-PEWBA142657\Desktop\download.png"/>
-            <p:cNvPicPr>
-              <a:picLocks noChangeAspect="1" noChangeArrowheads="1"/>
-            </p:cNvPicPr>
-            <p:nvPr/>
-          </p:nvPicPr>
-          <p:blipFill>
-            <a:blip r:embed="rId7" cstate="print">
-              <a:extLst>
-                <a:ext uri="{28A0092B-C50C-407E-A947-70E740481C1C}">
-                  <a14:useLocalDpi xmlns:a14="http://schemas.microsoft.com/office/drawing/2010/main" val="0"/>
-                </a:ext>
-              </a:extLst>
-            </a:blip>
-            <a:srcRect/>
-            <a:stretch>
-              <a:fillRect/>
-            </a:stretch>
-          </p:blipFill>
-          <p:spPr bwMode="auto">
-            <a:xfrm>
-              <a:off x="340296" y="1900526"/>
-              <a:ext cx="1595661" cy="1595661"/>
-            </a:xfrm>
-            <a:prstGeom prst="rect">
-              <a:avLst/>
-            </a:prstGeom>
-            <a:noFill/>
-            <a:extLst>
-              <a:ext uri="{909E8E84-426E-40DD-AFC4-6F175D3DCCD1}">
-                <a14:hiddenFill xmlns:a14="http://schemas.microsoft.com/office/drawing/2010/main">
-                  <a:solidFill>
-                    <a:srgbClr val="FFFFFF"/>
-                  </a:solidFill>
-                </a14:hiddenFill>
-              </a:ext>
-            </a:extLst>
-          </p:spPr>
-        </p:pic>
-      </p:grpSp>
-      <p:grpSp>
-        <p:nvGrpSpPr>
-          <p:cNvPr id="7" name="グループ化 6"/>
-          <p:cNvGrpSpPr/>
-          <p:nvPr/>
-        </p:nvGrpSpPr>
-        <p:grpSpPr>
-          <a:xfrm>
-            <a:off x="3275856" y="1671926"/>
-            <a:ext cx="1748061" cy="1748061"/>
-            <a:chOff x="3275856" y="1595726"/>
-            <a:chExt cx="1748061" cy="1748061"/>
-          </a:xfrm>
-        </p:grpSpPr>
-        <p:pic>
-          <p:nvPicPr>
-            <p:cNvPr id="1028" name="Picture 4" descr="C:\Users\panasonic.PC-PEWBA142657\Desktop\download.png"/>
-            <p:cNvPicPr>
-              <a:picLocks noChangeAspect="1" noChangeArrowheads="1"/>
-            </p:cNvPicPr>
-            <p:nvPr/>
-          </p:nvPicPr>
-          <p:blipFill>
-            <a:blip r:embed="rId8" cstate="print">
-              <a:extLst>
-                <a:ext uri="{28A0092B-C50C-407E-A947-70E740481C1C}">
-                  <a14:useLocalDpi xmlns:a14="http://schemas.microsoft.com/office/drawing/2010/main" val="0"/>
-                </a:ext>
-              </a:extLst>
-            </a:blip>
-            <a:srcRect/>
-            <a:stretch>
-              <a:fillRect/>
-            </a:stretch>
-          </p:blipFill>
-          <p:spPr bwMode="auto">
-            <a:xfrm>
-              <a:off x="3275856" y="1595726"/>
-              <a:ext cx="1595661" cy="1595661"/>
-            </a:xfrm>
-            <a:prstGeom prst="rect">
-              <a:avLst/>
-            </a:prstGeom>
-            <a:noFill/>
-            <a:extLst>
-              <a:ext uri="{909E8E84-426E-40DD-AFC4-6F175D3DCCD1}">
-                <a14:hiddenFill xmlns:a14="http://schemas.microsoft.com/office/drawing/2010/main">
-                  <a:solidFill>
-                    <a:srgbClr val="FFFFFF"/>
-                  </a:solidFill>
-                </a14:hiddenFill>
-              </a:ext>
-            </a:extLst>
-          </p:spPr>
-        </p:pic>
-        <p:pic>
-          <p:nvPicPr>
-            <p:cNvPr id="42" name="Picture 4" descr="C:\Users\panasonic.PC-PEWBA142657\Desktop\download.png"/>
-            <p:cNvPicPr>
-              <a:picLocks noChangeAspect="1" noChangeArrowheads="1"/>
-            </p:cNvPicPr>
-            <p:nvPr/>
-          </p:nvPicPr>
-          <p:blipFill>
-            <a:blip r:embed="rId8" cstate="print">
-              <a:extLst>
-                <a:ext uri="{28A0092B-C50C-407E-A947-70E740481C1C}">
-                  <a14:useLocalDpi xmlns:a14="http://schemas.microsoft.com/office/drawing/2010/main" val="0"/>
-                </a:ext>
-              </a:extLst>
-            </a:blip>
-            <a:srcRect/>
-            <a:stretch>
-              <a:fillRect/>
-            </a:stretch>
-          </p:blipFill>
-          <p:spPr bwMode="auto">
-            <a:xfrm>
-              <a:off x="3428256" y="1748126"/>
-              <a:ext cx="1595661" cy="1595661"/>
-            </a:xfrm>
-            <a:prstGeom prst="rect">
-              <a:avLst/>
-            </a:prstGeom>
-            <a:noFill/>
-            <a:extLst>
-              <a:ext uri="{909E8E84-426E-40DD-AFC4-6F175D3DCCD1}">
-                <a14:hiddenFill xmlns:a14="http://schemas.microsoft.com/office/drawing/2010/main">
-                  <a:solidFill>
-                    <a:srgbClr val="FFFFFF"/>
-                  </a:solidFill>
-                </a14:hiddenFill>
-              </a:ext>
-            </a:extLst>
-          </p:spPr>
-        </p:pic>
-      </p:grpSp>
-    </p:spTree>
-    <p:extLst>
-      <p:ext uri="{BB962C8B-B14F-4D97-AF65-F5344CB8AC3E}">
-        <p14:creationId xmlns:p14="http://schemas.microsoft.com/office/powerpoint/2010/main" val="96403512"/>
-      </p:ext>
-    </p:extLst>
-  </p:cSld>
-  <p:clrMapOvr>
-    <a:masterClrMapping/>
-  </p:clrMapOvr>
-  <mc:AlternateContent xmlns:mc="http://schemas.openxmlformats.org/markup-compatibility/2006" xmlns:p14="http://schemas.microsoft.com/office/powerpoint/2010/main">
-    <mc:Choice Requires="p14">
-      <p:transition spd="slow" p14:dur="2000"/>
-    </mc:Choice>
-    <mc:Fallback xmlns="">
-      <p:transition spd="slow"/>
-    </mc:Fallback>
-  </mc:AlternateContent>
-  <p:timing>
-    <p:tnLst>
-      <p:par>
-        <p:cTn id="1" dur="indefinite" restart="never" nodeType="tmRoot"/>
-      </p:par>
-    </p:tnLst>
-  </p:timing>
-</p:sld>
-</file>
-
-<file path=ppt/slides/slide5.xml><?xml version="1.0" encoding="utf-8"?>
 <p:sld xmlns:a="http://schemas.openxmlformats.org/drawingml/2006/main" xmlns:r="http://schemas.openxmlformats.org/officeDocument/2006/relationships" xmlns:p="http://schemas.openxmlformats.org/presentationml/2006/main">
   <p:cSld>
     <p:spTree>
@@ -41969,7 +40357,7 @@
             <a:fld id="{1B2C9F7E-80B6-4C3C-8A6C-643968CAB744}" type="slidenum">
               <a:rPr kumimoji="1" lang="ja-JP" altLang="en-US" smtClean="0"/>
               <a:pPr/>
-              <a:t>5</a:t>
+              <a:t>4</a:t>
             </a:fld>
             <a:endParaRPr kumimoji="1" lang="ja-JP" altLang="en-US"/>
           </a:p>
@@ -41978,7 +40366,7 @@
     </p:spTree>
     <p:extLst>
       <p:ext uri="{BB962C8B-B14F-4D97-AF65-F5344CB8AC3E}">
-        <p14:creationId xmlns:p14="http://schemas.microsoft.com/office/powerpoint/2010/main" val="3618065312"/>
+        <p14:creationId xmlns:p14="http://schemas.microsoft.com/office/powerpoint/2010/main" xmlns="" val="3618065312"/>
       </p:ext>
     </p:extLst>
   </p:cSld>
@@ -41995,7 +40383,7 @@
 </p:sld>
 </file>
 
-<file path=ppt/slides/slide6.xml><?xml version="1.0" encoding="utf-8"?>
+<file path=ppt/slides/slide5.xml><?xml version="1.0" encoding="utf-8"?>
 <p:sld xmlns:a="http://schemas.openxmlformats.org/drawingml/2006/main" xmlns:r="http://schemas.openxmlformats.org/officeDocument/2006/relationships" xmlns:p="http://schemas.openxmlformats.org/presentationml/2006/main">
   <p:cSld>
     <p:spTree>
@@ -42051,7 +40439,7 @@
           <a:blip r:embed="rId2" cstate="print">
             <a:extLst>
               <a:ext uri="{28A0092B-C50C-407E-A947-70E740481C1C}">
-                <a14:useLocalDpi xmlns:a14="http://schemas.microsoft.com/office/drawing/2010/main" val="0"/>
+                <a14:useLocalDpi xmlns:a14="http://schemas.microsoft.com/office/drawing/2010/main" xmlns="" val="0"/>
               </a:ext>
             </a:extLst>
           </a:blip>
@@ -42071,7 +40459,7 @@
           <a:noFill/>
           <a:extLst>
             <a:ext uri="{909E8E84-426E-40DD-AFC4-6F175D3DCCD1}">
-              <a14:hiddenFill xmlns:a14="http://schemas.microsoft.com/office/drawing/2010/main">
+              <a14:hiddenFill xmlns:a14="http://schemas.microsoft.com/office/drawing/2010/main" xmlns="">
                 <a:solidFill>
                   <a:srgbClr val="FFFFFF"/>
                 </a:solidFill>
@@ -42580,7 +40968,7 @@
           <a:blip r:embed="rId3" cstate="print">
             <a:extLst>
               <a:ext uri="{28A0092B-C50C-407E-A947-70E740481C1C}">
-                <a14:useLocalDpi xmlns:a14="http://schemas.microsoft.com/office/drawing/2010/main" val="0"/>
+                <a14:useLocalDpi xmlns:a14="http://schemas.microsoft.com/office/drawing/2010/main" xmlns="" val="0"/>
               </a:ext>
             </a:extLst>
           </a:blip>
@@ -42600,7 +40988,7 @@
           <a:noFill/>
           <a:extLst>
             <a:ext uri="{909E8E84-426E-40DD-AFC4-6F175D3DCCD1}">
-              <a14:hiddenFill xmlns:a14="http://schemas.microsoft.com/office/drawing/2010/main">
+              <a14:hiddenFill xmlns:a14="http://schemas.microsoft.com/office/drawing/2010/main" xmlns="">
                 <a:solidFill>
                   <a:srgbClr val="FFFFFF"/>
                 </a:solidFill>
@@ -42665,7 +41053,7 @@
           <a:blip r:embed="rId4" cstate="print">
             <a:extLst>
               <a:ext uri="{28A0092B-C50C-407E-A947-70E740481C1C}">
-                <a14:useLocalDpi xmlns:a14="http://schemas.microsoft.com/office/drawing/2010/main" val="0"/>
+                <a14:useLocalDpi xmlns:a14="http://schemas.microsoft.com/office/drawing/2010/main" xmlns="" val="0"/>
               </a:ext>
             </a:extLst>
           </a:blip>
@@ -42685,7 +41073,7 @@
           <a:noFill/>
           <a:extLst>
             <a:ext uri="{909E8E84-426E-40DD-AFC4-6F175D3DCCD1}">
-              <a14:hiddenFill xmlns:a14="http://schemas.microsoft.com/office/drawing/2010/main">
+              <a14:hiddenFill xmlns:a14="http://schemas.microsoft.com/office/drawing/2010/main" xmlns="">
                 <a:solidFill>
                   <a:srgbClr val="FFFFFF"/>
                 </a:solidFill>
@@ -42706,7 +41094,7 @@
           <a:blip r:embed="rId4" cstate="print">
             <a:extLst>
               <a:ext uri="{28A0092B-C50C-407E-A947-70E740481C1C}">
-                <a14:useLocalDpi xmlns:a14="http://schemas.microsoft.com/office/drawing/2010/main" val="0"/>
+                <a14:useLocalDpi xmlns:a14="http://schemas.microsoft.com/office/drawing/2010/main" xmlns="" val="0"/>
               </a:ext>
             </a:extLst>
           </a:blip>
@@ -42726,7 +41114,7 @@
           <a:noFill/>
           <a:extLst>
             <a:ext uri="{909E8E84-426E-40DD-AFC4-6F175D3DCCD1}">
-              <a14:hiddenFill xmlns:a14="http://schemas.microsoft.com/office/drawing/2010/main">
+              <a14:hiddenFill xmlns:a14="http://schemas.microsoft.com/office/drawing/2010/main" xmlns="">
                 <a:solidFill>
                   <a:srgbClr val="FFFFFF"/>
                 </a:solidFill>
@@ -42758,7 +41146,7 @@
             <a:fld id="{1B2C9F7E-80B6-4C3C-8A6C-643968CAB744}" type="slidenum">
               <a:rPr kumimoji="1" lang="ja-JP" altLang="en-US" smtClean="0"/>
               <a:pPr/>
-              <a:t>6</a:t>
+              <a:t>5</a:t>
             </a:fld>
             <a:endParaRPr kumimoji="1" lang="ja-JP" altLang="en-US"/>
           </a:p>
@@ -42790,7 +41178,7 @@
             <a:blip r:embed="rId5" cstate="print">
               <a:extLst>
                 <a:ext uri="{28A0092B-C50C-407E-A947-70E740481C1C}">
-                  <a14:useLocalDpi xmlns:a14="http://schemas.microsoft.com/office/drawing/2010/main" val="0"/>
+                  <a14:useLocalDpi xmlns:a14="http://schemas.microsoft.com/office/drawing/2010/main" xmlns="" val="0"/>
                 </a:ext>
               </a:extLst>
             </a:blip>
@@ -42810,7 +41198,7 @@
             <a:noFill/>
             <a:extLst>
               <a:ext uri="{909E8E84-426E-40DD-AFC4-6F175D3DCCD1}">
-                <a14:hiddenFill xmlns:a14="http://schemas.microsoft.com/office/drawing/2010/main">
+                <a14:hiddenFill xmlns:a14="http://schemas.microsoft.com/office/drawing/2010/main" xmlns="">
                   <a:solidFill>
                     <a:srgbClr val="FFFFFF"/>
                   </a:solidFill>
@@ -42831,7 +41219,7 @@
             <a:blip r:embed="rId5" cstate="print">
               <a:extLst>
                 <a:ext uri="{28A0092B-C50C-407E-A947-70E740481C1C}">
-                  <a14:useLocalDpi xmlns:a14="http://schemas.microsoft.com/office/drawing/2010/main" val="0"/>
+                  <a14:useLocalDpi xmlns:a14="http://schemas.microsoft.com/office/drawing/2010/main" xmlns="" val="0"/>
                 </a:ext>
               </a:extLst>
             </a:blip>
@@ -42851,7 +41239,7 @@
             <a:noFill/>
             <a:extLst>
               <a:ext uri="{909E8E84-426E-40DD-AFC4-6F175D3DCCD1}">
-                <a14:hiddenFill xmlns:a14="http://schemas.microsoft.com/office/drawing/2010/main">
+                <a14:hiddenFill xmlns:a14="http://schemas.microsoft.com/office/drawing/2010/main" xmlns="">
                   <a:solidFill>
                     <a:srgbClr val="FFFFFF"/>
                   </a:solidFill>
@@ -42872,7 +41260,7 @@
             <a:blip r:embed="rId5" cstate="print">
               <a:extLst>
                 <a:ext uri="{28A0092B-C50C-407E-A947-70E740481C1C}">
-                  <a14:useLocalDpi xmlns:a14="http://schemas.microsoft.com/office/drawing/2010/main" val="0"/>
+                  <a14:useLocalDpi xmlns:a14="http://schemas.microsoft.com/office/drawing/2010/main" xmlns="" val="0"/>
                 </a:ext>
               </a:extLst>
             </a:blip>
@@ -42892,7 +41280,7 @@
             <a:noFill/>
             <a:extLst>
               <a:ext uri="{909E8E84-426E-40DD-AFC4-6F175D3DCCD1}">
-                <a14:hiddenFill xmlns:a14="http://schemas.microsoft.com/office/drawing/2010/main">
+                <a14:hiddenFill xmlns:a14="http://schemas.microsoft.com/office/drawing/2010/main" xmlns="">
                   <a:solidFill>
                     <a:srgbClr val="FFFFFF"/>
                   </a:solidFill>
@@ -42928,7 +41316,7 @@
             <a:blip r:embed="rId6" cstate="print">
               <a:extLst>
                 <a:ext uri="{28A0092B-C50C-407E-A947-70E740481C1C}">
-                  <a14:useLocalDpi xmlns:a14="http://schemas.microsoft.com/office/drawing/2010/main" val="0"/>
+                  <a14:useLocalDpi xmlns:a14="http://schemas.microsoft.com/office/drawing/2010/main" xmlns="" val="0"/>
                 </a:ext>
               </a:extLst>
             </a:blip>
@@ -42948,7 +41336,7 @@
             <a:noFill/>
             <a:extLst>
               <a:ext uri="{909E8E84-426E-40DD-AFC4-6F175D3DCCD1}">
-                <a14:hiddenFill xmlns:a14="http://schemas.microsoft.com/office/drawing/2010/main">
+                <a14:hiddenFill xmlns:a14="http://schemas.microsoft.com/office/drawing/2010/main" xmlns="">
                   <a:solidFill>
                     <a:srgbClr val="FFFFFF"/>
                   </a:solidFill>
@@ -42969,7 +41357,7 @@
             <a:blip r:embed="rId6" cstate="print">
               <a:extLst>
                 <a:ext uri="{28A0092B-C50C-407E-A947-70E740481C1C}">
-                  <a14:useLocalDpi xmlns:a14="http://schemas.microsoft.com/office/drawing/2010/main" val="0"/>
+                  <a14:useLocalDpi xmlns:a14="http://schemas.microsoft.com/office/drawing/2010/main" xmlns="" val="0"/>
                 </a:ext>
               </a:extLst>
             </a:blip>
@@ -42989,7 +41377,7 @@
             <a:noFill/>
             <a:extLst>
               <a:ext uri="{909E8E84-426E-40DD-AFC4-6F175D3DCCD1}">
-                <a14:hiddenFill xmlns:a14="http://schemas.microsoft.com/office/drawing/2010/main">
+                <a14:hiddenFill xmlns:a14="http://schemas.microsoft.com/office/drawing/2010/main" xmlns="">
                   <a:solidFill>
                     <a:srgbClr val="FFFFFF"/>
                   </a:solidFill>
@@ -43046,7 +41434,7 @@
             <a:grayscl/>
             <a:extLst>
               <a:ext uri="{28A0092B-C50C-407E-A947-70E740481C1C}">
-                <a14:useLocalDpi xmlns:a14="http://schemas.microsoft.com/office/drawing/2010/main" val="0"/>
+                <a14:useLocalDpi xmlns:a14="http://schemas.microsoft.com/office/drawing/2010/main" xmlns="" val="0"/>
               </a:ext>
             </a:extLst>
           </a:blip>
@@ -43066,7 +41454,7 @@
           <a:noFill/>
           <a:extLst>
             <a:ext uri="{909E8E84-426E-40DD-AFC4-6F175D3DCCD1}">
-              <a14:hiddenFill xmlns:a14="http://schemas.microsoft.com/office/drawing/2010/main">
+              <a14:hiddenFill xmlns:a14="http://schemas.microsoft.com/office/drawing/2010/main" xmlns="">
                 <a:solidFill>
                   <a:srgbClr val="FFFFFF"/>
                 </a:solidFill>
@@ -43425,7 +41813,7 @@
           <a:blip r:embed="rId3" cstate="print">
             <a:extLst>
               <a:ext uri="{28A0092B-C50C-407E-A947-70E740481C1C}">
-                <a14:useLocalDpi xmlns:a14="http://schemas.microsoft.com/office/drawing/2010/main" val="0"/>
+                <a14:useLocalDpi xmlns:a14="http://schemas.microsoft.com/office/drawing/2010/main" xmlns="" val="0"/>
               </a:ext>
             </a:extLst>
           </a:blip>
@@ -43445,7 +41833,7 @@
           <a:noFill/>
           <a:extLst>
             <a:ext uri="{909E8E84-426E-40DD-AFC4-6F175D3DCCD1}">
-              <a14:hiddenFill xmlns:a14="http://schemas.microsoft.com/office/drawing/2010/main">
+              <a14:hiddenFill xmlns:a14="http://schemas.microsoft.com/office/drawing/2010/main" xmlns="">
                 <a:solidFill>
                   <a:srgbClr val="FFFFFF"/>
                 </a:solidFill>
@@ -43529,7 +41917,7 @@
           <a:blip r:embed="rId4" cstate="print">
             <a:extLst>
               <a:ext uri="{28A0092B-C50C-407E-A947-70E740481C1C}">
-                <a14:useLocalDpi xmlns:a14="http://schemas.microsoft.com/office/drawing/2010/main" val="0"/>
+                <a14:useLocalDpi xmlns:a14="http://schemas.microsoft.com/office/drawing/2010/main" xmlns="" val="0"/>
               </a:ext>
             </a:extLst>
           </a:blip>
@@ -43549,7 +41937,7 @@
           <a:noFill/>
           <a:extLst>
             <a:ext uri="{909E8E84-426E-40DD-AFC4-6F175D3DCCD1}">
-              <a14:hiddenFill xmlns:a14="http://schemas.microsoft.com/office/drawing/2010/main">
+              <a14:hiddenFill xmlns:a14="http://schemas.microsoft.com/office/drawing/2010/main" xmlns="">
                 <a:solidFill>
                   <a:srgbClr val="FFFFFF"/>
                 </a:solidFill>
@@ -43570,7 +41958,7 @@
           <a:blip r:embed="rId4" cstate="print">
             <a:extLst>
               <a:ext uri="{28A0092B-C50C-407E-A947-70E740481C1C}">
-                <a14:useLocalDpi xmlns:a14="http://schemas.microsoft.com/office/drawing/2010/main" val="0"/>
+                <a14:useLocalDpi xmlns:a14="http://schemas.microsoft.com/office/drawing/2010/main" xmlns="" val="0"/>
               </a:ext>
             </a:extLst>
           </a:blip>
@@ -43590,7 +41978,7 @@
           <a:noFill/>
           <a:extLst>
             <a:ext uri="{909E8E84-426E-40DD-AFC4-6F175D3DCCD1}">
-              <a14:hiddenFill xmlns:a14="http://schemas.microsoft.com/office/drawing/2010/main">
+              <a14:hiddenFill xmlns:a14="http://schemas.microsoft.com/office/drawing/2010/main" xmlns="">
                 <a:solidFill>
                   <a:srgbClr val="FFFFFF"/>
                 </a:solidFill>
@@ -43681,7 +42069,7 @@
           <a:blip r:embed="rId4" cstate="print">
             <a:extLst>
               <a:ext uri="{28A0092B-C50C-407E-A947-70E740481C1C}">
-                <a14:useLocalDpi xmlns:a14="http://schemas.microsoft.com/office/drawing/2010/main" val="0"/>
+                <a14:useLocalDpi xmlns:a14="http://schemas.microsoft.com/office/drawing/2010/main" xmlns="" val="0"/>
               </a:ext>
             </a:extLst>
           </a:blip>
@@ -43701,7 +42089,7 @@
           <a:noFill/>
           <a:extLst>
             <a:ext uri="{909E8E84-426E-40DD-AFC4-6F175D3DCCD1}">
-              <a14:hiddenFill xmlns:a14="http://schemas.microsoft.com/office/drawing/2010/main">
+              <a14:hiddenFill xmlns:a14="http://schemas.microsoft.com/office/drawing/2010/main" xmlns="">
                 <a:solidFill>
                   <a:srgbClr val="FFFFFF"/>
                 </a:solidFill>
@@ -43722,7 +42110,7 @@
           <a:blip r:embed="rId7" cstate="print">
             <a:extLst>
               <a:ext uri="{BEBA8EAE-BF5A-486C-A8C5-ECC9F3942E4B}">
-                <a14:imgProps xmlns:a14="http://schemas.microsoft.com/office/drawing/2010/main">
+                <a14:imgProps xmlns:a14="http://schemas.microsoft.com/office/drawing/2010/main" xmlns="">
                   <a14:imgLayer r:embed="rId8">
                     <a14:imgEffect>
                       <a14:brightnessContrast contrast="-40000"/>
@@ -43731,7 +42119,7 @@
                 </a14:imgProps>
               </a:ext>
               <a:ext uri="{28A0092B-C50C-407E-A947-70E740481C1C}">
-                <a14:useLocalDpi xmlns:a14="http://schemas.microsoft.com/office/drawing/2010/main" val="0"/>
+                <a14:useLocalDpi xmlns:a14="http://schemas.microsoft.com/office/drawing/2010/main" xmlns="" val="0"/>
               </a:ext>
             </a:extLst>
           </a:blip>
@@ -43751,7 +42139,7 @@
           <a:noFill/>
           <a:extLst>
             <a:ext uri="{909E8E84-426E-40DD-AFC4-6F175D3DCCD1}">
-              <a14:hiddenFill xmlns:a14="http://schemas.microsoft.com/office/drawing/2010/main">
+              <a14:hiddenFill xmlns:a14="http://schemas.microsoft.com/office/drawing/2010/main" xmlns="">
                 <a:solidFill>
                   <a:srgbClr val="FFFFFF"/>
                 </a:solidFill>
@@ -43772,7 +42160,7 @@
           <a:blip r:embed="rId4" cstate="print">
             <a:extLst>
               <a:ext uri="{28A0092B-C50C-407E-A947-70E740481C1C}">
-                <a14:useLocalDpi xmlns:a14="http://schemas.microsoft.com/office/drawing/2010/main" val="0"/>
+                <a14:useLocalDpi xmlns:a14="http://schemas.microsoft.com/office/drawing/2010/main" xmlns="" val="0"/>
               </a:ext>
             </a:extLst>
           </a:blip>
@@ -43792,7 +42180,7 @@
           <a:noFill/>
           <a:extLst>
             <a:ext uri="{909E8E84-426E-40DD-AFC4-6F175D3DCCD1}">
-              <a14:hiddenFill xmlns:a14="http://schemas.microsoft.com/office/drawing/2010/main">
+              <a14:hiddenFill xmlns:a14="http://schemas.microsoft.com/office/drawing/2010/main" xmlns="">
                 <a:solidFill>
                   <a:srgbClr val="FFFFFF"/>
                 </a:solidFill>
@@ -43813,7 +42201,7 @@
           <a:blip r:embed="rId9" cstate="print">
             <a:extLst>
               <a:ext uri="{28A0092B-C50C-407E-A947-70E740481C1C}">
-                <a14:useLocalDpi xmlns:a14="http://schemas.microsoft.com/office/drawing/2010/main" val="0"/>
+                <a14:useLocalDpi xmlns:a14="http://schemas.microsoft.com/office/drawing/2010/main" xmlns="" val="0"/>
               </a:ext>
             </a:extLst>
           </a:blip>
@@ -43833,7 +42221,7 @@
           <a:noFill/>
           <a:extLst>
             <a:ext uri="{909E8E84-426E-40DD-AFC4-6F175D3DCCD1}">
-              <a14:hiddenFill xmlns:a14="http://schemas.microsoft.com/office/drawing/2010/main">
+              <a14:hiddenFill xmlns:a14="http://schemas.microsoft.com/office/drawing/2010/main" xmlns="">
                 <a:solidFill>
                   <a:srgbClr val="FFFFFF"/>
                 </a:solidFill>
@@ -43854,7 +42242,7 @@
           <a:blip r:embed="rId10" cstate="print">
             <a:extLst>
               <a:ext uri="{28A0092B-C50C-407E-A947-70E740481C1C}">
-                <a14:useLocalDpi xmlns:a14="http://schemas.microsoft.com/office/drawing/2010/main" val="0"/>
+                <a14:useLocalDpi xmlns:a14="http://schemas.microsoft.com/office/drawing/2010/main" xmlns="" val="0"/>
               </a:ext>
             </a:extLst>
           </a:blip>
@@ -43874,7 +42262,7 @@
           <a:noFill/>
           <a:extLst>
             <a:ext uri="{909E8E84-426E-40DD-AFC4-6F175D3DCCD1}">
-              <a14:hiddenFill xmlns:a14="http://schemas.microsoft.com/office/drawing/2010/main">
+              <a14:hiddenFill xmlns:a14="http://schemas.microsoft.com/office/drawing/2010/main" xmlns="">
                 <a:solidFill>
                   <a:srgbClr val="FFFFFF"/>
                 </a:solidFill>
@@ -43895,7 +42283,7 @@
           <a:blip r:embed="rId10" cstate="print">
             <a:extLst>
               <a:ext uri="{28A0092B-C50C-407E-A947-70E740481C1C}">
-                <a14:useLocalDpi xmlns:a14="http://schemas.microsoft.com/office/drawing/2010/main" val="0"/>
+                <a14:useLocalDpi xmlns:a14="http://schemas.microsoft.com/office/drawing/2010/main" xmlns="" val="0"/>
               </a:ext>
             </a:extLst>
           </a:blip>
@@ -43915,7 +42303,7 @@
           <a:noFill/>
           <a:extLst>
             <a:ext uri="{909E8E84-426E-40DD-AFC4-6F175D3DCCD1}">
-              <a14:hiddenFill xmlns:a14="http://schemas.microsoft.com/office/drawing/2010/main">
+              <a14:hiddenFill xmlns:a14="http://schemas.microsoft.com/office/drawing/2010/main" xmlns="">
                 <a:solidFill>
                   <a:srgbClr val="FFFFFF"/>
                 </a:solidFill>
@@ -43936,7 +42324,7 @@
           <a:blip r:embed="rId4" cstate="print">
             <a:extLst>
               <a:ext uri="{28A0092B-C50C-407E-A947-70E740481C1C}">
-                <a14:useLocalDpi xmlns:a14="http://schemas.microsoft.com/office/drawing/2010/main" val="0"/>
+                <a14:useLocalDpi xmlns:a14="http://schemas.microsoft.com/office/drawing/2010/main" xmlns="" val="0"/>
               </a:ext>
             </a:extLst>
           </a:blip>
@@ -43956,7 +42344,7 @@
           <a:noFill/>
           <a:extLst>
             <a:ext uri="{909E8E84-426E-40DD-AFC4-6F175D3DCCD1}">
-              <a14:hiddenFill xmlns:a14="http://schemas.microsoft.com/office/drawing/2010/main">
+              <a14:hiddenFill xmlns:a14="http://schemas.microsoft.com/office/drawing/2010/main" xmlns="">
                 <a:solidFill>
                   <a:srgbClr val="FFFFFF"/>
                 </a:solidFill>
@@ -44056,7 +42444,7 @@
             </a:duotone>
             <a:extLst>
               <a:ext uri="{BEBA8EAE-BF5A-486C-A8C5-ECC9F3942E4B}">
-                <a14:imgProps xmlns:a14="http://schemas.microsoft.com/office/drawing/2010/main">
+                <a14:imgProps xmlns:a14="http://schemas.microsoft.com/office/drawing/2010/main" xmlns="">
                   <a14:imgLayer r:embed="rId8">
                     <a14:imgEffect>
                       <a14:brightnessContrast contrast="-40000"/>
@@ -44065,7 +42453,7 @@
                 </a14:imgProps>
               </a:ext>
               <a:ext uri="{28A0092B-C50C-407E-A947-70E740481C1C}">
-                <a14:useLocalDpi xmlns:a14="http://schemas.microsoft.com/office/drawing/2010/main" val="0"/>
+                <a14:useLocalDpi xmlns:a14="http://schemas.microsoft.com/office/drawing/2010/main" xmlns="" val="0"/>
               </a:ext>
             </a:extLst>
           </a:blip>
@@ -44085,7 +42473,7 @@
           <a:noFill/>
           <a:extLst>
             <a:ext uri="{909E8E84-426E-40DD-AFC4-6F175D3DCCD1}">
-              <a14:hiddenFill xmlns:a14="http://schemas.microsoft.com/office/drawing/2010/main">
+              <a14:hiddenFill xmlns:a14="http://schemas.microsoft.com/office/drawing/2010/main" xmlns="">
                 <a:solidFill>
                   <a:srgbClr val="FFFFFF"/>
                 </a:solidFill>
@@ -44106,7 +42494,7 @@
           <a:blip r:embed="rId7" cstate="print">
             <a:extLst>
               <a:ext uri="{BEBA8EAE-BF5A-486C-A8C5-ECC9F3942E4B}">
-                <a14:imgProps xmlns:a14="http://schemas.microsoft.com/office/drawing/2010/main">
+                <a14:imgProps xmlns:a14="http://schemas.microsoft.com/office/drawing/2010/main" xmlns="">
                   <a14:imgLayer r:embed="rId8">
                     <a14:imgEffect>
                       <a14:brightnessContrast contrast="-40000"/>
@@ -44115,7 +42503,7 @@
                 </a14:imgProps>
               </a:ext>
               <a:ext uri="{28A0092B-C50C-407E-A947-70E740481C1C}">
-                <a14:useLocalDpi xmlns:a14="http://schemas.microsoft.com/office/drawing/2010/main" val="0"/>
+                <a14:useLocalDpi xmlns:a14="http://schemas.microsoft.com/office/drawing/2010/main" xmlns="" val="0"/>
               </a:ext>
             </a:extLst>
           </a:blip>
@@ -44135,7 +42523,7 @@
           <a:noFill/>
           <a:extLst>
             <a:ext uri="{909E8E84-426E-40DD-AFC4-6F175D3DCCD1}">
-              <a14:hiddenFill xmlns:a14="http://schemas.microsoft.com/office/drawing/2010/main">
+              <a14:hiddenFill xmlns:a14="http://schemas.microsoft.com/office/drawing/2010/main" xmlns="">
                 <a:solidFill>
                   <a:srgbClr val="FFFFFF"/>
                 </a:solidFill>
@@ -44163,7 +42551,7 @@
             </a:duotone>
             <a:extLst>
               <a:ext uri="{BEBA8EAE-BF5A-486C-A8C5-ECC9F3942E4B}">
-                <a14:imgProps xmlns:a14="http://schemas.microsoft.com/office/drawing/2010/main">
+                <a14:imgProps xmlns:a14="http://schemas.microsoft.com/office/drawing/2010/main" xmlns="">
                   <a14:imgLayer r:embed="rId8">
                     <a14:imgEffect>
                       <a14:brightnessContrast contrast="-40000"/>
@@ -44172,7 +42560,7 @@
                 </a14:imgProps>
               </a:ext>
               <a:ext uri="{28A0092B-C50C-407E-A947-70E740481C1C}">
-                <a14:useLocalDpi xmlns:a14="http://schemas.microsoft.com/office/drawing/2010/main" val="0"/>
+                <a14:useLocalDpi xmlns:a14="http://schemas.microsoft.com/office/drawing/2010/main" xmlns="" val="0"/>
               </a:ext>
             </a:extLst>
           </a:blip>
@@ -44192,7 +42580,7 @@
           <a:noFill/>
           <a:extLst>
             <a:ext uri="{909E8E84-426E-40DD-AFC4-6F175D3DCCD1}">
-              <a14:hiddenFill xmlns:a14="http://schemas.microsoft.com/office/drawing/2010/main">
+              <a14:hiddenFill xmlns:a14="http://schemas.microsoft.com/office/drawing/2010/main" xmlns="">
                 <a:solidFill>
                   <a:srgbClr val="FFFFFF"/>
                 </a:solidFill>
@@ -44213,7 +42601,7 @@
           <a:blip r:embed="rId7" cstate="print">
             <a:extLst>
               <a:ext uri="{BEBA8EAE-BF5A-486C-A8C5-ECC9F3942E4B}">
-                <a14:imgProps xmlns:a14="http://schemas.microsoft.com/office/drawing/2010/main">
+                <a14:imgProps xmlns:a14="http://schemas.microsoft.com/office/drawing/2010/main" xmlns="">
                   <a14:imgLayer r:embed="rId8">
                     <a14:imgEffect>
                       <a14:brightnessContrast contrast="-40000"/>
@@ -44222,7 +42610,7 @@
                 </a14:imgProps>
               </a:ext>
               <a:ext uri="{28A0092B-C50C-407E-A947-70E740481C1C}">
-                <a14:useLocalDpi xmlns:a14="http://schemas.microsoft.com/office/drawing/2010/main" val="0"/>
+                <a14:useLocalDpi xmlns:a14="http://schemas.microsoft.com/office/drawing/2010/main" xmlns="" val="0"/>
               </a:ext>
             </a:extLst>
           </a:blip>
@@ -44242,7 +42630,7 @@
           <a:noFill/>
           <a:extLst>
             <a:ext uri="{909E8E84-426E-40DD-AFC4-6F175D3DCCD1}">
-              <a14:hiddenFill xmlns:a14="http://schemas.microsoft.com/office/drawing/2010/main">
+              <a14:hiddenFill xmlns:a14="http://schemas.microsoft.com/office/drawing/2010/main" xmlns="">
                 <a:solidFill>
                   <a:srgbClr val="FFFFFF"/>
                 </a:solidFill>
@@ -44270,7 +42658,7 @@
             </a:duotone>
             <a:extLst>
               <a:ext uri="{BEBA8EAE-BF5A-486C-A8C5-ECC9F3942E4B}">
-                <a14:imgProps xmlns:a14="http://schemas.microsoft.com/office/drawing/2010/main">
+                <a14:imgProps xmlns:a14="http://schemas.microsoft.com/office/drawing/2010/main" xmlns="">
                   <a14:imgLayer r:embed="rId8">
                     <a14:imgEffect>
                       <a14:brightnessContrast contrast="-40000"/>
@@ -44279,7 +42667,7 @@
                 </a14:imgProps>
               </a:ext>
               <a:ext uri="{28A0092B-C50C-407E-A947-70E740481C1C}">
-                <a14:useLocalDpi xmlns:a14="http://schemas.microsoft.com/office/drawing/2010/main" val="0"/>
+                <a14:useLocalDpi xmlns:a14="http://schemas.microsoft.com/office/drawing/2010/main" xmlns="" val="0"/>
               </a:ext>
             </a:extLst>
           </a:blip>
@@ -44299,7 +42687,7 @@
           <a:noFill/>
           <a:extLst>
             <a:ext uri="{909E8E84-426E-40DD-AFC4-6F175D3DCCD1}">
-              <a14:hiddenFill xmlns:a14="http://schemas.microsoft.com/office/drawing/2010/main">
+              <a14:hiddenFill xmlns:a14="http://schemas.microsoft.com/office/drawing/2010/main" xmlns="">
                 <a:solidFill>
                   <a:srgbClr val="FFFFFF"/>
                 </a:solidFill>
@@ -44327,7 +42715,7 @@
             </a:duotone>
             <a:extLst>
               <a:ext uri="{BEBA8EAE-BF5A-486C-A8C5-ECC9F3942E4B}">
-                <a14:imgProps xmlns:a14="http://schemas.microsoft.com/office/drawing/2010/main">
+                <a14:imgProps xmlns:a14="http://schemas.microsoft.com/office/drawing/2010/main" xmlns="">
                   <a14:imgLayer r:embed="rId8">
                     <a14:imgEffect>
                       <a14:brightnessContrast contrast="-40000"/>
@@ -44336,7 +42724,7 @@
                 </a14:imgProps>
               </a:ext>
               <a:ext uri="{28A0092B-C50C-407E-A947-70E740481C1C}">
-                <a14:useLocalDpi xmlns:a14="http://schemas.microsoft.com/office/drawing/2010/main" val="0"/>
+                <a14:useLocalDpi xmlns:a14="http://schemas.microsoft.com/office/drawing/2010/main" xmlns="" val="0"/>
               </a:ext>
             </a:extLst>
           </a:blip>
@@ -44356,7 +42744,7 @@
           <a:noFill/>
           <a:extLst>
             <a:ext uri="{909E8E84-426E-40DD-AFC4-6F175D3DCCD1}">
-              <a14:hiddenFill xmlns:a14="http://schemas.microsoft.com/office/drawing/2010/main">
+              <a14:hiddenFill xmlns:a14="http://schemas.microsoft.com/office/drawing/2010/main" xmlns="">
                 <a:solidFill>
                   <a:srgbClr val="FFFFFF"/>
                 </a:solidFill>
@@ -44417,7 +42805,7 @@
             </a:duotone>
             <a:extLst>
               <a:ext uri="{BEBA8EAE-BF5A-486C-A8C5-ECC9F3942E4B}">
-                <a14:imgProps xmlns:a14="http://schemas.microsoft.com/office/drawing/2010/main">
+                <a14:imgProps xmlns:a14="http://schemas.microsoft.com/office/drawing/2010/main" xmlns="">
                   <a14:imgLayer r:embed="rId8">
                     <a14:imgEffect>
                       <a14:brightnessContrast contrast="-40000"/>
@@ -44426,7 +42814,7 @@
                 </a14:imgProps>
               </a:ext>
               <a:ext uri="{28A0092B-C50C-407E-A947-70E740481C1C}">
-                <a14:useLocalDpi xmlns:a14="http://schemas.microsoft.com/office/drawing/2010/main" val="0"/>
+                <a14:useLocalDpi xmlns:a14="http://schemas.microsoft.com/office/drawing/2010/main" xmlns="" val="0"/>
               </a:ext>
             </a:extLst>
           </a:blip>
@@ -44446,7 +42834,7 @@
           <a:noFill/>
           <a:extLst>
             <a:ext uri="{909E8E84-426E-40DD-AFC4-6F175D3DCCD1}">
-              <a14:hiddenFill xmlns:a14="http://schemas.microsoft.com/office/drawing/2010/main">
+              <a14:hiddenFill xmlns:a14="http://schemas.microsoft.com/office/drawing/2010/main" xmlns="">
                 <a:solidFill>
                   <a:srgbClr val="FFFFFF"/>
                 </a:solidFill>
@@ -44500,7 +42888,7 @@
           <a:blip r:embed="rId7" cstate="print">
             <a:extLst>
               <a:ext uri="{BEBA8EAE-BF5A-486C-A8C5-ECC9F3942E4B}">
-                <a14:imgProps xmlns:a14="http://schemas.microsoft.com/office/drawing/2010/main">
+                <a14:imgProps xmlns:a14="http://schemas.microsoft.com/office/drawing/2010/main" xmlns="">
                   <a14:imgLayer r:embed="rId8">
                     <a14:imgEffect>
                       <a14:brightnessContrast contrast="-40000"/>
@@ -44509,7 +42897,7 @@
                 </a14:imgProps>
               </a:ext>
               <a:ext uri="{28A0092B-C50C-407E-A947-70E740481C1C}">
-                <a14:useLocalDpi xmlns:a14="http://schemas.microsoft.com/office/drawing/2010/main" val="0"/>
+                <a14:useLocalDpi xmlns:a14="http://schemas.microsoft.com/office/drawing/2010/main" xmlns="" val="0"/>
               </a:ext>
             </a:extLst>
           </a:blip>
@@ -44529,7 +42917,7 @@
           <a:noFill/>
           <a:extLst>
             <a:ext uri="{909E8E84-426E-40DD-AFC4-6F175D3DCCD1}">
-              <a14:hiddenFill xmlns:a14="http://schemas.microsoft.com/office/drawing/2010/main">
+              <a14:hiddenFill xmlns:a14="http://schemas.microsoft.com/office/drawing/2010/main" xmlns="">
                 <a:solidFill>
                   <a:srgbClr val="FFFFFF"/>
                 </a:solidFill>
@@ -44557,7 +42945,7 @@
             </a:duotone>
             <a:extLst>
               <a:ext uri="{BEBA8EAE-BF5A-486C-A8C5-ECC9F3942E4B}">
-                <a14:imgProps xmlns:a14="http://schemas.microsoft.com/office/drawing/2010/main">
+                <a14:imgProps xmlns:a14="http://schemas.microsoft.com/office/drawing/2010/main" xmlns="">
                   <a14:imgLayer r:embed="rId8">
                     <a14:imgEffect>
                       <a14:brightnessContrast contrast="-40000"/>
@@ -44566,7 +42954,7 @@
                 </a14:imgProps>
               </a:ext>
               <a:ext uri="{28A0092B-C50C-407E-A947-70E740481C1C}">
-                <a14:useLocalDpi xmlns:a14="http://schemas.microsoft.com/office/drawing/2010/main" val="0"/>
+                <a14:useLocalDpi xmlns:a14="http://schemas.microsoft.com/office/drawing/2010/main" xmlns="" val="0"/>
               </a:ext>
             </a:extLst>
           </a:blip>
@@ -44586,7 +42974,7 @@
           <a:noFill/>
           <a:extLst>
             <a:ext uri="{909E8E84-426E-40DD-AFC4-6F175D3DCCD1}">
-              <a14:hiddenFill xmlns:a14="http://schemas.microsoft.com/office/drawing/2010/main">
+              <a14:hiddenFill xmlns:a14="http://schemas.microsoft.com/office/drawing/2010/main" xmlns="">
                 <a:solidFill>
                   <a:srgbClr val="FFFFFF"/>
                 </a:solidFill>
@@ -44614,7 +43002,7 @@
             </a:duotone>
             <a:extLst>
               <a:ext uri="{BEBA8EAE-BF5A-486C-A8C5-ECC9F3942E4B}">
-                <a14:imgProps xmlns:a14="http://schemas.microsoft.com/office/drawing/2010/main">
+                <a14:imgProps xmlns:a14="http://schemas.microsoft.com/office/drawing/2010/main" xmlns="">
                   <a14:imgLayer r:embed="rId8">
                     <a14:imgEffect>
                       <a14:brightnessContrast contrast="-40000"/>
@@ -44623,7 +43011,7 @@
                 </a14:imgProps>
               </a:ext>
               <a:ext uri="{28A0092B-C50C-407E-A947-70E740481C1C}">
-                <a14:useLocalDpi xmlns:a14="http://schemas.microsoft.com/office/drawing/2010/main" val="0"/>
+                <a14:useLocalDpi xmlns:a14="http://schemas.microsoft.com/office/drawing/2010/main" xmlns="" val="0"/>
               </a:ext>
             </a:extLst>
           </a:blip>
@@ -44643,7 +43031,7 @@
           <a:noFill/>
           <a:extLst>
             <a:ext uri="{909E8E84-426E-40DD-AFC4-6F175D3DCCD1}">
-              <a14:hiddenFill xmlns:a14="http://schemas.microsoft.com/office/drawing/2010/main">
+              <a14:hiddenFill xmlns:a14="http://schemas.microsoft.com/office/drawing/2010/main" xmlns="">
                 <a:solidFill>
                   <a:srgbClr val="FFFFFF"/>
                 </a:solidFill>
@@ -44664,7 +43052,7 @@
           <a:blip r:embed="rId7" cstate="print">
             <a:extLst>
               <a:ext uri="{BEBA8EAE-BF5A-486C-A8C5-ECC9F3942E4B}">
-                <a14:imgProps xmlns:a14="http://schemas.microsoft.com/office/drawing/2010/main">
+                <a14:imgProps xmlns:a14="http://schemas.microsoft.com/office/drawing/2010/main" xmlns="">
                   <a14:imgLayer r:embed="rId8">
                     <a14:imgEffect>
                       <a14:brightnessContrast contrast="-40000"/>
@@ -44673,7 +43061,7 @@
                 </a14:imgProps>
               </a:ext>
               <a:ext uri="{28A0092B-C50C-407E-A947-70E740481C1C}">
-                <a14:useLocalDpi xmlns:a14="http://schemas.microsoft.com/office/drawing/2010/main" val="0"/>
+                <a14:useLocalDpi xmlns:a14="http://schemas.microsoft.com/office/drawing/2010/main" xmlns="" val="0"/>
               </a:ext>
             </a:extLst>
           </a:blip>
@@ -44693,7 +43081,7 @@
           <a:noFill/>
           <a:extLst>
             <a:ext uri="{909E8E84-426E-40DD-AFC4-6F175D3DCCD1}">
-              <a14:hiddenFill xmlns:a14="http://schemas.microsoft.com/office/drawing/2010/main">
+              <a14:hiddenFill xmlns:a14="http://schemas.microsoft.com/office/drawing/2010/main" xmlns="">
                 <a:solidFill>
                   <a:srgbClr val="FFFFFF"/>
                 </a:solidFill>
@@ -45596,7 +43984,7 @@
     </p:spTree>
     <p:extLst>
       <p:ext uri="{BB962C8B-B14F-4D97-AF65-F5344CB8AC3E}">
-        <p14:creationId xmlns:p14="http://schemas.microsoft.com/office/powerpoint/2010/main" val="2899657798"/>
+        <p14:creationId xmlns:p14="http://schemas.microsoft.com/office/powerpoint/2010/main" xmlns="" val="2899657798"/>
       </p:ext>
     </p:extLst>
   </p:cSld>
@@ -45613,7 +44001,7 @@
 </p:sld>
 </file>
 
-<file path=ppt/slides/slide7.xml><?xml version="1.0" encoding="utf-8"?>
+<file path=ppt/slides/slide6.xml><?xml version="1.0" encoding="utf-8"?>
 <p:sld xmlns:a="http://schemas.openxmlformats.org/drawingml/2006/main" xmlns:r="http://schemas.openxmlformats.org/officeDocument/2006/relationships" xmlns:p="http://schemas.openxmlformats.org/presentationml/2006/main">
   <p:cSld>
     <p:spTree>
@@ -45669,7 +44057,7 @@
           <a:blip r:embed="rId2" cstate="print">
             <a:extLst>
               <a:ext uri="{28A0092B-C50C-407E-A947-70E740481C1C}">
-                <a14:useLocalDpi xmlns:a14="http://schemas.microsoft.com/office/drawing/2010/main" val="0"/>
+                <a14:useLocalDpi xmlns:a14="http://schemas.microsoft.com/office/drawing/2010/main" xmlns="" val="0"/>
               </a:ext>
             </a:extLst>
           </a:blip>
@@ -45689,7 +44077,7 @@
           <a:noFill/>
           <a:extLst>
             <a:ext uri="{909E8E84-426E-40DD-AFC4-6F175D3DCCD1}">
-              <a14:hiddenFill xmlns:a14="http://schemas.microsoft.com/office/drawing/2010/main">
+              <a14:hiddenFill xmlns:a14="http://schemas.microsoft.com/office/drawing/2010/main" xmlns="">
                 <a:solidFill>
                   <a:srgbClr val="FFFFFF"/>
                 </a:solidFill>
@@ -45710,7 +44098,7 @@
           <a:blip r:embed="rId3" cstate="print">
             <a:extLst>
               <a:ext uri="{28A0092B-C50C-407E-A947-70E740481C1C}">
-                <a14:useLocalDpi xmlns:a14="http://schemas.microsoft.com/office/drawing/2010/main" val="0"/>
+                <a14:useLocalDpi xmlns:a14="http://schemas.microsoft.com/office/drawing/2010/main" xmlns="" val="0"/>
               </a:ext>
             </a:extLst>
           </a:blip>
@@ -45730,7 +44118,7 @@
           <a:noFill/>
           <a:extLst>
             <a:ext uri="{909E8E84-426E-40DD-AFC4-6F175D3DCCD1}">
-              <a14:hiddenFill xmlns:a14="http://schemas.microsoft.com/office/drawing/2010/main">
+              <a14:hiddenFill xmlns:a14="http://schemas.microsoft.com/office/drawing/2010/main" xmlns="">
                 <a:solidFill>
                   <a:srgbClr val="FFFFFF"/>
                 </a:solidFill>
@@ -45751,7 +44139,7 @@
           <a:blip r:embed="rId4" cstate="print">
             <a:extLst>
               <a:ext uri="{28A0092B-C50C-407E-A947-70E740481C1C}">
-                <a14:useLocalDpi xmlns:a14="http://schemas.microsoft.com/office/drawing/2010/main" val="0"/>
+                <a14:useLocalDpi xmlns:a14="http://schemas.microsoft.com/office/drawing/2010/main" xmlns="" val="0"/>
               </a:ext>
             </a:extLst>
           </a:blip>
@@ -45771,7 +44159,7 @@
           <a:noFill/>
           <a:extLst>
             <a:ext uri="{909E8E84-426E-40DD-AFC4-6F175D3DCCD1}">
-              <a14:hiddenFill xmlns:a14="http://schemas.microsoft.com/office/drawing/2010/main">
+              <a14:hiddenFill xmlns:a14="http://schemas.microsoft.com/office/drawing/2010/main" xmlns="">
                 <a:solidFill>
                   <a:srgbClr val="FFFFFF"/>
                 </a:solidFill>
@@ -46084,7 +44472,7 @@
           <a:blip r:embed="rId5" cstate="print">
             <a:extLst>
               <a:ext uri="{28A0092B-C50C-407E-A947-70E740481C1C}">
-                <a14:useLocalDpi xmlns:a14="http://schemas.microsoft.com/office/drawing/2010/main" val="0"/>
+                <a14:useLocalDpi xmlns:a14="http://schemas.microsoft.com/office/drawing/2010/main" xmlns="" val="0"/>
               </a:ext>
             </a:extLst>
           </a:blip>
@@ -46104,7 +44492,7 @@
           <a:noFill/>
           <a:extLst>
             <a:ext uri="{909E8E84-426E-40DD-AFC4-6F175D3DCCD1}">
-              <a14:hiddenFill xmlns:a14="http://schemas.microsoft.com/office/drawing/2010/main">
+              <a14:hiddenFill xmlns:a14="http://schemas.microsoft.com/office/drawing/2010/main" xmlns="">
                 <a:solidFill>
                   <a:srgbClr val="FFFFFF"/>
                 </a:solidFill>
@@ -46605,7 +44993,7 @@
           <a:blip r:embed="rId6" cstate="print">
             <a:extLst>
               <a:ext uri="{28A0092B-C50C-407E-A947-70E740481C1C}">
-                <a14:useLocalDpi xmlns:a14="http://schemas.microsoft.com/office/drawing/2010/main" val="0"/>
+                <a14:useLocalDpi xmlns:a14="http://schemas.microsoft.com/office/drawing/2010/main" xmlns="" val="0"/>
               </a:ext>
             </a:extLst>
           </a:blip>
@@ -46625,7 +45013,7 @@
           <a:noFill/>
           <a:extLst>
             <a:ext uri="{909E8E84-426E-40DD-AFC4-6F175D3DCCD1}">
-              <a14:hiddenFill xmlns:a14="http://schemas.microsoft.com/office/drawing/2010/main">
+              <a14:hiddenFill xmlns:a14="http://schemas.microsoft.com/office/drawing/2010/main" xmlns="">
                 <a:solidFill>
                   <a:srgbClr val="FFFFFF"/>
                 </a:solidFill>
@@ -46646,7 +45034,7 @@
           <a:blip r:embed="rId6" cstate="print">
             <a:extLst>
               <a:ext uri="{28A0092B-C50C-407E-A947-70E740481C1C}">
-                <a14:useLocalDpi xmlns:a14="http://schemas.microsoft.com/office/drawing/2010/main" val="0"/>
+                <a14:useLocalDpi xmlns:a14="http://schemas.microsoft.com/office/drawing/2010/main" xmlns="" val="0"/>
               </a:ext>
             </a:extLst>
           </a:blip>
@@ -46666,7 +45054,7 @@
           <a:noFill/>
           <a:extLst>
             <a:ext uri="{909E8E84-426E-40DD-AFC4-6F175D3DCCD1}">
-              <a14:hiddenFill xmlns:a14="http://schemas.microsoft.com/office/drawing/2010/main">
+              <a14:hiddenFill xmlns:a14="http://schemas.microsoft.com/office/drawing/2010/main" xmlns="">
                 <a:solidFill>
                   <a:srgbClr val="FFFFFF"/>
                 </a:solidFill>
@@ -46788,7 +45176,7 @@
           <a:blip r:embed="rId6" cstate="print">
             <a:extLst>
               <a:ext uri="{28A0092B-C50C-407E-A947-70E740481C1C}">
-                <a14:useLocalDpi xmlns:a14="http://schemas.microsoft.com/office/drawing/2010/main" val="0"/>
+                <a14:useLocalDpi xmlns:a14="http://schemas.microsoft.com/office/drawing/2010/main" xmlns="" val="0"/>
               </a:ext>
             </a:extLst>
           </a:blip>
@@ -46808,7 +45196,7 @@
           <a:noFill/>
           <a:extLst>
             <a:ext uri="{909E8E84-426E-40DD-AFC4-6F175D3DCCD1}">
-              <a14:hiddenFill xmlns:a14="http://schemas.microsoft.com/office/drawing/2010/main">
+              <a14:hiddenFill xmlns:a14="http://schemas.microsoft.com/office/drawing/2010/main" xmlns="">
                 <a:solidFill>
                   <a:srgbClr val="FFFFFF"/>
                 </a:solidFill>
@@ -46930,7 +45318,7 @@
           <a:blip r:embed="rId6" cstate="print">
             <a:extLst>
               <a:ext uri="{28A0092B-C50C-407E-A947-70E740481C1C}">
-                <a14:useLocalDpi xmlns:a14="http://schemas.microsoft.com/office/drawing/2010/main" val="0"/>
+                <a14:useLocalDpi xmlns:a14="http://schemas.microsoft.com/office/drawing/2010/main" xmlns="" val="0"/>
               </a:ext>
             </a:extLst>
           </a:blip>
@@ -46950,7 +45338,7 @@
           <a:noFill/>
           <a:extLst>
             <a:ext uri="{909E8E84-426E-40DD-AFC4-6F175D3DCCD1}">
-              <a14:hiddenFill xmlns:a14="http://schemas.microsoft.com/office/drawing/2010/main">
+              <a14:hiddenFill xmlns:a14="http://schemas.microsoft.com/office/drawing/2010/main" xmlns="">
                 <a:solidFill>
                   <a:srgbClr val="FFFFFF"/>
                 </a:solidFill>
@@ -47041,7 +45429,7 @@
           <a:blip r:embed="rId6" cstate="print">
             <a:extLst>
               <a:ext uri="{28A0092B-C50C-407E-A947-70E740481C1C}">
-                <a14:useLocalDpi xmlns:a14="http://schemas.microsoft.com/office/drawing/2010/main" val="0"/>
+                <a14:useLocalDpi xmlns:a14="http://schemas.microsoft.com/office/drawing/2010/main" xmlns="" val="0"/>
               </a:ext>
             </a:extLst>
           </a:blip>
@@ -47061,7 +45449,7 @@
           <a:noFill/>
           <a:extLst>
             <a:ext uri="{909E8E84-426E-40DD-AFC4-6F175D3DCCD1}">
-              <a14:hiddenFill xmlns:a14="http://schemas.microsoft.com/office/drawing/2010/main">
+              <a14:hiddenFill xmlns:a14="http://schemas.microsoft.com/office/drawing/2010/main" xmlns="">
                 <a:solidFill>
                   <a:srgbClr val="FFFFFF"/>
                 </a:solidFill>
@@ -47122,7 +45510,7 @@
           <a:blip r:embed="rId6" cstate="print">
             <a:extLst>
               <a:ext uri="{28A0092B-C50C-407E-A947-70E740481C1C}">
-                <a14:useLocalDpi xmlns:a14="http://schemas.microsoft.com/office/drawing/2010/main" val="0"/>
+                <a14:useLocalDpi xmlns:a14="http://schemas.microsoft.com/office/drawing/2010/main" xmlns="" val="0"/>
               </a:ext>
             </a:extLst>
           </a:blip>
@@ -47142,7 +45530,7 @@
           <a:noFill/>
           <a:extLst>
             <a:ext uri="{909E8E84-426E-40DD-AFC4-6F175D3DCCD1}">
-              <a14:hiddenFill xmlns:a14="http://schemas.microsoft.com/office/drawing/2010/main">
+              <a14:hiddenFill xmlns:a14="http://schemas.microsoft.com/office/drawing/2010/main" xmlns="">
                 <a:solidFill>
                   <a:srgbClr val="FFFFFF"/>
                 </a:solidFill>
@@ -47169,7 +45557,7 @@
             <a:fld id="{1B2C9F7E-80B6-4C3C-8A6C-643968CAB744}" type="slidenum">
               <a:rPr kumimoji="1" lang="ja-JP" altLang="en-US" smtClean="0"/>
               <a:pPr/>
-              <a:t>7</a:t>
+              <a:t>6</a:t>
             </a:fld>
             <a:endParaRPr kumimoji="1" lang="ja-JP" altLang="en-US"/>
           </a:p>
@@ -47178,7 +45566,7 @@
     </p:spTree>
     <p:extLst>
       <p:ext uri="{BB962C8B-B14F-4D97-AF65-F5344CB8AC3E}">
-        <p14:creationId xmlns:p14="http://schemas.microsoft.com/office/powerpoint/2010/main" val="3571895763"/>
+        <p14:creationId xmlns:p14="http://schemas.microsoft.com/office/powerpoint/2010/main" xmlns="" val="3571895763"/>
       </p:ext>
     </p:extLst>
   </p:cSld>
@@ -47195,7 +45583,7 @@
 </p:sld>
 </file>
 
-<file path=ppt/slides/slide8.xml><?xml version="1.0" encoding="utf-8"?>
+<file path=ppt/slides/slide7.xml><?xml version="1.0" encoding="utf-8"?>
 <p:sld xmlns:a="http://schemas.openxmlformats.org/drawingml/2006/main" xmlns:r="http://schemas.openxmlformats.org/officeDocument/2006/relationships" xmlns:p="http://schemas.openxmlformats.org/presentationml/2006/main">
   <p:cSld>
     <p:spTree>
@@ -47364,7 +45752,7 @@
             <a:fld id="{1B2C9F7E-80B6-4C3C-8A6C-643968CAB744}" type="slidenum">
               <a:rPr kumimoji="1" lang="ja-JP" altLang="en-US" smtClean="0"/>
               <a:pPr/>
-              <a:t>8</a:t>
+              <a:t>7</a:t>
             </a:fld>
             <a:endParaRPr kumimoji="1" lang="ja-JP" altLang="en-US"/>
           </a:p>
@@ -47373,7 +45761,7 @@
     </p:spTree>
     <p:extLst>
       <p:ext uri="{BB962C8B-B14F-4D97-AF65-F5344CB8AC3E}">
-        <p14:creationId xmlns:p14="http://schemas.microsoft.com/office/powerpoint/2010/main" val="1814037007"/>
+        <p14:creationId xmlns:p14="http://schemas.microsoft.com/office/powerpoint/2010/main" xmlns="" val="1814037007"/>
       </p:ext>
     </p:extLst>
   </p:cSld>
@@ -47390,7 +45778,7 @@
 </p:sld>
 </file>
 
-<file path=ppt/slides/slide9.xml><?xml version="1.0" encoding="utf-8"?>
+<file path=ppt/slides/slide8.xml><?xml version="1.0" encoding="utf-8"?>
 <p:sld xmlns:a="http://schemas.openxmlformats.org/drawingml/2006/main" xmlns:r="http://schemas.openxmlformats.org/officeDocument/2006/relationships" xmlns:p="http://schemas.openxmlformats.org/presentationml/2006/main">
   <p:cSld>
     <p:spTree>
@@ -47414,7 +45802,7 @@
           <p:nvPr>
             <p:extLst>
               <p:ext uri="{D42A27DB-BD31-4B8C-83A1-F6EECF244321}">
-                <p14:modId xmlns:p14="http://schemas.microsoft.com/office/powerpoint/2010/main" val="1706410963"/>
+                <p14:modId xmlns:p14="http://schemas.microsoft.com/office/powerpoint/2010/main" xmlns="" val="1706410963"/>
               </p:ext>
             </p:extLst>
           </p:nvPr>
@@ -47480,6 +45868,114 @@
             <a:fld id="{1B2C9F7E-80B6-4C3C-8A6C-643968CAB744}" type="slidenum">
               <a:rPr kumimoji="1" lang="ja-JP" altLang="en-US" smtClean="0"/>
               <a:pPr/>
+              <a:t>8</a:t>
+            </a:fld>
+            <a:endParaRPr kumimoji="1" lang="ja-JP" altLang="en-US"/>
+          </a:p>
+        </p:txBody>
+      </p:sp>
+    </p:spTree>
+    <p:extLst>
+      <p:ext uri="{BB962C8B-B14F-4D97-AF65-F5344CB8AC3E}">
+        <p14:creationId xmlns:p14="http://schemas.microsoft.com/office/powerpoint/2010/main" xmlns="" val="2747427363"/>
+      </p:ext>
+    </p:extLst>
+  </p:cSld>
+  <p:clrMapOvr>
+    <a:masterClrMapping/>
+  </p:clrMapOvr>
+  <p:timing>
+    <p:tnLst>
+      <p:par>
+        <p:cTn id="1" dur="indefinite" restart="never" nodeType="tmRoot"/>
+      </p:par>
+    </p:tnLst>
+  </p:timing>
+</p:sld>
+</file>
+
+<file path=ppt/slides/slide9.xml><?xml version="1.0" encoding="utf-8"?>
+<p:sld xmlns:a="http://schemas.openxmlformats.org/drawingml/2006/main" xmlns:r="http://schemas.openxmlformats.org/officeDocument/2006/relationships" xmlns:p="http://schemas.openxmlformats.org/presentationml/2006/main">
+  <p:cSld>
+    <p:spTree>
+      <p:nvGrpSpPr>
+        <p:cNvPr id="1" name=""/>
+        <p:cNvGrpSpPr/>
+        <p:nvPr/>
+      </p:nvGrpSpPr>
+      <p:grpSpPr>
+        <a:xfrm>
+          <a:off x="0" y="0"/>
+          <a:ext cx="0" cy="0"/>
+          <a:chOff x="0" y="0"/>
+          <a:chExt cx="0" cy="0"/>
+        </a:xfrm>
+      </p:grpSpPr>
+      <p:graphicFrame>
+        <p:nvGraphicFramePr>
+          <p:cNvPr id="20" name="図表 19"/>
+          <p:cNvGraphicFramePr/>
+          <p:nvPr>
+            <p:extLst>
+              <p:ext uri="{D42A27DB-BD31-4B8C-83A1-F6EECF244321}">
+                <p14:modId xmlns:p14="http://schemas.microsoft.com/office/powerpoint/2010/main" xmlns="" val="772880857"/>
+              </p:ext>
+            </p:extLst>
+          </p:nvPr>
+        </p:nvGraphicFramePr>
+        <p:xfrm>
+          <a:off x="539552" y="1442744"/>
+          <a:ext cx="7992888" cy="4608512"/>
+        </p:xfrm>
+        <a:graphic>
+          <a:graphicData uri="http://schemas.openxmlformats.org/drawingml/2006/diagram">
+            <dgm:relIds xmlns:dgm="http://schemas.openxmlformats.org/drawingml/2006/diagram" xmlns:r="http://schemas.openxmlformats.org/officeDocument/2006/relationships" r:dm="rId2" r:lo="rId3" r:qs="rId4" r:cs="rId5"/>
+          </a:graphicData>
+        </a:graphic>
+      </p:graphicFrame>
+      <p:sp>
+        <p:nvSpPr>
+          <p:cNvPr id="2" name="タイトル 1"/>
+          <p:cNvSpPr>
+            <a:spLocks noGrp="1"/>
+          </p:cNvSpPr>
+          <p:nvPr>
+            <p:ph type="title"/>
+          </p:nvPr>
+        </p:nvSpPr>
+        <p:spPr/>
+        <p:txBody>
+          <a:bodyPr>
+            <a:normAutofit/>
+          </a:bodyPr>
+          <a:lstStyle/>
+          <a:p>
+            <a:r>
+              <a:rPr lang="ja-JP" altLang="en-US" dirty="0" smtClean="0"/>
+              <a:t>６－２．画面構成（承認者）</a:t>
+            </a:r>
+            <a:endParaRPr kumimoji="1" lang="ja-JP" altLang="en-US" dirty="0"/>
+          </a:p>
+        </p:txBody>
+      </p:sp>
+      <p:sp>
+        <p:nvSpPr>
+          <p:cNvPr id="3" name="スライド番号プレースホルダー 2"/>
+          <p:cNvSpPr>
+            <a:spLocks noGrp="1"/>
+          </p:cNvSpPr>
+          <p:nvPr>
+            <p:ph type="sldNum" sz="quarter" idx="12"/>
+          </p:nvPr>
+        </p:nvSpPr>
+        <p:spPr/>
+        <p:txBody>
+          <a:bodyPr/>
+          <a:lstStyle/>
+          <a:p>
+            <a:fld id="{1B2C9F7E-80B6-4C3C-8A6C-643968CAB744}" type="slidenum">
+              <a:rPr kumimoji="1" lang="ja-JP" altLang="en-US" smtClean="0"/>
+              <a:pPr/>
               <a:t>9</a:t>
             </a:fld>
             <a:endParaRPr kumimoji="1" lang="ja-JP" altLang="en-US"/>
@@ -47489,7 +45985,7 @@
     </p:spTree>
     <p:extLst>
       <p:ext uri="{BB962C8B-B14F-4D97-AF65-F5344CB8AC3E}">
-        <p14:creationId xmlns:p14="http://schemas.microsoft.com/office/powerpoint/2010/main" val="2747427363"/>
+        <p14:creationId xmlns:p14="http://schemas.microsoft.com/office/powerpoint/2010/main" xmlns="" val="1065369448"/>
       </p:ext>
     </p:extLst>
   </p:cSld>
